--- a/docs/logo/Logo v1.pptx
+++ b/docs/logo/Logo v1.pptx
@@ -13,6 +13,9 @@
     <p:sldId id="260" r:id="rId7"/>
     <p:sldId id="262" r:id="rId8"/>
     <p:sldId id="263" r:id="rId9"/>
+    <p:sldId id="264" r:id="rId10"/>
+    <p:sldId id="265" r:id="rId11"/>
+    <p:sldId id="266" r:id="rId12"/>
   </p:sldIdLst>
   <p:sldSz cx="9144000" cy="6858000" type="screen4x3"/>
   <p:notesSz cx="6858000" cy="9144000"/>
@@ -295,7 +298,8 @@
           <a:p>
             <a:fld id="{446099C2-C7BD-40E9-AAC7-5743EA8CCECA}" type="datetimeFigureOut">
               <a:rPr lang="en-GB" smtClean="0"/>
-              <a:t>14/11/2016</a:t>
+              <a:pPr/>
+              <a:t>15/11/2016</a:t>
             </a:fld>
             <a:endParaRPr lang="en-GB"/>
           </a:p>
@@ -337,6 +341,7 @@
           <a:p>
             <a:fld id="{059A31B7-4F67-47C3-BBEA-A6E440D78CA2}" type="slidenum">
               <a:rPr lang="en-GB" smtClean="0"/>
+              <a:pPr/>
               <a:t>‹Nr.›</a:t>
             </a:fld>
             <a:endParaRPr lang="en-GB"/>
@@ -346,7 +351,7 @@
     </p:spTree>
     <p:extLst>
       <p:ext uri="{BB962C8B-B14F-4D97-AF65-F5344CB8AC3E}">
-        <p14:creationId xmlns:p14="http://schemas.microsoft.com/office/powerpoint/2010/main" val="988753937"/>
+        <p14:creationId xmlns="" xmlns:p14="http://schemas.microsoft.com/office/powerpoint/2010/main" val="988753937"/>
       </p:ext>
     </p:extLst>
   </p:cSld>
@@ -465,7 +470,8 @@
           <a:p>
             <a:fld id="{446099C2-C7BD-40E9-AAC7-5743EA8CCECA}" type="datetimeFigureOut">
               <a:rPr lang="en-GB" smtClean="0"/>
-              <a:t>14/11/2016</a:t>
+              <a:pPr/>
+              <a:t>15/11/2016</a:t>
             </a:fld>
             <a:endParaRPr lang="en-GB"/>
           </a:p>
@@ -507,6 +513,7 @@
           <a:p>
             <a:fld id="{059A31B7-4F67-47C3-BBEA-A6E440D78CA2}" type="slidenum">
               <a:rPr lang="en-GB" smtClean="0"/>
+              <a:pPr/>
               <a:t>‹Nr.›</a:t>
             </a:fld>
             <a:endParaRPr lang="en-GB"/>
@@ -516,7 +523,7 @@
     </p:spTree>
     <p:extLst>
       <p:ext uri="{BB962C8B-B14F-4D97-AF65-F5344CB8AC3E}">
-        <p14:creationId xmlns:p14="http://schemas.microsoft.com/office/powerpoint/2010/main" val="3203205504"/>
+        <p14:creationId xmlns="" xmlns:p14="http://schemas.microsoft.com/office/powerpoint/2010/main" val="3203205504"/>
       </p:ext>
     </p:extLst>
   </p:cSld>
@@ -645,7 +652,8 @@
           <a:p>
             <a:fld id="{446099C2-C7BD-40E9-AAC7-5743EA8CCECA}" type="datetimeFigureOut">
               <a:rPr lang="en-GB" smtClean="0"/>
-              <a:t>14/11/2016</a:t>
+              <a:pPr/>
+              <a:t>15/11/2016</a:t>
             </a:fld>
             <a:endParaRPr lang="en-GB"/>
           </a:p>
@@ -687,6 +695,7 @@
           <a:p>
             <a:fld id="{059A31B7-4F67-47C3-BBEA-A6E440D78CA2}" type="slidenum">
               <a:rPr lang="en-GB" smtClean="0"/>
+              <a:pPr/>
               <a:t>‹Nr.›</a:t>
             </a:fld>
             <a:endParaRPr lang="en-GB"/>
@@ -696,7 +705,7 @@
     </p:spTree>
     <p:extLst>
       <p:ext uri="{BB962C8B-B14F-4D97-AF65-F5344CB8AC3E}">
-        <p14:creationId xmlns:p14="http://schemas.microsoft.com/office/powerpoint/2010/main" val="1896599689"/>
+        <p14:creationId xmlns="" xmlns:p14="http://schemas.microsoft.com/office/powerpoint/2010/main" val="1896599689"/>
       </p:ext>
     </p:extLst>
   </p:cSld>
@@ -815,7 +824,8 @@
           <a:p>
             <a:fld id="{446099C2-C7BD-40E9-AAC7-5743EA8CCECA}" type="datetimeFigureOut">
               <a:rPr lang="en-GB" smtClean="0"/>
-              <a:t>14/11/2016</a:t>
+              <a:pPr/>
+              <a:t>15/11/2016</a:t>
             </a:fld>
             <a:endParaRPr lang="en-GB"/>
           </a:p>
@@ -857,6 +867,7 @@
           <a:p>
             <a:fld id="{059A31B7-4F67-47C3-BBEA-A6E440D78CA2}" type="slidenum">
               <a:rPr lang="en-GB" smtClean="0"/>
+              <a:pPr/>
               <a:t>‹Nr.›</a:t>
             </a:fld>
             <a:endParaRPr lang="en-GB"/>
@@ -866,7 +877,7 @@
     </p:spTree>
     <p:extLst>
       <p:ext uri="{BB962C8B-B14F-4D97-AF65-F5344CB8AC3E}">
-        <p14:creationId xmlns:p14="http://schemas.microsoft.com/office/powerpoint/2010/main" val="3084495050"/>
+        <p14:creationId xmlns="" xmlns:p14="http://schemas.microsoft.com/office/powerpoint/2010/main" val="3084495050"/>
       </p:ext>
     </p:extLst>
   </p:cSld>
@@ -1061,7 +1072,8 @@
           <a:p>
             <a:fld id="{446099C2-C7BD-40E9-AAC7-5743EA8CCECA}" type="datetimeFigureOut">
               <a:rPr lang="en-GB" smtClean="0"/>
-              <a:t>14/11/2016</a:t>
+              <a:pPr/>
+              <a:t>15/11/2016</a:t>
             </a:fld>
             <a:endParaRPr lang="en-GB"/>
           </a:p>
@@ -1103,6 +1115,7 @@
           <a:p>
             <a:fld id="{059A31B7-4F67-47C3-BBEA-A6E440D78CA2}" type="slidenum">
               <a:rPr lang="en-GB" smtClean="0"/>
+              <a:pPr/>
               <a:t>‹Nr.›</a:t>
             </a:fld>
             <a:endParaRPr lang="en-GB"/>
@@ -1112,7 +1125,7 @@
     </p:spTree>
     <p:extLst>
       <p:ext uri="{BB962C8B-B14F-4D97-AF65-F5344CB8AC3E}">
-        <p14:creationId xmlns:p14="http://schemas.microsoft.com/office/powerpoint/2010/main" val="1943319369"/>
+        <p14:creationId xmlns="" xmlns:p14="http://schemas.microsoft.com/office/powerpoint/2010/main" val="1943319369"/>
       </p:ext>
     </p:extLst>
   </p:cSld>
@@ -1349,7 +1362,8 @@
           <a:p>
             <a:fld id="{446099C2-C7BD-40E9-AAC7-5743EA8CCECA}" type="datetimeFigureOut">
               <a:rPr lang="en-GB" smtClean="0"/>
-              <a:t>14/11/2016</a:t>
+              <a:pPr/>
+              <a:t>15/11/2016</a:t>
             </a:fld>
             <a:endParaRPr lang="en-GB"/>
           </a:p>
@@ -1391,6 +1405,7 @@
           <a:p>
             <a:fld id="{059A31B7-4F67-47C3-BBEA-A6E440D78CA2}" type="slidenum">
               <a:rPr lang="en-GB" smtClean="0"/>
+              <a:pPr/>
               <a:t>‹Nr.›</a:t>
             </a:fld>
             <a:endParaRPr lang="en-GB"/>
@@ -1400,7 +1415,7 @@
     </p:spTree>
     <p:extLst>
       <p:ext uri="{BB962C8B-B14F-4D97-AF65-F5344CB8AC3E}">
-        <p14:creationId xmlns:p14="http://schemas.microsoft.com/office/powerpoint/2010/main" val="3425279679"/>
+        <p14:creationId xmlns="" xmlns:p14="http://schemas.microsoft.com/office/powerpoint/2010/main" val="3425279679"/>
       </p:ext>
     </p:extLst>
   </p:cSld>
@@ -1771,7 +1786,8 @@
           <a:p>
             <a:fld id="{446099C2-C7BD-40E9-AAC7-5743EA8CCECA}" type="datetimeFigureOut">
               <a:rPr lang="en-GB" smtClean="0"/>
-              <a:t>14/11/2016</a:t>
+              <a:pPr/>
+              <a:t>15/11/2016</a:t>
             </a:fld>
             <a:endParaRPr lang="en-GB"/>
           </a:p>
@@ -1813,6 +1829,7 @@
           <a:p>
             <a:fld id="{059A31B7-4F67-47C3-BBEA-A6E440D78CA2}" type="slidenum">
               <a:rPr lang="en-GB" smtClean="0"/>
+              <a:pPr/>
               <a:t>‹Nr.›</a:t>
             </a:fld>
             <a:endParaRPr lang="en-GB"/>
@@ -1822,7 +1839,7 @@
     </p:spTree>
     <p:extLst>
       <p:ext uri="{BB962C8B-B14F-4D97-AF65-F5344CB8AC3E}">
-        <p14:creationId xmlns:p14="http://schemas.microsoft.com/office/powerpoint/2010/main" val="2114059002"/>
+        <p14:creationId xmlns="" xmlns:p14="http://schemas.microsoft.com/office/powerpoint/2010/main" val="2114059002"/>
       </p:ext>
     </p:extLst>
   </p:cSld>
@@ -1889,7 +1906,8 @@
           <a:p>
             <a:fld id="{446099C2-C7BD-40E9-AAC7-5743EA8CCECA}" type="datetimeFigureOut">
               <a:rPr lang="en-GB" smtClean="0"/>
-              <a:t>14/11/2016</a:t>
+              <a:pPr/>
+              <a:t>15/11/2016</a:t>
             </a:fld>
             <a:endParaRPr lang="en-GB"/>
           </a:p>
@@ -1931,6 +1949,7 @@
           <a:p>
             <a:fld id="{059A31B7-4F67-47C3-BBEA-A6E440D78CA2}" type="slidenum">
               <a:rPr lang="en-GB" smtClean="0"/>
+              <a:pPr/>
               <a:t>‹Nr.›</a:t>
             </a:fld>
             <a:endParaRPr lang="en-GB"/>
@@ -1940,7 +1959,7 @@
     </p:spTree>
     <p:extLst>
       <p:ext uri="{BB962C8B-B14F-4D97-AF65-F5344CB8AC3E}">
-        <p14:creationId xmlns:p14="http://schemas.microsoft.com/office/powerpoint/2010/main" val="3924301960"/>
+        <p14:creationId xmlns="" xmlns:p14="http://schemas.microsoft.com/office/powerpoint/2010/main" val="3924301960"/>
       </p:ext>
     </p:extLst>
   </p:cSld>
@@ -1984,7 +2003,8 @@
           <a:p>
             <a:fld id="{446099C2-C7BD-40E9-AAC7-5743EA8CCECA}" type="datetimeFigureOut">
               <a:rPr lang="en-GB" smtClean="0"/>
-              <a:t>14/11/2016</a:t>
+              <a:pPr/>
+              <a:t>15/11/2016</a:t>
             </a:fld>
             <a:endParaRPr lang="en-GB"/>
           </a:p>
@@ -2026,6 +2046,7 @@
           <a:p>
             <a:fld id="{059A31B7-4F67-47C3-BBEA-A6E440D78CA2}" type="slidenum">
               <a:rPr lang="en-GB" smtClean="0"/>
+              <a:pPr/>
               <a:t>‹Nr.›</a:t>
             </a:fld>
             <a:endParaRPr lang="en-GB"/>
@@ -2035,7 +2056,7 @@
     </p:spTree>
     <p:extLst>
       <p:ext uri="{BB962C8B-B14F-4D97-AF65-F5344CB8AC3E}">
-        <p14:creationId xmlns:p14="http://schemas.microsoft.com/office/powerpoint/2010/main" val="2913025127"/>
+        <p14:creationId xmlns="" xmlns:p14="http://schemas.microsoft.com/office/powerpoint/2010/main" val="2913025127"/>
       </p:ext>
     </p:extLst>
   </p:cSld>
@@ -2261,7 +2282,8 @@
           <a:p>
             <a:fld id="{446099C2-C7BD-40E9-AAC7-5743EA8CCECA}" type="datetimeFigureOut">
               <a:rPr lang="en-GB" smtClean="0"/>
-              <a:t>14/11/2016</a:t>
+              <a:pPr/>
+              <a:t>15/11/2016</a:t>
             </a:fld>
             <a:endParaRPr lang="en-GB"/>
           </a:p>
@@ -2303,6 +2325,7 @@
           <a:p>
             <a:fld id="{059A31B7-4F67-47C3-BBEA-A6E440D78CA2}" type="slidenum">
               <a:rPr lang="en-GB" smtClean="0"/>
+              <a:pPr/>
               <a:t>‹Nr.›</a:t>
             </a:fld>
             <a:endParaRPr lang="en-GB"/>
@@ -2312,7 +2335,7 @@
     </p:spTree>
     <p:extLst>
       <p:ext uri="{BB962C8B-B14F-4D97-AF65-F5344CB8AC3E}">
-        <p14:creationId xmlns:p14="http://schemas.microsoft.com/office/powerpoint/2010/main" val="2738167962"/>
+        <p14:creationId xmlns="" xmlns:p14="http://schemas.microsoft.com/office/powerpoint/2010/main" val="2738167962"/>
       </p:ext>
     </p:extLst>
   </p:cSld>
@@ -2514,7 +2537,8 @@
           <a:p>
             <a:fld id="{446099C2-C7BD-40E9-AAC7-5743EA8CCECA}" type="datetimeFigureOut">
               <a:rPr lang="en-GB" smtClean="0"/>
-              <a:t>14/11/2016</a:t>
+              <a:pPr/>
+              <a:t>15/11/2016</a:t>
             </a:fld>
             <a:endParaRPr lang="en-GB"/>
           </a:p>
@@ -2556,6 +2580,7 @@
           <a:p>
             <a:fld id="{059A31B7-4F67-47C3-BBEA-A6E440D78CA2}" type="slidenum">
               <a:rPr lang="en-GB" smtClean="0"/>
+              <a:pPr/>
               <a:t>‹Nr.›</a:t>
             </a:fld>
             <a:endParaRPr lang="en-GB"/>
@@ -2565,7 +2590,7 @@
     </p:spTree>
     <p:extLst>
       <p:ext uri="{BB962C8B-B14F-4D97-AF65-F5344CB8AC3E}">
-        <p14:creationId xmlns:p14="http://schemas.microsoft.com/office/powerpoint/2010/main" val="1819214512"/>
+        <p14:creationId xmlns="" xmlns:p14="http://schemas.microsoft.com/office/powerpoint/2010/main" val="1819214512"/>
       </p:ext>
     </p:extLst>
   </p:cSld>
@@ -2727,7 +2752,8 @@
           <a:p>
             <a:fld id="{446099C2-C7BD-40E9-AAC7-5743EA8CCECA}" type="datetimeFigureOut">
               <a:rPr lang="en-GB" smtClean="0"/>
-              <a:t>14/11/2016</a:t>
+              <a:pPr/>
+              <a:t>15/11/2016</a:t>
             </a:fld>
             <a:endParaRPr lang="en-GB"/>
           </a:p>
@@ -2805,6 +2831,7 @@
           <a:p>
             <a:fld id="{059A31B7-4F67-47C3-BBEA-A6E440D78CA2}" type="slidenum">
               <a:rPr lang="en-GB" smtClean="0"/>
+              <a:pPr/>
               <a:t>‹Nr.›</a:t>
             </a:fld>
             <a:endParaRPr lang="en-GB"/>
@@ -2814,7 +2841,7 @@
     </p:spTree>
     <p:extLst>
       <p:ext uri="{BB962C8B-B14F-4D97-AF65-F5344CB8AC3E}">
-        <p14:creationId xmlns:p14="http://schemas.microsoft.com/office/powerpoint/2010/main" val="3132271773"/>
+        <p14:creationId xmlns="" xmlns:p14="http://schemas.microsoft.com/office/powerpoint/2010/main" val="3132271773"/>
       </p:ext>
     </p:extLst>
   </p:cSld>
@@ -3694,9 +3721,3917 @@
     </p:spTree>
     <p:extLst>
       <p:ext uri="{BB962C8B-B14F-4D97-AF65-F5344CB8AC3E}">
-        <p14:creationId xmlns:p14="http://schemas.microsoft.com/office/powerpoint/2010/main" val="4255701356"/>
+        <p14:creationId xmlns="" xmlns:p14="http://schemas.microsoft.com/office/powerpoint/2010/main" val="4255701356"/>
       </p:ext>
     </p:extLst>
+  </p:cSld>
+  <p:clrMapOvr>
+    <a:masterClrMapping/>
+  </p:clrMapOvr>
+</p:sld>
+</file>
+
+<file path=ppt/slides/slide10.xml><?xml version="1.0" encoding="utf-8"?>
+<p:sld xmlns:a="http://schemas.openxmlformats.org/drawingml/2006/main" xmlns:r="http://schemas.openxmlformats.org/officeDocument/2006/relationships" xmlns:p="http://schemas.openxmlformats.org/presentationml/2006/main">
+  <p:cSld>
+    <p:spTree>
+      <p:nvGrpSpPr>
+        <p:cNvPr id="1" name=""/>
+        <p:cNvGrpSpPr/>
+        <p:nvPr/>
+      </p:nvGrpSpPr>
+      <p:grpSpPr>
+        <a:xfrm>
+          <a:off x="0" y="0"/>
+          <a:ext cx="0" cy="0"/>
+          <a:chOff x="0" y="0"/>
+          <a:chExt cx="0" cy="0"/>
+        </a:xfrm>
+      </p:grpSpPr>
+      <p:grpSp>
+        <p:nvGrpSpPr>
+          <p:cNvPr id="2" name="Gruppieren 1"/>
+          <p:cNvGrpSpPr/>
+          <p:nvPr/>
+        </p:nvGrpSpPr>
+        <p:grpSpPr>
+          <a:xfrm>
+            <a:off x="2987824" y="2204864"/>
+            <a:ext cx="2675137" cy="1057161"/>
+            <a:chOff x="2987824" y="2204864"/>
+            <a:chExt cx="2675137" cy="1057161"/>
+          </a:xfrm>
+        </p:grpSpPr>
+        <p:sp>
+          <p:nvSpPr>
+            <p:cNvPr id="3" name="Pfeil nach links und rechts 2"/>
+            <p:cNvSpPr/>
+            <p:nvPr/>
+          </p:nvSpPr>
+          <p:spPr>
+            <a:xfrm>
+              <a:off x="2987824" y="2204864"/>
+              <a:ext cx="2675137" cy="1057161"/>
+            </a:xfrm>
+            <a:prstGeom prst="leftRightArrow">
+              <a:avLst>
+                <a:gd name="adj1" fmla="val 100000"/>
+                <a:gd name="adj2" fmla="val 50000"/>
+              </a:avLst>
+            </a:prstGeom>
+            <a:scene3d>
+              <a:camera prst="orthographicFront"/>
+              <a:lightRig rig="threePt" dir="t">
+                <a:rot lat="0" lon="0" rev="7500000"/>
+              </a:lightRig>
+            </a:scene3d>
+            <a:sp3d prstMaterial="plastic">
+              <a:bevelT w="127000" h="25400" prst="relaxedInset"/>
+            </a:sp3d>
+          </p:spPr>
+          <p:style>
+            <a:lnRef idx="0">
+              <a:schemeClr val="lt1">
+                <a:hueOff val="0"/>
+                <a:satOff val="0"/>
+                <a:lumOff val="0"/>
+                <a:alphaOff val="0"/>
+              </a:schemeClr>
+            </a:lnRef>
+            <a:fillRef idx="3">
+              <a:schemeClr val="accent1">
+                <a:shade val="80000"/>
+                <a:hueOff val="306246"/>
+                <a:satOff val="-4392"/>
+                <a:lumOff val="25615"/>
+                <a:alphaOff val="0"/>
+              </a:schemeClr>
+            </a:fillRef>
+            <a:effectRef idx="2">
+              <a:schemeClr val="accent1">
+                <a:shade val="80000"/>
+                <a:hueOff val="306246"/>
+                <a:satOff val="-4392"/>
+                <a:lumOff val="25615"/>
+                <a:alphaOff val="0"/>
+              </a:schemeClr>
+            </a:effectRef>
+            <a:fontRef idx="minor">
+              <a:schemeClr val="lt1"/>
+            </a:fontRef>
+          </p:style>
+          <p:txBody>
+            <a:bodyPr spcFirstLastPara="0" vert="horz" wrap="square" lIns="747054" tIns="141351" rIns="605703" bIns="141351" numCol="1" spcCol="1270" anchor="ctr" anchorCtr="0">
+              <a:noAutofit/>
+            </a:bodyPr>
+            <a:lstStyle/>
+            <a:p>
+              <a:pPr algn="ctr" defTabSz="2355850">
+                <a:lnSpc>
+                  <a:spcPct val="90000"/>
+                </a:lnSpc>
+                <a:spcBef>
+                  <a:spcPct val="0"/>
+                </a:spcBef>
+                <a:spcAft>
+                  <a:spcPct val="35000"/>
+                </a:spcAft>
+              </a:pPr>
+              <a:endParaRPr lang="en-GB" sz="5300" dirty="0"/>
+            </a:p>
+          </p:txBody>
+        </p:sp>
+        <p:sp>
+          <p:nvSpPr>
+            <p:cNvPr id="4" name="Rechteck 3"/>
+            <p:cNvSpPr/>
+            <p:nvPr/>
+          </p:nvSpPr>
+          <p:spPr>
+            <a:xfrm>
+              <a:off x="3635896" y="2348210"/>
+              <a:ext cx="1430200" cy="826380"/>
+            </a:xfrm>
+            <a:prstGeom prst="rect">
+              <a:avLst/>
+            </a:prstGeom>
+          </p:spPr>
+          <p:txBody>
+            <a:bodyPr wrap="none">
+              <a:spAutoFit/>
+            </a:bodyPr>
+            <a:lstStyle/>
+            <a:p>
+              <a:pPr lvl="0" algn="ctr" defTabSz="2355850">
+                <a:lnSpc>
+                  <a:spcPct val="90000"/>
+                </a:lnSpc>
+                <a:spcBef>
+                  <a:spcPct val="0"/>
+                </a:spcBef>
+                <a:spcAft>
+                  <a:spcPct val="35000"/>
+                </a:spcAft>
+              </a:pPr>
+              <a:r>
+                <a:rPr lang="en-GB" sz="5300" dirty="0" smtClean="0">
+                  <a:solidFill>
+                    <a:prstClr val="white"/>
+                  </a:solidFill>
+                </a:rPr>
+                <a:t>SMP</a:t>
+              </a:r>
+              <a:endParaRPr lang="en-GB" sz="5300" dirty="0">
+                <a:solidFill>
+                  <a:prstClr val="white"/>
+                </a:solidFill>
+              </a:endParaRPr>
+            </a:p>
+          </p:txBody>
+        </p:sp>
+      </p:grpSp>
+      <p:grpSp>
+        <p:nvGrpSpPr>
+          <p:cNvPr id="5" name="Gruppieren 4"/>
+          <p:cNvGrpSpPr/>
+          <p:nvPr/>
+        </p:nvGrpSpPr>
+        <p:grpSpPr>
+          <a:xfrm>
+            <a:off x="711812" y="2208394"/>
+            <a:ext cx="2818366" cy="1054949"/>
+            <a:chOff x="697690" y="840243"/>
+            <a:chExt cx="2818366" cy="1054949"/>
+          </a:xfrm>
+        </p:grpSpPr>
+        <p:sp>
+          <p:nvSpPr>
+            <p:cNvPr id="6" name="Freihandform 5"/>
+            <p:cNvSpPr/>
+            <p:nvPr/>
+          </p:nvSpPr>
+          <p:spPr>
+            <a:xfrm>
+              <a:off x="697690" y="840243"/>
+              <a:ext cx="2818366" cy="1054949"/>
+            </a:xfrm>
+            <a:custGeom>
+              <a:avLst/>
+              <a:gdLst>
+                <a:gd name="connsiteX0" fmla="*/ 0 w 2436638"/>
+                <a:gd name="connsiteY0" fmla="*/ 0 h 1088823"/>
+                <a:gd name="connsiteX1" fmla="*/ 0 w 2436638"/>
+                <a:gd name="connsiteY1" fmla="*/ 1083538 h 1088823"/>
+                <a:gd name="connsiteX2" fmla="*/ 2436638 w 2436638"/>
+                <a:gd name="connsiteY2" fmla="*/ 1088823 h 1088823"/>
+                <a:gd name="connsiteX3" fmla="*/ 1908083 w 2436638"/>
+                <a:gd name="connsiteY3" fmla="*/ 533841 h 1088823"/>
+                <a:gd name="connsiteX4" fmla="*/ 2436638 w 2436638"/>
+                <a:gd name="connsiteY4" fmla="*/ 5286 h 1088823"/>
+                <a:gd name="connsiteX5" fmla="*/ 0 w 2436638"/>
+                <a:gd name="connsiteY5" fmla="*/ 0 h 1088823"/>
+                <a:gd name="connsiteX0" fmla="*/ 0 w 2448272"/>
+                <a:gd name="connsiteY0" fmla="*/ 0 h 1083538"/>
+                <a:gd name="connsiteX1" fmla="*/ 0 w 2448272"/>
+                <a:gd name="connsiteY1" fmla="*/ 1083538 h 1083538"/>
+                <a:gd name="connsiteX2" fmla="*/ 2448272 w 2448272"/>
+                <a:gd name="connsiteY2" fmla="*/ 1080120 h 1083538"/>
+                <a:gd name="connsiteX3" fmla="*/ 1908083 w 2448272"/>
+                <a:gd name="connsiteY3" fmla="*/ 533841 h 1083538"/>
+                <a:gd name="connsiteX4" fmla="*/ 2436638 w 2448272"/>
+                <a:gd name="connsiteY4" fmla="*/ 5286 h 1083538"/>
+                <a:gd name="connsiteX5" fmla="*/ 0 w 2448272"/>
+                <a:gd name="connsiteY5" fmla="*/ 0 h 1083538"/>
+                <a:gd name="connsiteX0" fmla="*/ 0 w 2592288"/>
+                <a:gd name="connsiteY0" fmla="*/ 0 h 1083538"/>
+                <a:gd name="connsiteX1" fmla="*/ 0 w 2592288"/>
+                <a:gd name="connsiteY1" fmla="*/ 1083538 h 1083538"/>
+                <a:gd name="connsiteX2" fmla="*/ 2592288 w 2592288"/>
+                <a:gd name="connsiteY2" fmla="*/ 1080120 h 1083538"/>
+                <a:gd name="connsiteX3" fmla="*/ 1908083 w 2592288"/>
+                <a:gd name="connsiteY3" fmla="*/ 533841 h 1083538"/>
+                <a:gd name="connsiteX4" fmla="*/ 2436638 w 2592288"/>
+                <a:gd name="connsiteY4" fmla="*/ 5286 h 1083538"/>
+                <a:gd name="connsiteX5" fmla="*/ 0 w 2592288"/>
+                <a:gd name="connsiteY5" fmla="*/ 0 h 1083538"/>
+                <a:gd name="connsiteX0" fmla="*/ 0 w 2436638"/>
+                <a:gd name="connsiteY0" fmla="*/ 0 h 1083538"/>
+                <a:gd name="connsiteX1" fmla="*/ 0 w 2436638"/>
+                <a:gd name="connsiteY1" fmla="*/ 1083538 h 1083538"/>
+                <a:gd name="connsiteX2" fmla="*/ 2376264 w 2436638"/>
+                <a:gd name="connsiteY2" fmla="*/ 1080120 h 1083538"/>
+                <a:gd name="connsiteX3" fmla="*/ 1908083 w 2436638"/>
+                <a:gd name="connsiteY3" fmla="*/ 533841 h 1083538"/>
+                <a:gd name="connsiteX4" fmla="*/ 2436638 w 2436638"/>
+                <a:gd name="connsiteY4" fmla="*/ 5286 h 1083538"/>
+                <a:gd name="connsiteX5" fmla="*/ 0 w 2436638"/>
+                <a:gd name="connsiteY5" fmla="*/ 0 h 1083538"/>
+                <a:gd name="connsiteX0" fmla="*/ 0 w 2448272"/>
+                <a:gd name="connsiteY0" fmla="*/ 0 h 1083538"/>
+                <a:gd name="connsiteX1" fmla="*/ 0 w 2448272"/>
+                <a:gd name="connsiteY1" fmla="*/ 1083538 h 1083538"/>
+                <a:gd name="connsiteX2" fmla="*/ 2448272 w 2448272"/>
+                <a:gd name="connsiteY2" fmla="*/ 1083538 h 1083538"/>
+                <a:gd name="connsiteX3" fmla="*/ 1908083 w 2448272"/>
+                <a:gd name="connsiteY3" fmla="*/ 533841 h 1083538"/>
+                <a:gd name="connsiteX4" fmla="*/ 2436638 w 2448272"/>
+                <a:gd name="connsiteY4" fmla="*/ 5286 h 1083538"/>
+                <a:gd name="connsiteX5" fmla="*/ 0 w 2448272"/>
+                <a:gd name="connsiteY5" fmla="*/ 0 h 1083538"/>
+                <a:gd name="connsiteX0" fmla="*/ 0 w 2448272"/>
+                <a:gd name="connsiteY0" fmla="*/ 0 h 1083538"/>
+                <a:gd name="connsiteX1" fmla="*/ 0 w 2448272"/>
+                <a:gd name="connsiteY1" fmla="*/ 1083538 h 1083538"/>
+                <a:gd name="connsiteX2" fmla="*/ 2448272 w 2448272"/>
+                <a:gd name="connsiteY2" fmla="*/ 1083538 h 1083538"/>
+                <a:gd name="connsiteX3" fmla="*/ 1908083 w 2448272"/>
+                <a:gd name="connsiteY3" fmla="*/ 533841 h 1083538"/>
+                <a:gd name="connsiteX4" fmla="*/ 2448272 w 2448272"/>
+                <a:gd name="connsiteY4" fmla="*/ 0 h 1083538"/>
+                <a:gd name="connsiteX5" fmla="*/ 0 w 2448272"/>
+                <a:gd name="connsiteY5" fmla="*/ 0 h 1083538"/>
+                <a:gd name="connsiteX0" fmla="*/ 0 w 2448272"/>
+                <a:gd name="connsiteY0" fmla="*/ 0 h 1083538"/>
+                <a:gd name="connsiteX1" fmla="*/ 0 w 2448272"/>
+                <a:gd name="connsiteY1" fmla="*/ 1083538 h 1083538"/>
+                <a:gd name="connsiteX2" fmla="*/ 2448272 w 2448272"/>
+                <a:gd name="connsiteY2" fmla="*/ 1083538 h 1083538"/>
+                <a:gd name="connsiteX3" fmla="*/ 1944216 w 2448272"/>
+                <a:gd name="connsiteY3" fmla="*/ 577887 h 1083538"/>
+                <a:gd name="connsiteX4" fmla="*/ 2448272 w 2448272"/>
+                <a:gd name="connsiteY4" fmla="*/ 0 h 1083538"/>
+                <a:gd name="connsiteX5" fmla="*/ 0 w 2448272"/>
+                <a:gd name="connsiteY5" fmla="*/ 0 h 1083538"/>
+                <a:gd name="connsiteX0" fmla="*/ 0 w 2448272"/>
+                <a:gd name="connsiteY0" fmla="*/ 0 h 1083538"/>
+                <a:gd name="connsiteX1" fmla="*/ 0 w 2448272"/>
+                <a:gd name="connsiteY1" fmla="*/ 1083538 h 1083538"/>
+                <a:gd name="connsiteX2" fmla="*/ 2448272 w 2448272"/>
+                <a:gd name="connsiteY2" fmla="*/ 1083538 h 1083538"/>
+                <a:gd name="connsiteX3" fmla="*/ 1944216 w 2448272"/>
+                <a:gd name="connsiteY3" fmla="*/ 577887 h 1083538"/>
+                <a:gd name="connsiteX4" fmla="*/ 2448272 w 2448272"/>
+                <a:gd name="connsiteY4" fmla="*/ 0 h 1083538"/>
+                <a:gd name="connsiteX5" fmla="*/ 0 w 2448272"/>
+                <a:gd name="connsiteY5" fmla="*/ 0 h 1083538"/>
+                <a:gd name="connsiteX0" fmla="*/ 0 w 2448272"/>
+                <a:gd name="connsiteY0" fmla="*/ 0 h 1083538"/>
+                <a:gd name="connsiteX1" fmla="*/ 0 w 2448272"/>
+                <a:gd name="connsiteY1" fmla="*/ 1083538 h 1083538"/>
+                <a:gd name="connsiteX2" fmla="*/ 2448272 w 2448272"/>
+                <a:gd name="connsiteY2" fmla="*/ 1083538 h 1083538"/>
+                <a:gd name="connsiteX3" fmla="*/ 1947580 w 2448272"/>
+                <a:gd name="connsiteY3" fmla="*/ 540280 h 1083538"/>
+                <a:gd name="connsiteX4" fmla="*/ 2448272 w 2448272"/>
+                <a:gd name="connsiteY4" fmla="*/ 0 h 1083538"/>
+                <a:gd name="connsiteX5" fmla="*/ 0 w 2448272"/>
+                <a:gd name="connsiteY5" fmla="*/ 0 h 1083538"/>
+                <a:gd name="connsiteX0" fmla="*/ 0 w 2448272"/>
+                <a:gd name="connsiteY0" fmla="*/ 0 h 1083538"/>
+                <a:gd name="connsiteX1" fmla="*/ 0 w 2448272"/>
+                <a:gd name="connsiteY1" fmla="*/ 1083538 h 1083538"/>
+                <a:gd name="connsiteX2" fmla="*/ 2448272 w 2448272"/>
+                <a:gd name="connsiteY2" fmla="*/ 1083538 h 1083538"/>
+                <a:gd name="connsiteX3" fmla="*/ 1917245 w 2448272"/>
+                <a:gd name="connsiteY3" fmla="*/ 540280 h 1083538"/>
+                <a:gd name="connsiteX4" fmla="*/ 2448272 w 2448272"/>
+                <a:gd name="connsiteY4" fmla="*/ 0 h 1083538"/>
+                <a:gd name="connsiteX5" fmla="*/ 0 w 2448272"/>
+                <a:gd name="connsiteY5" fmla="*/ 0 h 1083538"/>
+                <a:gd name="connsiteX0" fmla="*/ 0 w 2458326"/>
+                <a:gd name="connsiteY0" fmla="*/ 688 h 1084226"/>
+                <a:gd name="connsiteX1" fmla="*/ 0 w 2458326"/>
+                <a:gd name="connsiteY1" fmla="*/ 1084226 h 1084226"/>
+                <a:gd name="connsiteX2" fmla="*/ 2448272 w 2458326"/>
+                <a:gd name="connsiteY2" fmla="*/ 1084226 h 1084226"/>
+                <a:gd name="connsiteX3" fmla="*/ 1917245 w 2458326"/>
+                <a:gd name="connsiteY3" fmla="*/ 540968 h 1084226"/>
+                <a:gd name="connsiteX4" fmla="*/ 2458326 w 2458326"/>
+                <a:gd name="connsiteY4" fmla="*/ 0 h 1084226"/>
+                <a:gd name="connsiteX5" fmla="*/ 0 w 2458326"/>
+                <a:gd name="connsiteY5" fmla="*/ 688 h 1084226"/>
+                <a:gd name="connsiteX0" fmla="*/ 0 w 2458326"/>
+                <a:gd name="connsiteY0" fmla="*/ 688 h 1084226"/>
+                <a:gd name="connsiteX1" fmla="*/ 0 w 2458326"/>
+                <a:gd name="connsiteY1" fmla="*/ 1084226 h 1084226"/>
+                <a:gd name="connsiteX2" fmla="*/ 2448272 w 2458326"/>
+                <a:gd name="connsiteY2" fmla="*/ 1084226 h 1084226"/>
+                <a:gd name="connsiteX3" fmla="*/ 1924560 w 2458326"/>
+                <a:gd name="connsiteY3" fmla="*/ 540969 h 1084226"/>
+                <a:gd name="connsiteX4" fmla="*/ 2458326 w 2458326"/>
+                <a:gd name="connsiteY4" fmla="*/ 0 h 1084226"/>
+                <a:gd name="connsiteX5" fmla="*/ 0 w 2458326"/>
+                <a:gd name="connsiteY5" fmla="*/ 688 h 1084226"/>
+                <a:gd name="connsiteX0" fmla="*/ 0 w 2458326"/>
+                <a:gd name="connsiteY0" fmla="*/ 688 h 1084226"/>
+                <a:gd name="connsiteX1" fmla="*/ 0 w 2458326"/>
+                <a:gd name="connsiteY1" fmla="*/ 1084226 h 1084226"/>
+                <a:gd name="connsiteX2" fmla="*/ 2448272 w 2458326"/>
+                <a:gd name="connsiteY2" fmla="*/ 1084226 h 1084226"/>
+                <a:gd name="connsiteX3" fmla="*/ 1987315 w 2458326"/>
+                <a:gd name="connsiteY3" fmla="*/ 550559 h 1084226"/>
+                <a:gd name="connsiteX4" fmla="*/ 2458326 w 2458326"/>
+                <a:gd name="connsiteY4" fmla="*/ 0 h 1084226"/>
+                <a:gd name="connsiteX5" fmla="*/ 0 w 2458326"/>
+                <a:gd name="connsiteY5" fmla="*/ 688 h 1084226"/>
+                <a:gd name="connsiteX0" fmla="*/ 0 w 2458326"/>
+                <a:gd name="connsiteY0" fmla="*/ 688 h 1084226"/>
+                <a:gd name="connsiteX1" fmla="*/ 0 w 2458326"/>
+                <a:gd name="connsiteY1" fmla="*/ 1084226 h 1084226"/>
+                <a:gd name="connsiteX2" fmla="*/ 2448272 w 2458326"/>
+                <a:gd name="connsiteY2" fmla="*/ 1084226 h 1084226"/>
+                <a:gd name="connsiteX3" fmla="*/ 1969786 w 2458326"/>
+                <a:gd name="connsiteY3" fmla="*/ 524741 h 1084226"/>
+                <a:gd name="connsiteX4" fmla="*/ 2458326 w 2458326"/>
+                <a:gd name="connsiteY4" fmla="*/ 0 h 1084226"/>
+                <a:gd name="connsiteX5" fmla="*/ 0 w 2458326"/>
+                <a:gd name="connsiteY5" fmla="*/ 688 h 1084226"/>
+                <a:gd name="connsiteX0" fmla="*/ 0 w 2458326"/>
+                <a:gd name="connsiteY0" fmla="*/ 688 h 1084226"/>
+                <a:gd name="connsiteX1" fmla="*/ 0 w 2458326"/>
+                <a:gd name="connsiteY1" fmla="*/ 1084226 h 1084226"/>
+                <a:gd name="connsiteX2" fmla="*/ 2448272 w 2458326"/>
+                <a:gd name="connsiteY2" fmla="*/ 1084226 h 1084226"/>
+                <a:gd name="connsiteX3" fmla="*/ 1969786 w 2458326"/>
+                <a:gd name="connsiteY3" fmla="*/ 560887 h 1084226"/>
+                <a:gd name="connsiteX4" fmla="*/ 2458326 w 2458326"/>
+                <a:gd name="connsiteY4" fmla="*/ 0 h 1084226"/>
+                <a:gd name="connsiteX5" fmla="*/ 0 w 2458326"/>
+                <a:gd name="connsiteY5" fmla="*/ 688 h 1084226"/>
+                <a:gd name="connsiteX0" fmla="*/ 0 w 2458326"/>
+                <a:gd name="connsiteY0" fmla="*/ 688 h 1084226"/>
+                <a:gd name="connsiteX1" fmla="*/ 0 w 2458326"/>
+                <a:gd name="connsiteY1" fmla="*/ 1084226 h 1084226"/>
+                <a:gd name="connsiteX2" fmla="*/ 2448272 w 2458326"/>
+                <a:gd name="connsiteY2" fmla="*/ 1084226 h 1084226"/>
+                <a:gd name="connsiteX3" fmla="*/ 1965404 w 2458326"/>
+                <a:gd name="connsiteY3" fmla="*/ 524741 h 1084226"/>
+                <a:gd name="connsiteX4" fmla="*/ 2458326 w 2458326"/>
+                <a:gd name="connsiteY4" fmla="*/ 0 h 1084226"/>
+                <a:gd name="connsiteX5" fmla="*/ 0 w 2458326"/>
+                <a:gd name="connsiteY5" fmla="*/ 688 h 1084226"/>
+                <a:gd name="connsiteX0" fmla="*/ 0 w 2458326"/>
+                <a:gd name="connsiteY0" fmla="*/ 688 h 1084226"/>
+                <a:gd name="connsiteX1" fmla="*/ 0 w 2458326"/>
+                <a:gd name="connsiteY1" fmla="*/ 1084226 h 1084226"/>
+                <a:gd name="connsiteX2" fmla="*/ 2448272 w 2458326"/>
+                <a:gd name="connsiteY2" fmla="*/ 1084226 h 1084226"/>
+                <a:gd name="connsiteX3" fmla="*/ 1969786 w 2458326"/>
+                <a:gd name="connsiteY3" fmla="*/ 550560 h 1084226"/>
+                <a:gd name="connsiteX4" fmla="*/ 2458326 w 2458326"/>
+                <a:gd name="connsiteY4" fmla="*/ 0 h 1084226"/>
+                <a:gd name="connsiteX5" fmla="*/ 0 w 2458326"/>
+                <a:gd name="connsiteY5" fmla="*/ 688 h 1084226"/>
+                <a:gd name="connsiteX0" fmla="*/ 0 w 2458326"/>
+                <a:gd name="connsiteY0" fmla="*/ 688 h 1084226"/>
+                <a:gd name="connsiteX1" fmla="*/ 0 w 2458326"/>
+                <a:gd name="connsiteY1" fmla="*/ 1084226 h 1084226"/>
+                <a:gd name="connsiteX2" fmla="*/ 2448272 w 2458326"/>
+                <a:gd name="connsiteY2" fmla="*/ 1084226 h 1084226"/>
+                <a:gd name="connsiteX3" fmla="*/ 1972462 w 2458326"/>
+                <a:gd name="connsiteY3" fmla="*/ 534793 h 1084226"/>
+                <a:gd name="connsiteX4" fmla="*/ 2458326 w 2458326"/>
+                <a:gd name="connsiteY4" fmla="*/ 0 h 1084226"/>
+                <a:gd name="connsiteX5" fmla="*/ 0 w 2458326"/>
+                <a:gd name="connsiteY5" fmla="*/ 688 h 1084226"/>
+                <a:gd name="connsiteX0" fmla="*/ 0 w 2458326"/>
+                <a:gd name="connsiteY0" fmla="*/ 688 h 1084226"/>
+                <a:gd name="connsiteX1" fmla="*/ 0 w 2458326"/>
+                <a:gd name="connsiteY1" fmla="*/ 1084226 h 1084226"/>
+                <a:gd name="connsiteX2" fmla="*/ 2448272 w 2458326"/>
+                <a:gd name="connsiteY2" fmla="*/ 1084226 h 1084226"/>
+                <a:gd name="connsiteX3" fmla="*/ 1972462 w 2458326"/>
+                <a:gd name="connsiteY3" fmla="*/ 550561 h 1084226"/>
+                <a:gd name="connsiteX4" fmla="*/ 2458326 w 2458326"/>
+                <a:gd name="connsiteY4" fmla="*/ 0 h 1084226"/>
+                <a:gd name="connsiteX5" fmla="*/ 0 w 2458326"/>
+                <a:gd name="connsiteY5" fmla="*/ 688 h 1084226"/>
+                <a:gd name="connsiteX0" fmla="*/ 0 w 2458326"/>
+                <a:gd name="connsiteY0" fmla="*/ 688 h 1084226"/>
+                <a:gd name="connsiteX1" fmla="*/ 0 w 2458326"/>
+                <a:gd name="connsiteY1" fmla="*/ 1084226 h 1084226"/>
+                <a:gd name="connsiteX2" fmla="*/ 2448272 w 2458326"/>
+                <a:gd name="connsiteY2" fmla="*/ 1084226 h 1084226"/>
+                <a:gd name="connsiteX3" fmla="*/ 1972462 w 2458326"/>
+                <a:gd name="connsiteY3" fmla="*/ 534793 h 1084226"/>
+                <a:gd name="connsiteX4" fmla="*/ 2458326 w 2458326"/>
+                <a:gd name="connsiteY4" fmla="*/ 0 h 1084226"/>
+                <a:gd name="connsiteX5" fmla="*/ 0 w 2458326"/>
+                <a:gd name="connsiteY5" fmla="*/ 688 h 1084226"/>
+                <a:gd name="connsiteX0" fmla="*/ 0 w 2458326"/>
+                <a:gd name="connsiteY0" fmla="*/ 688 h 1084226"/>
+                <a:gd name="connsiteX1" fmla="*/ 0 w 2458326"/>
+                <a:gd name="connsiteY1" fmla="*/ 1084226 h 1084226"/>
+                <a:gd name="connsiteX2" fmla="*/ 2448272 w 2458326"/>
+                <a:gd name="connsiteY2" fmla="*/ 1084226 h 1084226"/>
+                <a:gd name="connsiteX3" fmla="*/ 1969786 w 2458326"/>
+                <a:gd name="connsiteY3" fmla="*/ 550562 h 1084226"/>
+                <a:gd name="connsiteX4" fmla="*/ 2458326 w 2458326"/>
+                <a:gd name="connsiteY4" fmla="*/ 0 h 1084226"/>
+                <a:gd name="connsiteX5" fmla="*/ 0 w 2458326"/>
+                <a:gd name="connsiteY5" fmla="*/ 688 h 1084226"/>
+                <a:gd name="connsiteX0" fmla="*/ 0 w 2458326"/>
+                <a:gd name="connsiteY0" fmla="*/ 688 h 1084226"/>
+                <a:gd name="connsiteX1" fmla="*/ 0 w 2458326"/>
+                <a:gd name="connsiteY1" fmla="*/ 1084226 h 1084226"/>
+                <a:gd name="connsiteX2" fmla="*/ 2448272 w 2458326"/>
+                <a:gd name="connsiteY2" fmla="*/ 1084226 h 1084226"/>
+                <a:gd name="connsiteX3" fmla="*/ 1967109 w 2458326"/>
+                <a:gd name="connsiteY3" fmla="*/ 534794 h 1084226"/>
+                <a:gd name="connsiteX4" fmla="*/ 2458326 w 2458326"/>
+                <a:gd name="connsiteY4" fmla="*/ 0 h 1084226"/>
+                <a:gd name="connsiteX5" fmla="*/ 0 w 2458326"/>
+                <a:gd name="connsiteY5" fmla="*/ 688 h 1084226"/>
+                <a:gd name="connsiteX0" fmla="*/ 0 w 2458326"/>
+                <a:gd name="connsiteY0" fmla="*/ 688 h 1084226"/>
+                <a:gd name="connsiteX1" fmla="*/ 0 w 2458326"/>
+                <a:gd name="connsiteY1" fmla="*/ 1084226 h 1084226"/>
+                <a:gd name="connsiteX2" fmla="*/ 2448272 w 2458326"/>
+                <a:gd name="connsiteY2" fmla="*/ 1084226 h 1084226"/>
+                <a:gd name="connsiteX3" fmla="*/ 1986041 w 2458326"/>
+                <a:gd name="connsiteY3" fmla="*/ 543482 h 1084226"/>
+                <a:gd name="connsiteX4" fmla="*/ 2458326 w 2458326"/>
+                <a:gd name="connsiteY4" fmla="*/ 0 h 1084226"/>
+                <a:gd name="connsiteX5" fmla="*/ 0 w 2458326"/>
+                <a:gd name="connsiteY5" fmla="*/ 688 h 1084226"/>
+              </a:gdLst>
+              <a:ahLst/>
+              <a:cxnLst>
+                <a:cxn ang="0">
+                  <a:pos x="connsiteX0" y="connsiteY0"/>
+                </a:cxn>
+                <a:cxn ang="0">
+                  <a:pos x="connsiteX1" y="connsiteY1"/>
+                </a:cxn>
+                <a:cxn ang="0">
+                  <a:pos x="connsiteX2" y="connsiteY2"/>
+                </a:cxn>
+                <a:cxn ang="0">
+                  <a:pos x="connsiteX3" y="connsiteY3"/>
+                </a:cxn>
+                <a:cxn ang="0">
+                  <a:pos x="connsiteX4" y="connsiteY4"/>
+                </a:cxn>
+                <a:cxn ang="0">
+                  <a:pos x="connsiteX5" y="connsiteY5"/>
+                </a:cxn>
+              </a:cxnLst>
+              <a:rect l="l" t="t" r="r" b="b"/>
+              <a:pathLst>
+                <a:path w="2458326" h="1084226">
+                  <a:moveTo>
+                    <a:pt x="0" y="688"/>
+                  </a:moveTo>
+                  <a:lnTo>
+                    <a:pt x="0" y="1084226"/>
+                  </a:lnTo>
+                  <a:lnTo>
+                    <a:pt x="2448272" y="1084226"/>
+                  </a:lnTo>
+                  <a:lnTo>
+                    <a:pt x="1986041" y="543482"/>
+                  </a:lnTo>
+                  <a:lnTo>
+                    <a:pt x="2458326" y="0"/>
+                  </a:lnTo>
+                  <a:lnTo>
+                    <a:pt x="0" y="688"/>
+                  </a:lnTo>
+                  <a:close/>
+                </a:path>
+              </a:pathLst>
+            </a:custGeom>
+            <a:scene3d>
+              <a:camera prst="orthographicFront"/>
+              <a:lightRig rig="threePt" dir="t">
+                <a:rot lat="0" lon="0" rev="7500000"/>
+              </a:lightRig>
+            </a:scene3d>
+            <a:sp3d prstMaterial="plastic">
+              <a:bevelT w="127000" h="25400" prst="relaxedInset"/>
+            </a:sp3d>
+          </p:spPr>
+          <p:style>
+            <a:lnRef idx="0">
+              <a:schemeClr val="lt1">
+                <a:hueOff val="0"/>
+                <a:satOff val="0"/>
+                <a:lumOff val="0"/>
+                <a:alphaOff val="0"/>
+              </a:schemeClr>
+            </a:lnRef>
+            <a:fillRef idx="3">
+              <a:schemeClr val="accent1">
+                <a:shade val="80000"/>
+                <a:hueOff val="0"/>
+                <a:satOff val="0"/>
+                <a:lumOff val="0"/>
+                <a:alphaOff val="0"/>
+              </a:schemeClr>
+            </a:fillRef>
+            <a:effectRef idx="2">
+              <a:schemeClr val="accent1">
+                <a:shade val="80000"/>
+                <a:hueOff val="0"/>
+                <a:satOff val="0"/>
+                <a:lumOff val="0"/>
+                <a:alphaOff val="0"/>
+              </a:schemeClr>
+            </a:effectRef>
+            <a:fontRef idx="minor">
+              <a:schemeClr val="lt1"/>
+            </a:fontRef>
+          </p:style>
+          <p:txBody>
+            <a:bodyPr spcFirstLastPara="0" vert="horz" wrap="square" lIns="282702" tIns="141351" rIns="338190" bIns="141351" numCol="1" spcCol="1270" anchor="ctr" anchorCtr="0">
+              <a:noAutofit/>
+            </a:bodyPr>
+            <a:lstStyle/>
+            <a:p>
+              <a:pPr algn="ctr" defTabSz="2355850">
+                <a:lnSpc>
+                  <a:spcPct val="90000"/>
+                </a:lnSpc>
+                <a:spcBef>
+                  <a:spcPct val="0"/>
+                </a:spcBef>
+                <a:spcAft>
+                  <a:spcPct val="35000"/>
+                </a:spcAft>
+              </a:pPr>
+              <a:endParaRPr lang="de-AT" sz="5300"/>
+            </a:p>
+          </p:txBody>
+        </p:sp>
+        <p:sp>
+          <p:nvSpPr>
+            <p:cNvPr id="7" name="Rechteck 6"/>
+            <p:cNvSpPr/>
+            <p:nvPr/>
+          </p:nvSpPr>
+          <p:spPr>
+            <a:xfrm>
+              <a:off x="899592" y="980058"/>
+              <a:ext cx="1975221" cy="826380"/>
+            </a:xfrm>
+            <a:prstGeom prst="rect">
+              <a:avLst/>
+            </a:prstGeom>
+          </p:spPr>
+          <p:txBody>
+            <a:bodyPr wrap="none">
+              <a:spAutoFit/>
+            </a:bodyPr>
+            <a:lstStyle/>
+            <a:p>
+              <a:pPr lvl="0" algn="ctr" defTabSz="2355850">
+                <a:lnSpc>
+                  <a:spcPct val="90000"/>
+                </a:lnSpc>
+                <a:spcBef>
+                  <a:spcPct val="0"/>
+                </a:spcBef>
+                <a:spcAft>
+                  <a:spcPct val="35000"/>
+                </a:spcAft>
+              </a:pPr>
+              <a:r>
+                <a:rPr lang="en-GB" sz="5300" dirty="0" smtClean="0">
+                  <a:solidFill>
+                    <a:prstClr val="white"/>
+                  </a:solidFill>
+                </a:rPr>
+                <a:t>phOSS</a:t>
+              </a:r>
+              <a:endParaRPr lang="en-GB" sz="5300" dirty="0">
+                <a:solidFill>
+                  <a:prstClr val="white"/>
+                </a:solidFill>
+              </a:endParaRPr>
+            </a:p>
+          </p:txBody>
+        </p:sp>
+      </p:grpSp>
+      <p:sp>
+        <p:nvSpPr>
+          <p:cNvPr id="8" name="Titel 7"/>
+          <p:cNvSpPr>
+            <a:spLocks noGrp="1"/>
+          </p:cNvSpPr>
+          <p:nvPr>
+            <p:ph type="title"/>
+          </p:nvPr>
+        </p:nvSpPr>
+        <p:spPr/>
+        <p:txBody>
+          <a:bodyPr/>
+          <a:lstStyle/>
+          <a:p>
+            <a:r>
+              <a:rPr lang="de-AT" dirty="0" smtClean="0"/>
+              <a:t>Final</a:t>
+            </a:r>
+            <a:endParaRPr lang="de-AT" dirty="0"/>
+          </a:p>
+        </p:txBody>
+      </p:sp>
+      <p:grpSp>
+        <p:nvGrpSpPr>
+          <p:cNvPr id="9" name="Gruppieren 8"/>
+          <p:cNvGrpSpPr/>
+          <p:nvPr/>
+        </p:nvGrpSpPr>
+        <p:grpSpPr>
+          <a:xfrm>
+            <a:off x="2987824" y="3573016"/>
+            <a:ext cx="2675137" cy="1057161"/>
+            <a:chOff x="2987824" y="2204864"/>
+            <a:chExt cx="2675137" cy="1057161"/>
+          </a:xfrm>
+        </p:grpSpPr>
+        <p:sp>
+          <p:nvSpPr>
+            <p:cNvPr id="10" name="Pfeil nach links und rechts 9"/>
+            <p:cNvSpPr/>
+            <p:nvPr/>
+          </p:nvSpPr>
+          <p:spPr>
+            <a:xfrm>
+              <a:off x="2987824" y="2204864"/>
+              <a:ext cx="2675137" cy="1057161"/>
+            </a:xfrm>
+            <a:prstGeom prst="leftRightArrow">
+              <a:avLst>
+                <a:gd name="adj1" fmla="val 100000"/>
+                <a:gd name="adj2" fmla="val 50000"/>
+              </a:avLst>
+            </a:prstGeom>
+            <a:ln>
+              <a:noFill/>
+            </a:ln>
+          </p:spPr>
+          <p:style>
+            <a:lnRef idx="0">
+              <a:schemeClr val="lt1">
+                <a:hueOff val="0"/>
+                <a:satOff val="0"/>
+                <a:lumOff val="0"/>
+                <a:alphaOff val="0"/>
+              </a:schemeClr>
+            </a:lnRef>
+            <a:fillRef idx="3">
+              <a:schemeClr val="accent1">
+                <a:shade val="80000"/>
+                <a:hueOff val="306246"/>
+                <a:satOff val="-4392"/>
+                <a:lumOff val="25615"/>
+                <a:alphaOff val="0"/>
+              </a:schemeClr>
+            </a:fillRef>
+            <a:effectRef idx="2">
+              <a:schemeClr val="accent1">
+                <a:shade val="80000"/>
+                <a:hueOff val="306246"/>
+                <a:satOff val="-4392"/>
+                <a:lumOff val="25615"/>
+                <a:alphaOff val="0"/>
+              </a:schemeClr>
+            </a:effectRef>
+            <a:fontRef idx="minor">
+              <a:schemeClr val="lt1"/>
+            </a:fontRef>
+          </p:style>
+          <p:txBody>
+            <a:bodyPr spcFirstLastPara="0" vert="horz" wrap="square" lIns="747054" tIns="141351" rIns="605703" bIns="141351" numCol="1" spcCol="1270" anchor="ctr" anchorCtr="0">
+              <a:noAutofit/>
+            </a:bodyPr>
+            <a:lstStyle/>
+            <a:p>
+              <a:pPr algn="ctr" defTabSz="2355850">
+                <a:lnSpc>
+                  <a:spcPct val="90000"/>
+                </a:lnSpc>
+                <a:spcBef>
+                  <a:spcPct val="0"/>
+                </a:spcBef>
+                <a:spcAft>
+                  <a:spcPct val="35000"/>
+                </a:spcAft>
+              </a:pPr>
+              <a:endParaRPr lang="en-GB" sz="5300" dirty="0"/>
+            </a:p>
+          </p:txBody>
+        </p:sp>
+        <p:sp>
+          <p:nvSpPr>
+            <p:cNvPr id="11" name="Rechteck 10"/>
+            <p:cNvSpPr/>
+            <p:nvPr/>
+          </p:nvSpPr>
+          <p:spPr>
+            <a:xfrm>
+              <a:off x="3635896" y="2348210"/>
+              <a:ext cx="1430200" cy="826380"/>
+            </a:xfrm>
+            <a:prstGeom prst="rect">
+              <a:avLst/>
+            </a:prstGeom>
+            <a:ln>
+              <a:noFill/>
+            </a:ln>
+          </p:spPr>
+          <p:txBody>
+            <a:bodyPr wrap="none">
+              <a:spAutoFit/>
+            </a:bodyPr>
+            <a:lstStyle/>
+            <a:p>
+              <a:pPr lvl="0" algn="ctr" defTabSz="2355850">
+                <a:lnSpc>
+                  <a:spcPct val="90000"/>
+                </a:lnSpc>
+                <a:spcBef>
+                  <a:spcPct val="0"/>
+                </a:spcBef>
+                <a:spcAft>
+                  <a:spcPct val="35000"/>
+                </a:spcAft>
+              </a:pPr>
+              <a:r>
+                <a:rPr lang="en-GB" sz="5300" dirty="0" smtClean="0">
+                  <a:solidFill>
+                    <a:prstClr val="white"/>
+                  </a:solidFill>
+                </a:rPr>
+                <a:t>SMP</a:t>
+              </a:r>
+              <a:endParaRPr lang="en-GB" sz="5300" dirty="0">
+                <a:solidFill>
+                  <a:prstClr val="white"/>
+                </a:solidFill>
+              </a:endParaRPr>
+            </a:p>
+          </p:txBody>
+        </p:sp>
+      </p:grpSp>
+      <p:grpSp>
+        <p:nvGrpSpPr>
+          <p:cNvPr id="12" name="Gruppieren 11"/>
+          <p:cNvGrpSpPr/>
+          <p:nvPr/>
+        </p:nvGrpSpPr>
+        <p:grpSpPr>
+          <a:xfrm>
+            <a:off x="711812" y="3576546"/>
+            <a:ext cx="2818366" cy="1054949"/>
+            <a:chOff x="697690" y="840243"/>
+            <a:chExt cx="2818366" cy="1054949"/>
+          </a:xfrm>
+        </p:grpSpPr>
+        <p:sp>
+          <p:nvSpPr>
+            <p:cNvPr id="13" name="Freihandform 12"/>
+            <p:cNvSpPr/>
+            <p:nvPr/>
+          </p:nvSpPr>
+          <p:spPr>
+            <a:xfrm>
+              <a:off x="697690" y="840243"/>
+              <a:ext cx="2818366" cy="1054949"/>
+            </a:xfrm>
+            <a:custGeom>
+              <a:avLst/>
+              <a:gdLst>
+                <a:gd name="connsiteX0" fmla="*/ 0 w 2436638"/>
+                <a:gd name="connsiteY0" fmla="*/ 0 h 1088823"/>
+                <a:gd name="connsiteX1" fmla="*/ 0 w 2436638"/>
+                <a:gd name="connsiteY1" fmla="*/ 1083538 h 1088823"/>
+                <a:gd name="connsiteX2" fmla="*/ 2436638 w 2436638"/>
+                <a:gd name="connsiteY2" fmla="*/ 1088823 h 1088823"/>
+                <a:gd name="connsiteX3" fmla="*/ 1908083 w 2436638"/>
+                <a:gd name="connsiteY3" fmla="*/ 533841 h 1088823"/>
+                <a:gd name="connsiteX4" fmla="*/ 2436638 w 2436638"/>
+                <a:gd name="connsiteY4" fmla="*/ 5286 h 1088823"/>
+                <a:gd name="connsiteX5" fmla="*/ 0 w 2436638"/>
+                <a:gd name="connsiteY5" fmla="*/ 0 h 1088823"/>
+                <a:gd name="connsiteX0" fmla="*/ 0 w 2448272"/>
+                <a:gd name="connsiteY0" fmla="*/ 0 h 1083538"/>
+                <a:gd name="connsiteX1" fmla="*/ 0 w 2448272"/>
+                <a:gd name="connsiteY1" fmla="*/ 1083538 h 1083538"/>
+                <a:gd name="connsiteX2" fmla="*/ 2448272 w 2448272"/>
+                <a:gd name="connsiteY2" fmla="*/ 1080120 h 1083538"/>
+                <a:gd name="connsiteX3" fmla="*/ 1908083 w 2448272"/>
+                <a:gd name="connsiteY3" fmla="*/ 533841 h 1083538"/>
+                <a:gd name="connsiteX4" fmla="*/ 2436638 w 2448272"/>
+                <a:gd name="connsiteY4" fmla="*/ 5286 h 1083538"/>
+                <a:gd name="connsiteX5" fmla="*/ 0 w 2448272"/>
+                <a:gd name="connsiteY5" fmla="*/ 0 h 1083538"/>
+                <a:gd name="connsiteX0" fmla="*/ 0 w 2592288"/>
+                <a:gd name="connsiteY0" fmla="*/ 0 h 1083538"/>
+                <a:gd name="connsiteX1" fmla="*/ 0 w 2592288"/>
+                <a:gd name="connsiteY1" fmla="*/ 1083538 h 1083538"/>
+                <a:gd name="connsiteX2" fmla="*/ 2592288 w 2592288"/>
+                <a:gd name="connsiteY2" fmla="*/ 1080120 h 1083538"/>
+                <a:gd name="connsiteX3" fmla="*/ 1908083 w 2592288"/>
+                <a:gd name="connsiteY3" fmla="*/ 533841 h 1083538"/>
+                <a:gd name="connsiteX4" fmla="*/ 2436638 w 2592288"/>
+                <a:gd name="connsiteY4" fmla="*/ 5286 h 1083538"/>
+                <a:gd name="connsiteX5" fmla="*/ 0 w 2592288"/>
+                <a:gd name="connsiteY5" fmla="*/ 0 h 1083538"/>
+                <a:gd name="connsiteX0" fmla="*/ 0 w 2436638"/>
+                <a:gd name="connsiteY0" fmla="*/ 0 h 1083538"/>
+                <a:gd name="connsiteX1" fmla="*/ 0 w 2436638"/>
+                <a:gd name="connsiteY1" fmla="*/ 1083538 h 1083538"/>
+                <a:gd name="connsiteX2" fmla="*/ 2376264 w 2436638"/>
+                <a:gd name="connsiteY2" fmla="*/ 1080120 h 1083538"/>
+                <a:gd name="connsiteX3" fmla="*/ 1908083 w 2436638"/>
+                <a:gd name="connsiteY3" fmla="*/ 533841 h 1083538"/>
+                <a:gd name="connsiteX4" fmla="*/ 2436638 w 2436638"/>
+                <a:gd name="connsiteY4" fmla="*/ 5286 h 1083538"/>
+                <a:gd name="connsiteX5" fmla="*/ 0 w 2436638"/>
+                <a:gd name="connsiteY5" fmla="*/ 0 h 1083538"/>
+                <a:gd name="connsiteX0" fmla="*/ 0 w 2448272"/>
+                <a:gd name="connsiteY0" fmla="*/ 0 h 1083538"/>
+                <a:gd name="connsiteX1" fmla="*/ 0 w 2448272"/>
+                <a:gd name="connsiteY1" fmla="*/ 1083538 h 1083538"/>
+                <a:gd name="connsiteX2" fmla="*/ 2448272 w 2448272"/>
+                <a:gd name="connsiteY2" fmla="*/ 1083538 h 1083538"/>
+                <a:gd name="connsiteX3" fmla="*/ 1908083 w 2448272"/>
+                <a:gd name="connsiteY3" fmla="*/ 533841 h 1083538"/>
+                <a:gd name="connsiteX4" fmla="*/ 2436638 w 2448272"/>
+                <a:gd name="connsiteY4" fmla="*/ 5286 h 1083538"/>
+                <a:gd name="connsiteX5" fmla="*/ 0 w 2448272"/>
+                <a:gd name="connsiteY5" fmla="*/ 0 h 1083538"/>
+                <a:gd name="connsiteX0" fmla="*/ 0 w 2448272"/>
+                <a:gd name="connsiteY0" fmla="*/ 0 h 1083538"/>
+                <a:gd name="connsiteX1" fmla="*/ 0 w 2448272"/>
+                <a:gd name="connsiteY1" fmla="*/ 1083538 h 1083538"/>
+                <a:gd name="connsiteX2" fmla="*/ 2448272 w 2448272"/>
+                <a:gd name="connsiteY2" fmla="*/ 1083538 h 1083538"/>
+                <a:gd name="connsiteX3" fmla="*/ 1908083 w 2448272"/>
+                <a:gd name="connsiteY3" fmla="*/ 533841 h 1083538"/>
+                <a:gd name="connsiteX4" fmla="*/ 2448272 w 2448272"/>
+                <a:gd name="connsiteY4" fmla="*/ 0 h 1083538"/>
+                <a:gd name="connsiteX5" fmla="*/ 0 w 2448272"/>
+                <a:gd name="connsiteY5" fmla="*/ 0 h 1083538"/>
+                <a:gd name="connsiteX0" fmla="*/ 0 w 2448272"/>
+                <a:gd name="connsiteY0" fmla="*/ 0 h 1083538"/>
+                <a:gd name="connsiteX1" fmla="*/ 0 w 2448272"/>
+                <a:gd name="connsiteY1" fmla="*/ 1083538 h 1083538"/>
+                <a:gd name="connsiteX2" fmla="*/ 2448272 w 2448272"/>
+                <a:gd name="connsiteY2" fmla="*/ 1083538 h 1083538"/>
+                <a:gd name="connsiteX3" fmla="*/ 1944216 w 2448272"/>
+                <a:gd name="connsiteY3" fmla="*/ 577887 h 1083538"/>
+                <a:gd name="connsiteX4" fmla="*/ 2448272 w 2448272"/>
+                <a:gd name="connsiteY4" fmla="*/ 0 h 1083538"/>
+                <a:gd name="connsiteX5" fmla="*/ 0 w 2448272"/>
+                <a:gd name="connsiteY5" fmla="*/ 0 h 1083538"/>
+                <a:gd name="connsiteX0" fmla="*/ 0 w 2448272"/>
+                <a:gd name="connsiteY0" fmla="*/ 0 h 1083538"/>
+                <a:gd name="connsiteX1" fmla="*/ 0 w 2448272"/>
+                <a:gd name="connsiteY1" fmla="*/ 1083538 h 1083538"/>
+                <a:gd name="connsiteX2" fmla="*/ 2448272 w 2448272"/>
+                <a:gd name="connsiteY2" fmla="*/ 1083538 h 1083538"/>
+                <a:gd name="connsiteX3" fmla="*/ 1944216 w 2448272"/>
+                <a:gd name="connsiteY3" fmla="*/ 577887 h 1083538"/>
+                <a:gd name="connsiteX4" fmla="*/ 2448272 w 2448272"/>
+                <a:gd name="connsiteY4" fmla="*/ 0 h 1083538"/>
+                <a:gd name="connsiteX5" fmla="*/ 0 w 2448272"/>
+                <a:gd name="connsiteY5" fmla="*/ 0 h 1083538"/>
+                <a:gd name="connsiteX0" fmla="*/ 0 w 2448272"/>
+                <a:gd name="connsiteY0" fmla="*/ 0 h 1083538"/>
+                <a:gd name="connsiteX1" fmla="*/ 0 w 2448272"/>
+                <a:gd name="connsiteY1" fmla="*/ 1083538 h 1083538"/>
+                <a:gd name="connsiteX2" fmla="*/ 2448272 w 2448272"/>
+                <a:gd name="connsiteY2" fmla="*/ 1083538 h 1083538"/>
+                <a:gd name="connsiteX3" fmla="*/ 1947580 w 2448272"/>
+                <a:gd name="connsiteY3" fmla="*/ 540280 h 1083538"/>
+                <a:gd name="connsiteX4" fmla="*/ 2448272 w 2448272"/>
+                <a:gd name="connsiteY4" fmla="*/ 0 h 1083538"/>
+                <a:gd name="connsiteX5" fmla="*/ 0 w 2448272"/>
+                <a:gd name="connsiteY5" fmla="*/ 0 h 1083538"/>
+                <a:gd name="connsiteX0" fmla="*/ 0 w 2448272"/>
+                <a:gd name="connsiteY0" fmla="*/ 0 h 1083538"/>
+                <a:gd name="connsiteX1" fmla="*/ 0 w 2448272"/>
+                <a:gd name="connsiteY1" fmla="*/ 1083538 h 1083538"/>
+                <a:gd name="connsiteX2" fmla="*/ 2448272 w 2448272"/>
+                <a:gd name="connsiteY2" fmla="*/ 1083538 h 1083538"/>
+                <a:gd name="connsiteX3" fmla="*/ 1917245 w 2448272"/>
+                <a:gd name="connsiteY3" fmla="*/ 540280 h 1083538"/>
+                <a:gd name="connsiteX4" fmla="*/ 2448272 w 2448272"/>
+                <a:gd name="connsiteY4" fmla="*/ 0 h 1083538"/>
+                <a:gd name="connsiteX5" fmla="*/ 0 w 2448272"/>
+                <a:gd name="connsiteY5" fmla="*/ 0 h 1083538"/>
+                <a:gd name="connsiteX0" fmla="*/ 0 w 2458326"/>
+                <a:gd name="connsiteY0" fmla="*/ 688 h 1084226"/>
+                <a:gd name="connsiteX1" fmla="*/ 0 w 2458326"/>
+                <a:gd name="connsiteY1" fmla="*/ 1084226 h 1084226"/>
+                <a:gd name="connsiteX2" fmla="*/ 2448272 w 2458326"/>
+                <a:gd name="connsiteY2" fmla="*/ 1084226 h 1084226"/>
+                <a:gd name="connsiteX3" fmla="*/ 1917245 w 2458326"/>
+                <a:gd name="connsiteY3" fmla="*/ 540968 h 1084226"/>
+                <a:gd name="connsiteX4" fmla="*/ 2458326 w 2458326"/>
+                <a:gd name="connsiteY4" fmla="*/ 0 h 1084226"/>
+                <a:gd name="connsiteX5" fmla="*/ 0 w 2458326"/>
+                <a:gd name="connsiteY5" fmla="*/ 688 h 1084226"/>
+                <a:gd name="connsiteX0" fmla="*/ 0 w 2458326"/>
+                <a:gd name="connsiteY0" fmla="*/ 688 h 1084226"/>
+                <a:gd name="connsiteX1" fmla="*/ 0 w 2458326"/>
+                <a:gd name="connsiteY1" fmla="*/ 1084226 h 1084226"/>
+                <a:gd name="connsiteX2" fmla="*/ 2448272 w 2458326"/>
+                <a:gd name="connsiteY2" fmla="*/ 1084226 h 1084226"/>
+                <a:gd name="connsiteX3" fmla="*/ 1924560 w 2458326"/>
+                <a:gd name="connsiteY3" fmla="*/ 540969 h 1084226"/>
+                <a:gd name="connsiteX4" fmla="*/ 2458326 w 2458326"/>
+                <a:gd name="connsiteY4" fmla="*/ 0 h 1084226"/>
+                <a:gd name="connsiteX5" fmla="*/ 0 w 2458326"/>
+                <a:gd name="connsiteY5" fmla="*/ 688 h 1084226"/>
+                <a:gd name="connsiteX0" fmla="*/ 0 w 2458326"/>
+                <a:gd name="connsiteY0" fmla="*/ 688 h 1084226"/>
+                <a:gd name="connsiteX1" fmla="*/ 0 w 2458326"/>
+                <a:gd name="connsiteY1" fmla="*/ 1084226 h 1084226"/>
+                <a:gd name="connsiteX2" fmla="*/ 2448272 w 2458326"/>
+                <a:gd name="connsiteY2" fmla="*/ 1084226 h 1084226"/>
+                <a:gd name="connsiteX3" fmla="*/ 1987315 w 2458326"/>
+                <a:gd name="connsiteY3" fmla="*/ 550559 h 1084226"/>
+                <a:gd name="connsiteX4" fmla="*/ 2458326 w 2458326"/>
+                <a:gd name="connsiteY4" fmla="*/ 0 h 1084226"/>
+                <a:gd name="connsiteX5" fmla="*/ 0 w 2458326"/>
+                <a:gd name="connsiteY5" fmla="*/ 688 h 1084226"/>
+                <a:gd name="connsiteX0" fmla="*/ 0 w 2458326"/>
+                <a:gd name="connsiteY0" fmla="*/ 688 h 1084226"/>
+                <a:gd name="connsiteX1" fmla="*/ 0 w 2458326"/>
+                <a:gd name="connsiteY1" fmla="*/ 1084226 h 1084226"/>
+                <a:gd name="connsiteX2" fmla="*/ 2448272 w 2458326"/>
+                <a:gd name="connsiteY2" fmla="*/ 1084226 h 1084226"/>
+                <a:gd name="connsiteX3" fmla="*/ 1969786 w 2458326"/>
+                <a:gd name="connsiteY3" fmla="*/ 524741 h 1084226"/>
+                <a:gd name="connsiteX4" fmla="*/ 2458326 w 2458326"/>
+                <a:gd name="connsiteY4" fmla="*/ 0 h 1084226"/>
+                <a:gd name="connsiteX5" fmla="*/ 0 w 2458326"/>
+                <a:gd name="connsiteY5" fmla="*/ 688 h 1084226"/>
+                <a:gd name="connsiteX0" fmla="*/ 0 w 2458326"/>
+                <a:gd name="connsiteY0" fmla="*/ 688 h 1084226"/>
+                <a:gd name="connsiteX1" fmla="*/ 0 w 2458326"/>
+                <a:gd name="connsiteY1" fmla="*/ 1084226 h 1084226"/>
+                <a:gd name="connsiteX2" fmla="*/ 2448272 w 2458326"/>
+                <a:gd name="connsiteY2" fmla="*/ 1084226 h 1084226"/>
+                <a:gd name="connsiteX3" fmla="*/ 1969786 w 2458326"/>
+                <a:gd name="connsiteY3" fmla="*/ 560887 h 1084226"/>
+                <a:gd name="connsiteX4" fmla="*/ 2458326 w 2458326"/>
+                <a:gd name="connsiteY4" fmla="*/ 0 h 1084226"/>
+                <a:gd name="connsiteX5" fmla="*/ 0 w 2458326"/>
+                <a:gd name="connsiteY5" fmla="*/ 688 h 1084226"/>
+                <a:gd name="connsiteX0" fmla="*/ 0 w 2458326"/>
+                <a:gd name="connsiteY0" fmla="*/ 688 h 1084226"/>
+                <a:gd name="connsiteX1" fmla="*/ 0 w 2458326"/>
+                <a:gd name="connsiteY1" fmla="*/ 1084226 h 1084226"/>
+                <a:gd name="connsiteX2" fmla="*/ 2448272 w 2458326"/>
+                <a:gd name="connsiteY2" fmla="*/ 1084226 h 1084226"/>
+                <a:gd name="connsiteX3" fmla="*/ 1965404 w 2458326"/>
+                <a:gd name="connsiteY3" fmla="*/ 524741 h 1084226"/>
+                <a:gd name="connsiteX4" fmla="*/ 2458326 w 2458326"/>
+                <a:gd name="connsiteY4" fmla="*/ 0 h 1084226"/>
+                <a:gd name="connsiteX5" fmla="*/ 0 w 2458326"/>
+                <a:gd name="connsiteY5" fmla="*/ 688 h 1084226"/>
+                <a:gd name="connsiteX0" fmla="*/ 0 w 2458326"/>
+                <a:gd name="connsiteY0" fmla="*/ 688 h 1084226"/>
+                <a:gd name="connsiteX1" fmla="*/ 0 w 2458326"/>
+                <a:gd name="connsiteY1" fmla="*/ 1084226 h 1084226"/>
+                <a:gd name="connsiteX2" fmla="*/ 2448272 w 2458326"/>
+                <a:gd name="connsiteY2" fmla="*/ 1084226 h 1084226"/>
+                <a:gd name="connsiteX3" fmla="*/ 1969786 w 2458326"/>
+                <a:gd name="connsiteY3" fmla="*/ 550560 h 1084226"/>
+                <a:gd name="connsiteX4" fmla="*/ 2458326 w 2458326"/>
+                <a:gd name="connsiteY4" fmla="*/ 0 h 1084226"/>
+                <a:gd name="connsiteX5" fmla="*/ 0 w 2458326"/>
+                <a:gd name="connsiteY5" fmla="*/ 688 h 1084226"/>
+                <a:gd name="connsiteX0" fmla="*/ 0 w 2458326"/>
+                <a:gd name="connsiteY0" fmla="*/ 688 h 1084226"/>
+                <a:gd name="connsiteX1" fmla="*/ 0 w 2458326"/>
+                <a:gd name="connsiteY1" fmla="*/ 1084226 h 1084226"/>
+                <a:gd name="connsiteX2" fmla="*/ 2448272 w 2458326"/>
+                <a:gd name="connsiteY2" fmla="*/ 1084226 h 1084226"/>
+                <a:gd name="connsiteX3" fmla="*/ 1972462 w 2458326"/>
+                <a:gd name="connsiteY3" fmla="*/ 534793 h 1084226"/>
+                <a:gd name="connsiteX4" fmla="*/ 2458326 w 2458326"/>
+                <a:gd name="connsiteY4" fmla="*/ 0 h 1084226"/>
+                <a:gd name="connsiteX5" fmla="*/ 0 w 2458326"/>
+                <a:gd name="connsiteY5" fmla="*/ 688 h 1084226"/>
+                <a:gd name="connsiteX0" fmla="*/ 0 w 2458326"/>
+                <a:gd name="connsiteY0" fmla="*/ 688 h 1084226"/>
+                <a:gd name="connsiteX1" fmla="*/ 0 w 2458326"/>
+                <a:gd name="connsiteY1" fmla="*/ 1084226 h 1084226"/>
+                <a:gd name="connsiteX2" fmla="*/ 2448272 w 2458326"/>
+                <a:gd name="connsiteY2" fmla="*/ 1084226 h 1084226"/>
+                <a:gd name="connsiteX3" fmla="*/ 1972462 w 2458326"/>
+                <a:gd name="connsiteY3" fmla="*/ 550561 h 1084226"/>
+                <a:gd name="connsiteX4" fmla="*/ 2458326 w 2458326"/>
+                <a:gd name="connsiteY4" fmla="*/ 0 h 1084226"/>
+                <a:gd name="connsiteX5" fmla="*/ 0 w 2458326"/>
+                <a:gd name="connsiteY5" fmla="*/ 688 h 1084226"/>
+                <a:gd name="connsiteX0" fmla="*/ 0 w 2458326"/>
+                <a:gd name="connsiteY0" fmla="*/ 688 h 1084226"/>
+                <a:gd name="connsiteX1" fmla="*/ 0 w 2458326"/>
+                <a:gd name="connsiteY1" fmla="*/ 1084226 h 1084226"/>
+                <a:gd name="connsiteX2" fmla="*/ 2448272 w 2458326"/>
+                <a:gd name="connsiteY2" fmla="*/ 1084226 h 1084226"/>
+                <a:gd name="connsiteX3" fmla="*/ 1972462 w 2458326"/>
+                <a:gd name="connsiteY3" fmla="*/ 534793 h 1084226"/>
+                <a:gd name="connsiteX4" fmla="*/ 2458326 w 2458326"/>
+                <a:gd name="connsiteY4" fmla="*/ 0 h 1084226"/>
+                <a:gd name="connsiteX5" fmla="*/ 0 w 2458326"/>
+                <a:gd name="connsiteY5" fmla="*/ 688 h 1084226"/>
+                <a:gd name="connsiteX0" fmla="*/ 0 w 2458326"/>
+                <a:gd name="connsiteY0" fmla="*/ 688 h 1084226"/>
+                <a:gd name="connsiteX1" fmla="*/ 0 w 2458326"/>
+                <a:gd name="connsiteY1" fmla="*/ 1084226 h 1084226"/>
+                <a:gd name="connsiteX2" fmla="*/ 2448272 w 2458326"/>
+                <a:gd name="connsiteY2" fmla="*/ 1084226 h 1084226"/>
+                <a:gd name="connsiteX3" fmla="*/ 1969786 w 2458326"/>
+                <a:gd name="connsiteY3" fmla="*/ 550562 h 1084226"/>
+                <a:gd name="connsiteX4" fmla="*/ 2458326 w 2458326"/>
+                <a:gd name="connsiteY4" fmla="*/ 0 h 1084226"/>
+                <a:gd name="connsiteX5" fmla="*/ 0 w 2458326"/>
+                <a:gd name="connsiteY5" fmla="*/ 688 h 1084226"/>
+                <a:gd name="connsiteX0" fmla="*/ 0 w 2458326"/>
+                <a:gd name="connsiteY0" fmla="*/ 688 h 1084226"/>
+                <a:gd name="connsiteX1" fmla="*/ 0 w 2458326"/>
+                <a:gd name="connsiteY1" fmla="*/ 1084226 h 1084226"/>
+                <a:gd name="connsiteX2" fmla="*/ 2448272 w 2458326"/>
+                <a:gd name="connsiteY2" fmla="*/ 1084226 h 1084226"/>
+                <a:gd name="connsiteX3" fmla="*/ 1967109 w 2458326"/>
+                <a:gd name="connsiteY3" fmla="*/ 534794 h 1084226"/>
+                <a:gd name="connsiteX4" fmla="*/ 2458326 w 2458326"/>
+                <a:gd name="connsiteY4" fmla="*/ 0 h 1084226"/>
+                <a:gd name="connsiteX5" fmla="*/ 0 w 2458326"/>
+                <a:gd name="connsiteY5" fmla="*/ 688 h 1084226"/>
+                <a:gd name="connsiteX0" fmla="*/ 0 w 2458326"/>
+                <a:gd name="connsiteY0" fmla="*/ 688 h 1084226"/>
+                <a:gd name="connsiteX1" fmla="*/ 0 w 2458326"/>
+                <a:gd name="connsiteY1" fmla="*/ 1084226 h 1084226"/>
+                <a:gd name="connsiteX2" fmla="*/ 2448272 w 2458326"/>
+                <a:gd name="connsiteY2" fmla="*/ 1084226 h 1084226"/>
+                <a:gd name="connsiteX3" fmla="*/ 1986041 w 2458326"/>
+                <a:gd name="connsiteY3" fmla="*/ 543482 h 1084226"/>
+                <a:gd name="connsiteX4" fmla="*/ 2458326 w 2458326"/>
+                <a:gd name="connsiteY4" fmla="*/ 0 h 1084226"/>
+                <a:gd name="connsiteX5" fmla="*/ 0 w 2458326"/>
+                <a:gd name="connsiteY5" fmla="*/ 688 h 1084226"/>
+              </a:gdLst>
+              <a:ahLst/>
+              <a:cxnLst>
+                <a:cxn ang="0">
+                  <a:pos x="connsiteX0" y="connsiteY0"/>
+                </a:cxn>
+                <a:cxn ang="0">
+                  <a:pos x="connsiteX1" y="connsiteY1"/>
+                </a:cxn>
+                <a:cxn ang="0">
+                  <a:pos x="connsiteX2" y="connsiteY2"/>
+                </a:cxn>
+                <a:cxn ang="0">
+                  <a:pos x="connsiteX3" y="connsiteY3"/>
+                </a:cxn>
+                <a:cxn ang="0">
+                  <a:pos x="connsiteX4" y="connsiteY4"/>
+                </a:cxn>
+                <a:cxn ang="0">
+                  <a:pos x="connsiteX5" y="connsiteY5"/>
+                </a:cxn>
+              </a:cxnLst>
+              <a:rect l="l" t="t" r="r" b="b"/>
+              <a:pathLst>
+                <a:path w="2458326" h="1084226">
+                  <a:moveTo>
+                    <a:pt x="0" y="688"/>
+                  </a:moveTo>
+                  <a:lnTo>
+                    <a:pt x="0" y="1084226"/>
+                  </a:lnTo>
+                  <a:lnTo>
+                    <a:pt x="2448272" y="1084226"/>
+                  </a:lnTo>
+                  <a:lnTo>
+                    <a:pt x="1986041" y="543482"/>
+                  </a:lnTo>
+                  <a:lnTo>
+                    <a:pt x="2458326" y="0"/>
+                  </a:lnTo>
+                  <a:lnTo>
+                    <a:pt x="0" y="688"/>
+                  </a:lnTo>
+                  <a:close/>
+                </a:path>
+              </a:pathLst>
+            </a:custGeom>
+            <a:ln>
+              <a:noFill/>
+            </a:ln>
+          </p:spPr>
+          <p:style>
+            <a:lnRef idx="0">
+              <a:schemeClr val="lt1">
+                <a:hueOff val="0"/>
+                <a:satOff val="0"/>
+                <a:lumOff val="0"/>
+                <a:alphaOff val="0"/>
+              </a:schemeClr>
+            </a:lnRef>
+            <a:fillRef idx="3">
+              <a:schemeClr val="accent1">
+                <a:shade val="80000"/>
+                <a:hueOff val="0"/>
+                <a:satOff val="0"/>
+                <a:lumOff val="0"/>
+                <a:alphaOff val="0"/>
+              </a:schemeClr>
+            </a:fillRef>
+            <a:effectRef idx="2">
+              <a:schemeClr val="accent1">
+                <a:shade val="80000"/>
+                <a:hueOff val="0"/>
+                <a:satOff val="0"/>
+                <a:lumOff val="0"/>
+                <a:alphaOff val="0"/>
+              </a:schemeClr>
+            </a:effectRef>
+            <a:fontRef idx="minor">
+              <a:schemeClr val="lt1"/>
+            </a:fontRef>
+          </p:style>
+          <p:txBody>
+            <a:bodyPr spcFirstLastPara="0" vert="horz" wrap="square" lIns="282702" tIns="141351" rIns="338190" bIns="141351" numCol="1" spcCol="1270" anchor="ctr" anchorCtr="0">
+              <a:noAutofit/>
+            </a:bodyPr>
+            <a:lstStyle/>
+            <a:p>
+              <a:pPr algn="ctr" defTabSz="2355850">
+                <a:lnSpc>
+                  <a:spcPct val="90000"/>
+                </a:lnSpc>
+                <a:spcBef>
+                  <a:spcPct val="0"/>
+                </a:spcBef>
+                <a:spcAft>
+                  <a:spcPct val="35000"/>
+                </a:spcAft>
+              </a:pPr>
+              <a:endParaRPr lang="de-AT" sz="5300"/>
+            </a:p>
+          </p:txBody>
+        </p:sp>
+        <p:sp>
+          <p:nvSpPr>
+            <p:cNvPr id="14" name="Rechteck 13"/>
+            <p:cNvSpPr/>
+            <p:nvPr/>
+          </p:nvSpPr>
+          <p:spPr>
+            <a:xfrm>
+              <a:off x="899592" y="980058"/>
+              <a:ext cx="1975221" cy="826380"/>
+            </a:xfrm>
+            <a:prstGeom prst="rect">
+              <a:avLst/>
+            </a:prstGeom>
+            <a:ln>
+              <a:noFill/>
+            </a:ln>
+          </p:spPr>
+          <p:txBody>
+            <a:bodyPr wrap="none">
+              <a:spAutoFit/>
+            </a:bodyPr>
+            <a:lstStyle/>
+            <a:p>
+              <a:pPr lvl="0" algn="ctr" defTabSz="2355850">
+                <a:lnSpc>
+                  <a:spcPct val="90000"/>
+                </a:lnSpc>
+                <a:spcBef>
+                  <a:spcPct val="0"/>
+                </a:spcBef>
+                <a:spcAft>
+                  <a:spcPct val="35000"/>
+                </a:spcAft>
+              </a:pPr>
+              <a:r>
+                <a:rPr lang="en-GB" sz="5300" dirty="0" smtClean="0">
+                  <a:solidFill>
+                    <a:prstClr val="white"/>
+                  </a:solidFill>
+                </a:rPr>
+                <a:t>phOSS</a:t>
+              </a:r>
+              <a:endParaRPr lang="en-GB" sz="5300" dirty="0">
+                <a:solidFill>
+                  <a:prstClr val="white"/>
+                </a:solidFill>
+              </a:endParaRPr>
+            </a:p>
+          </p:txBody>
+        </p:sp>
+      </p:grpSp>
+      <p:grpSp>
+        <p:nvGrpSpPr>
+          <p:cNvPr id="15" name="Gruppieren 14"/>
+          <p:cNvGrpSpPr/>
+          <p:nvPr/>
+        </p:nvGrpSpPr>
+        <p:grpSpPr>
+          <a:xfrm>
+            <a:off x="2987824" y="4869160"/>
+            <a:ext cx="2675137" cy="1057161"/>
+            <a:chOff x="2987824" y="2204864"/>
+            <a:chExt cx="2675137" cy="1057161"/>
+          </a:xfrm>
+          <a:solidFill>
+            <a:srgbClr val="889EC3"/>
+          </a:solidFill>
+          <a:effectLst/>
+        </p:grpSpPr>
+        <p:sp>
+          <p:nvSpPr>
+            <p:cNvPr id="16" name="Pfeil nach links und rechts 15"/>
+            <p:cNvSpPr/>
+            <p:nvPr/>
+          </p:nvSpPr>
+          <p:spPr>
+            <a:xfrm>
+              <a:off x="2987824" y="2204864"/>
+              <a:ext cx="2675137" cy="1057161"/>
+            </a:xfrm>
+            <a:prstGeom prst="leftRightArrow">
+              <a:avLst>
+                <a:gd name="adj1" fmla="val 100000"/>
+                <a:gd name="adj2" fmla="val 50000"/>
+              </a:avLst>
+            </a:prstGeom>
+            <a:grpFill/>
+            <a:ln>
+              <a:noFill/>
+            </a:ln>
+          </p:spPr>
+          <p:style>
+            <a:lnRef idx="0">
+              <a:schemeClr val="lt1">
+                <a:hueOff val="0"/>
+                <a:satOff val="0"/>
+                <a:lumOff val="0"/>
+                <a:alphaOff val="0"/>
+              </a:schemeClr>
+            </a:lnRef>
+            <a:fillRef idx="3">
+              <a:schemeClr val="accent1">
+                <a:shade val="80000"/>
+                <a:hueOff val="306246"/>
+                <a:satOff val="-4392"/>
+                <a:lumOff val="25615"/>
+                <a:alphaOff val="0"/>
+              </a:schemeClr>
+            </a:fillRef>
+            <a:effectRef idx="2">
+              <a:schemeClr val="accent1">
+                <a:shade val="80000"/>
+                <a:hueOff val="306246"/>
+                <a:satOff val="-4392"/>
+                <a:lumOff val="25615"/>
+                <a:alphaOff val="0"/>
+              </a:schemeClr>
+            </a:effectRef>
+            <a:fontRef idx="minor">
+              <a:schemeClr val="lt1"/>
+            </a:fontRef>
+          </p:style>
+          <p:txBody>
+            <a:bodyPr spcFirstLastPara="0" vert="horz" wrap="square" lIns="747054" tIns="141351" rIns="605703" bIns="141351" numCol="1" spcCol="1270" anchor="ctr" anchorCtr="0">
+              <a:noAutofit/>
+            </a:bodyPr>
+            <a:lstStyle/>
+            <a:p>
+              <a:pPr algn="ctr" defTabSz="2355850">
+                <a:lnSpc>
+                  <a:spcPct val="90000"/>
+                </a:lnSpc>
+                <a:spcBef>
+                  <a:spcPct val="0"/>
+                </a:spcBef>
+                <a:spcAft>
+                  <a:spcPct val="35000"/>
+                </a:spcAft>
+              </a:pPr>
+              <a:endParaRPr lang="en-GB" sz="5300" dirty="0"/>
+            </a:p>
+          </p:txBody>
+        </p:sp>
+        <p:sp>
+          <p:nvSpPr>
+            <p:cNvPr id="17" name="Rechteck 16"/>
+            <p:cNvSpPr/>
+            <p:nvPr/>
+          </p:nvSpPr>
+          <p:spPr>
+            <a:xfrm>
+              <a:off x="3635896" y="2348210"/>
+              <a:ext cx="1430200" cy="826380"/>
+            </a:xfrm>
+            <a:prstGeom prst="rect">
+              <a:avLst/>
+            </a:prstGeom>
+            <a:grpFill/>
+            <a:ln>
+              <a:noFill/>
+            </a:ln>
+          </p:spPr>
+          <p:txBody>
+            <a:bodyPr wrap="none">
+              <a:spAutoFit/>
+            </a:bodyPr>
+            <a:lstStyle/>
+            <a:p>
+              <a:pPr lvl="0" algn="ctr" defTabSz="2355850">
+                <a:lnSpc>
+                  <a:spcPct val="90000"/>
+                </a:lnSpc>
+                <a:spcBef>
+                  <a:spcPct val="0"/>
+                </a:spcBef>
+                <a:spcAft>
+                  <a:spcPct val="35000"/>
+                </a:spcAft>
+              </a:pPr>
+              <a:r>
+                <a:rPr lang="en-GB" sz="5300" dirty="0" smtClean="0">
+                  <a:solidFill>
+                    <a:prstClr val="white"/>
+                  </a:solidFill>
+                </a:rPr>
+                <a:t>SMP</a:t>
+              </a:r>
+              <a:endParaRPr lang="en-GB" sz="5300" dirty="0">
+                <a:solidFill>
+                  <a:prstClr val="white"/>
+                </a:solidFill>
+              </a:endParaRPr>
+            </a:p>
+          </p:txBody>
+        </p:sp>
+      </p:grpSp>
+      <p:grpSp>
+        <p:nvGrpSpPr>
+          <p:cNvPr id="18" name="Gruppieren 17"/>
+          <p:cNvGrpSpPr/>
+          <p:nvPr/>
+        </p:nvGrpSpPr>
+        <p:grpSpPr>
+          <a:xfrm>
+            <a:off x="711812" y="4872690"/>
+            <a:ext cx="2818366" cy="1054949"/>
+            <a:chOff x="697690" y="840243"/>
+            <a:chExt cx="2818366" cy="1054949"/>
+          </a:xfrm>
+          <a:effectLst/>
+        </p:grpSpPr>
+        <p:sp>
+          <p:nvSpPr>
+            <p:cNvPr id="19" name="Freihandform 18"/>
+            <p:cNvSpPr/>
+            <p:nvPr/>
+          </p:nvSpPr>
+          <p:spPr>
+            <a:xfrm>
+              <a:off x="697690" y="840243"/>
+              <a:ext cx="2818366" cy="1054949"/>
+            </a:xfrm>
+            <a:custGeom>
+              <a:avLst/>
+              <a:gdLst>
+                <a:gd name="connsiteX0" fmla="*/ 0 w 2436638"/>
+                <a:gd name="connsiteY0" fmla="*/ 0 h 1088823"/>
+                <a:gd name="connsiteX1" fmla="*/ 0 w 2436638"/>
+                <a:gd name="connsiteY1" fmla="*/ 1083538 h 1088823"/>
+                <a:gd name="connsiteX2" fmla="*/ 2436638 w 2436638"/>
+                <a:gd name="connsiteY2" fmla="*/ 1088823 h 1088823"/>
+                <a:gd name="connsiteX3" fmla="*/ 1908083 w 2436638"/>
+                <a:gd name="connsiteY3" fmla="*/ 533841 h 1088823"/>
+                <a:gd name="connsiteX4" fmla="*/ 2436638 w 2436638"/>
+                <a:gd name="connsiteY4" fmla="*/ 5286 h 1088823"/>
+                <a:gd name="connsiteX5" fmla="*/ 0 w 2436638"/>
+                <a:gd name="connsiteY5" fmla="*/ 0 h 1088823"/>
+                <a:gd name="connsiteX0" fmla="*/ 0 w 2448272"/>
+                <a:gd name="connsiteY0" fmla="*/ 0 h 1083538"/>
+                <a:gd name="connsiteX1" fmla="*/ 0 w 2448272"/>
+                <a:gd name="connsiteY1" fmla="*/ 1083538 h 1083538"/>
+                <a:gd name="connsiteX2" fmla="*/ 2448272 w 2448272"/>
+                <a:gd name="connsiteY2" fmla="*/ 1080120 h 1083538"/>
+                <a:gd name="connsiteX3" fmla="*/ 1908083 w 2448272"/>
+                <a:gd name="connsiteY3" fmla="*/ 533841 h 1083538"/>
+                <a:gd name="connsiteX4" fmla="*/ 2436638 w 2448272"/>
+                <a:gd name="connsiteY4" fmla="*/ 5286 h 1083538"/>
+                <a:gd name="connsiteX5" fmla="*/ 0 w 2448272"/>
+                <a:gd name="connsiteY5" fmla="*/ 0 h 1083538"/>
+                <a:gd name="connsiteX0" fmla="*/ 0 w 2592288"/>
+                <a:gd name="connsiteY0" fmla="*/ 0 h 1083538"/>
+                <a:gd name="connsiteX1" fmla="*/ 0 w 2592288"/>
+                <a:gd name="connsiteY1" fmla="*/ 1083538 h 1083538"/>
+                <a:gd name="connsiteX2" fmla="*/ 2592288 w 2592288"/>
+                <a:gd name="connsiteY2" fmla="*/ 1080120 h 1083538"/>
+                <a:gd name="connsiteX3" fmla="*/ 1908083 w 2592288"/>
+                <a:gd name="connsiteY3" fmla="*/ 533841 h 1083538"/>
+                <a:gd name="connsiteX4" fmla="*/ 2436638 w 2592288"/>
+                <a:gd name="connsiteY4" fmla="*/ 5286 h 1083538"/>
+                <a:gd name="connsiteX5" fmla="*/ 0 w 2592288"/>
+                <a:gd name="connsiteY5" fmla="*/ 0 h 1083538"/>
+                <a:gd name="connsiteX0" fmla="*/ 0 w 2436638"/>
+                <a:gd name="connsiteY0" fmla="*/ 0 h 1083538"/>
+                <a:gd name="connsiteX1" fmla="*/ 0 w 2436638"/>
+                <a:gd name="connsiteY1" fmla="*/ 1083538 h 1083538"/>
+                <a:gd name="connsiteX2" fmla="*/ 2376264 w 2436638"/>
+                <a:gd name="connsiteY2" fmla="*/ 1080120 h 1083538"/>
+                <a:gd name="connsiteX3" fmla="*/ 1908083 w 2436638"/>
+                <a:gd name="connsiteY3" fmla="*/ 533841 h 1083538"/>
+                <a:gd name="connsiteX4" fmla="*/ 2436638 w 2436638"/>
+                <a:gd name="connsiteY4" fmla="*/ 5286 h 1083538"/>
+                <a:gd name="connsiteX5" fmla="*/ 0 w 2436638"/>
+                <a:gd name="connsiteY5" fmla="*/ 0 h 1083538"/>
+                <a:gd name="connsiteX0" fmla="*/ 0 w 2448272"/>
+                <a:gd name="connsiteY0" fmla="*/ 0 h 1083538"/>
+                <a:gd name="connsiteX1" fmla="*/ 0 w 2448272"/>
+                <a:gd name="connsiteY1" fmla="*/ 1083538 h 1083538"/>
+                <a:gd name="connsiteX2" fmla="*/ 2448272 w 2448272"/>
+                <a:gd name="connsiteY2" fmla="*/ 1083538 h 1083538"/>
+                <a:gd name="connsiteX3" fmla="*/ 1908083 w 2448272"/>
+                <a:gd name="connsiteY3" fmla="*/ 533841 h 1083538"/>
+                <a:gd name="connsiteX4" fmla="*/ 2436638 w 2448272"/>
+                <a:gd name="connsiteY4" fmla="*/ 5286 h 1083538"/>
+                <a:gd name="connsiteX5" fmla="*/ 0 w 2448272"/>
+                <a:gd name="connsiteY5" fmla="*/ 0 h 1083538"/>
+                <a:gd name="connsiteX0" fmla="*/ 0 w 2448272"/>
+                <a:gd name="connsiteY0" fmla="*/ 0 h 1083538"/>
+                <a:gd name="connsiteX1" fmla="*/ 0 w 2448272"/>
+                <a:gd name="connsiteY1" fmla="*/ 1083538 h 1083538"/>
+                <a:gd name="connsiteX2" fmla="*/ 2448272 w 2448272"/>
+                <a:gd name="connsiteY2" fmla="*/ 1083538 h 1083538"/>
+                <a:gd name="connsiteX3" fmla="*/ 1908083 w 2448272"/>
+                <a:gd name="connsiteY3" fmla="*/ 533841 h 1083538"/>
+                <a:gd name="connsiteX4" fmla="*/ 2448272 w 2448272"/>
+                <a:gd name="connsiteY4" fmla="*/ 0 h 1083538"/>
+                <a:gd name="connsiteX5" fmla="*/ 0 w 2448272"/>
+                <a:gd name="connsiteY5" fmla="*/ 0 h 1083538"/>
+                <a:gd name="connsiteX0" fmla="*/ 0 w 2448272"/>
+                <a:gd name="connsiteY0" fmla="*/ 0 h 1083538"/>
+                <a:gd name="connsiteX1" fmla="*/ 0 w 2448272"/>
+                <a:gd name="connsiteY1" fmla="*/ 1083538 h 1083538"/>
+                <a:gd name="connsiteX2" fmla="*/ 2448272 w 2448272"/>
+                <a:gd name="connsiteY2" fmla="*/ 1083538 h 1083538"/>
+                <a:gd name="connsiteX3" fmla="*/ 1944216 w 2448272"/>
+                <a:gd name="connsiteY3" fmla="*/ 577887 h 1083538"/>
+                <a:gd name="connsiteX4" fmla="*/ 2448272 w 2448272"/>
+                <a:gd name="connsiteY4" fmla="*/ 0 h 1083538"/>
+                <a:gd name="connsiteX5" fmla="*/ 0 w 2448272"/>
+                <a:gd name="connsiteY5" fmla="*/ 0 h 1083538"/>
+                <a:gd name="connsiteX0" fmla="*/ 0 w 2448272"/>
+                <a:gd name="connsiteY0" fmla="*/ 0 h 1083538"/>
+                <a:gd name="connsiteX1" fmla="*/ 0 w 2448272"/>
+                <a:gd name="connsiteY1" fmla="*/ 1083538 h 1083538"/>
+                <a:gd name="connsiteX2" fmla="*/ 2448272 w 2448272"/>
+                <a:gd name="connsiteY2" fmla="*/ 1083538 h 1083538"/>
+                <a:gd name="connsiteX3" fmla="*/ 1944216 w 2448272"/>
+                <a:gd name="connsiteY3" fmla="*/ 577887 h 1083538"/>
+                <a:gd name="connsiteX4" fmla="*/ 2448272 w 2448272"/>
+                <a:gd name="connsiteY4" fmla="*/ 0 h 1083538"/>
+                <a:gd name="connsiteX5" fmla="*/ 0 w 2448272"/>
+                <a:gd name="connsiteY5" fmla="*/ 0 h 1083538"/>
+                <a:gd name="connsiteX0" fmla="*/ 0 w 2448272"/>
+                <a:gd name="connsiteY0" fmla="*/ 0 h 1083538"/>
+                <a:gd name="connsiteX1" fmla="*/ 0 w 2448272"/>
+                <a:gd name="connsiteY1" fmla="*/ 1083538 h 1083538"/>
+                <a:gd name="connsiteX2" fmla="*/ 2448272 w 2448272"/>
+                <a:gd name="connsiteY2" fmla="*/ 1083538 h 1083538"/>
+                <a:gd name="connsiteX3" fmla="*/ 1947580 w 2448272"/>
+                <a:gd name="connsiteY3" fmla="*/ 540280 h 1083538"/>
+                <a:gd name="connsiteX4" fmla="*/ 2448272 w 2448272"/>
+                <a:gd name="connsiteY4" fmla="*/ 0 h 1083538"/>
+                <a:gd name="connsiteX5" fmla="*/ 0 w 2448272"/>
+                <a:gd name="connsiteY5" fmla="*/ 0 h 1083538"/>
+                <a:gd name="connsiteX0" fmla="*/ 0 w 2448272"/>
+                <a:gd name="connsiteY0" fmla="*/ 0 h 1083538"/>
+                <a:gd name="connsiteX1" fmla="*/ 0 w 2448272"/>
+                <a:gd name="connsiteY1" fmla="*/ 1083538 h 1083538"/>
+                <a:gd name="connsiteX2" fmla="*/ 2448272 w 2448272"/>
+                <a:gd name="connsiteY2" fmla="*/ 1083538 h 1083538"/>
+                <a:gd name="connsiteX3" fmla="*/ 1917245 w 2448272"/>
+                <a:gd name="connsiteY3" fmla="*/ 540280 h 1083538"/>
+                <a:gd name="connsiteX4" fmla="*/ 2448272 w 2448272"/>
+                <a:gd name="connsiteY4" fmla="*/ 0 h 1083538"/>
+                <a:gd name="connsiteX5" fmla="*/ 0 w 2448272"/>
+                <a:gd name="connsiteY5" fmla="*/ 0 h 1083538"/>
+                <a:gd name="connsiteX0" fmla="*/ 0 w 2458326"/>
+                <a:gd name="connsiteY0" fmla="*/ 688 h 1084226"/>
+                <a:gd name="connsiteX1" fmla="*/ 0 w 2458326"/>
+                <a:gd name="connsiteY1" fmla="*/ 1084226 h 1084226"/>
+                <a:gd name="connsiteX2" fmla="*/ 2448272 w 2458326"/>
+                <a:gd name="connsiteY2" fmla="*/ 1084226 h 1084226"/>
+                <a:gd name="connsiteX3" fmla="*/ 1917245 w 2458326"/>
+                <a:gd name="connsiteY3" fmla="*/ 540968 h 1084226"/>
+                <a:gd name="connsiteX4" fmla="*/ 2458326 w 2458326"/>
+                <a:gd name="connsiteY4" fmla="*/ 0 h 1084226"/>
+                <a:gd name="connsiteX5" fmla="*/ 0 w 2458326"/>
+                <a:gd name="connsiteY5" fmla="*/ 688 h 1084226"/>
+                <a:gd name="connsiteX0" fmla="*/ 0 w 2458326"/>
+                <a:gd name="connsiteY0" fmla="*/ 688 h 1084226"/>
+                <a:gd name="connsiteX1" fmla="*/ 0 w 2458326"/>
+                <a:gd name="connsiteY1" fmla="*/ 1084226 h 1084226"/>
+                <a:gd name="connsiteX2" fmla="*/ 2448272 w 2458326"/>
+                <a:gd name="connsiteY2" fmla="*/ 1084226 h 1084226"/>
+                <a:gd name="connsiteX3" fmla="*/ 1924560 w 2458326"/>
+                <a:gd name="connsiteY3" fmla="*/ 540969 h 1084226"/>
+                <a:gd name="connsiteX4" fmla="*/ 2458326 w 2458326"/>
+                <a:gd name="connsiteY4" fmla="*/ 0 h 1084226"/>
+                <a:gd name="connsiteX5" fmla="*/ 0 w 2458326"/>
+                <a:gd name="connsiteY5" fmla="*/ 688 h 1084226"/>
+                <a:gd name="connsiteX0" fmla="*/ 0 w 2458326"/>
+                <a:gd name="connsiteY0" fmla="*/ 688 h 1084226"/>
+                <a:gd name="connsiteX1" fmla="*/ 0 w 2458326"/>
+                <a:gd name="connsiteY1" fmla="*/ 1084226 h 1084226"/>
+                <a:gd name="connsiteX2" fmla="*/ 2448272 w 2458326"/>
+                <a:gd name="connsiteY2" fmla="*/ 1084226 h 1084226"/>
+                <a:gd name="connsiteX3" fmla="*/ 1987315 w 2458326"/>
+                <a:gd name="connsiteY3" fmla="*/ 550559 h 1084226"/>
+                <a:gd name="connsiteX4" fmla="*/ 2458326 w 2458326"/>
+                <a:gd name="connsiteY4" fmla="*/ 0 h 1084226"/>
+                <a:gd name="connsiteX5" fmla="*/ 0 w 2458326"/>
+                <a:gd name="connsiteY5" fmla="*/ 688 h 1084226"/>
+                <a:gd name="connsiteX0" fmla="*/ 0 w 2458326"/>
+                <a:gd name="connsiteY0" fmla="*/ 688 h 1084226"/>
+                <a:gd name="connsiteX1" fmla="*/ 0 w 2458326"/>
+                <a:gd name="connsiteY1" fmla="*/ 1084226 h 1084226"/>
+                <a:gd name="connsiteX2" fmla="*/ 2448272 w 2458326"/>
+                <a:gd name="connsiteY2" fmla="*/ 1084226 h 1084226"/>
+                <a:gd name="connsiteX3" fmla="*/ 1969786 w 2458326"/>
+                <a:gd name="connsiteY3" fmla="*/ 524741 h 1084226"/>
+                <a:gd name="connsiteX4" fmla="*/ 2458326 w 2458326"/>
+                <a:gd name="connsiteY4" fmla="*/ 0 h 1084226"/>
+                <a:gd name="connsiteX5" fmla="*/ 0 w 2458326"/>
+                <a:gd name="connsiteY5" fmla="*/ 688 h 1084226"/>
+                <a:gd name="connsiteX0" fmla="*/ 0 w 2458326"/>
+                <a:gd name="connsiteY0" fmla="*/ 688 h 1084226"/>
+                <a:gd name="connsiteX1" fmla="*/ 0 w 2458326"/>
+                <a:gd name="connsiteY1" fmla="*/ 1084226 h 1084226"/>
+                <a:gd name="connsiteX2" fmla="*/ 2448272 w 2458326"/>
+                <a:gd name="connsiteY2" fmla="*/ 1084226 h 1084226"/>
+                <a:gd name="connsiteX3" fmla="*/ 1969786 w 2458326"/>
+                <a:gd name="connsiteY3" fmla="*/ 560887 h 1084226"/>
+                <a:gd name="connsiteX4" fmla="*/ 2458326 w 2458326"/>
+                <a:gd name="connsiteY4" fmla="*/ 0 h 1084226"/>
+                <a:gd name="connsiteX5" fmla="*/ 0 w 2458326"/>
+                <a:gd name="connsiteY5" fmla="*/ 688 h 1084226"/>
+                <a:gd name="connsiteX0" fmla="*/ 0 w 2458326"/>
+                <a:gd name="connsiteY0" fmla="*/ 688 h 1084226"/>
+                <a:gd name="connsiteX1" fmla="*/ 0 w 2458326"/>
+                <a:gd name="connsiteY1" fmla="*/ 1084226 h 1084226"/>
+                <a:gd name="connsiteX2" fmla="*/ 2448272 w 2458326"/>
+                <a:gd name="connsiteY2" fmla="*/ 1084226 h 1084226"/>
+                <a:gd name="connsiteX3" fmla="*/ 1965404 w 2458326"/>
+                <a:gd name="connsiteY3" fmla="*/ 524741 h 1084226"/>
+                <a:gd name="connsiteX4" fmla="*/ 2458326 w 2458326"/>
+                <a:gd name="connsiteY4" fmla="*/ 0 h 1084226"/>
+                <a:gd name="connsiteX5" fmla="*/ 0 w 2458326"/>
+                <a:gd name="connsiteY5" fmla="*/ 688 h 1084226"/>
+                <a:gd name="connsiteX0" fmla="*/ 0 w 2458326"/>
+                <a:gd name="connsiteY0" fmla="*/ 688 h 1084226"/>
+                <a:gd name="connsiteX1" fmla="*/ 0 w 2458326"/>
+                <a:gd name="connsiteY1" fmla="*/ 1084226 h 1084226"/>
+                <a:gd name="connsiteX2" fmla="*/ 2448272 w 2458326"/>
+                <a:gd name="connsiteY2" fmla="*/ 1084226 h 1084226"/>
+                <a:gd name="connsiteX3" fmla="*/ 1969786 w 2458326"/>
+                <a:gd name="connsiteY3" fmla="*/ 550560 h 1084226"/>
+                <a:gd name="connsiteX4" fmla="*/ 2458326 w 2458326"/>
+                <a:gd name="connsiteY4" fmla="*/ 0 h 1084226"/>
+                <a:gd name="connsiteX5" fmla="*/ 0 w 2458326"/>
+                <a:gd name="connsiteY5" fmla="*/ 688 h 1084226"/>
+                <a:gd name="connsiteX0" fmla="*/ 0 w 2458326"/>
+                <a:gd name="connsiteY0" fmla="*/ 688 h 1084226"/>
+                <a:gd name="connsiteX1" fmla="*/ 0 w 2458326"/>
+                <a:gd name="connsiteY1" fmla="*/ 1084226 h 1084226"/>
+                <a:gd name="connsiteX2" fmla="*/ 2448272 w 2458326"/>
+                <a:gd name="connsiteY2" fmla="*/ 1084226 h 1084226"/>
+                <a:gd name="connsiteX3" fmla="*/ 1972462 w 2458326"/>
+                <a:gd name="connsiteY3" fmla="*/ 534793 h 1084226"/>
+                <a:gd name="connsiteX4" fmla="*/ 2458326 w 2458326"/>
+                <a:gd name="connsiteY4" fmla="*/ 0 h 1084226"/>
+                <a:gd name="connsiteX5" fmla="*/ 0 w 2458326"/>
+                <a:gd name="connsiteY5" fmla="*/ 688 h 1084226"/>
+                <a:gd name="connsiteX0" fmla="*/ 0 w 2458326"/>
+                <a:gd name="connsiteY0" fmla="*/ 688 h 1084226"/>
+                <a:gd name="connsiteX1" fmla="*/ 0 w 2458326"/>
+                <a:gd name="connsiteY1" fmla="*/ 1084226 h 1084226"/>
+                <a:gd name="connsiteX2" fmla="*/ 2448272 w 2458326"/>
+                <a:gd name="connsiteY2" fmla="*/ 1084226 h 1084226"/>
+                <a:gd name="connsiteX3" fmla="*/ 1972462 w 2458326"/>
+                <a:gd name="connsiteY3" fmla="*/ 550561 h 1084226"/>
+                <a:gd name="connsiteX4" fmla="*/ 2458326 w 2458326"/>
+                <a:gd name="connsiteY4" fmla="*/ 0 h 1084226"/>
+                <a:gd name="connsiteX5" fmla="*/ 0 w 2458326"/>
+                <a:gd name="connsiteY5" fmla="*/ 688 h 1084226"/>
+                <a:gd name="connsiteX0" fmla="*/ 0 w 2458326"/>
+                <a:gd name="connsiteY0" fmla="*/ 688 h 1084226"/>
+                <a:gd name="connsiteX1" fmla="*/ 0 w 2458326"/>
+                <a:gd name="connsiteY1" fmla="*/ 1084226 h 1084226"/>
+                <a:gd name="connsiteX2" fmla="*/ 2448272 w 2458326"/>
+                <a:gd name="connsiteY2" fmla="*/ 1084226 h 1084226"/>
+                <a:gd name="connsiteX3" fmla="*/ 1972462 w 2458326"/>
+                <a:gd name="connsiteY3" fmla="*/ 534793 h 1084226"/>
+                <a:gd name="connsiteX4" fmla="*/ 2458326 w 2458326"/>
+                <a:gd name="connsiteY4" fmla="*/ 0 h 1084226"/>
+                <a:gd name="connsiteX5" fmla="*/ 0 w 2458326"/>
+                <a:gd name="connsiteY5" fmla="*/ 688 h 1084226"/>
+                <a:gd name="connsiteX0" fmla="*/ 0 w 2458326"/>
+                <a:gd name="connsiteY0" fmla="*/ 688 h 1084226"/>
+                <a:gd name="connsiteX1" fmla="*/ 0 w 2458326"/>
+                <a:gd name="connsiteY1" fmla="*/ 1084226 h 1084226"/>
+                <a:gd name="connsiteX2" fmla="*/ 2448272 w 2458326"/>
+                <a:gd name="connsiteY2" fmla="*/ 1084226 h 1084226"/>
+                <a:gd name="connsiteX3" fmla="*/ 1969786 w 2458326"/>
+                <a:gd name="connsiteY3" fmla="*/ 550562 h 1084226"/>
+                <a:gd name="connsiteX4" fmla="*/ 2458326 w 2458326"/>
+                <a:gd name="connsiteY4" fmla="*/ 0 h 1084226"/>
+                <a:gd name="connsiteX5" fmla="*/ 0 w 2458326"/>
+                <a:gd name="connsiteY5" fmla="*/ 688 h 1084226"/>
+                <a:gd name="connsiteX0" fmla="*/ 0 w 2458326"/>
+                <a:gd name="connsiteY0" fmla="*/ 688 h 1084226"/>
+                <a:gd name="connsiteX1" fmla="*/ 0 w 2458326"/>
+                <a:gd name="connsiteY1" fmla="*/ 1084226 h 1084226"/>
+                <a:gd name="connsiteX2" fmla="*/ 2448272 w 2458326"/>
+                <a:gd name="connsiteY2" fmla="*/ 1084226 h 1084226"/>
+                <a:gd name="connsiteX3" fmla="*/ 1967109 w 2458326"/>
+                <a:gd name="connsiteY3" fmla="*/ 534794 h 1084226"/>
+                <a:gd name="connsiteX4" fmla="*/ 2458326 w 2458326"/>
+                <a:gd name="connsiteY4" fmla="*/ 0 h 1084226"/>
+                <a:gd name="connsiteX5" fmla="*/ 0 w 2458326"/>
+                <a:gd name="connsiteY5" fmla="*/ 688 h 1084226"/>
+                <a:gd name="connsiteX0" fmla="*/ 0 w 2458326"/>
+                <a:gd name="connsiteY0" fmla="*/ 688 h 1084226"/>
+                <a:gd name="connsiteX1" fmla="*/ 0 w 2458326"/>
+                <a:gd name="connsiteY1" fmla="*/ 1084226 h 1084226"/>
+                <a:gd name="connsiteX2" fmla="*/ 2448272 w 2458326"/>
+                <a:gd name="connsiteY2" fmla="*/ 1084226 h 1084226"/>
+                <a:gd name="connsiteX3" fmla="*/ 1986041 w 2458326"/>
+                <a:gd name="connsiteY3" fmla="*/ 543482 h 1084226"/>
+                <a:gd name="connsiteX4" fmla="*/ 2458326 w 2458326"/>
+                <a:gd name="connsiteY4" fmla="*/ 0 h 1084226"/>
+                <a:gd name="connsiteX5" fmla="*/ 0 w 2458326"/>
+                <a:gd name="connsiteY5" fmla="*/ 688 h 1084226"/>
+              </a:gdLst>
+              <a:ahLst/>
+              <a:cxnLst>
+                <a:cxn ang="0">
+                  <a:pos x="connsiteX0" y="connsiteY0"/>
+                </a:cxn>
+                <a:cxn ang="0">
+                  <a:pos x="connsiteX1" y="connsiteY1"/>
+                </a:cxn>
+                <a:cxn ang="0">
+                  <a:pos x="connsiteX2" y="connsiteY2"/>
+                </a:cxn>
+                <a:cxn ang="0">
+                  <a:pos x="connsiteX3" y="connsiteY3"/>
+                </a:cxn>
+                <a:cxn ang="0">
+                  <a:pos x="connsiteX4" y="connsiteY4"/>
+                </a:cxn>
+                <a:cxn ang="0">
+                  <a:pos x="connsiteX5" y="connsiteY5"/>
+                </a:cxn>
+              </a:cxnLst>
+              <a:rect l="l" t="t" r="r" b="b"/>
+              <a:pathLst>
+                <a:path w="2458326" h="1084226">
+                  <a:moveTo>
+                    <a:pt x="0" y="688"/>
+                  </a:moveTo>
+                  <a:lnTo>
+                    <a:pt x="0" y="1084226"/>
+                  </a:lnTo>
+                  <a:lnTo>
+                    <a:pt x="2448272" y="1084226"/>
+                  </a:lnTo>
+                  <a:lnTo>
+                    <a:pt x="1986041" y="543482"/>
+                  </a:lnTo>
+                  <a:lnTo>
+                    <a:pt x="2458326" y="0"/>
+                  </a:lnTo>
+                  <a:lnTo>
+                    <a:pt x="0" y="688"/>
+                  </a:lnTo>
+                  <a:close/>
+                </a:path>
+              </a:pathLst>
+            </a:custGeom>
+            <a:solidFill>
+              <a:srgbClr val="2F63A2"/>
+            </a:solidFill>
+            <a:ln>
+              <a:noFill/>
+            </a:ln>
+          </p:spPr>
+          <p:style>
+            <a:lnRef idx="0">
+              <a:schemeClr val="lt1">
+                <a:hueOff val="0"/>
+                <a:satOff val="0"/>
+                <a:lumOff val="0"/>
+                <a:alphaOff val="0"/>
+              </a:schemeClr>
+            </a:lnRef>
+            <a:fillRef idx="3">
+              <a:schemeClr val="accent1">
+                <a:shade val="80000"/>
+                <a:hueOff val="0"/>
+                <a:satOff val="0"/>
+                <a:lumOff val="0"/>
+                <a:alphaOff val="0"/>
+              </a:schemeClr>
+            </a:fillRef>
+            <a:effectRef idx="2">
+              <a:schemeClr val="accent1">
+                <a:shade val="80000"/>
+                <a:hueOff val="0"/>
+                <a:satOff val="0"/>
+                <a:lumOff val="0"/>
+                <a:alphaOff val="0"/>
+              </a:schemeClr>
+            </a:effectRef>
+            <a:fontRef idx="minor">
+              <a:schemeClr val="lt1"/>
+            </a:fontRef>
+          </p:style>
+          <p:txBody>
+            <a:bodyPr spcFirstLastPara="0" vert="horz" wrap="square" lIns="282702" tIns="141351" rIns="338190" bIns="141351" numCol="1" spcCol="1270" anchor="ctr" anchorCtr="0">
+              <a:noAutofit/>
+            </a:bodyPr>
+            <a:lstStyle/>
+            <a:p>
+              <a:pPr algn="ctr" defTabSz="2355850">
+                <a:lnSpc>
+                  <a:spcPct val="90000"/>
+                </a:lnSpc>
+                <a:spcBef>
+                  <a:spcPct val="0"/>
+                </a:spcBef>
+                <a:spcAft>
+                  <a:spcPct val="35000"/>
+                </a:spcAft>
+              </a:pPr>
+              <a:endParaRPr lang="de-AT" sz="5300"/>
+            </a:p>
+          </p:txBody>
+        </p:sp>
+        <p:sp>
+          <p:nvSpPr>
+            <p:cNvPr id="20" name="Rechteck 19"/>
+            <p:cNvSpPr/>
+            <p:nvPr/>
+          </p:nvSpPr>
+          <p:spPr>
+            <a:xfrm>
+              <a:off x="899592" y="980058"/>
+              <a:ext cx="1975221" cy="826380"/>
+            </a:xfrm>
+            <a:prstGeom prst="rect">
+              <a:avLst/>
+            </a:prstGeom>
+            <a:ln>
+              <a:noFill/>
+            </a:ln>
+          </p:spPr>
+          <p:txBody>
+            <a:bodyPr wrap="none">
+              <a:spAutoFit/>
+            </a:bodyPr>
+            <a:lstStyle/>
+            <a:p>
+              <a:pPr lvl="0" algn="ctr" defTabSz="2355850">
+                <a:lnSpc>
+                  <a:spcPct val="90000"/>
+                </a:lnSpc>
+                <a:spcBef>
+                  <a:spcPct val="0"/>
+                </a:spcBef>
+                <a:spcAft>
+                  <a:spcPct val="35000"/>
+                </a:spcAft>
+              </a:pPr>
+              <a:r>
+                <a:rPr lang="en-GB" sz="5300" dirty="0" smtClean="0">
+                  <a:solidFill>
+                    <a:prstClr val="white"/>
+                  </a:solidFill>
+                </a:rPr>
+                <a:t>phOSS</a:t>
+              </a:r>
+              <a:endParaRPr lang="en-GB" sz="5300" dirty="0">
+                <a:solidFill>
+                  <a:prstClr val="white"/>
+                </a:solidFill>
+              </a:endParaRPr>
+            </a:p>
+          </p:txBody>
+        </p:sp>
+      </p:grpSp>
+      <p:sp>
+        <p:nvSpPr>
+          <p:cNvPr id="21" name="Textfeld 20"/>
+          <p:cNvSpPr txBox="1"/>
+          <p:nvPr/>
+        </p:nvSpPr>
+        <p:spPr>
+          <a:xfrm>
+            <a:off x="6660232" y="2636912"/>
+            <a:ext cx="444352" cy="369332"/>
+          </a:xfrm>
+          <a:prstGeom prst="rect">
+            <a:avLst/>
+          </a:prstGeom>
+          <a:noFill/>
+        </p:spPr>
+        <p:txBody>
+          <a:bodyPr wrap="none" rtlCol="0">
+            <a:spAutoFit/>
+          </a:bodyPr>
+          <a:lstStyle/>
+          <a:p>
+            <a:r>
+              <a:rPr lang="de-AT" dirty="0" smtClean="0"/>
+              <a:t>3D</a:t>
+            </a:r>
+            <a:endParaRPr lang="de-AT" dirty="0"/>
+          </a:p>
+        </p:txBody>
+      </p:sp>
+      <p:sp>
+        <p:nvSpPr>
+          <p:cNvPr id="22" name="Textfeld 21"/>
+          <p:cNvSpPr txBox="1"/>
+          <p:nvPr/>
+        </p:nvSpPr>
+        <p:spPr>
+          <a:xfrm>
+            <a:off x="6660232" y="3861048"/>
+            <a:ext cx="1320683" cy="369332"/>
+          </a:xfrm>
+          <a:prstGeom prst="rect">
+            <a:avLst/>
+          </a:prstGeom>
+          <a:noFill/>
+        </p:spPr>
+        <p:txBody>
+          <a:bodyPr wrap="none" rtlCol="0">
+            <a:spAutoFit/>
+          </a:bodyPr>
+          <a:lstStyle/>
+          <a:p>
+            <a:r>
+              <a:rPr lang="de-AT" dirty="0" smtClean="0"/>
+              <a:t>Flat, </a:t>
+            </a:r>
+            <a:r>
+              <a:rPr lang="de-AT" dirty="0" err="1" smtClean="0"/>
+              <a:t>shaded</a:t>
+            </a:r>
+            <a:endParaRPr lang="de-AT" dirty="0"/>
+          </a:p>
+        </p:txBody>
+      </p:sp>
+      <p:sp>
+        <p:nvSpPr>
+          <p:cNvPr id="23" name="Textfeld 22"/>
+          <p:cNvSpPr txBox="1"/>
+          <p:nvPr/>
+        </p:nvSpPr>
+        <p:spPr>
+          <a:xfrm>
+            <a:off x="6660232" y="5373216"/>
+            <a:ext cx="528799" cy="369332"/>
+          </a:xfrm>
+          <a:prstGeom prst="rect">
+            <a:avLst/>
+          </a:prstGeom>
+          <a:noFill/>
+        </p:spPr>
+        <p:txBody>
+          <a:bodyPr wrap="none" rtlCol="0">
+            <a:spAutoFit/>
+          </a:bodyPr>
+          <a:lstStyle/>
+          <a:p>
+            <a:r>
+              <a:rPr lang="de-AT" dirty="0" smtClean="0"/>
+              <a:t>Flat</a:t>
+            </a:r>
+            <a:endParaRPr lang="de-AT" dirty="0"/>
+          </a:p>
+        </p:txBody>
+      </p:sp>
+    </p:spTree>
+  </p:cSld>
+  <p:clrMapOvr>
+    <a:masterClrMapping/>
+  </p:clrMapOvr>
+</p:sld>
+</file>
+
+<file path=ppt/slides/slide11.xml><?xml version="1.0" encoding="utf-8"?>
+<p:sld xmlns:a="http://schemas.openxmlformats.org/drawingml/2006/main" xmlns:r="http://schemas.openxmlformats.org/officeDocument/2006/relationships" xmlns:p="http://schemas.openxmlformats.org/presentationml/2006/main">
+  <p:cSld>
+    <p:spTree>
+      <p:nvGrpSpPr>
+        <p:cNvPr id="1" name=""/>
+        <p:cNvGrpSpPr/>
+        <p:nvPr/>
+      </p:nvGrpSpPr>
+      <p:grpSpPr>
+        <a:xfrm>
+          <a:off x="0" y="0"/>
+          <a:ext cx="0" cy="0"/>
+          <a:chOff x="0" y="0"/>
+          <a:chExt cx="0" cy="0"/>
+        </a:xfrm>
+      </p:grpSpPr>
+      <p:grpSp>
+        <p:nvGrpSpPr>
+          <p:cNvPr id="2" name="Gruppieren 1"/>
+          <p:cNvGrpSpPr/>
+          <p:nvPr/>
+        </p:nvGrpSpPr>
+        <p:grpSpPr>
+          <a:xfrm>
+            <a:off x="2987824" y="2204864"/>
+            <a:ext cx="2675137" cy="1057161"/>
+            <a:chOff x="2987824" y="2204864"/>
+            <a:chExt cx="2675137" cy="1057161"/>
+          </a:xfrm>
+        </p:grpSpPr>
+        <p:sp>
+          <p:nvSpPr>
+            <p:cNvPr id="3" name="Pfeil nach links und rechts 2"/>
+            <p:cNvSpPr/>
+            <p:nvPr/>
+          </p:nvSpPr>
+          <p:spPr>
+            <a:xfrm>
+              <a:off x="2987824" y="2204864"/>
+              <a:ext cx="2675137" cy="1057161"/>
+            </a:xfrm>
+            <a:prstGeom prst="leftRightArrow">
+              <a:avLst>
+                <a:gd name="adj1" fmla="val 100000"/>
+                <a:gd name="adj2" fmla="val 50000"/>
+              </a:avLst>
+            </a:prstGeom>
+            <a:scene3d>
+              <a:camera prst="orthographicFront"/>
+              <a:lightRig rig="threePt" dir="t">
+                <a:rot lat="0" lon="0" rev="7500000"/>
+              </a:lightRig>
+            </a:scene3d>
+            <a:sp3d prstMaterial="plastic">
+              <a:bevelT w="127000" h="25400" prst="relaxedInset"/>
+            </a:sp3d>
+          </p:spPr>
+          <p:style>
+            <a:lnRef idx="0">
+              <a:schemeClr val="lt1">
+                <a:hueOff val="0"/>
+                <a:satOff val="0"/>
+                <a:lumOff val="0"/>
+                <a:alphaOff val="0"/>
+              </a:schemeClr>
+            </a:lnRef>
+            <a:fillRef idx="3">
+              <a:schemeClr val="accent1">
+                <a:shade val="80000"/>
+                <a:hueOff val="306246"/>
+                <a:satOff val="-4392"/>
+                <a:lumOff val="25615"/>
+                <a:alphaOff val="0"/>
+              </a:schemeClr>
+            </a:fillRef>
+            <a:effectRef idx="2">
+              <a:schemeClr val="accent1">
+                <a:shade val="80000"/>
+                <a:hueOff val="306246"/>
+                <a:satOff val="-4392"/>
+                <a:lumOff val="25615"/>
+                <a:alphaOff val="0"/>
+              </a:schemeClr>
+            </a:effectRef>
+            <a:fontRef idx="minor">
+              <a:schemeClr val="lt1"/>
+            </a:fontRef>
+          </p:style>
+          <p:txBody>
+            <a:bodyPr spcFirstLastPara="0" vert="horz" wrap="square" lIns="747054" tIns="141351" rIns="605703" bIns="141351" numCol="1" spcCol="1270" anchor="ctr" anchorCtr="0">
+              <a:noAutofit/>
+            </a:bodyPr>
+            <a:lstStyle/>
+            <a:p>
+              <a:pPr algn="ctr" defTabSz="2355850">
+                <a:lnSpc>
+                  <a:spcPct val="90000"/>
+                </a:lnSpc>
+                <a:spcBef>
+                  <a:spcPct val="0"/>
+                </a:spcBef>
+                <a:spcAft>
+                  <a:spcPct val="35000"/>
+                </a:spcAft>
+              </a:pPr>
+              <a:endParaRPr lang="en-GB" sz="5300" dirty="0"/>
+            </a:p>
+          </p:txBody>
+        </p:sp>
+        <p:sp>
+          <p:nvSpPr>
+            <p:cNvPr id="4" name="Rechteck 3"/>
+            <p:cNvSpPr/>
+            <p:nvPr/>
+          </p:nvSpPr>
+          <p:spPr>
+            <a:xfrm>
+              <a:off x="3635896" y="2348210"/>
+              <a:ext cx="1430200" cy="826380"/>
+            </a:xfrm>
+            <a:prstGeom prst="rect">
+              <a:avLst/>
+            </a:prstGeom>
+          </p:spPr>
+          <p:txBody>
+            <a:bodyPr wrap="none">
+              <a:spAutoFit/>
+            </a:bodyPr>
+            <a:lstStyle/>
+            <a:p>
+              <a:pPr lvl="0" algn="ctr" defTabSz="2355850">
+                <a:lnSpc>
+                  <a:spcPct val="90000"/>
+                </a:lnSpc>
+                <a:spcBef>
+                  <a:spcPct val="0"/>
+                </a:spcBef>
+                <a:spcAft>
+                  <a:spcPct val="35000"/>
+                </a:spcAft>
+              </a:pPr>
+              <a:r>
+                <a:rPr lang="en-GB" sz="5300" dirty="0" smtClean="0">
+                  <a:solidFill>
+                    <a:prstClr val="white"/>
+                  </a:solidFill>
+                </a:rPr>
+                <a:t>SMP</a:t>
+              </a:r>
+              <a:endParaRPr lang="en-GB" sz="5300" dirty="0">
+                <a:solidFill>
+                  <a:prstClr val="white"/>
+                </a:solidFill>
+              </a:endParaRPr>
+            </a:p>
+          </p:txBody>
+        </p:sp>
+      </p:grpSp>
+      <p:grpSp>
+        <p:nvGrpSpPr>
+          <p:cNvPr id="5" name="Gruppieren 4"/>
+          <p:cNvGrpSpPr/>
+          <p:nvPr/>
+        </p:nvGrpSpPr>
+        <p:grpSpPr>
+          <a:xfrm>
+            <a:off x="711812" y="2208394"/>
+            <a:ext cx="2818366" cy="1054949"/>
+            <a:chOff x="697690" y="840243"/>
+            <a:chExt cx="2818366" cy="1054949"/>
+          </a:xfrm>
+        </p:grpSpPr>
+        <p:sp>
+          <p:nvSpPr>
+            <p:cNvPr id="6" name="Freihandform 5"/>
+            <p:cNvSpPr/>
+            <p:nvPr/>
+          </p:nvSpPr>
+          <p:spPr>
+            <a:xfrm>
+              <a:off x="697690" y="840243"/>
+              <a:ext cx="2818366" cy="1054949"/>
+            </a:xfrm>
+            <a:custGeom>
+              <a:avLst/>
+              <a:gdLst>
+                <a:gd name="connsiteX0" fmla="*/ 0 w 2436638"/>
+                <a:gd name="connsiteY0" fmla="*/ 0 h 1088823"/>
+                <a:gd name="connsiteX1" fmla="*/ 0 w 2436638"/>
+                <a:gd name="connsiteY1" fmla="*/ 1083538 h 1088823"/>
+                <a:gd name="connsiteX2" fmla="*/ 2436638 w 2436638"/>
+                <a:gd name="connsiteY2" fmla="*/ 1088823 h 1088823"/>
+                <a:gd name="connsiteX3" fmla="*/ 1908083 w 2436638"/>
+                <a:gd name="connsiteY3" fmla="*/ 533841 h 1088823"/>
+                <a:gd name="connsiteX4" fmla="*/ 2436638 w 2436638"/>
+                <a:gd name="connsiteY4" fmla="*/ 5286 h 1088823"/>
+                <a:gd name="connsiteX5" fmla="*/ 0 w 2436638"/>
+                <a:gd name="connsiteY5" fmla="*/ 0 h 1088823"/>
+                <a:gd name="connsiteX0" fmla="*/ 0 w 2448272"/>
+                <a:gd name="connsiteY0" fmla="*/ 0 h 1083538"/>
+                <a:gd name="connsiteX1" fmla="*/ 0 w 2448272"/>
+                <a:gd name="connsiteY1" fmla="*/ 1083538 h 1083538"/>
+                <a:gd name="connsiteX2" fmla="*/ 2448272 w 2448272"/>
+                <a:gd name="connsiteY2" fmla="*/ 1080120 h 1083538"/>
+                <a:gd name="connsiteX3" fmla="*/ 1908083 w 2448272"/>
+                <a:gd name="connsiteY3" fmla="*/ 533841 h 1083538"/>
+                <a:gd name="connsiteX4" fmla="*/ 2436638 w 2448272"/>
+                <a:gd name="connsiteY4" fmla="*/ 5286 h 1083538"/>
+                <a:gd name="connsiteX5" fmla="*/ 0 w 2448272"/>
+                <a:gd name="connsiteY5" fmla="*/ 0 h 1083538"/>
+                <a:gd name="connsiteX0" fmla="*/ 0 w 2592288"/>
+                <a:gd name="connsiteY0" fmla="*/ 0 h 1083538"/>
+                <a:gd name="connsiteX1" fmla="*/ 0 w 2592288"/>
+                <a:gd name="connsiteY1" fmla="*/ 1083538 h 1083538"/>
+                <a:gd name="connsiteX2" fmla="*/ 2592288 w 2592288"/>
+                <a:gd name="connsiteY2" fmla="*/ 1080120 h 1083538"/>
+                <a:gd name="connsiteX3" fmla="*/ 1908083 w 2592288"/>
+                <a:gd name="connsiteY3" fmla="*/ 533841 h 1083538"/>
+                <a:gd name="connsiteX4" fmla="*/ 2436638 w 2592288"/>
+                <a:gd name="connsiteY4" fmla="*/ 5286 h 1083538"/>
+                <a:gd name="connsiteX5" fmla="*/ 0 w 2592288"/>
+                <a:gd name="connsiteY5" fmla="*/ 0 h 1083538"/>
+                <a:gd name="connsiteX0" fmla="*/ 0 w 2436638"/>
+                <a:gd name="connsiteY0" fmla="*/ 0 h 1083538"/>
+                <a:gd name="connsiteX1" fmla="*/ 0 w 2436638"/>
+                <a:gd name="connsiteY1" fmla="*/ 1083538 h 1083538"/>
+                <a:gd name="connsiteX2" fmla="*/ 2376264 w 2436638"/>
+                <a:gd name="connsiteY2" fmla="*/ 1080120 h 1083538"/>
+                <a:gd name="connsiteX3" fmla="*/ 1908083 w 2436638"/>
+                <a:gd name="connsiteY3" fmla="*/ 533841 h 1083538"/>
+                <a:gd name="connsiteX4" fmla="*/ 2436638 w 2436638"/>
+                <a:gd name="connsiteY4" fmla="*/ 5286 h 1083538"/>
+                <a:gd name="connsiteX5" fmla="*/ 0 w 2436638"/>
+                <a:gd name="connsiteY5" fmla="*/ 0 h 1083538"/>
+                <a:gd name="connsiteX0" fmla="*/ 0 w 2448272"/>
+                <a:gd name="connsiteY0" fmla="*/ 0 h 1083538"/>
+                <a:gd name="connsiteX1" fmla="*/ 0 w 2448272"/>
+                <a:gd name="connsiteY1" fmla="*/ 1083538 h 1083538"/>
+                <a:gd name="connsiteX2" fmla="*/ 2448272 w 2448272"/>
+                <a:gd name="connsiteY2" fmla="*/ 1083538 h 1083538"/>
+                <a:gd name="connsiteX3" fmla="*/ 1908083 w 2448272"/>
+                <a:gd name="connsiteY3" fmla="*/ 533841 h 1083538"/>
+                <a:gd name="connsiteX4" fmla="*/ 2436638 w 2448272"/>
+                <a:gd name="connsiteY4" fmla="*/ 5286 h 1083538"/>
+                <a:gd name="connsiteX5" fmla="*/ 0 w 2448272"/>
+                <a:gd name="connsiteY5" fmla="*/ 0 h 1083538"/>
+                <a:gd name="connsiteX0" fmla="*/ 0 w 2448272"/>
+                <a:gd name="connsiteY0" fmla="*/ 0 h 1083538"/>
+                <a:gd name="connsiteX1" fmla="*/ 0 w 2448272"/>
+                <a:gd name="connsiteY1" fmla="*/ 1083538 h 1083538"/>
+                <a:gd name="connsiteX2" fmla="*/ 2448272 w 2448272"/>
+                <a:gd name="connsiteY2" fmla="*/ 1083538 h 1083538"/>
+                <a:gd name="connsiteX3" fmla="*/ 1908083 w 2448272"/>
+                <a:gd name="connsiteY3" fmla="*/ 533841 h 1083538"/>
+                <a:gd name="connsiteX4" fmla="*/ 2448272 w 2448272"/>
+                <a:gd name="connsiteY4" fmla="*/ 0 h 1083538"/>
+                <a:gd name="connsiteX5" fmla="*/ 0 w 2448272"/>
+                <a:gd name="connsiteY5" fmla="*/ 0 h 1083538"/>
+                <a:gd name="connsiteX0" fmla="*/ 0 w 2448272"/>
+                <a:gd name="connsiteY0" fmla="*/ 0 h 1083538"/>
+                <a:gd name="connsiteX1" fmla="*/ 0 w 2448272"/>
+                <a:gd name="connsiteY1" fmla="*/ 1083538 h 1083538"/>
+                <a:gd name="connsiteX2" fmla="*/ 2448272 w 2448272"/>
+                <a:gd name="connsiteY2" fmla="*/ 1083538 h 1083538"/>
+                <a:gd name="connsiteX3" fmla="*/ 1944216 w 2448272"/>
+                <a:gd name="connsiteY3" fmla="*/ 577887 h 1083538"/>
+                <a:gd name="connsiteX4" fmla="*/ 2448272 w 2448272"/>
+                <a:gd name="connsiteY4" fmla="*/ 0 h 1083538"/>
+                <a:gd name="connsiteX5" fmla="*/ 0 w 2448272"/>
+                <a:gd name="connsiteY5" fmla="*/ 0 h 1083538"/>
+                <a:gd name="connsiteX0" fmla="*/ 0 w 2448272"/>
+                <a:gd name="connsiteY0" fmla="*/ 0 h 1083538"/>
+                <a:gd name="connsiteX1" fmla="*/ 0 w 2448272"/>
+                <a:gd name="connsiteY1" fmla="*/ 1083538 h 1083538"/>
+                <a:gd name="connsiteX2" fmla="*/ 2448272 w 2448272"/>
+                <a:gd name="connsiteY2" fmla="*/ 1083538 h 1083538"/>
+                <a:gd name="connsiteX3" fmla="*/ 1944216 w 2448272"/>
+                <a:gd name="connsiteY3" fmla="*/ 577887 h 1083538"/>
+                <a:gd name="connsiteX4" fmla="*/ 2448272 w 2448272"/>
+                <a:gd name="connsiteY4" fmla="*/ 0 h 1083538"/>
+                <a:gd name="connsiteX5" fmla="*/ 0 w 2448272"/>
+                <a:gd name="connsiteY5" fmla="*/ 0 h 1083538"/>
+                <a:gd name="connsiteX0" fmla="*/ 0 w 2448272"/>
+                <a:gd name="connsiteY0" fmla="*/ 0 h 1083538"/>
+                <a:gd name="connsiteX1" fmla="*/ 0 w 2448272"/>
+                <a:gd name="connsiteY1" fmla="*/ 1083538 h 1083538"/>
+                <a:gd name="connsiteX2" fmla="*/ 2448272 w 2448272"/>
+                <a:gd name="connsiteY2" fmla="*/ 1083538 h 1083538"/>
+                <a:gd name="connsiteX3" fmla="*/ 1947580 w 2448272"/>
+                <a:gd name="connsiteY3" fmla="*/ 540280 h 1083538"/>
+                <a:gd name="connsiteX4" fmla="*/ 2448272 w 2448272"/>
+                <a:gd name="connsiteY4" fmla="*/ 0 h 1083538"/>
+                <a:gd name="connsiteX5" fmla="*/ 0 w 2448272"/>
+                <a:gd name="connsiteY5" fmla="*/ 0 h 1083538"/>
+                <a:gd name="connsiteX0" fmla="*/ 0 w 2448272"/>
+                <a:gd name="connsiteY0" fmla="*/ 0 h 1083538"/>
+                <a:gd name="connsiteX1" fmla="*/ 0 w 2448272"/>
+                <a:gd name="connsiteY1" fmla="*/ 1083538 h 1083538"/>
+                <a:gd name="connsiteX2" fmla="*/ 2448272 w 2448272"/>
+                <a:gd name="connsiteY2" fmla="*/ 1083538 h 1083538"/>
+                <a:gd name="connsiteX3" fmla="*/ 1917245 w 2448272"/>
+                <a:gd name="connsiteY3" fmla="*/ 540280 h 1083538"/>
+                <a:gd name="connsiteX4" fmla="*/ 2448272 w 2448272"/>
+                <a:gd name="connsiteY4" fmla="*/ 0 h 1083538"/>
+                <a:gd name="connsiteX5" fmla="*/ 0 w 2448272"/>
+                <a:gd name="connsiteY5" fmla="*/ 0 h 1083538"/>
+                <a:gd name="connsiteX0" fmla="*/ 0 w 2458326"/>
+                <a:gd name="connsiteY0" fmla="*/ 688 h 1084226"/>
+                <a:gd name="connsiteX1" fmla="*/ 0 w 2458326"/>
+                <a:gd name="connsiteY1" fmla="*/ 1084226 h 1084226"/>
+                <a:gd name="connsiteX2" fmla="*/ 2448272 w 2458326"/>
+                <a:gd name="connsiteY2" fmla="*/ 1084226 h 1084226"/>
+                <a:gd name="connsiteX3" fmla="*/ 1917245 w 2458326"/>
+                <a:gd name="connsiteY3" fmla="*/ 540968 h 1084226"/>
+                <a:gd name="connsiteX4" fmla="*/ 2458326 w 2458326"/>
+                <a:gd name="connsiteY4" fmla="*/ 0 h 1084226"/>
+                <a:gd name="connsiteX5" fmla="*/ 0 w 2458326"/>
+                <a:gd name="connsiteY5" fmla="*/ 688 h 1084226"/>
+                <a:gd name="connsiteX0" fmla="*/ 0 w 2458326"/>
+                <a:gd name="connsiteY0" fmla="*/ 688 h 1084226"/>
+                <a:gd name="connsiteX1" fmla="*/ 0 w 2458326"/>
+                <a:gd name="connsiteY1" fmla="*/ 1084226 h 1084226"/>
+                <a:gd name="connsiteX2" fmla="*/ 2448272 w 2458326"/>
+                <a:gd name="connsiteY2" fmla="*/ 1084226 h 1084226"/>
+                <a:gd name="connsiteX3" fmla="*/ 1924560 w 2458326"/>
+                <a:gd name="connsiteY3" fmla="*/ 540969 h 1084226"/>
+                <a:gd name="connsiteX4" fmla="*/ 2458326 w 2458326"/>
+                <a:gd name="connsiteY4" fmla="*/ 0 h 1084226"/>
+                <a:gd name="connsiteX5" fmla="*/ 0 w 2458326"/>
+                <a:gd name="connsiteY5" fmla="*/ 688 h 1084226"/>
+                <a:gd name="connsiteX0" fmla="*/ 0 w 2458326"/>
+                <a:gd name="connsiteY0" fmla="*/ 688 h 1084226"/>
+                <a:gd name="connsiteX1" fmla="*/ 0 w 2458326"/>
+                <a:gd name="connsiteY1" fmla="*/ 1084226 h 1084226"/>
+                <a:gd name="connsiteX2" fmla="*/ 2448272 w 2458326"/>
+                <a:gd name="connsiteY2" fmla="*/ 1084226 h 1084226"/>
+                <a:gd name="connsiteX3" fmla="*/ 1987315 w 2458326"/>
+                <a:gd name="connsiteY3" fmla="*/ 550559 h 1084226"/>
+                <a:gd name="connsiteX4" fmla="*/ 2458326 w 2458326"/>
+                <a:gd name="connsiteY4" fmla="*/ 0 h 1084226"/>
+                <a:gd name="connsiteX5" fmla="*/ 0 w 2458326"/>
+                <a:gd name="connsiteY5" fmla="*/ 688 h 1084226"/>
+                <a:gd name="connsiteX0" fmla="*/ 0 w 2458326"/>
+                <a:gd name="connsiteY0" fmla="*/ 688 h 1084226"/>
+                <a:gd name="connsiteX1" fmla="*/ 0 w 2458326"/>
+                <a:gd name="connsiteY1" fmla="*/ 1084226 h 1084226"/>
+                <a:gd name="connsiteX2" fmla="*/ 2448272 w 2458326"/>
+                <a:gd name="connsiteY2" fmla="*/ 1084226 h 1084226"/>
+                <a:gd name="connsiteX3" fmla="*/ 1969786 w 2458326"/>
+                <a:gd name="connsiteY3" fmla="*/ 524741 h 1084226"/>
+                <a:gd name="connsiteX4" fmla="*/ 2458326 w 2458326"/>
+                <a:gd name="connsiteY4" fmla="*/ 0 h 1084226"/>
+                <a:gd name="connsiteX5" fmla="*/ 0 w 2458326"/>
+                <a:gd name="connsiteY5" fmla="*/ 688 h 1084226"/>
+                <a:gd name="connsiteX0" fmla="*/ 0 w 2458326"/>
+                <a:gd name="connsiteY0" fmla="*/ 688 h 1084226"/>
+                <a:gd name="connsiteX1" fmla="*/ 0 w 2458326"/>
+                <a:gd name="connsiteY1" fmla="*/ 1084226 h 1084226"/>
+                <a:gd name="connsiteX2" fmla="*/ 2448272 w 2458326"/>
+                <a:gd name="connsiteY2" fmla="*/ 1084226 h 1084226"/>
+                <a:gd name="connsiteX3" fmla="*/ 1969786 w 2458326"/>
+                <a:gd name="connsiteY3" fmla="*/ 560887 h 1084226"/>
+                <a:gd name="connsiteX4" fmla="*/ 2458326 w 2458326"/>
+                <a:gd name="connsiteY4" fmla="*/ 0 h 1084226"/>
+                <a:gd name="connsiteX5" fmla="*/ 0 w 2458326"/>
+                <a:gd name="connsiteY5" fmla="*/ 688 h 1084226"/>
+                <a:gd name="connsiteX0" fmla="*/ 0 w 2458326"/>
+                <a:gd name="connsiteY0" fmla="*/ 688 h 1084226"/>
+                <a:gd name="connsiteX1" fmla="*/ 0 w 2458326"/>
+                <a:gd name="connsiteY1" fmla="*/ 1084226 h 1084226"/>
+                <a:gd name="connsiteX2" fmla="*/ 2448272 w 2458326"/>
+                <a:gd name="connsiteY2" fmla="*/ 1084226 h 1084226"/>
+                <a:gd name="connsiteX3" fmla="*/ 1965404 w 2458326"/>
+                <a:gd name="connsiteY3" fmla="*/ 524741 h 1084226"/>
+                <a:gd name="connsiteX4" fmla="*/ 2458326 w 2458326"/>
+                <a:gd name="connsiteY4" fmla="*/ 0 h 1084226"/>
+                <a:gd name="connsiteX5" fmla="*/ 0 w 2458326"/>
+                <a:gd name="connsiteY5" fmla="*/ 688 h 1084226"/>
+                <a:gd name="connsiteX0" fmla="*/ 0 w 2458326"/>
+                <a:gd name="connsiteY0" fmla="*/ 688 h 1084226"/>
+                <a:gd name="connsiteX1" fmla="*/ 0 w 2458326"/>
+                <a:gd name="connsiteY1" fmla="*/ 1084226 h 1084226"/>
+                <a:gd name="connsiteX2" fmla="*/ 2448272 w 2458326"/>
+                <a:gd name="connsiteY2" fmla="*/ 1084226 h 1084226"/>
+                <a:gd name="connsiteX3" fmla="*/ 1969786 w 2458326"/>
+                <a:gd name="connsiteY3" fmla="*/ 550560 h 1084226"/>
+                <a:gd name="connsiteX4" fmla="*/ 2458326 w 2458326"/>
+                <a:gd name="connsiteY4" fmla="*/ 0 h 1084226"/>
+                <a:gd name="connsiteX5" fmla="*/ 0 w 2458326"/>
+                <a:gd name="connsiteY5" fmla="*/ 688 h 1084226"/>
+                <a:gd name="connsiteX0" fmla="*/ 0 w 2458326"/>
+                <a:gd name="connsiteY0" fmla="*/ 688 h 1084226"/>
+                <a:gd name="connsiteX1" fmla="*/ 0 w 2458326"/>
+                <a:gd name="connsiteY1" fmla="*/ 1084226 h 1084226"/>
+                <a:gd name="connsiteX2" fmla="*/ 2448272 w 2458326"/>
+                <a:gd name="connsiteY2" fmla="*/ 1084226 h 1084226"/>
+                <a:gd name="connsiteX3" fmla="*/ 1972462 w 2458326"/>
+                <a:gd name="connsiteY3" fmla="*/ 534793 h 1084226"/>
+                <a:gd name="connsiteX4" fmla="*/ 2458326 w 2458326"/>
+                <a:gd name="connsiteY4" fmla="*/ 0 h 1084226"/>
+                <a:gd name="connsiteX5" fmla="*/ 0 w 2458326"/>
+                <a:gd name="connsiteY5" fmla="*/ 688 h 1084226"/>
+                <a:gd name="connsiteX0" fmla="*/ 0 w 2458326"/>
+                <a:gd name="connsiteY0" fmla="*/ 688 h 1084226"/>
+                <a:gd name="connsiteX1" fmla="*/ 0 w 2458326"/>
+                <a:gd name="connsiteY1" fmla="*/ 1084226 h 1084226"/>
+                <a:gd name="connsiteX2" fmla="*/ 2448272 w 2458326"/>
+                <a:gd name="connsiteY2" fmla="*/ 1084226 h 1084226"/>
+                <a:gd name="connsiteX3" fmla="*/ 1972462 w 2458326"/>
+                <a:gd name="connsiteY3" fmla="*/ 550561 h 1084226"/>
+                <a:gd name="connsiteX4" fmla="*/ 2458326 w 2458326"/>
+                <a:gd name="connsiteY4" fmla="*/ 0 h 1084226"/>
+                <a:gd name="connsiteX5" fmla="*/ 0 w 2458326"/>
+                <a:gd name="connsiteY5" fmla="*/ 688 h 1084226"/>
+                <a:gd name="connsiteX0" fmla="*/ 0 w 2458326"/>
+                <a:gd name="connsiteY0" fmla="*/ 688 h 1084226"/>
+                <a:gd name="connsiteX1" fmla="*/ 0 w 2458326"/>
+                <a:gd name="connsiteY1" fmla="*/ 1084226 h 1084226"/>
+                <a:gd name="connsiteX2" fmla="*/ 2448272 w 2458326"/>
+                <a:gd name="connsiteY2" fmla="*/ 1084226 h 1084226"/>
+                <a:gd name="connsiteX3" fmla="*/ 1972462 w 2458326"/>
+                <a:gd name="connsiteY3" fmla="*/ 534793 h 1084226"/>
+                <a:gd name="connsiteX4" fmla="*/ 2458326 w 2458326"/>
+                <a:gd name="connsiteY4" fmla="*/ 0 h 1084226"/>
+                <a:gd name="connsiteX5" fmla="*/ 0 w 2458326"/>
+                <a:gd name="connsiteY5" fmla="*/ 688 h 1084226"/>
+                <a:gd name="connsiteX0" fmla="*/ 0 w 2458326"/>
+                <a:gd name="connsiteY0" fmla="*/ 688 h 1084226"/>
+                <a:gd name="connsiteX1" fmla="*/ 0 w 2458326"/>
+                <a:gd name="connsiteY1" fmla="*/ 1084226 h 1084226"/>
+                <a:gd name="connsiteX2" fmla="*/ 2448272 w 2458326"/>
+                <a:gd name="connsiteY2" fmla="*/ 1084226 h 1084226"/>
+                <a:gd name="connsiteX3" fmla="*/ 1969786 w 2458326"/>
+                <a:gd name="connsiteY3" fmla="*/ 550562 h 1084226"/>
+                <a:gd name="connsiteX4" fmla="*/ 2458326 w 2458326"/>
+                <a:gd name="connsiteY4" fmla="*/ 0 h 1084226"/>
+                <a:gd name="connsiteX5" fmla="*/ 0 w 2458326"/>
+                <a:gd name="connsiteY5" fmla="*/ 688 h 1084226"/>
+                <a:gd name="connsiteX0" fmla="*/ 0 w 2458326"/>
+                <a:gd name="connsiteY0" fmla="*/ 688 h 1084226"/>
+                <a:gd name="connsiteX1" fmla="*/ 0 w 2458326"/>
+                <a:gd name="connsiteY1" fmla="*/ 1084226 h 1084226"/>
+                <a:gd name="connsiteX2" fmla="*/ 2448272 w 2458326"/>
+                <a:gd name="connsiteY2" fmla="*/ 1084226 h 1084226"/>
+                <a:gd name="connsiteX3" fmla="*/ 1967109 w 2458326"/>
+                <a:gd name="connsiteY3" fmla="*/ 534794 h 1084226"/>
+                <a:gd name="connsiteX4" fmla="*/ 2458326 w 2458326"/>
+                <a:gd name="connsiteY4" fmla="*/ 0 h 1084226"/>
+                <a:gd name="connsiteX5" fmla="*/ 0 w 2458326"/>
+                <a:gd name="connsiteY5" fmla="*/ 688 h 1084226"/>
+                <a:gd name="connsiteX0" fmla="*/ 0 w 2458326"/>
+                <a:gd name="connsiteY0" fmla="*/ 688 h 1084226"/>
+                <a:gd name="connsiteX1" fmla="*/ 0 w 2458326"/>
+                <a:gd name="connsiteY1" fmla="*/ 1084226 h 1084226"/>
+                <a:gd name="connsiteX2" fmla="*/ 2448272 w 2458326"/>
+                <a:gd name="connsiteY2" fmla="*/ 1084226 h 1084226"/>
+                <a:gd name="connsiteX3" fmla="*/ 1986041 w 2458326"/>
+                <a:gd name="connsiteY3" fmla="*/ 543482 h 1084226"/>
+                <a:gd name="connsiteX4" fmla="*/ 2458326 w 2458326"/>
+                <a:gd name="connsiteY4" fmla="*/ 0 h 1084226"/>
+                <a:gd name="connsiteX5" fmla="*/ 0 w 2458326"/>
+                <a:gd name="connsiteY5" fmla="*/ 688 h 1084226"/>
+              </a:gdLst>
+              <a:ahLst/>
+              <a:cxnLst>
+                <a:cxn ang="0">
+                  <a:pos x="connsiteX0" y="connsiteY0"/>
+                </a:cxn>
+                <a:cxn ang="0">
+                  <a:pos x="connsiteX1" y="connsiteY1"/>
+                </a:cxn>
+                <a:cxn ang="0">
+                  <a:pos x="connsiteX2" y="connsiteY2"/>
+                </a:cxn>
+                <a:cxn ang="0">
+                  <a:pos x="connsiteX3" y="connsiteY3"/>
+                </a:cxn>
+                <a:cxn ang="0">
+                  <a:pos x="connsiteX4" y="connsiteY4"/>
+                </a:cxn>
+                <a:cxn ang="0">
+                  <a:pos x="connsiteX5" y="connsiteY5"/>
+                </a:cxn>
+              </a:cxnLst>
+              <a:rect l="l" t="t" r="r" b="b"/>
+              <a:pathLst>
+                <a:path w="2458326" h="1084226">
+                  <a:moveTo>
+                    <a:pt x="0" y="688"/>
+                  </a:moveTo>
+                  <a:lnTo>
+                    <a:pt x="0" y="1084226"/>
+                  </a:lnTo>
+                  <a:lnTo>
+                    <a:pt x="2448272" y="1084226"/>
+                  </a:lnTo>
+                  <a:lnTo>
+                    <a:pt x="1986041" y="543482"/>
+                  </a:lnTo>
+                  <a:lnTo>
+                    <a:pt x="2458326" y="0"/>
+                  </a:lnTo>
+                  <a:lnTo>
+                    <a:pt x="0" y="688"/>
+                  </a:lnTo>
+                  <a:close/>
+                </a:path>
+              </a:pathLst>
+            </a:custGeom>
+            <a:scene3d>
+              <a:camera prst="orthographicFront"/>
+              <a:lightRig rig="threePt" dir="t">
+                <a:rot lat="0" lon="0" rev="7500000"/>
+              </a:lightRig>
+            </a:scene3d>
+            <a:sp3d prstMaterial="plastic">
+              <a:bevelT w="127000" h="25400" prst="relaxedInset"/>
+            </a:sp3d>
+          </p:spPr>
+          <p:style>
+            <a:lnRef idx="0">
+              <a:schemeClr val="lt1">
+                <a:hueOff val="0"/>
+                <a:satOff val="0"/>
+                <a:lumOff val="0"/>
+                <a:alphaOff val="0"/>
+              </a:schemeClr>
+            </a:lnRef>
+            <a:fillRef idx="3">
+              <a:schemeClr val="accent1">
+                <a:shade val="80000"/>
+                <a:hueOff val="0"/>
+                <a:satOff val="0"/>
+                <a:lumOff val="0"/>
+                <a:alphaOff val="0"/>
+              </a:schemeClr>
+            </a:fillRef>
+            <a:effectRef idx="2">
+              <a:schemeClr val="accent1">
+                <a:shade val="80000"/>
+                <a:hueOff val="0"/>
+                <a:satOff val="0"/>
+                <a:lumOff val="0"/>
+                <a:alphaOff val="0"/>
+              </a:schemeClr>
+            </a:effectRef>
+            <a:fontRef idx="minor">
+              <a:schemeClr val="lt1"/>
+            </a:fontRef>
+          </p:style>
+          <p:txBody>
+            <a:bodyPr spcFirstLastPara="0" vert="horz" wrap="square" lIns="282702" tIns="141351" rIns="338190" bIns="141351" numCol="1" spcCol="1270" anchor="ctr" anchorCtr="0">
+              <a:noAutofit/>
+            </a:bodyPr>
+            <a:lstStyle/>
+            <a:p>
+              <a:pPr algn="ctr" defTabSz="2355850">
+                <a:lnSpc>
+                  <a:spcPct val="90000"/>
+                </a:lnSpc>
+                <a:spcBef>
+                  <a:spcPct val="0"/>
+                </a:spcBef>
+                <a:spcAft>
+                  <a:spcPct val="35000"/>
+                </a:spcAft>
+              </a:pPr>
+              <a:endParaRPr lang="de-AT" sz="5300"/>
+            </a:p>
+          </p:txBody>
+        </p:sp>
+        <p:sp>
+          <p:nvSpPr>
+            <p:cNvPr id="7" name="Rechteck 6"/>
+            <p:cNvSpPr/>
+            <p:nvPr/>
+          </p:nvSpPr>
+          <p:spPr>
+            <a:xfrm>
+              <a:off x="991765" y="980058"/>
+              <a:ext cx="1790875" cy="826380"/>
+            </a:xfrm>
+            <a:prstGeom prst="rect">
+              <a:avLst/>
+            </a:prstGeom>
+          </p:spPr>
+          <p:txBody>
+            <a:bodyPr wrap="none">
+              <a:spAutoFit/>
+            </a:bodyPr>
+            <a:lstStyle/>
+            <a:p>
+              <a:pPr lvl="0" algn="ctr" defTabSz="2355850">
+                <a:lnSpc>
+                  <a:spcPct val="90000"/>
+                </a:lnSpc>
+                <a:spcBef>
+                  <a:spcPct val="0"/>
+                </a:spcBef>
+                <a:spcAft>
+                  <a:spcPct val="35000"/>
+                </a:spcAft>
+              </a:pPr>
+              <a:r>
+                <a:rPr lang="en-GB" sz="5300" dirty="0" smtClean="0">
+                  <a:solidFill>
+                    <a:prstClr val="white"/>
+                  </a:solidFill>
+                </a:rPr>
+                <a:t>phoss</a:t>
+              </a:r>
+              <a:endParaRPr lang="en-GB" sz="5300" dirty="0">
+                <a:solidFill>
+                  <a:prstClr val="white"/>
+                </a:solidFill>
+              </a:endParaRPr>
+            </a:p>
+          </p:txBody>
+        </p:sp>
+      </p:grpSp>
+      <p:sp>
+        <p:nvSpPr>
+          <p:cNvPr id="8" name="Titel 7"/>
+          <p:cNvSpPr>
+            <a:spLocks noGrp="1"/>
+          </p:cNvSpPr>
+          <p:nvPr>
+            <p:ph type="title"/>
+          </p:nvPr>
+        </p:nvSpPr>
+        <p:spPr/>
+        <p:txBody>
+          <a:bodyPr/>
+          <a:lstStyle/>
+          <a:p>
+            <a:r>
+              <a:rPr lang="de-AT" dirty="0" smtClean="0"/>
+              <a:t>Final </a:t>
+            </a:r>
+            <a:r>
+              <a:rPr lang="de-AT" dirty="0" err="1" smtClean="0"/>
+              <a:t>small</a:t>
+            </a:r>
+            <a:endParaRPr lang="de-AT" dirty="0"/>
+          </a:p>
+        </p:txBody>
+      </p:sp>
+      <p:grpSp>
+        <p:nvGrpSpPr>
+          <p:cNvPr id="9" name="Gruppieren 8"/>
+          <p:cNvGrpSpPr/>
+          <p:nvPr/>
+        </p:nvGrpSpPr>
+        <p:grpSpPr>
+          <a:xfrm>
+            <a:off x="2987824" y="3573016"/>
+            <a:ext cx="2675137" cy="1057161"/>
+            <a:chOff x="2987824" y="2204864"/>
+            <a:chExt cx="2675137" cy="1057161"/>
+          </a:xfrm>
+        </p:grpSpPr>
+        <p:sp>
+          <p:nvSpPr>
+            <p:cNvPr id="10" name="Pfeil nach links und rechts 9"/>
+            <p:cNvSpPr/>
+            <p:nvPr/>
+          </p:nvSpPr>
+          <p:spPr>
+            <a:xfrm>
+              <a:off x="2987824" y="2204864"/>
+              <a:ext cx="2675137" cy="1057161"/>
+            </a:xfrm>
+            <a:prstGeom prst="leftRightArrow">
+              <a:avLst>
+                <a:gd name="adj1" fmla="val 100000"/>
+                <a:gd name="adj2" fmla="val 50000"/>
+              </a:avLst>
+            </a:prstGeom>
+            <a:ln>
+              <a:noFill/>
+            </a:ln>
+          </p:spPr>
+          <p:style>
+            <a:lnRef idx="0">
+              <a:schemeClr val="lt1">
+                <a:hueOff val="0"/>
+                <a:satOff val="0"/>
+                <a:lumOff val="0"/>
+                <a:alphaOff val="0"/>
+              </a:schemeClr>
+            </a:lnRef>
+            <a:fillRef idx="3">
+              <a:schemeClr val="accent1">
+                <a:shade val="80000"/>
+                <a:hueOff val="306246"/>
+                <a:satOff val="-4392"/>
+                <a:lumOff val="25615"/>
+                <a:alphaOff val="0"/>
+              </a:schemeClr>
+            </a:fillRef>
+            <a:effectRef idx="2">
+              <a:schemeClr val="accent1">
+                <a:shade val="80000"/>
+                <a:hueOff val="306246"/>
+                <a:satOff val="-4392"/>
+                <a:lumOff val="25615"/>
+                <a:alphaOff val="0"/>
+              </a:schemeClr>
+            </a:effectRef>
+            <a:fontRef idx="minor">
+              <a:schemeClr val="lt1"/>
+            </a:fontRef>
+          </p:style>
+          <p:txBody>
+            <a:bodyPr spcFirstLastPara="0" vert="horz" wrap="square" lIns="747054" tIns="141351" rIns="605703" bIns="141351" numCol="1" spcCol="1270" anchor="ctr" anchorCtr="0">
+              <a:noAutofit/>
+            </a:bodyPr>
+            <a:lstStyle/>
+            <a:p>
+              <a:pPr algn="ctr" defTabSz="2355850">
+                <a:lnSpc>
+                  <a:spcPct val="90000"/>
+                </a:lnSpc>
+                <a:spcBef>
+                  <a:spcPct val="0"/>
+                </a:spcBef>
+                <a:spcAft>
+                  <a:spcPct val="35000"/>
+                </a:spcAft>
+              </a:pPr>
+              <a:endParaRPr lang="en-GB" sz="5300" dirty="0"/>
+            </a:p>
+          </p:txBody>
+        </p:sp>
+        <p:sp>
+          <p:nvSpPr>
+            <p:cNvPr id="11" name="Rechteck 10"/>
+            <p:cNvSpPr/>
+            <p:nvPr/>
+          </p:nvSpPr>
+          <p:spPr>
+            <a:xfrm>
+              <a:off x="3635896" y="2348210"/>
+              <a:ext cx="1430200" cy="826380"/>
+            </a:xfrm>
+            <a:prstGeom prst="rect">
+              <a:avLst/>
+            </a:prstGeom>
+            <a:ln>
+              <a:noFill/>
+            </a:ln>
+          </p:spPr>
+          <p:txBody>
+            <a:bodyPr wrap="none">
+              <a:spAutoFit/>
+            </a:bodyPr>
+            <a:lstStyle/>
+            <a:p>
+              <a:pPr lvl="0" algn="ctr" defTabSz="2355850">
+                <a:lnSpc>
+                  <a:spcPct val="90000"/>
+                </a:lnSpc>
+                <a:spcBef>
+                  <a:spcPct val="0"/>
+                </a:spcBef>
+                <a:spcAft>
+                  <a:spcPct val="35000"/>
+                </a:spcAft>
+              </a:pPr>
+              <a:r>
+                <a:rPr lang="en-GB" sz="5300" dirty="0" smtClean="0">
+                  <a:solidFill>
+                    <a:prstClr val="white"/>
+                  </a:solidFill>
+                </a:rPr>
+                <a:t>SMP</a:t>
+              </a:r>
+              <a:endParaRPr lang="en-GB" sz="5300" dirty="0">
+                <a:solidFill>
+                  <a:prstClr val="white"/>
+                </a:solidFill>
+              </a:endParaRPr>
+            </a:p>
+          </p:txBody>
+        </p:sp>
+      </p:grpSp>
+      <p:grpSp>
+        <p:nvGrpSpPr>
+          <p:cNvPr id="12" name="Gruppieren 11"/>
+          <p:cNvGrpSpPr/>
+          <p:nvPr/>
+        </p:nvGrpSpPr>
+        <p:grpSpPr>
+          <a:xfrm>
+            <a:off x="711812" y="3576546"/>
+            <a:ext cx="2818366" cy="1054949"/>
+            <a:chOff x="697690" y="840243"/>
+            <a:chExt cx="2818366" cy="1054949"/>
+          </a:xfrm>
+        </p:grpSpPr>
+        <p:sp>
+          <p:nvSpPr>
+            <p:cNvPr id="13" name="Freihandform 12"/>
+            <p:cNvSpPr/>
+            <p:nvPr/>
+          </p:nvSpPr>
+          <p:spPr>
+            <a:xfrm>
+              <a:off x="697690" y="840243"/>
+              <a:ext cx="2818366" cy="1054949"/>
+            </a:xfrm>
+            <a:custGeom>
+              <a:avLst/>
+              <a:gdLst>
+                <a:gd name="connsiteX0" fmla="*/ 0 w 2436638"/>
+                <a:gd name="connsiteY0" fmla="*/ 0 h 1088823"/>
+                <a:gd name="connsiteX1" fmla="*/ 0 w 2436638"/>
+                <a:gd name="connsiteY1" fmla="*/ 1083538 h 1088823"/>
+                <a:gd name="connsiteX2" fmla="*/ 2436638 w 2436638"/>
+                <a:gd name="connsiteY2" fmla="*/ 1088823 h 1088823"/>
+                <a:gd name="connsiteX3" fmla="*/ 1908083 w 2436638"/>
+                <a:gd name="connsiteY3" fmla="*/ 533841 h 1088823"/>
+                <a:gd name="connsiteX4" fmla="*/ 2436638 w 2436638"/>
+                <a:gd name="connsiteY4" fmla="*/ 5286 h 1088823"/>
+                <a:gd name="connsiteX5" fmla="*/ 0 w 2436638"/>
+                <a:gd name="connsiteY5" fmla="*/ 0 h 1088823"/>
+                <a:gd name="connsiteX0" fmla="*/ 0 w 2448272"/>
+                <a:gd name="connsiteY0" fmla="*/ 0 h 1083538"/>
+                <a:gd name="connsiteX1" fmla="*/ 0 w 2448272"/>
+                <a:gd name="connsiteY1" fmla="*/ 1083538 h 1083538"/>
+                <a:gd name="connsiteX2" fmla="*/ 2448272 w 2448272"/>
+                <a:gd name="connsiteY2" fmla="*/ 1080120 h 1083538"/>
+                <a:gd name="connsiteX3" fmla="*/ 1908083 w 2448272"/>
+                <a:gd name="connsiteY3" fmla="*/ 533841 h 1083538"/>
+                <a:gd name="connsiteX4" fmla="*/ 2436638 w 2448272"/>
+                <a:gd name="connsiteY4" fmla="*/ 5286 h 1083538"/>
+                <a:gd name="connsiteX5" fmla="*/ 0 w 2448272"/>
+                <a:gd name="connsiteY5" fmla="*/ 0 h 1083538"/>
+                <a:gd name="connsiteX0" fmla="*/ 0 w 2592288"/>
+                <a:gd name="connsiteY0" fmla="*/ 0 h 1083538"/>
+                <a:gd name="connsiteX1" fmla="*/ 0 w 2592288"/>
+                <a:gd name="connsiteY1" fmla="*/ 1083538 h 1083538"/>
+                <a:gd name="connsiteX2" fmla="*/ 2592288 w 2592288"/>
+                <a:gd name="connsiteY2" fmla="*/ 1080120 h 1083538"/>
+                <a:gd name="connsiteX3" fmla="*/ 1908083 w 2592288"/>
+                <a:gd name="connsiteY3" fmla="*/ 533841 h 1083538"/>
+                <a:gd name="connsiteX4" fmla="*/ 2436638 w 2592288"/>
+                <a:gd name="connsiteY4" fmla="*/ 5286 h 1083538"/>
+                <a:gd name="connsiteX5" fmla="*/ 0 w 2592288"/>
+                <a:gd name="connsiteY5" fmla="*/ 0 h 1083538"/>
+                <a:gd name="connsiteX0" fmla="*/ 0 w 2436638"/>
+                <a:gd name="connsiteY0" fmla="*/ 0 h 1083538"/>
+                <a:gd name="connsiteX1" fmla="*/ 0 w 2436638"/>
+                <a:gd name="connsiteY1" fmla="*/ 1083538 h 1083538"/>
+                <a:gd name="connsiteX2" fmla="*/ 2376264 w 2436638"/>
+                <a:gd name="connsiteY2" fmla="*/ 1080120 h 1083538"/>
+                <a:gd name="connsiteX3" fmla="*/ 1908083 w 2436638"/>
+                <a:gd name="connsiteY3" fmla="*/ 533841 h 1083538"/>
+                <a:gd name="connsiteX4" fmla="*/ 2436638 w 2436638"/>
+                <a:gd name="connsiteY4" fmla="*/ 5286 h 1083538"/>
+                <a:gd name="connsiteX5" fmla="*/ 0 w 2436638"/>
+                <a:gd name="connsiteY5" fmla="*/ 0 h 1083538"/>
+                <a:gd name="connsiteX0" fmla="*/ 0 w 2448272"/>
+                <a:gd name="connsiteY0" fmla="*/ 0 h 1083538"/>
+                <a:gd name="connsiteX1" fmla="*/ 0 w 2448272"/>
+                <a:gd name="connsiteY1" fmla="*/ 1083538 h 1083538"/>
+                <a:gd name="connsiteX2" fmla="*/ 2448272 w 2448272"/>
+                <a:gd name="connsiteY2" fmla="*/ 1083538 h 1083538"/>
+                <a:gd name="connsiteX3" fmla="*/ 1908083 w 2448272"/>
+                <a:gd name="connsiteY3" fmla="*/ 533841 h 1083538"/>
+                <a:gd name="connsiteX4" fmla="*/ 2436638 w 2448272"/>
+                <a:gd name="connsiteY4" fmla="*/ 5286 h 1083538"/>
+                <a:gd name="connsiteX5" fmla="*/ 0 w 2448272"/>
+                <a:gd name="connsiteY5" fmla="*/ 0 h 1083538"/>
+                <a:gd name="connsiteX0" fmla="*/ 0 w 2448272"/>
+                <a:gd name="connsiteY0" fmla="*/ 0 h 1083538"/>
+                <a:gd name="connsiteX1" fmla="*/ 0 w 2448272"/>
+                <a:gd name="connsiteY1" fmla="*/ 1083538 h 1083538"/>
+                <a:gd name="connsiteX2" fmla="*/ 2448272 w 2448272"/>
+                <a:gd name="connsiteY2" fmla="*/ 1083538 h 1083538"/>
+                <a:gd name="connsiteX3" fmla="*/ 1908083 w 2448272"/>
+                <a:gd name="connsiteY3" fmla="*/ 533841 h 1083538"/>
+                <a:gd name="connsiteX4" fmla="*/ 2448272 w 2448272"/>
+                <a:gd name="connsiteY4" fmla="*/ 0 h 1083538"/>
+                <a:gd name="connsiteX5" fmla="*/ 0 w 2448272"/>
+                <a:gd name="connsiteY5" fmla="*/ 0 h 1083538"/>
+                <a:gd name="connsiteX0" fmla="*/ 0 w 2448272"/>
+                <a:gd name="connsiteY0" fmla="*/ 0 h 1083538"/>
+                <a:gd name="connsiteX1" fmla="*/ 0 w 2448272"/>
+                <a:gd name="connsiteY1" fmla="*/ 1083538 h 1083538"/>
+                <a:gd name="connsiteX2" fmla="*/ 2448272 w 2448272"/>
+                <a:gd name="connsiteY2" fmla="*/ 1083538 h 1083538"/>
+                <a:gd name="connsiteX3" fmla="*/ 1944216 w 2448272"/>
+                <a:gd name="connsiteY3" fmla="*/ 577887 h 1083538"/>
+                <a:gd name="connsiteX4" fmla="*/ 2448272 w 2448272"/>
+                <a:gd name="connsiteY4" fmla="*/ 0 h 1083538"/>
+                <a:gd name="connsiteX5" fmla="*/ 0 w 2448272"/>
+                <a:gd name="connsiteY5" fmla="*/ 0 h 1083538"/>
+                <a:gd name="connsiteX0" fmla="*/ 0 w 2448272"/>
+                <a:gd name="connsiteY0" fmla="*/ 0 h 1083538"/>
+                <a:gd name="connsiteX1" fmla="*/ 0 w 2448272"/>
+                <a:gd name="connsiteY1" fmla="*/ 1083538 h 1083538"/>
+                <a:gd name="connsiteX2" fmla="*/ 2448272 w 2448272"/>
+                <a:gd name="connsiteY2" fmla="*/ 1083538 h 1083538"/>
+                <a:gd name="connsiteX3" fmla="*/ 1944216 w 2448272"/>
+                <a:gd name="connsiteY3" fmla="*/ 577887 h 1083538"/>
+                <a:gd name="connsiteX4" fmla="*/ 2448272 w 2448272"/>
+                <a:gd name="connsiteY4" fmla="*/ 0 h 1083538"/>
+                <a:gd name="connsiteX5" fmla="*/ 0 w 2448272"/>
+                <a:gd name="connsiteY5" fmla="*/ 0 h 1083538"/>
+                <a:gd name="connsiteX0" fmla="*/ 0 w 2448272"/>
+                <a:gd name="connsiteY0" fmla="*/ 0 h 1083538"/>
+                <a:gd name="connsiteX1" fmla="*/ 0 w 2448272"/>
+                <a:gd name="connsiteY1" fmla="*/ 1083538 h 1083538"/>
+                <a:gd name="connsiteX2" fmla="*/ 2448272 w 2448272"/>
+                <a:gd name="connsiteY2" fmla="*/ 1083538 h 1083538"/>
+                <a:gd name="connsiteX3" fmla="*/ 1947580 w 2448272"/>
+                <a:gd name="connsiteY3" fmla="*/ 540280 h 1083538"/>
+                <a:gd name="connsiteX4" fmla="*/ 2448272 w 2448272"/>
+                <a:gd name="connsiteY4" fmla="*/ 0 h 1083538"/>
+                <a:gd name="connsiteX5" fmla="*/ 0 w 2448272"/>
+                <a:gd name="connsiteY5" fmla="*/ 0 h 1083538"/>
+                <a:gd name="connsiteX0" fmla="*/ 0 w 2448272"/>
+                <a:gd name="connsiteY0" fmla="*/ 0 h 1083538"/>
+                <a:gd name="connsiteX1" fmla="*/ 0 w 2448272"/>
+                <a:gd name="connsiteY1" fmla="*/ 1083538 h 1083538"/>
+                <a:gd name="connsiteX2" fmla="*/ 2448272 w 2448272"/>
+                <a:gd name="connsiteY2" fmla="*/ 1083538 h 1083538"/>
+                <a:gd name="connsiteX3" fmla="*/ 1917245 w 2448272"/>
+                <a:gd name="connsiteY3" fmla="*/ 540280 h 1083538"/>
+                <a:gd name="connsiteX4" fmla="*/ 2448272 w 2448272"/>
+                <a:gd name="connsiteY4" fmla="*/ 0 h 1083538"/>
+                <a:gd name="connsiteX5" fmla="*/ 0 w 2448272"/>
+                <a:gd name="connsiteY5" fmla="*/ 0 h 1083538"/>
+                <a:gd name="connsiteX0" fmla="*/ 0 w 2458326"/>
+                <a:gd name="connsiteY0" fmla="*/ 688 h 1084226"/>
+                <a:gd name="connsiteX1" fmla="*/ 0 w 2458326"/>
+                <a:gd name="connsiteY1" fmla="*/ 1084226 h 1084226"/>
+                <a:gd name="connsiteX2" fmla="*/ 2448272 w 2458326"/>
+                <a:gd name="connsiteY2" fmla="*/ 1084226 h 1084226"/>
+                <a:gd name="connsiteX3" fmla="*/ 1917245 w 2458326"/>
+                <a:gd name="connsiteY3" fmla="*/ 540968 h 1084226"/>
+                <a:gd name="connsiteX4" fmla="*/ 2458326 w 2458326"/>
+                <a:gd name="connsiteY4" fmla="*/ 0 h 1084226"/>
+                <a:gd name="connsiteX5" fmla="*/ 0 w 2458326"/>
+                <a:gd name="connsiteY5" fmla="*/ 688 h 1084226"/>
+                <a:gd name="connsiteX0" fmla="*/ 0 w 2458326"/>
+                <a:gd name="connsiteY0" fmla="*/ 688 h 1084226"/>
+                <a:gd name="connsiteX1" fmla="*/ 0 w 2458326"/>
+                <a:gd name="connsiteY1" fmla="*/ 1084226 h 1084226"/>
+                <a:gd name="connsiteX2" fmla="*/ 2448272 w 2458326"/>
+                <a:gd name="connsiteY2" fmla="*/ 1084226 h 1084226"/>
+                <a:gd name="connsiteX3" fmla="*/ 1924560 w 2458326"/>
+                <a:gd name="connsiteY3" fmla="*/ 540969 h 1084226"/>
+                <a:gd name="connsiteX4" fmla="*/ 2458326 w 2458326"/>
+                <a:gd name="connsiteY4" fmla="*/ 0 h 1084226"/>
+                <a:gd name="connsiteX5" fmla="*/ 0 w 2458326"/>
+                <a:gd name="connsiteY5" fmla="*/ 688 h 1084226"/>
+                <a:gd name="connsiteX0" fmla="*/ 0 w 2458326"/>
+                <a:gd name="connsiteY0" fmla="*/ 688 h 1084226"/>
+                <a:gd name="connsiteX1" fmla="*/ 0 w 2458326"/>
+                <a:gd name="connsiteY1" fmla="*/ 1084226 h 1084226"/>
+                <a:gd name="connsiteX2" fmla="*/ 2448272 w 2458326"/>
+                <a:gd name="connsiteY2" fmla="*/ 1084226 h 1084226"/>
+                <a:gd name="connsiteX3" fmla="*/ 1987315 w 2458326"/>
+                <a:gd name="connsiteY3" fmla="*/ 550559 h 1084226"/>
+                <a:gd name="connsiteX4" fmla="*/ 2458326 w 2458326"/>
+                <a:gd name="connsiteY4" fmla="*/ 0 h 1084226"/>
+                <a:gd name="connsiteX5" fmla="*/ 0 w 2458326"/>
+                <a:gd name="connsiteY5" fmla="*/ 688 h 1084226"/>
+                <a:gd name="connsiteX0" fmla="*/ 0 w 2458326"/>
+                <a:gd name="connsiteY0" fmla="*/ 688 h 1084226"/>
+                <a:gd name="connsiteX1" fmla="*/ 0 w 2458326"/>
+                <a:gd name="connsiteY1" fmla="*/ 1084226 h 1084226"/>
+                <a:gd name="connsiteX2" fmla="*/ 2448272 w 2458326"/>
+                <a:gd name="connsiteY2" fmla="*/ 1084226 h 1084226"/>
+                <a:gd name="connsiteX3" fmla="*/ 1969786 w 2458326"/>
+                <a:gd name="connsiteY3" fmla="*/ 524741 h 1084226"/>
+                <a:gd name="connsiteX4" fmla="*/ 2458326 w 2458326"/>
+                <a:gd name="connsiteY4" fmla="*/ 0 h 1084226"/>
+                <a:gd name="connsiteX5" fmla="*/ 0 w 2458326"/>
+                <a:gd name="connsiteY5" fmla="*/ 688 h 1084226"/>
+                <a:gd name="connsiteX0" fmla="*/ 0 w 2458326"/>
+                <a:gd name="connsiteY0" fmla="*/ 688 h 1084226"/>
+                <a:gd name="connsiteX1" fmla="*/ 0 w 2458326"/>
+                <a:gd name="connsiteY1" fmla="*/ 1084226 h 1084226"/>
+                <a:gd name="connsiteX2" fmla="*/ 2448272 w 2458326"/>
+                <a:gd name="connsiteY2" fmla="*/ 1084226 h 1084226"/>
+                <a:gd name="connsiteX3" fmla="*/ 1969786 w 2458326"/>
+                <a:gd name="connsiteY3" fmla="*/ 560887 h 1084226"/>
+                <a:gd name="connsiteX4" fmla="*/ 2458326 w 2458326"/>
+                <a:gd name="connsiteY4" fmla="*/ 0 h 1084226"/>
+                <a:gd name="connsiteX5" fmla="*/ 0 w 2458326"/>
+                <a:gd name="connsiteY5" fmla="*/ 688 h 1084226"/>
+                <a:gd name="connsiteX0" fmla="*/ 0 w 2458326"/>
+                <a:gd name="connsiteY0" fmla="*/ 688 h 1084226"/>
+                <a:gd name="connsiteX1" fmla="*/ 0 w 2458326"/>
+                <a:gd name="connsiteY1" fmla="*/ 1084226 h 1084226"/>
+                <a:gd name="connsiteX2" fmla="*/ 2448272 w 2458326"/>
+                <a:gd name="connsiteY2" fmla="*/ 1084226 h 1084226"/>
+                <a:gd name="connsiteX3" fmla="*/ 1965404 w 2458326"/>
+                <a:gd name="connsiteY3" fmla="*/ 524741 h 1084226"/>
+                <a:gd name="connsiteX4" fmla="*/ 2458326 w 2458326"/>
+                <a:gd name="connsiteY4" fmla="*/ 0 h 1084226"/>
+                <a:gd name="connsiteX5" fmla="*/ 0 w 2458326"/>
+                <a:gd name="connsiteY5" fmla="*/ 688 h 1084226"/>
+                <a:gd name="connsiteX0" fmla="*/ 0 w 2458326"/>
+                <a:gd name="connsiteY0" fmla="*/ 688 h 1084226"/>
+                <a:gd name="connsiteX1" fmla="*/ 0 w 2458326"/>
+                <a:gd name="connsiteY1" fmla="*/ 1084226 h 1084226"/>
+                <a:gd name="connsiteX2" fmla="*/ 2448272 w 2458326"/>
+                <a:gd name="connsiteY2" fmla="*/ 1084226 h 1084226"/>
+                <a:gd name="connsiteX3" fmla="*/ 1969786 w 2458326"/>
+                <a:gd name="connsiteY3" fmla="*/ 550560 h 1084226"/>
+                <a:gd name="connsiteX4" fmla="*/ 2458326 w 2458326"/>
+                <a:gd name="connsiteY4" fmla="*/ 0 h 1084226"/>
+                <a:gd name="connsiteX5" fmla="*/ 0 w 2458326"/>
+                <a:gd name="connsiteY5" fmla="*/ 688 h 1084226"/>
+                <a:gd name="connsiteX0" fmla="*/ 0 w 2458326"/>
+                <a:gd name="connsiteY0" fmla="*/ 688 h 1084226"/>
+                <a:gd name="connsiteX1" fmla="*/ 0 w 2458326"/>
+                <a:gd name="connsiteY1" fmla="*/ 1084226 h 1084226"/>
+                <a:gd name="connsiteX2" fmla="*/ 2448272 w 2458326"/>
+                <a:gd name="connsiteY2" fmla="*/ 1084226 h 1084226"/>
+                <a:gd name="connsiteX3" fmla="*/ 1972462 w 2458326"/>
+                <a:gd name="connsiteY3" fmla="*/ 534793 h 1084226"/>
+                <a:gd name="connsiteX4" fmla="*/ 2458326 w 2458326"/>
+                <a:gd name="connsiteY4" fmla="*/ 0 h 1084226"/>
+                <a:gd name="connsiteX5" fmla="*/ 0 w 2458326"/>
+                <a:gd name="connsiteY5" fmla="*/ 688 h 1084226"/>
+                <a:gd name="connsiteX0" fmla="*/ 0 w 2458326"/>
+                <a:gd name="connsiteY0" fmla="*/ 688 h 1084226"/>
+                <a:gd name="connsiteX1" fmla="*/ 0 w 2458326"/>
+                <a:gd name="connsiteY1" fmla="*/ 1084226 h 1084226"/>
+                <a:gd name="connsiteX2" fmla="*/ 2448272 w 2458326"/>
+                <a:gd name="connsiteY2" fmla="*/ 1084226 h 1084226"/>
+                <a:gd name="connsiteX3" fmla="*/ 1972462 w 2458326"/>
+                <a:gd name="connsiteY3" fmla="*/ 550561 h 1084226"/>
+                <a:gd name="connsiteX4" fmla="*/ 2458326 w 2458326"/>
+                <a:gd name="connsiteY4" fmla="*/ 0 h 1084226"/>
+                <a:gd name="connsiteX5" fmla="*/ 0 w 2458326"/>
+                <a:gd name="connsiteY5" fmla="*/ 688 h 1084226"/>
+                <a:gd name="connsiteX0" fmla="*/ 0 w 2458326"/>
+                <a:gd name="connsiteY0" fmla="*/ 688 h 1084226"/>
+                <a:gd name="connsiteX1" fmla="*/ 0 w 2458326"/>
+                <a:gd name="connsiteY1" fmla="*/ 1084226 h 1084226"/>
+                <a:gd name="connsiteX2" fmla="*/ 2448272 w 2458326"/>
+                <a:gd name="connsiteY2" fmla="*/ 1084226 h 1084226"/>
+                <a:gd name="connsiteX3" fmla="*/ 1972462 w 2458326"/>
+                <a:gd name="connsiteY3" fmla="*/ 534793 h 1084226"/>
+                <a:gd name="connsiteX4" fmla="*/ 2458326 w 2458326"/>
+                <a:gd name="connsiteY4" fmla="*/ 0 h 1084226"/>
+                <a:gd name="connsiteX5" fmla="*/ 0 w 2458326"/>
+                <a:gd name="connsiteY5" fmla="*/ 688 h 1084226"/>
+                <a:gd name="connsiteX0" fmla="*/ 0 w 2458326"/>
+                <a:gd name="connsiteY0" fmla="*/ 688 h 1084226"/>
+                <a:gd name="connsiteX1" fmla="*/ 0 w 2458326"/>
+                <a:gd name="connsiteY1" fmla="*/ 1084226 h 1084226"/>
+                <a:gd name="connsiteX2" fmla="*/ 2448272 w 2458326"/>
+                <a:gd name="connsiteY2" fmla="*/ 1084226 h 1084226"/>
+                <a:gd name="connsiteX3" fmla="*/ 1969786 w 2458326"/>
+                <a:gd name="connsiteY3" fmla="*/ 550562 h 1084226"/>
+                <a:gd name="connsiteX4" fmla="*/ 2458326 w 2458326"/>
+                <a:gd name="connsiteY4" fmla="*/ 0 h 1084226"/>
+                <a:gd name="connsiteX5" fmla="*/ 0 w 2458326"/>
+                <a:gd name="connsiteY5" fmla="*/ 688 h 1084226"/>
+                <a:gd name="connsiteX0" fmla="*/ 0 w 2458326"/>
+                <a:gd name="connsiteY0" fmla="*/ 688 h 1084226"/>
+                <a:gd name="connsiteX1" fmla="*/ 0 w 2458326"/>
+                <a:gd name="connsiteY1" fmla="*/ 1084226 h 1084226"/>
+                <a:gd name="connsiteX2" fmla="*/ 2448272 w 2458326"/>
+                <a:gd name="connsiteY2" fmla="*/ 1084226 h 1084226"/>
+                <a:gd name="connsiteX3" fmla="*/ 1967109 w 2458326"/>
+                <a:gd name="connsiteY3" fmla="*/ 534794 h 1084226"/>
+                <a:gd name="connsiteX4" fmla="*/ 2458326 w 2458326"/>
+                <a:gd name="connsiteY4" fmla="*/ 0 h 1084226"/>
+                <a:gd name="connsiteX5" fmla="*/ 0 w 2458326"/>
+                <a:gd name="connsiteY5" fmla="*/ 688 h 1084226"/>
+                <a:gd name="connsiteX0" fmla="*/ 0 w 2458326"/>
+                <a:gd name="connsiteY0" fmla="*/ 688 h 1084226"/>
+                <a:gd name="connsiteX1" fmla="*/ 0 w 2458326"/>
+                <a:gd name="connsiteY1" fmla="*/ 1084226 h 1084226"/>
+                <a:gd name="connsiteX2" fmla="*/ 2448272 w 2458326"/>
+                <a:gd name="connsiteY2" fmla="*/ 1084226 h 1084226"/>
+                <a:gd name="connsiteX3" fmla="*/ 1986041 w 2458326"/>
+                <a:gd name="connsiteY3" fmla="*/ 543482 h 1084226"/>
+                <a:gd name="connsiteX4" fmla="*/ 2458326 w 2458326"/>
+                <a:gd name="connsiteY4" fmla="*/ 0 h 1084226"/>
+                <a:gd name="connsiteX5" fmla="*/ 0 w 2458326"/>
+                <a:gd name="connsiteY5" fmla="*/ 688 h 1084226"/>
+              </a:gdLst>
+              <a:ahLst/>
+              <a:cxnLst>
+                <a:cxn ang="0">
+                  <a:pos x="connsiteX0" y="connsiteY0"/>
+                </a:cxn>
+                <a:cxn ang="0">
+                  <a:pos x="connsiteX1" y="connsiteY1"/>
+                </a:cxn>
+                <a:cxn ang="0">
+                  <a:pos x="connsiteX2" y="connsiteY2"/>
+                </a:cxn>
+                <a:cxn ang="0">
+                  <a:pos x="connsiteX3" y="connsiteY3"/>
+                </a:cxn>
+                <a:cxn ang="0">
+                  <a:pos x="connsiteX4" y="connsiteY4"/>
+                </a:cxn>
+                <a:cxn ang="0">
+                  <a:pos x="connsiteX5" y="connsiteY5"/>
+                </a:cxn>
+              </a:cxnLst>
+              <a:rect l="l" t="t" r="r" b="b"/>
+              <a:pathLst>
+                <a:path w="2458326" h="1084226">
+                  <a:moveTo>
+                    <a:pt x="0" y="688"/>
+                  </a:moveTo>
+                  <a:lnTo>
+                    <a:pt x="0" y="1084226"/>
+                  </a:lnTo>
+                  <a:lnTo>
+                    <a:pt x="2448272" y="1084226"/>
+                  </a:lnTo>
+                  <a:lnTo>
+                    <a:pt x="1986041" y="543482"/>
+                  </a:lnTo>
+                  <a:lnTo>
+                    <a:pt x="2458326" y="0"/>
+                  </a:lnTo>
+                  <a:lnTo>
+                    <a:pt x="0" y="688"/>
+                  </a:lnTo>
+                  <a:close/>
+                </a:path>
+              </a:pathLst>
+            </a:custGeom>
+            <a:ln>
+              <a:noFill/>
+            </a:ln>
+          </p:spPr>
+          <p:style>
+            <a:lnRef idx="0">
+              <a:schemeClr val="lt1">
+                <a:hueOff val="0"/>
+                <a:satOff val="0"/>
+                <a:lumOff val="0"/>
+                <a:alphaOff val="0"/>
+              </a:schemeClr>
+            </a:lnRef>
+            <a:fillRef idx="3">
+              <a:schemeClr val="accent1">
+                <a:shade val="80000"/>
+                <a:hueOff val="0"/>
+                <a:satOff val="0"/>
+                <a:lumOff val="0"/>
+                <a:alphaOff val="0"/>
+              </a:schemeClr>
+            </a:fillRef>
+            <a:effectRef idx="2">
+              <a:schemeClr val="accent1">
+                <a:shade val="80000"/>
+                <a:hueOff val="0"/>
+                <a:satOff val="0"/>
+                <a:lumOff val="0"/>
+                <a:alphaOff val="0"/>
+              </a:schemeClr>
+            </a:effectRef>
+            <a:fontRef idx="minor">
+              <a:schemeClr val="lt1"/>
+            </a:fontRef>
+          </p:style>
+          <p:txBody>
+            <a:bodyPr spcFirstLastPara="0" vert="horz" wrap="square" lIns="282702" tIns="141351" rIns="338190" bIns="141351" numCol="1" spcCol="1270" anchor="ctr" anchorCtr="0">
+              <a:noAutofit/>
+            </a:bodyPr>
+            <a:lstStyle/>
+            <a:p>
+              <a:pPr algn="ctr" defTabSz="2355850">
+                <a:lnSpc>
+                  <a:spcPct val="90000"/>
+                </a:lnSpc>
+                <a:spcBef>
+                  <a:spcPct val="0"/>
+                </a:spcBef>
+                <a:spcAft>
+                  <a:spcPct val="35000"/>
+                </a:spcAft>
+              </a:pPr>
+              <a:endParaRPr lang="de-AT" sz="5300"/>
+            </a:p>
+          </p:txBody>
+        </p:sp>
+        <p:sp>
+          <p:nvSpPr>
+            <p:cNvPr id="14" name="Rechteck 13"/>
+            <p:cNvSpPr/>
+            <p:nvPr/>
+          </p:nvSpPr>
+          <p:spPr>
+            <a:xfrm>
+              <a:off x="991765" y="980058"/>
+              <a:ext cx="1790875" cy="826380"/>
+            </a:xfrm>
+            <a:prstGeom prst="rect">
+              <a:avLst/>
+            </a:prstGeom>
+            <a:ln>
+              <a:noFill/>
+            </a:ln>
+          </p:spPr>
+          <p:txBody>
+            <a:bodyPr wrap="none">
+              <a:spAutoFit/>
+            </a:bodyPr>
+            <a:lstStyle/>
+            <a:p>
+              <a:pPr lvl="0" algn="ctr" defTabSz="2355850">
+                <a:lnSpc>
+                  <a:spcPct val="90000"/>
+                </a:lnSpc>
+                <a:spcBef>
+                  <a:spcPct val="0"/>
+                </a:spcBef>
+                <a:spcAft>
+                  <a:spcPct val="35000"/>
+                </a:spcAft>
+              </a:pPr>
+              <a:r>
+                <a:rPr lang="en-GB" sz="5300" dirty="0" smtClean="0">
+                  <a:solidFill>
+                    <a:prstClr val="white"/>
+                  </a:solidFill>
+                </a:rPr>
+                <a:t>phoss</a:t>
+              </a:r>
+              <a:endParaRPr lang="en-GB" sz="5300" dirty="0">
+                <a:solidFill>
+                  <a:prstClr val="white"/>
+                </a:solidFill>
+              </a:endParaRPr>
+            </a:p>
+          </p:txBody>
+        </p:sp>
+      </p:grpSp>
+      <p:grpSp>
+        <p:nvGrpSpPr>
+          <p:cNvPr id="15" name="Gruppieren 14"/>
+          <p:cNvGrpSpPr/>
+          <p:nvPr/>
+        </p:nvGrpSpPr>
+        <p:grpSpPr>
+          <a:xfrm>
+            <a:off x="2987824" y="4869160"/>
+            <a:ext cx="2675137" cy="1057161"/>
+            <a:chOff x="2987824" y="2204864"/>
+            <a:chExt cx="2675137" cy="1057161"/>
+          </a:xfrm>
+          <a:solidFill>
+            <a:srgbClr val="889EC3"/>
+          </a:solidFill>
+          <a:effectLst/>
+        </p:grpSpPr>
+        <p:sp>
+          <p:nvSpPr>
+            <p:cNvPr id="16" name="Pfeil nach links und rechts 15"/>
+            <p:cNvSpPr/>
+            <p:nvPr/>
+          </p:nvSpPr>
+          <p:spPr>
+            <a:xfrm>
+              <a:off x="2987824" y="2204864"/>
+              <a:ext cx="2675137" cy="1057161"/>
+            </a:xfrm>
+            <a:prstGeom prst="leftRightArrow">
+              <a:avLst>
+                <a:gd name="adj1" fmla="val 100000"/>
+                <a:gd name="adj2" fmla="val 50000"/>
+              </a:avLst>
+            </a:prstGeom>
+            <a:grpFill/>
+            <a:ln>
+              <a:noFill/>
+            </a:ln>
+          </p:spPr>
+          <p:style>
+            <a:lnRef idx="0">
+              <a:schemeClr val="lt1">
+                <a:hueOff val="0"/>
+                <a:satOff val="0"/>
+                <a:lumOff val="0"/>
+                <a:alphaOff val="0"/>
+              </a:schemeClr>
+            </a:lnRef>
+            <a:fillRef idx="3">
+              <a:schemeClr val="accent1">
+                <a:shade val="80000"/>
+                <a:hueOff val="306246"/>
+                <a:satOff val="-4392"/>
+                <a:lumOff val="25615"/>
+                <a:alphaOff val="0"/>
+              </a:schemeClr>
+            </a:fillRef>
+            <a:effectRef idx="2">
+              <a:schemeClr val="accent1">
+                <a:shade val="80000"/>
+                <a:hueOff val="306246"/>
+                <a:satOff val="-4392"/>
+                <a:lumOff val="25615"/>
+                <a:alphaOff val="0"/>
+              </a:schemeClr>
+            </a:effectRef>
+            <a:fontRef idx="minor">
+              <a:schemeClr val="lt1"/>
+            </a:fontRef>
+          </p:style>
+          <p:txBody>
+            <a:bodyPr spcFirstLastPara="0" vert="horz" wrap="square" lIns="747054" tIns="141351" rIns="605703" bIns="141351" numCol="1" spcCol="1270" anchor="ctr" anchorCtr="0">
+              <a:noAutofit/>
+            </a:bodyPr>
+            <a:lstStyle/>
+            <a:p>
+              <a:pPr algn="ctr" defTabSz="2355850">
+                <a:lnSpc>
+                  <a:spcPct val="90000"/>
+                </a:lnSpc>
+                <a:spcBef>
+                  <a:spcPct val="0"/>
+                </a:spcBef>
+                <a:spcAft>
+                  <a:spcPct val="35000"/>
+                </a:spcAft>
+              </a:pPr>
+              <a:endParaRPr lang="en-GB" sz="5300" dirty="0"/>
+            </a:p>
+          </p:txBody>
+        </p:sp>
+        <p:sp>
+          <p:nvSpPr>
+            <p:cNvPr id="17" name="Rechteck 16"/>
+            <p:cNvSpPr/>
+            <p:nvPr/>
+          </p:nvSpPr>
+          <p:spPr>
+            <a:xfrm>
+              <a:off x="3635896" y="2348210"/>
+              <a:ext cx="1430200" cy="826380"/>
+            </a:xfrm>
+            <a:prstGeom prst="rect">
+              <a:avLst/>
+            </a:prstGeom>
+            <a:grpFill/>
+            <a:ln>
+              <a:noFill/>
+            </a:ln>
+          </p:spPr>
+          <p:txBody>
+            <a:bodyPr wrap="none">
+              <a:spAutoFit/>
+            </a:bodyPr>
+            <a:lstStyle/>
+            <a:p>
+              <a:pPr lvl="0" algn="ctr" defTabSz="2355850">
+                <a:lnSpc>
+                  <a:spcPct val="90000"/>
+                </a:lnSpc>
+                <a:spcBef>
+                  <a:spcPct val="0"/>
+                </a:spcBef>
+                <a:spcAft>
+                  <a:spcPct val="35000"/>
+                </a:spcAft>
+              </a:pPr>
+              <a:r>
+                <a:rPr lang="en-GB" sz="5300" dirty="0" smtClean="0">
+                  <a:solidFill>
+                    <a:prstClr val="white"/>
+                  </a:solidFill>
+                </a:rPr>
+                <a:t>SMP</a:t>
+              </a:r>
+              <a:endParaRPr lang="en-GB" sz="5300" dirty="0">
+                <a:solidFill>
+                  <a:prstClr val="white"/>
+                </a:solidFill>
+              </a:endParaRPr>
+            </a:p>
+          </p:txBody>
+        </p:sp>
+      </p:grpSp>
+      <p:grpSp>
+        <p:nvGrpSpPr>
+          <p:cNvPr id="18" name="Gruppieren 17"/>
+          <p:cNvGrpSpPr/>
+          <p:nvPr/>
+        </p:nvGrpSpPr>
+        <p:grpSpPr>
+          <a:xfrm>
+            <a:off x="711812" y="4872690"/>
+            <a:ext cx="2818366" cy="1054949"/>
+            <a:chOff x="697690" y="840243"/>
+            <a:chExt cx="2818366" cy="1054949"/>
+          </a:xfrm>
+          <a:effectLst/>
+        </p:grpSpPr>
+        <p:sp>
+          <p:nvSpPr>
+            <p:cNvPr id="19" name="Freihandform 18"/>
+            <p:cNvSpPr/>
+            <p:nvPr/>
+          </p:nvSpPr>
+          <p:spPr>
+            <a:xfrm>
+              <a:off x="697690" y="840243"/>
+              <a:ext cx="2818366" cy="1054949"/>
+            </a:xfrm>
+            <a:custGeom>
+              <a:avLst/>
+              <a:gdLst>
+                <a:gd name="connsiteX0" fmla="*/ 0 w 2436638"/>
+                <a:gd name="connsiteY0" fmla="*/ 0 h 1088823"/>
+                <a:gd name="connsiteX1" fmla="*/ 0 w 2436638"/>
+                <a:gd name="connsiteY1" fmla="*/ 1083538 h 1088823"/>
+                <a:gd name="connsiteX2" fmla="*/ 2436638 w 2436638"/>
+                <a:gd name="connsiteY2" fmla="*/ 1088823 h 1088823"/>
+                <a:gd name="connsiteX3" fmla="*/ 1908083 w 2436638"/>
+                <a:gd name="connsiteY3" fmla="*/ 533841 h 1088823"/>
+                <a:gd name="connsiteX4" fmla="*/ 2436638 w 2436638"/>
+                <a:gd name="connsiteY4" fmla="*/ 5286 h 1088823"/>
+                <a:gd name="connsiteX5" fmla="*/ 0 w 2436638"/>
+                <a:gd name="connsiteY5" fmla="*/ 0 h 1088823"/>
+                <a:gd name="connsiteX0" fmla="*/ 0 w 2448272"/>
+                <a:gd name="connsiteY0" fmla="*/ 0 h 1083538"/>
+                <a:gd name="connsiteX1" fmla="*/ 0 w 2448272"/>
+                <a:gd name="connsiteY1" fmla="*/ 1083538 h 1083538"/>
+                <a:gd name="connsiteX2" fmla="*/ 2448272 w 2448272"/>
+                <a:gd name="connsiteY2" fmla="*/ 1080120 h 1083538"/>
+                <a:gd name="connsiteX3" fmla="*/ 1908083 w 2448272"/>
+                <a:gd name="connsiteY3" fmla="*/ 533841 h 1083538"/>
+                <a:gd name="connsiteX4" fmla="*/ 2436638 w 2448272"/>
+                <a:gd name="connsiteY4" fmla="*/ 5286 h 1083538"/>
+                <a:gd name="connsiteX5" fmla="*/ 0 w 2448272"/>
+                <a:gd name="connsiteY5" fmla="*/ 0 h 1083538"/>
+                <a:gd name="connsiteX0" fmla="*/ 0 w 2592288"/>
+                <a:gd name="connsiteY0" fmla="*/ 0 h 1083538"/>
+                <a:gd name="connsiteX1" fmla="*/ 0 w 2592288"/>
+                <a:gd name="connsiteY1" fmla="*/ 1083538 h 1083538"/>
+                <a:gd name="connsiteX2" fmla="*/ 2592288 w 2592288"/>
+                <a:gd name="connsiteY2" fmla="*/ 1080120 h 1083538"/>
+                <a:gd name="connsiteX3" fmla="*/ 1908083 w 2592288"/>
+                <a:gd name="connsiteY3" fmla="*/ 533841 h 1083538"/>
+                <a:gd name="connsiteX4" fmla="*/ 2436638 w 2592288"/>
+                <a:gd name="connsiteY4" fmla="*/ 5286 h 1083538"/>
+                <a:gd name="connsiteX5" fmla="*/ 0 w 2592288"/>
+                <a:gd name="connsiteY5" fmla="*/ 0 h 1083538"/>
+                <a:gd name="connsiteX0" fmla="*/ 0 w 2436638"/>
+                <a:gd name="connsiteY0" fmla="*/ 0 h 1083538"/>
+                <a:gd name="connsiteX1" fmla="*/ 0 w 2436638"/>
+                <a:gd name="connsiteY1" fmla="*/ 1083538 h 1083538"/>
+                <a:gd name="connsiteX2" fmla="*/ 2376264 w 2436638"/>
+                <a:gd name="connsiteY2" fmla="*/ 1080120 h 1083538"/>
+                <a:gd name="connsiteX3" fmla="*/ 1908083 w 2436638"/>
+                <a:gd name="connsiteY3" fmla="*/ 533841 h 1083538"/>
+                <a:gd name="connsiteX4" fmla="*/ 2436638 w 2436638"/>
+                <a:gd name="connsiteY4" fmla="*/ 5286 h 1083538"/>
+                <a:gd name="connsiteX5" fmla="*/ 0 w 2436638"/>
+                <a:gd name="connsiteY5" fmla="*/ 0 h 1083538"/>
+                <a:gd name="connsiteX0" fmla="*/ 0 w 2448272"/>
+                <a:gd name="connsiteY0" fmla="*/ 0 h 1083538"/>
+                <a:gd name="connsiteX1" fmla="*/ 0 w 2448272"/>
+                <a:gd name="connsiteY1" fmla="*/ 1083538 h 1083538"/>
+                <a:gd name="connsiteX2" fmla="*/ 2448272 w 2448272"/>
+                <a:gd name="connsiteY2" fmla="*/ 1083538 h 1083538"/>
+                <a:gd name="connsiteX3" fmla="*/ 1908083 w 2448272"/>
+                <a:gd name="connsiteY3" fmla="*/ 533841 h 1083538"/>
+                <a:gd name="connsiteX4" fmla="*/ 2436638 w 2448272"/>
+                <a:gd name="connsiteY4" fmla="*/ 5286 h 1083538"/>
+                <a:gd name="connsiteX5" fmla="*/ 0 w 2448272"/>
+                <a:gd name="connsiteY5" fmla="*/ 0 h 1083538"/>
+                <a:gd name="connsiteX0" fmla="*/ 0 w 2448272"/>
+                <a:gd name="connsiteY0" fmla="*/ 0 h 1083538"/>
+                <a:gd name="connsiteX1" fmla="*/ 0 w 2448272"/>
+                <a:gd name="connsiteY1" fmla="*/ 1083538 h 1083538"/>
+                <a:gd name="connsiteX2" fmla="*/ 2448272 w 2448272"/>
+                <a:gd name="connsiteY2" fmla="*/ 1083538 h 1083538"/>
+                <a:gd name="connsiteX3" fmla="*/ 1908083 w 2448272"/>
+                <a:gd name="connsiteY3" fmla="*/ 533841 h 1083538"/>
+                <a:gd name="connsiteX4" fmla="*/ 2448272 w 2448272"/>
+                <a:gd name="connsiteY4" fmla="*/ 0 h 1083538"/>
+                <a:gd name="connsiteX5" fmla="*/ 0 w 2448272"/>
+                <a:gd name="connsiteY5" fmla="*/ 0 h 1083538"/>
+                <a:gd name="connsiteX0" fmla="*/ 0 w 2448272"/>
+                <a:gd name="connsiteY0" fmla="*/ 0 h 1083538"/>
+                <a:gd name="connsiteX1" fmla="*/ 0 w 2448272"/>
+                <a:gd name="connsiteY1" fmla="*/ 1083538 h 1083538"/>
+                <a:gd name="connsiteX2" fmla="*/ 2448272 w 2448272"/>
+                <a:gd name="connsiteY2" fmla="*/ 1083538 h 1083538"/>
+                <a:gd name="connsiteX3" fmla="*/ 1944216 w 2448272"/>
+                <a:gd name="connsiteY3" fmla="*/ 577887 h 1083538"/>
+                <a:gd name="connsiteX4" fmla="*/ 2448272 w 2448272"/>
+                <a:gd name="connsiteY4" fmla="*/ 0 h 1083538"/>
+                <a:gd name="connsiteX5" fmla="*/ 0 w 2448272"/>
+                <a:gd name="connsiteY5" fmla="*/ 0 h 1083538"/>
+                <a:gd name="connsiteX0" fmla="*/ 0 w 2448272"/>
+                <a:gd name="connsiteY0" fmla="*/ 0 h 1083538"/>
+                <a:gd name="connsiteX1" fmla="*/ 0 w 2448272"/>
+                <a:gd name="connsiteY1" fmla="*/ 1083538 h 1083538"/>
+                <a:gd name="connsiteX2" fmla="*/ 2448272 w 2448272"/>
+                <a:gd name="connsiteY2" fmla="*/ 1083538 h 1083538"/>
+                <a:gd name="connsiteX3" fmla="*/ 1944216 w 2448272"/>
+                <a:gd name="connsiteY3" fmla="*/ 577887 h 1083538"/>
+                <a:gd name="connsiteX4" fmla="*/ 2448272 w 2448272"/>
+                <a:gd name="connsiteY4" fmla="*/ 0 h 1083538"/>
+                <a:gd name="connsiteX5" fmla="*/ 0 w 2448272"/>
+                <a:gd name="connsiteY5" fmla="*/ 0 h 1083538"/>
+                <a:gd name="connsiteX0" fmla="*/ 0 w 2448272"/>
+                <a:gd name="connsiteY0" fmla="*/ 0 h 1083538"/>
+                <a:gd name="connsiteX1" fmla="*/ 0 w 2448272"/>
+                <a:gd name="connsiteY1" fmla="*/ 1083538 h 1083538"/>
+                <a:gd name="connsiteX2" fmla="*/ 2448272 w 2448272"/>
+                <a:gd name="connsiteY2" fmla="*/ 1083538 h 1083538"/>
+                <a:gd name="connsiteX3" fmla="*/ 1947580 w 2448272"/>
+                <a:gd name="connsiteY3" fmla="*/ 540280 h 1083538"/>
+                <a:gd name="connsiteX4" fmla="*/ 2448272 w 2448272"/>
+                <a:gd name="connsiteY4" fmla="*/ 0 h 1083538"/>
+                <a:gd name="connsiteX5" fmla="*/ 0 w 2448272"/>
+                <a:gd name="connsiteY5" fmla="*/ 0 h 1083538"/>
+                <a:gd name="connsiteX0" fmla="*/ 0 w 2448272"/>
+                <a:gd name="connsiteY0" fmla="*/ 0 h 1083538"/>
+                <a:gd name="connsiteX1" fmla="*/ 0 w 2448272"/>
+                <a:gd name="connsiteY1" fmla="*/ 1083538 h 1083538"/>
+                <a:gd name="connsiteX2" fmla="*/ 2448272 w 2448272"/>
+                <a:gd name="connsiteY2" fmla="*/ 1083538 h 1083538"/>
+                <a:gd name="connsiteX3" fmla="*/ 1917245 w 2448272"/>
+                <a:gd name="connsiteY3" fmla="*/ 540280 h 1083538"/>
+                <a:gd name="connsiteX4" fmla="*/ 2448272 w 2448272"/>
+                <a:gd name="connsiteY4" fmla="*/ 0 h 1083538"/>
+                <a:gd name="connsiteX5" fmla="*/ 0 w 2448272"/>
+                <a:gd name="connsiteY5" fmla="*/ 0 h 1083538"/>
+                <a:gd name="connsiteX0" fmla="*/ 0 w 2458326"/>
+                <a:gd name="connsiteY0" fmla="*/ 688 h 1084226"/>
+                <a:gd name="connsiteX1" fmla="*/ 0 w 2458326"/>
+                <a:gd name="connsiteY1" fmla="*/ 1084226 h 1084226"/>
+                <a:gd name="connsiteX2" fmla="*/ 2448272 w 2458326"/>
+                <a:gd name="connsiteY2" fmla="*/ 1084226 h 1084226"/>
+                <a:gd name="connsiteX3" fmla="*/ 1917245 w 2458326"/>
+                <a:gd name="connsiteY3" fmla="*/ 540968 h 1084226"/>
+                <a:gd name="connsiteX4" fmla="*/ 2458326 w 2458326"/>
+                <a:gd name="connsiteY4" fmla="*/ 0 h 1084226"/>
+                <a:gd name="connsiteX5" fmla="*/ 0 w 2458326"/>
+                <a:gd name="connsiteY5" fmla="*/ 688 h 1084226"/>
+                <a:gd name="connsiteX0" fmla="*/ 0 w 2458326"/>
+                <a:gd name="connsiteY0" fmla="*/ 688 h 1084226"/>
+                <a:gd name="connsiteX1" fmla="*/ 0 w 2458326"/>
+                <a:gd name="connsiteY1" fmla="*/ 1084226 h 1084226"/>
+                <a:gd name="connsiteX2" fmla="*/ 2448272 w 2458326"/>
+                <a:gd name="connsiteY2" fmla="*/ 1084226 h 1084226"/>
+                <a:gd name="connsiteX3" fmla="*/ 1924560 w 2458326"/>
+                <a:gd name="connsiteY3" fmla="*/ 540969 h 1084226"/>
+                <a:gd name="connsiteX4" fmla="*/ 2458326 w 2458326"/>
+                <a:gd name="connsiteY4" fmla="*/ 0 h 1084226"/>
+                <a:gd name="connsiteX5" fmla="*/ 0 w 2458326"/>
+                <a:gd name="connsiteY5" fmla="*/ 688 h 1084226"/>
+                <a:gd name="connsiteX0" fmla="*/ 0 w 2458326"/>
+                <a:gd name="connsiteY0" fmla="*/ 688 h 1084226"/>
+                <a:gd name="connsiteX1" fmla="*/ 0 w 2458326"/>
+                <a:gd name="connsiteY1" fmla="*/ 1084226 h 1084226"/>
+                <a:gd name="connsiteX2" fmla="*/ 2448272 w 2458326"/>
+                <a:gd name="connsiteY2" fmla="*/ 1084226 h 1084226"/>
+                <a:gd name="connsiteX3" fmla="*/ 1987315 w 2458326"/>
+                <a:gd name="connsiteY3" fmla="*/ 550559 h 1084226"/>
+                <a:gd name="connsiteX4" fmla="*/ 2458326 w 2458326"/>
+                <a:gd name="connsiteY4" fmla="*/ 0 h 1084226"/>
+                <a:gd name="connsiteX5" fmla="*/ 0 w 2458326"/>
+                <a:gd name="connsiteY5" fmla="*/ 688 h 1084226"/>
+                <a:gd name="connsiteX0" fmla="*/ 0 w 2458326"/>
+                <a:gd name="connsiteY0" fmla="*/ 688 h 1084226"/>
+                <a:gd name="connsiteX1" fmla="*/ 0 w 2458326"/>
+                <a:gd name="connsiteY1" fmla="*/ 1084226 h 1084226"/>
+                <a:gd name="connsiteX2" fmla="*/ 2448272 w 2458326"/>
+                <a:gd name="connsiteY2" fmla="*/ 1084226 h 1084226"/>
+                <a:gd name="connsiteX3" fmla="*/ 1969786 w 2458326"/>
+                <a:gd name="connsiteY3" fmla="*/ 524741 h 1084226"/>
+                <a:gd name="connsiteX4" fmla="*/ 2458326 w 2458326"/>
+                <a:gd name="connsiteY4" fmla="*/ 0 h 1084226"/>
+                <a:gd name="connsiteX5" fmla="*/ 0 w 2458326"/>
+                <a:gd name="connsiteY5" fmla="*/ 688 h 1084226"/>
+                <a:gd name="connsiteX0" fmla="*/ 0 w 2458326"/>
+                <a:gd name="connsiteY0" fmla="*/ 688 h 1084226"/>
+                <a:gd name="connsiteX1" fmla="*/ 0 w 2458326"/>
+                <a:gd name="connsiteY1" fmla="*/ 1084226 h 1084226"/>
+                <a:gd name="connsiteX2" fmla="*/ 2448272 w 2458326"/>
+                <a:gd name="connsiteY2" fmla="*/ 1084226 h 1084226"/>
+                <a:gd name="connsiteX3" fmla="*/ 1969786 w 2458326"/>
+                <a:gd name="connsiteY3" fmla="*/ 560887 h 1084226"/>
+                <a:gd name="connsiteX4" fmla="*/ 2458326 w 2458326"/>
+                <a:gd name="connsiteY4" fmla="*/ 0 h 1084226"/>
+                <a:gd name="connsiteX5" fmla="*/ 0 w 2458326"/>
+                <a:gd name="connsiteY5" fmla="*/ 688 h 1084226"/>
+                <a:gd name="connsiteX0" fmla="*/ 0 w 2458326"/>
+                <a:gd name="connsiteY0" fmla="*/ 688 h 1084226"/>
+                <a:gd name="connsiteX1" fmla="*/ 0 w 2458326"/>
+                <a:gd name="connsiteY1" fmla="*/ 1084226 h 1084226"/>
+                <a:gd name="connsiteX2" fmla="*/ 2448272 w 2458326"/>
+                <a:gd name="connsiteY2" fmla="*/ 1084226 h 1084226"/>
+                <a:gd name="connsiteX3" fmla="*/ 1965404 w 2458326"/>
+                <a:gd name="connsiteY3" fmla="*/ 524741 h 1084226"/>
+                <a:gd name="connsiteX4" fmla="*/ 2458326 w 2458326"/>
+                <a:gd name="connsiteY4" fmla="*/ 0 h 1084226"/>
+                <a:gd name="connsiteX5" fmla="*/ 0 w 2458326"/>
+                <a:gd name="connsiteY5" fmla="*/ 688 h 1084226"/>
+                <a:gd name="connsiteX0" fmla="*/ 0 w 2458326"/>
+                <a:gd name="connsiteY0" fmla="*/ 688 h 1084226"/>
+                <a:gd name="connsiteX1" fmla="*/ 0 w 2458326"/>
+                <a:gd name="connsiteY1" fmla="*/ 1084226 h 1084226"/>
+                <a:gd name="connsiteX2" fmla="*/ 2448272 w 2458326"/>
+                <a:gd name="connsiteY2" fmla="*/ 1084226 h 1084226"/>
+                <a:gd name="connsiteX3" fmla="*/ 1969786 w 2458326"/>
+                <a:gd name="connsiteY3" fmla="*/ 550560 h 1084226"/>
+                <a:gd name="connsiteX4" fmla="*/ 2458326 w 2458326"/>
+                <a:gd name="connsiteY4" fmla="*/ 0 h 1084226"/>
+                <a:gd name="connsiteX5" fmla="*/ 0 w 2458326"/>
+                <a:gd name="connsiteY5" fmla="*/ 688 h 1084226"/>
+                <a:gd name="connsiteX0" fmla="*/ 0 w 2458326"/>
+                <a:gd name="connsiteY0" fmla="*/ 688 h 1084226"/>
+                <a:gd name="connsiteX1" fmla="*/ 0 w 2458326"/>
+                <a:gd name="connsiteY1" fmla="*/ 1084226 h 1084226"/>
+                <a:gd name="connsiteX2" fmla="*/ 2448272 w 2458326"/>
+                <a:gd name="connsiteY2" fmla="*/ 1084226 h 1084226"/>
+                <a:gd name="connsiteX3" fmla="*/ 1972462 w 2458326"/>
+                <a:gd name="connsiteY3" fmla="*/ 534793 h 1084226"/>
+                <a:gd name="connsiteX4" fmla="*/ 2458326 w 2458326"/>
+                <a:gd name="connsiteY4" fmla="*/ 0 h 1084226"/>
+                <a:gd name="connsiteX5" fmla="*/ 0 w 2458326"/>
+                <a:gd name="connsiteY5" fmla="*/ 688 h 1084226"/>
+                <a:gd name="connsiteX0" fmla="*/ 0 w 2458326"/>
+                <a:gd name="connsiteY0" fmla="*/ 688 h 1084226"/>
+                <a:gd name="connsiteX1" fmla="*/ 0 w 2458326"/>
+                <a:gd name="connsiteY1" fmla="*/ 1084226 h 1084226"/>
+                <a:gd name="connsiteX2" fmla="*/ 2448272 w 2458326"/>
+                <a:gd name="connsiteY2" fmla="*/ 1084226 h 1084226"/>
+                <a:gd name="connsiteX3" fmla="*/ 1972462 w 2458326"/>
+                <a:gd name="connsiteY3" fmla="*/ 550561 h 1084226"/>
+                <a:gd name="connsiteX4" fmla="*/ 2458326 w 2458326"/>
+                <a:gd name="connsiteY4" fmla="*/ 0 h 1084226"/>
+                <a:gd name="connsiteX5" fmla="*/ 0 w 2458326"/>
+                <a:gd name="connsiteY5" fmla="*/ 688 h 1084226"/>
+                <a:gd name="connsiteX0" fmla="*/ 0 w 2458326"/>
+                <a:gd name="connsiteY0" fmla="*/ 688 h 1084226"/>
+                <a:gd name="connsiteX1" fmla="*/ 0 w 2458326"/>
+                <a:gd name="connsiteY1" fmla="*/ 1084226 h 1084226"/>
+                <a:gd name="connsiteX2" fmla="*/ 2448272 w 2458326"/>
+                <a:gd name="connsiteY2" fmla="*/ 1084226 h 1084226"/>
+                <a:gd name="connsiteX3" fmla="*/ 1972462 w 2458326"/>
+                <a:gd name="connsiteY3" fmla="*/ 534793 h 1084226"/>
+                <a:gd name="connsiteX4" fmla="*/ 2458326 w 2458326"/>
+                <a:gd name="connsiteY4" fmla="*/ 0 h 1084226"/>
+                <a:gd name="connsiteX5" fmla="*/ 0 w 2458326"/>
+                <a:gd name="connsiteY5" fmla="*/ 688 h 1084226"/>
+                <a:gd name="connsiteX0" fmla="*/ 0 w 2458326"/>
+                <a:gd name="connsiteY0" fmla="*/ 688 h 1084226"/>
+                <a:gd name="connsiteX1" fmla="*/ 0 w 2458326"/>
+                <a:gd name="connsiteY1" fmla="*/ 1084226 h 1084226"/>
+                <a:gd name="connsiteX2" fmla="*/ 2448272 w 2458326"/>
+                <a:gd name="connsiteY2" fmla="*/ 1084226 h 1084226"/>
+                <a:gd name="connsiteX3" fmla="*/ 1969786 w 2458326"/>
+                <a:gd name="connsiteY3" fmla="*/ 550562 h 1084226"/>
+                <a:gd name="connsiteX4" fmla="*/ 2458326 w 2458326"/>
+                <a:gd name="connsiteY4" fmla="*/ 0 h 1084226"/>
+                <a:gd name="connsiteX5" fmla="*/ 0 w 2458326"/>
+                <a:gd name="connsiteY5" fmla="*/ 688 h 1084226"/>
+                <a:gd name="connsiteX0" fmla="*/ 0 w 2458326"/>
+                <a:gd name="connsiteY0" fmla="*/ 688 h 1084226"/>
+                <a:gd name="connsiteX1" fmla="*/ 0 w 2458326"/>
+                <a:gd name="connsiteY1" fmla="*/ 1084226 h 1084226"/>
+                <a:gd name="connsiteX2" fmla="*/ 2448272 w 2458326"/>
+                <a:gd name="connsiteY2" fmla="*/ 1084226 h 1084226"/>
+                <a:gd name="connsiteX3" fmla="*/ 1967109 w 2458326"/>
+                <a:gd name="connsiteY3" fmla="*/ 534794 h 1084226"/>
+                <a:gd name="connsiteX4" fmla="*/ 2458326 w 2458326"/>
+                <a:gd name="connsiteY4" fmla="*/ 0 h 1084226"/>
+                <a:gd name="connsiteX5" fmla="*/ 0 w 2458326"/>
+                <a:gd name="connsiteY5" fmla="*/ 688 h 1084226"/>
+                <a:gd name="connsiteX0" fmla="*/ 0 w 2458326"/>
+                <a:gd name="connsiteY0" fmla="*/ 688 h 1084226"/>
+                <a:gd name="connsiteX1" fmla="*/ 0 w 2458326"/>
+                <a:gd name="connsiteY1" fmla="*/ 1084226 h 1084226"/>
+                <a:gd name="connsiteX2" fmla="*/ 2448272 w 2458326"/>
+                <a:gd name="connsiteY2" fmla="*/ 1084226 h 1084226"/>
+                <a:gd name="connsiteX3" fmla="*/ 1986041 w 2458326"/>
+                <a:gd name="connsiteY3" fmla="*/ 543482 h 1084226"/>
+                <a:gd name="connsiteX4" fmla="*/ 2458326 w 2458326"/>
+                <a:gd name="connsiteY4" fmla="*/ 0 h 1084226"/>
+                <a:gd name="connsiteX5" fmla="*/ 0 w 2458326"/>
+                <a:gd name="connsiteY5" fmla="*/ 688 h 1084226"/>
+              </a:gdLst>
+              <a:ahLst/>
+              <a:cxnLst>
+                <a:cxn ang="0">
+                  <a:pos x="connsiteX0" y="connsiteY0"/>
+                </a:cxn>
+                <a:cxn ang="0">
+                  <a:pos x="connsiteX1" y="connsiteY1"/>
+                </a:cxn>
+                <a:cxn ang="0">
+                  <a:pos x="connsiteX2" y="connsiteY2"/>
+                </a:cxn>
+                <a:cxn ang="0">
+                  <a:pos x="connsiteX3" y="connsiteY3"/>
+                </a:cxn>
+                <a:cxn ang="0">
+                  <a:pos x="connsiteX4" y="connsiteY4"/>
+                </a:cxn>
+                <a:cxn ang="0">
+                  <a:pos x="connsiteX5" y="connsiteY5"/>
+                </a:cxn>
+              </a:cxnLst>
+              <a:rect l="l" t="t" r="r" b="b"/>
+              <a:pathLst>
+                <a:path w="2458326" h="1084226">
+                  <a:moveTo>
+                    <a:pt x="0" y="688"/>
+                  </a:moveTo>
+                  <a:lnTo>
+                    <a:pt x="0" y="1084226"/>
+                  </a:lnTo>
+                  <a:lnTo>
+                    <a:pt x="2448272" y="1084226"/>
+                  </a:lnTo>
+                  <a:lnTo>
+                    <a:pt x="1986041" y="543482"/>
+                  </a:lnTo>
+                  <a:lnTo>
+                    <a:pt x="2458326" y="0"/>
+                  </a:lnTo>
+                  <a:lnTo>
+                    <a:pt x="0" y="688"/>
+                  </a:lnTo>
+                  <a:close/>
+                </a:path>
+              </a:pathLst>
+            </a:custGeom>
+            <a:solidFill>
+              <a:srgbClr val="2F63A2"/>
+            </a:solidFill>
+            <a:ln>
+              <a:noFill/>
+            </a:ln>
+          </p:spPr>
+          <p:style>
+            <a:lnRef idx="0">
+              <a:schemeClr val="lt1">
+                <a:hueOff val="0"/>
+                <a:satOff val="0"/>
+                <a:lumOff val="0"/>
+                <a:alphaOff val="0"/>
+              </a:schemeClr>
+            </a:lnRef>
+            <a:fillRef idx="3">
+              <a:schemeClr val="accent1">
+                <a:shade val="80000"/>
+                <a:hueOff val="0"/>
+                <a:satOff val="0"/>
+                <a:lumOff val="0"/>
+                <a:alphaOff val="0"/>
+              </a:schemeClr>
+            </a:fillRef>
+            <a:effectRef idx="2">
+              <a:schemeClr val="accent1">
+                <a:shade val="80000"/>
+                <a:hueOff val="0"/>
+                <a:satOff val="0"/>
+                <a:lumOff val="0"/>
+                <a:alphaOff val="0"/>
+              </a:schemeClr>
+            </a:effectRef>
+            <a:fontRef idx="minor">
+              <a:schemeClr val="lt1"/>
+            </a:fontRef>
+          </p:style>
+          <p:txBody>
+            <a:bodyPr spcFirstLastPara="0" vert="horz" wrap="square" lIns="282702" tIns="141351" rIns="338190" bIns="141351" numCol="1" spcCol="1270" anchor="ctr" anchorCtr="0">
+              <a:noAutofit/>
+            </a:bodyPr>
+            <a:lstStyle/>
+            <a:p>
+              <a:pPr algn="ctr" defTabSz="2355850">
+                <a:lnSpc>
+                  <a:spcPct val="90000"/>
+                </a:lnSpc>
+                <a:spcBef>
+                  <a:spcPct val="0"/>
+                </a:spcBef>
+                <a:spcAft>
+                  <a:spcPct val="35000"/>
+                </a:spcAft>
+              </a:pPr>
+              <a:endParaRPr lang="de-AT" sz="5300"/>
+            </a:p>
+          </p:txBody>
+        </p:sp>
+        <p:sp>
+          <p:nvSpPr>
+            <p:cNvPr id="20" name="Rechteck 19"/>
+            <p:cNvSpPr/>
+            <p:nvPr/>
+          </p:nvSpPr>
+          <p:spPr>
+            <a:xfrm>
+              <a:off x="991765" y="980058"/>
+              <a:ext cx="1790875" cy="826380"/>
+            </a:xfrm>
+            <a:prstGeom prst="rect">
+              <a:avLst/>
+            </a:prstGeom>
+            <a:ln>
+              <a:noFill/>
+            </a:ln>
+          </p:spPr>
+          <p:txBody>
+            <a:bodyPr wrap="none">
+              <a:spAutoFit/>
+            </a:bodyPr>
+            <a:lstStyle/>
+            <a:p>
+              <a:pPr lvl="0" algn="ctr" defTabSz="2355850">
+                <a:lnSpc>
+                  <a:spcPct val="90000"/>
+                </a:lnSpc>
+                <a:spcBef>
+                  <a:spcPct val="0"/>
+                </a:spcBef>
+                <a:spcAft>
+                  <a:spcPct val="35000"/>
+                </a:spcAft>
+              </a:pPr>
+              <a:r>
+                <a:rPr lang="en-GB" sz="5300" dirty="0" smtClean="0">
+                  <a:solidFill>
+                    <a:prstClr val="white"/>
+                  </a:solidFill>
+                </a:rPr>
+                <a:t>phoss</a:t>
+              </a:r>
+              <a:endParaRPr lang="en-GB" sz="5300" dirty="0">
+                <a:solidFill>
+                  <a:prstClr val="white"/>
+                </a:solidFill>
+              </a:endParaRPr>
+            </a:p>
+          </p:txBody>
+        </p:sp>
+      </p:grpSp>
+      <p:sp>
+        <p:nvSpPr>
+          <p:cNvPr id="21" name="Textfeld 20"/>
+          <p:cNvSpPr txBox="1"/>
+          <p:nvPr/>
+        </p:nvSpPr>
+        <p:spPr>
+          <a:xfrm>
+            <a:off x="6660232" y="2636912"/>
+            <a:ext cx="444352" cy="369332"/>
+          </a:xfrm>
+          <a:prstGeom prst="rect">
+            <a:avLst/>
+          </a:prstGeom>
+          <a:noFill/>
+        </p:spPr>
+        <p:txBody>
+          <a:bodyPr wrap="none" rtlCol="0">
+            <a:spAutoFit/>
+          </a:bodyPr>
+          <a:lstStyle/>
+          <a:p>
+            <a:r>
+              <a:rPr lang="de-AT" dirty="0" smtClean="0"/>
+              <a:t>3D</a:t>
+            </a:r>
+            <a:endParaRPr lang="de-AT" dirty="0"/>
+          </a:p>
+        </p:txBody>
+      </p:sp>
+      <p:sp>
+        <p:nvSpPr>
+          <p:cNvPr id="22" name="Textfeld 21"/>
+          <p:cNvSpPr txBox="1"/>
+          <p:nvPr/>
+        </p:nvSpPr>
+        <p:spPr>
+          <a:xfrm>
+            <a:off x="6660232" y="3861048"/>
+            <a:ext cx="1320683" cy="369332"/>
+          </a:xfrm>
+          <a:prstGeom prst="rect">
+            <a:avLst/>
+          </a:prstGeom>
+          <a:noFill/>
+        </p:spPr>
+        <p:txBody>
+          <a:bodyPr wrap="none" rtlCol="0">
+            <a:spAutoFit/>
+          </a:bodyPr>
+          <a:lstStyle/>
+          <a:p>
+            <a:r>
+              <a:rPr lang="de-AT" dirty="0" smtClean="0"/>
+              <a:t>Flat, </a:t>
+            </a:r>
+            <a:r>
+              <a:rPr lang="de-AT" dirty="0" err="1" smtClean="0"/>
+              <a:t>shaded</a:t>
+            </a:r>
+            <a:endParaRPr lang="de-AT" dirty="0"/>
+          </a:p>
+        </p:txBody>
+      </p:sp>
+      <p:sp>
+        <p:nvSpPr>
+          <p:cNvPr id="23" name="Textfeld 22"/>
+          <p:cNvSpPr txBox="1"/>
+          <p:nvPr/>
+        </p:nvSpPr>
+        <p:spPr>
+          <a:xfrm>
+            <a:off x="6660232" y="5373216"/>
+            <a:ext cx="528799" cy="369332"/>
+          </a:xfrm>
+          <a:prstGeom prst="rect">
+            <a:avLst/>
+          </a:prstGeom>
+          <a:noFill/>
+        </p:spPr>
+        <p:txBody>
+          <a:bodyPr wrap="none" rtlCol="0">
+            <a:spAutoFit/>
+          </a:bodyPr>
+          <a:lstStyle/>
+          <a:p>
+            <a:r>
+              <a:rPr lang="de-AT" dirty="0" smtClean="0"/>
+              <a:t>Flat</a:t>
+            </a:r>
+            <a:endParaRPr lang="de-AT" dirty="0"/>
+          </a:p>
+        </p:txBody>
+      </p:sp>
+    </p:spTree>
   </p:cSld>
   <p:clrMapOvr>
     <a:masterClrMapping/>
@@ -4298,7 +8233,7 @@
     </p:spTree>
     <p:extLst>
       <p:ext uri="{BB962C8B-B14F-4D97-AF65-F5344CB8AC3E}">
-        <p14:creationId xmlns:p14="http://schemas.microsoft.com/office/powerpoint/2010/main" val="1762469512"/>
+        <p14:creationId xmlns="" xmlns:p14="http://schemas.microsoft.com/office/powerpoint/2010/main" val="1762469512"/>
       </p:ext>
     </p:extLst>
   </p:cSld>
@@ -4995,7 +8930,7 @@
     </p:spTree>
     <p:extLst>
       <p:ext uri="{BB962C8B-B14F-4D97-AF65-F5344CB8AC3E}">
-        <p14:creationId xmlns:p14="http://schemas.microsoft.com/office/powerpoint/2010/main" val="3253931056"/>
+        <p14:creationId xmlns="" xmlns:p14="http://schemas.microsoft.com/office/powerpoint/2010/main" val="3253931056"/>
       </p:ext>
     </p:extLst>
   </p:cSld>
@@ -5706,7 +9641,7 @@
     </p:spTree>
     <p:extLst>
       <p:ext uri="{BB962C8B-B14F-4D97-AF65-F5344CB8AC3E}">
-        <p14:creationId xmlns:p14="http://schemas.microsoft.com/office/powerpoint/2010/main" val="2713637103"/>
+        <p14:creationId xmlns="" xmlns:p14="http://schemas.microsoft.com/office/powerpoint/2010/main" val="2713637103"/>
       </p:ext>
     </p:extLst>
   </p:cSld>
@@ -6432,7 +10367,7 @@
     </p:spTree>
     <p:extLst>
       <p:ext uri="{BB962C8B-B14F-4D97-AF65-F5344CB8AC3E}">
-        <p14:creationId xmlns:p14="http://schemas.microsoft.com/office/powerpoint/2010/main" val="2005497483"/>
+        <p14:creationId xmlns="" xmlns:p14="http://schemas.microsoft.com/office/powerpoint/2010/main" val="2005497483"/>
       </p:ext>
     </p:extLst>
   </p:cSld>
@@ -7209,7 +11144,7 @@
     </p:spTree>
     <p:extLst>
       <p:ext uri="{BB962C8B-B14F-4D97-AF65-F5344CB8AC3E}">
-        <p14:creationId xmlns:p14="http://schemas.microsoft.com/office/powerpoint/2010/main" val="1477494203"/>
+        <p14:creationId xmlns="" xmlns:p14="http://schemas.microsoft.com/office/powerpoint/2010/main" val="1477494203"/>
       </p:ext>
     </p:extLst>
   </p:cSld>
@@ -7244,10 +11179,10 @@
         </p:nvGrpSpPr>
         <p:grpSpPr>
           <a:xfrm>
-            <a:off x="1651398" y="877748"/>
-            <a:ext cx="5166375" cy="3827466"/>
-            <a:chOff x="1651398" y="877748"/>
-            <a:chExt cx="5166375" cy="3827466"/>
+            <a:off x="2268114" y="877748"/>
+            <a:ext cx="4549659" cy="1070055"/>
+            <a:chOff x="2268114" y="877748"/>
+            <a:chExt cx="4549659" cy="1070055"/>
           </a:xfrm>
         </p:grpSpPr>
         <p:sp>
@@ -7536,145 +11471,6 @@
             </a:p>
           </p:txBody>
         </p:sp>
-        <p:sp>
-          <p:nvSpPr>
-            <p:cNvPr id="36" name="Freihandform 35"/>
-            <p:cNvSpPr/>
-            <p:nvPr/>
-          </p:nvSpPr>
-          <p:spPr>
-            <a:xfrm>
-              <a:off x="1651398" y="3635159"/>
-              <a:ext cx="2409549" cy="1070055"/>
-            </a:xfrm>
-            <a:custGeom>
-              <a:avLst/>
-              <a:gdLst>
-                <a:gd name="connsiteX0" fmla="*/ 0 w 2409549"/>
-                <a:gd name="connsiteY0" fmla="*/ 0 h 1070055"/>
-                <a:gd name="connsiteX1" fmla="*/ 1874522 w 2409549"/>
-                <a:gd name="connsiteY1" fmla="*/ 0 h 1070055"/>
-                <a:gd name="connsiteX2" fmla="*/ 2409549 w 2409549"/>
-                <a:gd name="connsiteY2" fmla="*/ 535028 h 1070055"/>
-                <a:gd name="connsiteX3" fmla="*/ 1874522 w 2409549"/>
-                <a:gd name="connsiteY3" fmla="*/ 1070055 h 1070055"/>
-                <a:gd name="connsiteX4" fmla="*/ 0 w 2409549"/>
-                <a:gd name="connsiteY4" fmla="*/ 1070055 h 1070055"/>
-                <a:gd name="connsiteX5" fmla="*/ 0 w 2409549"/>
-                <a:gd name="connsiteY5" fmla="*/ 0 h 1070055"/>
-              </a:gdLst>
-              <a:ahLst/>
-              <a:cxnLst>
-                <a:cxn ang="0">
-                  <a:pos x="connsiteX0" y="connsiteY0"/>
-                </a:cxn>
-                <a:cxn ang="0">
-                  <a:pos x="connsiteX1" y="connsiteY1"/>
-                </a:cxn>
-                <a:cxn ang="0">
-                  <a:pos x="connsiteX2" y="connsiteY2"/>
-                </a:cxn>
-                <a:cxn ang="0">
-                  <a:pos x="connsiteX3" y="connsiteY3"/>
-                </a:cxn>
-                <a:cxn ang="0">
-                  <a:pos x="connsiteX4" y="connsiteY4"/>
-                </a:cxn>
-                <a:cxn ang="0">
-                  <a:pos x="connsiteX5" y="connsiteY5"/>
-                </a:cxn>
-              </a:cxnLst>
-              <a:rect l="l" t="t" r="r" b="b"/>
-              <a:pathLst>
-                <a:path w="2409549" h="1070055">
-                  <a:moveTo>
-                    <a:pt x="0" y="0"/>
-                  </a:moveTo>
-                  <a:lnTo>
-                    <a:pt x="1874522" y="0"/>
-                  </a:lnTo>
-                  <a:lnTo>
-                    <a:pt x="2409549" y="535028"/>
-                  </a:lnTo>
-                  <a:lnTo>
-                    <a:pt x="1874522" y="1070055"/>
-                  </a:lnTo>
-                  <a:lnTo>
-                    <a:pt x="0" y="1070055"/>
-                  </a:lnTo>
-                  <a:lnTo>
-                    <a:pt x="0" y="0"/>
-                  </a:lnTo>
-                  <a:close/>
-                </a:path>
-              </a:pathLst>
-            </a:custGeom>
-            <a:scene3d>
-              <a:camera prst="orthographicFront"/>
-              <a:lightRig rig="threePt" dir="t">
-                <a:rot lat="0" lon="0" rev="7500000"/>
-              </a:lightRig>
-            </a:scene3d>
-            <a:sp3d prstMaterial="plastic">
-              <a:bevelT w="127000" h="25400" prst="relaxedInset"/>
-            </a:sp3d>
-          </p:spPr>
-          <p:style>
-            <a:lnRef idx="0">
-              <a:schemeClr val="lt1">
-                <a:hueOff val="0"/>
-                <a:satOff val="0"/>
-                <a:lumOff val="0"/>
-                <a:alphaOff val="0"/>
-              </a:schemeClr>
-            </a:lnRef>
-            <a:fillRef idx="3">
-              <a:schemeClr val="accent1">
-                <a:shade val="80000"/>
-                <a:hueOff val="0"/>
-                <a:satOff val="0"/>
-                <a:lumOff val="0"/>
-                <a:alphaOff val="0"/>
-              </a:schemeClr>
-            </a:fillRef>
-            <a:effectRef idx="2">
-              <a:schemeClr val="accent1">
-                <a:shade val="80000"/>
-                <a:hueOff val="0"/>
-                <a:satOff val="0"/>
-                <a:lumOff val="0"/>
-                <a:alphaOff val="0"/>
-              </a:schemeClr>
-            </a:effectRef>
-            <a:fontRef idx="minor">
-              <a:schemeClr val="lt1"/>
-            </a:fontRef>
-          </p:style>
-          <p:txBody>
-            <a:bodyPr spcFirstLastPara="0" vert="horz" wrap="square" lIns="282702" tIns="141351" rIns="338190" bIns="141351" numCol="1" spcCol="1270" anchor="ctr" anchorCtr="0">
-              <a:noAutofit/>
-            </a:bodyPr>
-            <a:lstStyle/>
-            <a:p>
-              <a:pPr lvl="0" algn="ctr" defTabSz="2355850">
-                <a:lnSpc>
-                  <a:spcPct val="90000"/>
-                </a:lnSpc>
-                <a:spcBef>
-                  <a:spcPct val="0"/>
-                </a:spcBef>
-                <a:spcAft>
-                  <a:spcPct val="35000"/>
-                </a:spcAft>
-              </a:pPr>
-              <a:r>
-                <a:rPr lang="en-GB" sz="5300" kern="1200" dirty="0" smtClean="0"/>
-                <a:t>phOSS</a:t>
-              </a:r>
-              <a:endParaRPr lang="en-GB" sz="5300" kern="1200" dirty="0"/>
-            </a:p>
-          </p:txBody>
-        </p:sp>
       </p:grpSp>
       <p:grpSp>
         <p:nvGrpSpPr>
@@ -7802,10 +11598,531 @@
           </p:txBody>
         </p:sp>
       </p:grpSp>
+      <p:sp>
+        <p:nvSpPr>
+          <p:cNvPr id="9" name="Pfeil nach links und rechts 8"/>
+          <p:cNvSpPr/>
+          <p:nvPr/>
+        </p:nvSpPr>
+        <p:spPr>
+          <a:xfrm>
+            <a:off x="3779912" y="4653136"/>
+            <a:ext cx="2675137" cy="1057161"/>
+          </a:xfrm>
+          <a:prstGeom prst="leftRightArrow">
+            <a:avLst>
+              <a:gd name="adj1" fmla="val 100000"/>
+              <a:gd name="adj2" fmla="val 50000"/>
+            </a:avLst>
+          </a:prstGeom>
+          <a:scene3d>
+            <a:camera prst="orthographicFront"/>
+            <a:lightRig rig="threePt" dir="t">
+              <a:rot lat="0" lon="0" rev="7500000"/>
+            </a:lightRig>
+          </a:scene3d>
+          <a:sp3d prstMaterial="plastic">
+            <a:bevelT w="127000" h="25400" prst="relaxedInset"/>
+          </a:sp3d>
+        </p:spPr>
+        <p:style>
+          <a:lnRef idx="0">
+            <a:schemeClr val="lt1">
+              <a:hueOff val="0"/>
+              <a:satOff val="0"/>
+              <a:lumOff val="0"/>
+              <a:alphaOff val="0"/>
+            </a:schemeClr>
+          </a:lnRef>
+          <a:fillRef idx="3">
+            <a:schemeClr val="accent1">
+              <a:shade val="80000"/>
+              <a:hueOff val="306246"/>
+              <a:satOff val="-4392"/>
+              <a:lumOff val="25615"/>
+              <a:alphaOff val="0"/>
+            </a:schemeClr>
+          </a:fillRef>
+          <a:effectRef idx="2">
+            <a:schemeClr val="accent1">
+              <a:shade val="80000"/>
+              <a:hueOff val="306246"/>
+              <a:satOff val="-4392"/>
+              <a:lumOff val="25615"/>
+              <a:alphaOff val="0"/>
+            </a:schemeClr>
+          </a:effectRef>
+          <a:fontRef idx="minor">
+            <a:schemeClr val="lt1"/>
+          </a:fontRef>
+        </p:style>
+        <p:txBody>
+          <a:bodyPr spcFirstLastPara="0" vert="horz" wrap="square" lIns="747054" tIns="141351" rIns="605703" bIns="141351" numCol="1" spcCol="1270" anchor="ctr" anchorCtr="0">
+            <a:noAutofit/>
+          </a:bodyPr>
+          <a:lstStyle/>
+          <a:p>
+            <a:pPr algn="ctr" defTabSz="2355850">
+              <a:lnSpc>
+                <a:spcPct val="90000"/>
+              </a:lnSpc>
+              <a:spcBef>
+                <a:spcPct val="0"/>
+              </a:spcBef>
+              <a:spcAft>
+                <a:spcPct val="35000"/>
+              </a:spcAft>
+            </a:pPr>
+            <a:endParaRPr lang="en-GB" sz="5300" dirty="0"/>
+          </a:p>
+        </p:txBody>
+      </p:sp>
+      <p:sp>
+        <p:nvSpPr>
+          <p:cNvPr id="10" name="Freihandform 9"/>
+          <p:cNvSpPr/>
+          <p:nvPr/>
+        </p:nvSpPr>
+        <p:spPr>
+          <a:xfrm>
+            <a:off x="1835696" y="4652466"/>
+            <a:ext cx="2458326" cy="1054949"/>
+          </a:xfrm>
+          <a:custGeom>
+            <a:avLst/>
+            <a:gdLst>
+              <a:gd name="connsiteX0" fmla="*/ 0 w 2436638"/>
+              <a:gd name="connsiteY0" fmla="*/ 0 h 1088823"/>
+              <a:gd name="connsiteX1" fmla="*/ 0 w 2436638"/>
+              <a:gd name="connsiteY1" fmla="*/ 1083538 h 1088823"/>
+              <a:gd name="connsiteX2" fmla="*/ 2436638 w 2436638"/>
+              <a:gd name="connsiteY2" fmla="*/ 1088823 h 1088823"/>
+              <a:gd name="connsiteX3" fmla="*/ 1908083 w 2436638"/>
+              <a:gd name="connsiteY3" fmla="*/ 533841 h 1088823"/>
+              <a:gd name="connsiteX4" fmla="*/ 2436638 w 2436638"/>
+              <a:gd name="connsiteY4" fmla="*/ 5286 h 1088823"/>
+              <a:gd name="connsiteX5" fmla="*/ 0 w 2436638"/>
+              <a:gd name="connsiteY5" fmla="*/ 0 h 1088823"/>
+              <a:gd name="connsiteX0" fmla="*/ 0 w 2448272"/>
+              <a:gd name="connsiteY0" fmla="*/ 0 h 1083538"/>
+              <a:gd name="connsiteX1" fmla="*/ 0 w 2448272"/>
+              <a:gd name="connsiteY1" fmla="*/ 1083538 h 1083538"/>
+              <a:gd name="connsiteX2" fmla="*/ 2448272 w 2448272"/>
+              <a:gd name="connsiteY2" fmla="*/ 1080120 h 1083538"/>
+              <a:gd name="connsiteX3" fmla="*/ 1908083 w 2448272"/>
+              <a:gd name="connsiteY3" fmla="*/ 533841 h 1083538"/>
+              <a:gd name="connsiteX4" fmla="*/ 2436638 w 2448272"/>
+              <a:gd name="connsiteY4" fmla="*/ 5286 h 1083538"/>
+              <a:gd name="connsiteX5" fmla="*/ 0 w 2448272"/>
+              <a:gd name="connsiteY5" fmla="*/ 0 h 1083538"/>
+              <a:gd name="connsiteX0" fmla="*/ 0 w 2592288"/>
+              <a:gd name="connsiteY0" fmla="*/ 0 h 1083538"/>
+              <a:gd name="connsiteX1" fmla="*/ 0 w 2592288"/>
+              <a:gd name="connsiteY1" fmla="*/ 1083538 h 1083538"/>
+              <a:gd name="connsiteX2" fmla="*/ 2592288 w 2592288"/>
+              <a:gd name="connsiteY2" fmla="*/ 1080120 h 1083538"/>
+              <a:gd name="connsiteX3" fmla="*/ 1908083 w 2592288"/>
+              <a:gd name="connsiteY3" fmla="*/ 533841 h 1083538"/>
+              <a:gd name="connsiteX4" fmla="*/ 2436638 w 2592288"/>
+              <a:gd name="connsiteY4" fmla="*/ 5286 h 1083538"/>
+              <a:gd name="connsiteX5" fmla="*/ 0 w 2592288"/>
+              <a:gd name="connsiteY5" fmla="*/ 0 h 1083538"/>
+              <a:gd name="connsiteX0" fmla="*/ 0 w 2436638"/>
+              <a:gd name="connsiteY0" fmla="*/ 0 h 1083538"/>
+              <a:gd name="connsiteX1" fmla="*/ 0 w 2436638"/>
+              <a:gd name="connsiteY1" fmla="*/ 1083538 h 1083538"/>
+              <a:gd name="connsiteX2" fmla="*/ 2376264 w 2436638"/>
+              <a:gd name="connsiteY2" fmla="*/ 1080120 h 1083538"/>
+              <a:gd name="connsiteX3" fmla="*/ 1908083 w 2436638"/>
+              <a:gd name="connsiteY3" fmla="*/ 533841 h 1083538"/>
+              <a:gd name="connsiteX4" fmla="*/ 2436638 w 2436638"/>
+              <a:gd name="connsiteY4" fmla="*/ 5286 h 1083538"/>
+              <a:gd name="connsiteX5" fmla="*/ 0 w 2436638"/>
+              <a:gd name="connsiteY5" fmla="*/ 0 h 1083538"/>
+              <a:gd name="connsiteX0" fmla="*/ 0 w 2448272"/>
+              <a:gd name="connsiteY0" fmla="*/ 0 h 1083538"/>
+              <a:gd name="connsiteX1" fmla="*/ 0 w 2448272"/>
+              <a:gd name="connsiteY1" fmla="*/ 1083538 h 1083538"/>
+              <a:gd name="connsiteX2" fmla="*/ 2448272 w 2448272"/>
+              <a:gd name="connsiteY2" fmla="*/ 1083538 h 1083538"/>
+              <a:gd name="connsiteX3" fmla="*/ 1908083 w 2448272"/>
+              <a:gd name="connsiteY3" fmla="*/ 533841 h 1083538"/>
+              <a:gd name="connsiteX4" fmla="*/ 2436638 w 2448272"/>
+              <a:gd name="connsiteY4" fmla="*/ 5286 h 1083538"/>
+              <a:gd name="connsiteX5" fmla="*/ 0 w 2448272"/>
+              <a:gd name="connsiteY5" fmla="*/ 0 h 1083538"/>
+              <a:gd name="connsiteX0" fmla="*/ 0 w 2448272"/>
+              <a:gd name="connsiteY0" fmla="*/ 0 h 1083538"/>
+              <a:gd name="connsiteX1" fmla="*/ 0 w 2448272"/>
+              <a:gd name="connsiteY1" fmla="*/ 1083538 h 1083538"/>
+              <a:gd name="connsiteX2" fmla="*/ 2448272 w 2448272"/>
+              <a:gd name="connsiteY2" fmla="*/ 1083538 h 1083538"/>
+              <a:gd name="connsiteX3" fmla="*/ 1908083 w 2448272"/>
+              <a:gd name="connsiteY3" fmla="*/ 533841 h 1083538"/>
+              <a:gd name="connsiteX4" fmla="*/ 2448272 w 2448272"/>
+              <a:gd name="connsiteY4" fmla="*/ 0 h 1083538"/>
+              <a:gd name="connsiteX5" fmla="*/ 0 w 2448272"/>
+              <a:gd name="connsiteY5" fmla="*/ 0 h 1083538"/>
+              <a:gd name="connsiteX0" fmla="*/ 0 w 2448272"/>
+              <a:gd name="connsiteY0" fmla="*/ 0 h 1083538"/>
+              <a:gd name="connsiteX1" fmla="*/ 0 w 2448272"/>
+              <a:gd name="connsiteY1" fmla="*/ 1083538 h 1083538"/>
+              <a:gd name="connsiteX2" fmla="*/ 2448272 w 2448272"/>
+              <a:gd name="connsiteY2" fmla="*/ 1083538 h 1083538"/>
+              <a:gd name="connsiteX3" fmla="*/ 1944216 w 2448272"/>
+              <a:gd name="connsiteY3" fmla="*/ 577887 h 1083538"/>
+              <a:gd name="connsiteX4" fmla="*/ 2448272 w 2448272"/>
+              <a:gd name="connsiteY4" fmla="*/ 0 h 1083538"/>
+              <a:gd name="connsiteX5" fmla="*/ 0 w 2448272"/>
+              <a:gd name="connsiteY5" fmla="*/ 0 h 1083538"/>
+              <a:gd name="connsiteX0" fmla="*/ 0 w 2448272"/>
+              <a:gd name="connsiteY0" fmla="*/ 0 h 1083538"/>
+              <a:gd name="connsiteX1" fmla="*/ 0 w 2448272"/>
+              <a:gd name="connsiteY1" fmla="*/ 1083538 h 1083538"/>
+              <a:gd name="connsiteX2" fmla="*/ 2448272 w 2448272"/>
+              <a:gd name="connsiteY2" fmla="*/ 1083538 h 1083538"/>
+              <a:gd name="connsiteX3" fmla="*/ 1944216 w 2448272"/>
+              <a:gd name="connsiteY3" fmla="*/ 577887 h 1083538"/>
+              <a:gd name="connsiteX4" fmla="*/ 2448272 w 2448272"/>
+              <a:gd name="connsiteY4" fmla="*/ 0 h 1083538"/>
+              <a:gd name="connsiteX5" fmla="*/ 0 w 2448272"/>
+              <a:gd name="connsiteY5" fmla="*/ 0 h 1083538"/>
+              <a:gd name="connsiteX0" fmla="*/ 0 w 2448272"/>
+              <a:gd name="connsiteY0" fmla="*/ 0 h 1083538"/>
+              <a:gd name="connsiteX1" fmla="*/ 0 w 2448272"/>
+              <a:gd name="connsiteY1" fmla="*/ 1083538 h 1083538"/>
+              <a:gd name="connsiteX2" fmla="*/ 2448272 w 2448272"/>
+              <a:gd name="connsiteY2" fmla="*/ 1083538 h 1083538"/>
+              <a:gd name="connsiteX3" fmla="*/ 1947580 w 2448272"/>
+              <a:gd name="connsiteY3" fmla="*/ 540280 h 1083538"/>
+              <a:gd name="connsiteX4" fmla="*/ 2448272 w 2448272"/>
+              <a:gd name="connsiteY4" fmla="*/ 0 h 1083538"/>
+              <a:gd name="connsiteX5" fmla="*/ 0 w 2448272"/>
+              <a:gd name="connsiteY5" fmla="*/ 0 h 1083538"/>
+              <a:gd name="connsiteX0" fmla="*/ 0 w 2448272"/>
+              <a:gd name="connsiteY0" fmla="*/ 0 h 1083538"/>
+              <a:gd name="connsiteX1" fmla="*/ 0 w 2448272"/>
+              <a:gd name="connsiteY1" fmla="*/ 1083538 h 1083538"/>
+              <a:gd name="connsiteX2" fmla="*/ 2448272 w 2448272"/>
+              <a:gd name="connsiteY2" fmla="*/ 1083538 h 1083538"/>
+              <a:gd name="connsiteX3" fmla="*/ 1917245 w 2448272"/>
+              <a:gd name="connsiteY3" fmla="*/ 540280 h 1083538"/>
+              <a:gd name="connsiteX4" fmla="*/ 2448272 w 2448272"/>
+              <a:gd name="connsiteY4" fmla="*/ 0 h 1083538"/>
+              <a:gd name="connsiteX5" fmla="*/ 0 w 2448272"/>
+              <a:gd name="connsiteY5" fmla="*/ 0 h 1083538"/>
+              <a:gd name="connsiteX0" fmla="*/ 0 w 2458326"/>
+              <a:gd name="connsiteY0" fmla="*/ 688 h 1084226"/>
+              <a:gd name="connsiteX1" fmla="*/ 0 w 2458326"/>
+              <a:gd name="connsiteY1" fmla="*/ 1084226 h 1084226"/>
+              <a:gd name="connsiteX2" fmla="*/ 2448272 w 2458326"/>
+              <a:gd name="connsiteY2" fmla="*/ 1084226 h 1084226"/>
+              <a:gd name="connsiteX3" fmla="*/ 1917245 w 2458326"/>
+              <a:gd name="connsiteY3" fmla="*/ 540968 h 1084226"/>
+              <a:gd name="connsiteX4" fmla="*/ 2458326 w 2458326"/>
+              <a:gd name="connsiteY4" fmla="*/ 0 h 1084226"/>
+              <a:gd name="connsiteX5" fmla="*/ 0 w 2458326"/>
+              <a:gd name="connsiteY5" fmla="*/ 688 h 1084226"/>
+              <a:gd name="connsiteX0" fmla="*/ 0 w 2458326"/>
+              <a:gd name="connsiteY0" fmla="*/ 688 h 1084226"/>
+              <a:gd name="connsiteX1" fmla="*/ 0 w 2458326"/>
+              <a:gd name="connsiteY1" fmla="*/ 1084226 h 1084226"/>
+              <a:gd name="connsiteX2" fmla="*/ 2448272 w 2458326"/>
+              <a:gd name="connsiteY2" fmla="*/ 1084226 h 1084226"/>
+              <a:gd name="connsiteX3" fmla="*/ 1924560 w 2458326"/>
+              <a:gd name="connsiteY3" fmla="*/ 540969 h 1084226"/>
+              <a:gd name="connsiteX4" fmla="*/ 2458326 w 2458326"/>
+              <a:gd name="connsiteY4" fmla="*/ 0 h 1084226"/>
+              <a:gd name="connsiteX5" fmla="*/ 0 w 2458326"/>
+              <a:gd name="connsiteY5" fmla="*/ 688 h 1084226"/>
+            </a:gdLst>
+            <a:ahLst/>
+            <a:cxnLst>
+              <a:cxn ang="0">
+                <a:pos x="connsiteX0" y="connsiteY0"/>
+              </a:cxn>
+              <a:cxn ang="0">
+                <a:pos x="connsiteX1" y="connsiteY1"/>
+              </a:cxn>
+              <a:cxn ang="0">
+                <a:pos x="connsiteX2" y="connsiteY2"/>
+              </a:cxn>
+              <a:cxn ang="0">
+                <a:pos x="connsiteX3" y="connsiteY3"/>
+              </a:cxn>
+              <a:cxn ang="0">
+                <a:pos x="connsiteX4" y="connsiteY4"/>
+              </a:cxn>
+              <a:cxn ang="0">
+                <a:pos x="connsiteX5" y="connsiteY5"/>
+              </a:cxn>
+            </a:cxnLst>
+            <a:rect l="l" t="t" r="r" b="b"/>
+            <a:pathLst>
+              <a:path w="2458326" h="1084226">
+                <a:moveTo>
+                  <a:pt x="0" y="688"/>
+                </a:moveTo>
+                <a:lnTo>
+                  <a:pt x="0" y="1084226"/>
+                </a:lnTo>
+                <a:lnTo>
+                  <a:pt x="2448272" y="1084226"/>
+                </a:lnTo>
+                <a:lnTo>
+                  <a:pt x="1924560" y="540969"/>
+                </a:lnTo>
+                <a:lnTo>
+                  <a:pt x="2458326" y="0"/>
+                </a:lnTo>
+                <a:lnTo>
+                  <a:pt x="0" y="688"/>
+                </a:lnTo>
+                <a:close/>
+              </a:path>
+            </a:pathLst>
+          </a:custGeom>
+          <a:scene3d>
+            <a:camera prst="orthographicFront"/>
+            <a:lightRig rig="threePt" dir="t">
+              <a:rot lat="0" lon="0" rev="7500000"/>
+            </a:lightRig>
+          </a:scene3d>
+          <a:sp3d prstMaterial="plastic">
+            <a:bevelT w="127000" h="25400" prst="relaxedInset"/>
+          </a:sp3d>
+        </p:spPr>
+        <p:style>
+          <a:lnRef idx="0">
+            <a:schemeClr val="lt1">
+              <a:hueOff val="0"/>
+              <a:satOff val="0"/>
+              <a:lumOff val="0"/>
+              <a:alphaOff val="0"/>
+            </a:schemeClr>
+          </a:lnRef>
+          <a:fillRef idx="3">
+            <a:schemeClr val="accent1">
+              <a:shade val="80000"/>
+              <a:hueOff val="0"/>
+              <a:satOff val="0"/>
+              <a:lumOff val="0"/>
+              <a:alphaOff val="0"/>
+            </a:schemeClr>
+          </a:fillRef>
+          <a:effectRef idx="2">
+            <a:schemeClr val="accent1">
+              <a:shade val="80000"/>
+              <a:hueOff val="0"/>
+              <a:satOff val="0"/>
+              <a:lumOff val="0"/>
+              <a:alphaOff val="0"/>
+            </a:schemeClr>
+          </a:effectRef>
+          <a:fontRef idx="minor">
+            <a:schemeClr val="lt1"/>
+          </a:fontRef>
+        </p:style>
+        <p:txBody>
+          <a:bodyPr spcFirstLastPara="0" vert="horz" wrap="square" lIns="282702" tIns="141351" rIns="338190" bIns="141351" numCol="1" spcCol="1270" anchor="ctr" anchorCtr="0">
+            <a:noAutofit/>
+          </a:bodyPr>
+          <a:lstStyle/>
+          <a:p>
+            <a:pPr algn="ctr" defTabSz="2355850">
+              <a:lnSpc>
+                <a:spcPct val="90000"/>
+              </a:lnSpc>
+              <a:spcBef>
+                <a:spcPct val="0"/>
+              </a:spcBef>
+              <a:spcAft>
+                <a:spcPct val="35000"/>
+              </a:spcAft>
+            </a:pPr>
+            <a:endParaRPr lang="de-AT" sz="5300"/>
+          </a:p>
+        </p:txBody>
+      </p:sp>
+      <p:cxnSp>
+        <p:nvCxnSpPr>
+          <p:cNvPr id="11" name="Gerade Verbindung 10"/>
+          <p:cNvCxnSpPr/>
+          <p:nvPr/>
+        </p:nvCxnSpPr>
+        <p:spPr>
+          <a:xfrm>
+            <a:off x="1475656" y="5733256"/>
+            <a:ext cx="4680520" cy="0"/>
+          </a:xfrm>
+          <a:prstGeom prst="line">
+            <a:avLst/>
+          </a:prstGeom>
+          <a:ln>
+            <a:solidFill>
+              <a:srgbClr val="FF0000"/>
+            </a:solidFill>
+          </a:ln>
+        </p:spPr>
+        <p:style>
+          <a:lnRef idx="1">
+            <a:schemeClr val="accent1"/>
+          </a:lnRef>
+          <a:fillRef idx="0">
+            <a:schemeClr val="accent1"/>
+          </a:fillRef>
+          <a:effectRef idx="0">
+            <a:schemeClr val="accent1"/>
+          </a:effectRef>
+          <a:fontRef idx="minor">
+            <a:schemeClr val="tx1"/>
+          </a:fontRef>
+        </p:style>
+      </p:cxnSp>
+      <p:cxnSp>
+        <p:nvCxnSpPr>
+          <p:cNvPr id="12" name="Gerade Verbindung 11"/>
+          <p:cNvCxnSpPr/>
+          <p:nvPr/>
+        </p:nvCxnSpPr>
+        <p:spPr>
+          <a:xfrm>
+            <a:off x="1763688" y="4653136"/>
+            <a:ext cx="4680520" cy="0"/>
+          </a:xfrm>
+          <a:prstGeom prst="line">
+            <a:avLst/>
+          </a:prstGeom>
+          <a:ln>
+            <a:solidFill>
+              <a:srgbClr val="FF0000"/>
+            </a:solidFill>
+          </a:ln>
+        </p:spPr>
+        <p:style>
+          <a:lnRef idx="1">
+            <a:schemeClr val="accent1"/>
+          </a:lnRef>
+          <a:fillRef idx="0">
+            <a:schemeClr val="accent1"/>
+          </a:fillRef>
+          <a:effectRef idx="0">
+            <a:schemeClr val="accent1"/>
+          </a:effectRef>
+          <a:fontRef idx="minor">
+            <a:schemeClr val="tx1"/>
+          </a:fontRef>
+        </p:style>
+      </p:cxnSp>
+      <p:cxnSp>
+        <p:nvCxnSpPr>
+          <p:cNvPr id="13" name="Gerade Verbindung 12"/>
+          <p:cNvCxnSpPr/>
+          <p:nvPr/>
+        </p:nvCxnSpPr>
+        <p:spPr>
+          <a:xfrm>
+            <a:off x="4294646" y="4353929"/>
+            <a:ext cx="0" cy="1728192"/>
+          </a:xfrm>
+          <a:prstGeom prst="line">
+            <a:avLst/>
+          </a:prstGeom>
+          <a:ln>
+            <a:solidFill>
+              <a:srgbClr val="00B050"/>
+            </a:solidFill>
+          </a:ln>
+        </p:spPr>
+        <p:style>
+          <a:lnRef idx="1">
+            <a:schemeClr val="accent1"/>
+          </a:lnRef>
+          <a:fillRef idx="0">
+            <a:schemeClr val="accent1"/>
+          </a:fillRef>
+          <a:effectRef idx="0">
+            <a:schemeClr val="accent1"/>
+          </a:effectRef>
+          <a:fontRef idx="minor">
+            <a:schemeClr val="tx1"/>
+          </a:fontRef>
+        </p:style>
+      </p:cxnSp>
+      <p:cxnSp>
+        <p:nvCxnSpPr>
+          <p:cNvPr id="14" name="Gerade Verbindung 13"/>
+          <p:cNvCxnSpPr/>
+          <p:nvPr/>
+        </p:nvCxnSpPr>
+        <p:spPr>
+          <a:xfrm>
+            <a:off x="3779912" y="4365104"/>
+            <a:ext cx="0" cy="1728192"/>
+          </a:xfrm>
+          <a:prstGeom prst="line">
+            <a:avLst/>
+          </a:prstGeom>
+          <a:ln>
+            <a:solidFill>
+              <a:srgbClr val="00B050"/>
+            </a:solidFill>
+          </a:ln>
+        </p:spPr>
+        <p:style>
+          <a:lnRef idx="1">
+            <a:schemeClr val="accent1"/>
+          </a:lnRef>
+          <a:fillRef idx="0">
+            <a:schemeClr val="accent1"/>
+          </a:fillRef>
+          <a:effectRef idx="0">
+            <a:schemeClr val="accent1"/>
+          </a:effectRef>
+          <a:fontRef idx="minor">
+            <a:schemeClr val="tx1"/>
+          </a:fontRef>
+        </p:style>
+      </p:cxnSp>
+      <p:cxnSp>
+        <p:nvCxnSpPr>
+          <p:cNvPr id="15" name="Gerade Verbindung 14"/>
+          <p:cNvCxnSpPr/>
+          <p:nvPr/>
+        </p:nvCxnSpPr>
+        <p:spPr>
+          <a:xfrm>
+            <a:off x="1835696" y="4365104"/>
+            <a:ext cx="0" cy="1728192"/>
+          </a:xfrm>
+          <a:prstGeom prst="line">
+            <a:avLst/>
+          </a:prstGeom>
+          <a:ln>
+            <a:solidFill>
+              <a:srgbClr val="00B050"/>
+            </a:solidFill>
+          </a:ln>
+        </p:spPr>
+        <p:style>
+          <a:lnRef idx="1">
+            <a:schemeClr val="accent1"/>
+          </a:lnRef>
+          <a:fillRef idx="0">
+            <a:schemeClr val="accent1"/>
+          </a:fillRef>
+          <a:effectRef idx="0">
+            <a:schemeClr val="accent1"/>
+          </a:effectRef>
+          <a:fontRef idx="minor">
+            <a:schemeClr val="tx1"/>
+          </a:fontRef>
+        </p:style>
+      </p:cxnSp>
     </p:spTree>
     <p:extLst>
       <p:ext uri="{BB962C8B-B14F-4D97-AF65-F5344CB8AC3E}">
-        <p14:creationId xmlns:p14="http://schemas.microsoft.com/office/powerpoint/2010/main" val="387717997"/>
+        <p14:creationId xmlns="" xmlns:p14="http://schemas.microsoft.com/office/powerpoint/2010/main" val="387717997"/>
       </p:ext>
     </p:extLst>
   </p:cSld>
@@ -8737,89 +13054,13 @@
       </p:grpSp>
       <p:sp>
         <p:nvSpPr>
-          <p:cNvPr id="37" name="Rechteck 36"/>
+          <p:cNvPr id="33" name="Pfeil nach links und rechts 32"/>
           <p:cNvSpPr/>
           <p:nvPr/>
         </p:nvSpPr>
         <p:spPr>
           <a:xfrm>
-            <a:off x="1700528" y="4653136"/>
-            <a:ext cx="2409549" cy="1067025"/>
-          </a:xfrm>
-          <a:prstGeom prst="rect">
-            <a:avLst/>
-          </a:prstGeom>
-          <a:scene3d>
-            <a:camera prst="orthographicFront"/>
-            <a:lightRig rig="threePt" dir="t">
-              <a:rot lat="0" lon="0" rev="7500000"/>
-            </a:lightRig>
-          </a:scene3d>
-          <a:sp3d prstMaterial="plastic">
-            <a:bevelT w="127000" h="25400" prst="relaxedInset"/>
-          </a:sp3d>
-        </p:spPr>
-        <p:style>
-          <a:lnRef idx="0">
-            <a:schemeClr val="lt1">
-              <a:hueOff val="0"/>
-              <a:satOff val="0"/>
-              <a:lumOff val="0"/>
-              <a:alphaOff val="0"/>
-            </a:schemeClr>
-          </a:lnRef>
-          <a:fillRef idx="3">
-            <a:schemeClr val="accent1">
-              <a:shade val="80000"/>
-              <a:hueOff val="0"/>
-              <a:satOff val="0"/>
-              <a:lumOff val="0"/>
-              <a:alphaOff val="0"/>
-            </a:schemeClr>
-          </a:fillRef>
-          <a:effectRef idx="2">
-            <a:schemeClr val="accent1">
-              <a:shade val="80000"/>
-              <a:hueOff val="0"/>
-              <a:satOff val="0"/>
-              <a:lumOff val="0"/>
-              <a:alphaOff val="0"/>
-            </a:schemeClr>
-          </a:effectRef>
-          <a:fontRef idx="minor">
-            <a:schemeClr val="lt1"/>
-          </a:fontRef>
-        </p:style>
-        <p:txBody>
-          <a:bodyPr spcFirstLastPara="0" vert="horz" wrap="square" lIns="282702" tIns="141351" rIns="338190" bIns="141351" numCol="1" spcCol="1270" anchor="ctr" anchorCtr="0">
-            <a:noAutofit/>
-          </a:bodyPr>
-          <a:lstStyle/>
-          <a:p>
-            <a:pPr algn="ctr" defTabSz="2355850">
-              <a:lnSpc>
-                <a:spcPct val="90000"/>
-              </a:lnSpc>
-              <a:spcBef>
-                <a:spcPct val="0"/>
-              </a:spcBef>
-              <a:spcAft>
-                <a:spcPct val="35000"/>
-              </a:spcAft>
-            </a:pPr>
-            <a:endParaRPr lang="en-GB" sz="5300"/>
-          </a:p>
-        </p:txBody>
-      </p:sp>
-      <p:sp>
-        <p:nvSpPr>
-          <p:cNvPr id="39" name="Pfeil nach links und rechts 38"/>
-          <p:cNvSpPr/>
-          <p:nvPr/>
-        </p:nvSpPr>
-        <p:spPr>
-          <a:xfrm>
-            <a:off x="3606094" y="4653136"/>
+            <a:off x="3913087" y="4581798"/>
             <a:ext cx="2675137" cy="1057161"/>
           </a:xfrm>
           <a:prstGeom prst="leftRightArrow">
@@ -8890,10 +13131,2597 @@
           </a:p>
         </p:txBody>
       </p:sp>
+      <p:sp>
+        <p:nvSpPr>
+          <p:cNvPr id="36" name="Freihandform 35"/>
+          <p:cNvSpPr/>
+          <p:nvPr/>
+        </p:nvSpPr>
+        <p:spPr>
+          <a:xfrm>
+            <a:off x="1608831" y="4581128"/>
+            <a:ext cx="2818366" cy="1054949"/>
+          </a:xfrm>
+          <a:custGeom>
+            <a:avLst/>
+            <a:gdLst>
+              <a:gd name="connsiteX0" fmla="*/ 0 w 2436638"/>
+              <a:gd name="connsiteY0" fmla="*/ 0 h 1088823"/>
+              <a:gd name="connsiteX1" fmla="*/ 0 w 2436638"/>
+              <a:gd name="connsiteY1" fmla="*/ 1083538 h 1088823"/>
+              <a:gd name="connsiteX2" fmla="*/ 2436638 w 2436638"/>
+              <a:gd name="connsiteY2" fmla="*/ 1088823 h 1088823"/>
+              <a:gd name="connsiteX3" fmla="*/ 1908083 w 2436638"/>
+              <a:gd name="connsiteY3" fmla="*/ 533841 h 1088823"/>
+              <a:gd name="connsiteX4" fmla="*/ 2436638 w 2436638"/>
+              <a:gd name="connsiteY4" fmla="*/ 5286 h 1088823"/>
+              <a:gd name="connsiteX5" fmla="*/ 0 w 2436638"/>
+              <a:gd name="connsiteY5" fmla="*/ 0 h 1088823"/>
+              <a:gd name="connsiteX0" fmla="*/ 0 w 2448272"/>
+              <a:gd name="connsiteY0" fmla="*/ 0 h 1083538"/>
+              <a:gd name="connsiteX1" fmla="*/ 0 w 2448272"/>
+              <a:gd name="connsiteY1" fmla="*/ 1083538 h 1083538"/>
+              <a:gd name="connsiteX2" fmla="*/ 2448272 w 2448272"/>
+              <a:gd name="connsiteY2" fmla="*/ 1080120 h 1083538"/>
+              <a:gd name="connsiteX3" fmla="*/ 1908083 w 2448272"/>
+              <a:gd name="connsiteY3" fmla="*/ 533841 h 1083538"/>
+              <a:gd name="connsiteX4" fmla="*/ 2436638 w 2448272"/>
+              <a:gd name="connsiteY4" fmla="*/ 5286 h 1083538"/>
+              <a:gd name="connsiteX5" fmla="*/ 0 w 2448272"/>
+              <a:gd name="connsiteY5" fmla="*/ 0 h 1083538"/>
+              <a:gd name="connsiteX0" fmla="*/ 0 w 2592288"/>
+              <a:gd name="connsiteY0" fmla="*/ 0 h 1083538"/>
+              <a:gd name="connsiteX1" fmla="*/ 0 w 2592288"/>
+              <a:gd name="connsiteY1" fmla="*/ 1083538 h 1083538"/>
+              <a:gd name="connsiteX2" fmla="*/ 2592288 w 2592288"/>
+              <a:gd name="connsiteY2" fmla="*/ 1080120 h 1083538"/>
+              <a:gd name="connsiteX3" fmla="*/ 1908083 w 2592288"/>
+              <a:gd name="connsiteY3" fmla="*/ 533841 h 1083538"/>
+              <a:gd name="connsiteX4" fmla="*/ 2436638 w 2592288"/>
+              <a:gd name="connsiteY4" fmla="*/ 5286 h 1083538"/>
+              <a:gd name="connsiteX5" fmla="*/ 0 w 2592288"/>
+              <a:gd name="connsiteY5" fmla="*/ 0 h 1083538"/>
+              <a:gd name="connsiteX0" fmla="*/ 0 w 2436638"/>
+              <a:gd name="connsiteY0" fmla="*/ 0 h 1083538"/>
+              <a:gd name="connsiteX1" fmla="*/ 0 w 2436638"/>
+              <a:gd name="connsiteY1" fmla="*/ 1083538 h 1083538"/>
+              <a:gd name="connsiteX2" fmla="*/ 2376264 w 2436638"/>
+              <a:gd name="connsiteY2" fmla="*/ 1080120 h 1083538"/>
+              <a:gd name="connsiteX3" fmla="*/ 1908083 w 2436638"/>
+              <a:gd name="connsiteY3" fmla="*/ 533841 h 1083538"/>
+              <a:gd name="connsiteX4" fmla="*/ 2436638 w 2436638"/>
+              <a:gd name="connsiteY4" fmla="*/ 5286 h 1083538"/>
+              <a:gd name="connsiteX5" fmla="*/ 0 w 2436638"/>
+              <a:gd name="connsiteY5" fmla="*/ 0 h 1083538"/>
+              <a:gd name="connsiteX0" fmla="*/ 0 w 2448272"/>
+              <a:gd name="connsiteY0" fmla="*/ 0 h 1083538"/>
+              <a:gd name="connsiteX1" fmla="*/ 0 w 2448272"/>
+              <a:gd name="connsiteY1" fmla="*/ 1083538 h 1083538"/>
+              <a:gd name="connsiteX2" fmla="*/ 2448272 w 2448272"/>
+              <a:gd name="connsiteY2" fmla="*/ 1083538 h 1083538"/>
+              <a:gd name="connsiteX3" fmla="*/ 1908083 w 2448272"/>
+              <a:gd name="connsiteY3" fmla="*/ 533841 h 1083538"/>
+              <a:gd name="connsiteX4" fmla="*/ 2436638 w 2448272"/>
+              <a:gd name="connsiteY4" fmla="*/ 5286 h 1083538"/>
+              <a:gd name="connsiteX5" fmla="*/ 0 w 2448272"/>
+              <a:gd name="connsiteY5" fmla="*/ 0 h 1083538"/>
+              <a:gd name="connsiteX0" fmla="*/ 0 w 2448272"/>
+              <a:gd name="connsiteY0" fmla="*/ 0 h 1083538"/>
+              <a:gd name="connsiteX1" fmla="*/ 0 w 2448272"/>
+              <a:gd name="connsiteY1" fmla="*/ 1083538 h 1083538"/>
+              <a:gd name="connsiteX2" fmla="*/ 2448272 w 2448272"/>
+              <a:gd name="connsiteY2" fmla="*/ 1083538 h 1083538"/>
+              <a:gd name="connsiteX3" fmla="*/ 1908083 w 2448272"/>
+              <a:gd name="connsiteY3" fmla="*/ 533841 h 1083538"/>
+              <a:gd name="connsiteX4" fmla="*/ 2448272 w 2448272"/>
+              <a:gd name="connsiteY4" fmla="*/ 0 h 1083538"/>
+              <a:gd name="connsiteX5" fmla="*/ 0 w 2448272"/>
+              <a:gd name="connsiteY5" fmla="*/ 0 h 1083538"/>
+              <a:gd name="connsiteX0" fmla="*/ 0 w 2448272"/>
+              <a:gd name="connsiteY0" fmla="*/ 0 h 1083538"/>
+              <a:gd name="connsiteX1" fmla="*/ 0 w 2448272"/>
+              <a:gd name="connsiteY1" fmla="*/ 1083538 h 1083538"/>
+              <a:gd name="connsiteX2" fmla="*/ 2448272 w 2448272"/>
+              <a:gd name="connsiteY2" fmla="*/ 1083538 h 1083538"/>
+              <a:gd name="connsiteX3" fmla="*/ 1944216 w 2448272"/>
+              <a:gd name="connsiteY3" fmla="*/ 577887 h 1083538"/>
+              <a:gd name="connsiteX4" fmla="*/ 2448272 w 2448272"/>
+              <a:gd name="connsiteY4" fmla="*/ 0 h 1083538"/>
+              <a:gd name="connsiteX5" fmla="*/ 0 w 2448272"/>
+              <a:gd name="connsiteY5" fmla="*/ 0 h 1083538"/>
+              <a:gd name="connsiteX0" fmla="*/ 0 w 2448272"/>
+              <a:gd name="connsiteY0" fmla="*/ 0 h 1083538"/>
+              <a:gd name="connsiteX1" fmla="*/ 0 w 2448272"/>
+              <a:gd name="connsiteY1" fmla="*/ 1083538 h 1083538"/>
+              <a:gd name="connsiteX2" fmla="*/ 2448272 w 2448272"/>
+              <a:gd name="connsiteY2" fmla="*/ 1083538 h 1083538"/>
+              <a:gd name="connsiteX3" fmla="*/ 1944216 w 2448272"/>
+              <a:gd name="connsiteY3" fmla="*/ 577887 h 1083538"/>
+              <a:gd name="connsiteX4" fmla="*/ 2448272 w 2448272"/>
+              <a:gd name="connsiteY4" fmla="*/ 0 h 1083538"/>
+              <a:gd name="connsiteX5" fmla="*/ 0 w 2448272"/>
+              <a:gd name="connsiteY5" fmla="*/ 0 h 1083538"/>
+              <a:gd name="connsiteX0" fmla="*/ 0 w 2448272"/>
+              <a:gd name="connsiteY0" fmla="*/ 0 h 1083538"/>
+              <a:gd name="connsiteX1" fmla="*/ 0 w 2448272"/>
+              <a:gd name="connsiteY1" fmla="*/ 1083538 h 1083538"/>
+              <a:gd name="connsiteX2" fmla="*/ 2448272 w 2448272"/>
+              <a:gd name="connsiteY2" fmla="*/ 1083538 h 1083538"/>
+              <a:gd name="connsiteX3" fmla="*/ 1947580 w 2448272"/>
+              <a:gd name="connsiteY3" fmla="*/ 540280 h 1083538"/>
+              <a:gd name="connsiteX4" fmla="*/ 2448272 w 2448272"/>
+              <a:gd name="connsiteY4" fmla="*/ 0 h 1083538"/>
+              <a:gd name="connsiteX5" fmla="*/ 0 w 2448272"/>
+              <a:gd name="connsiteY5" fmla="*/ 0 h 1083538"/>
+              <a:gd name="connsiteX0" fmla="*/ 0 w 2448272"/>
+              <a:gd name="connsiteY0" fmla="*/ 0 h 1083538"/>
+              <a:gd name="connsiteX1" fmla="*/ 0 w 2448272"/>
+              <a:gd name="connsiteY1" fmla="*/ 1083538 h 1083538"/>
+              <a:gd name="connsiteX2" fmla="*/ 2448272 w 2448272"/>
+              <a:gd name="connsiteY2" fmla="*/ 1083538 h 1083538"/>
+              <a:gd name="connsiteX3" fmla="*/ 1917245 w 2448272"/>
+              <a:gd name="connsiteY3" fmla="*/ 540280 h 1083538"/>
+              <a:gd name="connsiteX4" fmla="*/ 2448272 w 2448272"/>
+              <a:gd name="connsiteY4" fmla="*/ 0 h 1083538"/>
+              <a:gd name="connsiteX5" fmla="*/ 0 w 2448272"/>
+              <a:gd name="connsiteY5" fmla="*/ 0 h 1083538"/>
+              <a:gd name="connsiteX0" fmla="*/ 0 w 2458326"/>
+              <a:gd name="connsiteY0" fmla="*/ 688 h 1084226"/>
+              <a:gd name="connsiteX1" fmla="*/ 0 w 2458326"/>
+              <a:gd name="connsiteY1" fmla="*/ 1084226 h 1084226"/>
+              <a:gd name="connsiteX2" fmla="*/ 2448272 w 2458326"/>
+              <a:gd name="connsiteY2" fmla="*/ 1084226 h 1084226"/>
+              <a:gd name="connsiteX3" fmla="*/ 1917245 w 2458326"/>
+              <a:gd name="connsiteY3" fmla="*/ 540968 h 1084226"/>
+              <a:gd name="connsiteX4" fmla="*/ 2458326 w 2458326"/>
+              <a:gd name="connsiteY4" fmla="*/ 0 h 1084226"/>
+              <a:gd name="connsiteX5" fmla="*/ 0 w 2458326"/>
+              <a:gd name="connsiteY5" fmla="*/ 688 h 1084226"/>
+              <a:gd name="connsiteX0" fmla="*/ 0 w 2458326"/>
+              <a:gd name="connsiteY0" fmla="*/ 688 h 1084226"/>
+              <a:gd name="connsiteX1" fmla="*/ 0 w 2458326"/>
+              <a:gd name="connsiteY1" fmla="*/ 1084226 h 1084226"/>
+              <a:gd name="connsiteX2" fmla="*/ 2448272 w 2458326"/>
+              <a:gd name="connsiteY2" fmla="*/ 1084226 h 1084226"/>
+              <a:gd name="connsiteX3" fmla="*/ 1924560 w 2458326"/>
+              <a:gd name="connsiteY3" fmla="*/ 540969 h 1084226"/>
+              <a:gd name="connsiteX4" fmla="*/ 2458326 w 2458326"/>
+              <a:gd name="connsiteY4" fmla="*/ 0 h 1084226"/>
+              <a:gd name="connsiteX5" fmla="*/ 0 w 2458326"/>
+              <a:gd name="connsiteY5" fmla="*/ 688 h 1084226"/>
+              <a:gd name="connsiteX0" fmla="*/ 0 w 2458326"/>
+              <a:gd name="connsiteY0" fmla="*/ 688 h 1084226"/>
+              <a:gd name="connsiteX1" fmla="*/ 0 w 2458326"/>
+              <a:gd name="connsiteY1" fmla="*/ 1084226 h 1084226"/>
+              <a:gd name="connsiteX2" fmla="*/ 2448272 w 2458326"/>
+              <a:gd name="connsiteY2" fmla="*/ 1084226 h 1084226"/>
+              <a:gd name="connsiteX3" fmla="*/ 1987315 w 2458326"/>
+              <a:gd name="connsiteY3" fmla="*/ 550559 h 1084226"/>
+              <a:gd name="connsiteX4" fmla="*/ 2458326 w 2458326"/>
+              <a:gd name="connsiteY4" fmla="*/ 0 h 1084226"/>
+              <a:gd name="connsiteX5" fmla="*/ 0 w 2458326"/>
+              <a:gd name="connsiteY5" fmla="*/ 688 h 1084226"/>
+              <a:gd name="connsiteX0" fmla="*/ 0 w 2458326"/>
+              <a:gd name="connsiteY0" fmla="*/ 688 h 1084226"/>
+              <a:gd name="connsiteX1" fmla="*/ 0 w 2458326"/>
+              <a:gd name="connsiteY1" fmla="*/ 1084226 h 1084226"/>
+              <a:gd name="connsiteX2" fmla="*/ 2448272 w 2458326"/>
+              <a:gd name="connsiteY2" fmla="*/ 1084226 h 1084226"/>
+              <a:gd name="connsiteX3" fmla="*/ 1969786 w 2458326"/>
+              <a:gd name="connsiteY3" fmla="*/ 524741 h 1084226"/>
+              <a:gd name="connsiteX4" fmla="*/ 2458326 w 2458326"/>
+              <a:gd name="connsiteY4" fmla="*/ 0 h 1084226"/>
+              <a:gd name="connsiteX5" fmla="*/ 0 w 2458326"/>
+              <a:gd name="connsiteY5" fmla="*/ 688 h 1084226"/>
+              <a:gd name="connsiteX0" fmla="*/ 0 w 2458326"/>
+              <a:gd name="connsiteY0" fmla="*/ 688 h 1084226"/>
+              <a:gd name="connsiteX1" fmla="*/ 0 w 2458326"/>
+              <a:gd name="connsiteY1" fmla="*/ 1084226 h 1084226"/>
+              <a:gd name="connsiteX2" fmla="*/ 2448272 w 2458326"/>
+              <a:gd name="connsiteY2" fmla="*/ 1084226 h 1084226"/>
+              <a:gd name="connsiteX3" fmla="*/ 1969786 w 2458326"/>
+              <a:gd name="connsiteY3" fmla="*/ 560887 h 1084226"/>
+              <a:gd name="connsiteX4" fmla="*/ 2458326 w 2458326"/>
+              <a:gd name="connsiteY4" fmla="*/ 0 h 1084226"/>
+              <a:gd name="connsiteX5" fmla="*/ 0 w 2458326"/>
+              <a:gd name="connsiteY5" fmla="*/ 688 h 1084226"/>
+              <a:gd name="connsiteX0" fmla="*/ 0 w 2458326"/>
+              <a:gd name="connsiteY0" fmla="*/ 688 h 1084226"/>
+              <a:gd name="connsiteX1" fmla="*/ 0 w 2458326"/>
+              <a:gd name="connsiteY1" fmla="*/ 1084226 h 1084226"/>
+              <a:gd name="connsiteX2" fmla="*/ 2448272 w 2458326"/>
+              <a:gd name="connsiteY2" fmla="*/ 1084226 h 1084226"/>
+              <a:gd name="connsiteX3" fmla="*/ 1965404 w 2458326"/>
+              <a:gd name="connsiteY3" fmla="*/ 524741 h 1084226"/>
+              <a:gd name="connsiteX4" fmla="*/ 2458326 w 2458326"/>
+              <a:gd name="connsiteY4" fmla="*/ 0 h 1084226"/>
+              <a:gd name="connsiteX5" fmla="*/ 0 w 2458326"/>
+              <a:gd name="connsiteY5" fmla="*/ 688 h 1084226"/>
+              <a:gd name="connsiteX0" fmla="*/ 0 w 2458326"/>
+              <a:gd name="connsiteY0" fmla="*/ 688 h 1084226"/>
+              <a:gd name="connsiteX1" fmla="*/ 0 w 2458326"/>
+              <a:gd name="connsiteY1" fmla="*/ 1084226 h 1084226"/>
+              <a:gd name="connsiteX2" fmla="*/ 2448272 w 2458326"/>
+              <a:gd name="connsiteY2" fmla="*/ 1084226 h 1084226"/>
+              <a:gd name="connsiteX3" fmla="*/ 1969786 w 2458326"/>
+              <a:gd name="connsiteY3" fmla="*/ 550560 h 1084226"/>
+              <a:gd name="connsiteX4" fmla="*/ 2458326 w 2458326"/>
+              <a:gd name="connsiteY4" fmla="*/ 0 h 1084226"/>
+              <a:gd name="connsiteX5" fmla="*/ 0 w 2458326"/>
+              <a:gd name="connsiteY5" fmla="*/ 688 h 1084226"/>
+              <a:gd name="connsiteX0" fmla="*/ 0 w 2458326"/>
+              <a:gd name="connsiteY0" fmla="*/ 688 h 1084226"/>
+              <a:gd name="connsiteX1" fmla="*/ 0 w 2458326"/>
+              <a:gd name="connsiteY1" fmla="*/ 1084226 h 1084226"/>
+              <a:gd name="connsiteX2" fmla="*/ 2448272 w 2458326"/>
+              <a:gd name="connsiteY2" fmla="*/ 1084226 h 1084226"/>
+              <a:gd name="connsiteX3" fmla="*/ 1972462 w 2458326"/>
+              <a:gd name="connsiteY3" fmla="*/ 534793 h 1084226"/>
+              <a:gd name="connsiteX4" fmla="*/ 2458326 w 2458326"/>
+              <a:gd name="connsiteY4" fmla="*/ 0 h 1084226"/>
+              <a:gd name="connsiteX5" fmla="*/ 0 w 2458326"/>
+              <a:gd name="connsiteY5" fmla="*/ 688 h 1084226"/>
+              <a:gd name="connsiteX0" fmla="*/ 0 w 2458326"/>
+              <a:gd name="connsiteY0" fmla="*/ 688 h 1084226"/>
+              <a:gd name="connsiteX1" fmla="*/ 0 w 2458326"/>
+              <a:gd name="connsiteY1" fmla="*/ 1084226 h 1084226"/>
+              <a:gd name="connsiteX2" fmla="*/ 2448272 w 2458326"/>
+              <a:gd name="connsiteY2" fmla="*/ 1084226 h 1084226"/>
+              <a:gd name="connsiteX3" fmla="*/ 1972462 w 2458326"/>
+              <a:gd name="connsiteY3" fmla="*/ 550561 h 1084226"/>
+              <a:gd name="connsiteX4" fmla="*/ 2458326 w 2458326"/>
+              <a:gd name="connsiteY4" fmla="*/ 0 h 1084226"/>
+              <a:gd name="connsiteX5" fmla="*/ 0 w 2458326"/>
+              <a:gd name="connsiteY5" fmla="*/ 688 h 1084226"/>
+              <a:gd name="connsiteX0" fmla="*/ 0 w 2458326"/>
+              <a:gd name="connsiteY0" fmla="*/ 688 h 1084226"/>
+              <a:gd name="connsiteX1" fmla="*/ 0 w 2458326"/>
+              <a:gd name="connsiteY1" fmla="*/ 1084226 h 1084226"/>
+              <a:gd name="connsiteX2" fmla="*/ 2448272 w 2458326"/>
+              <a:gd name="connsiteY2" fmla="*/ 1084226 h 1084226"/>
+              <a:gd name="connsiteX3" fmla="*/ 1972462 w 2458326"/>
+              <a:gd name="connsiteY3" fmla="*/ 534793 h 1084226"/>
+              <a:gd name="connsiteX4" fmla="*/ 2458326 w 2458326"/>
+              <a:gd name="connsiteY4" fmla="*/ 0 h 1084226"/>
+              <a:gd name="connsiteX5" fmla="*/ 0 w 2458326"/>
+              <a:gd name="connsiteY5" fmla="*/ 688 h 1084226"/>
+              <a:gd name="connsiteX0" fmla="*/ 0 w 2458326"/>
+              <a:gd name="connsiteY0" fmla="*/ 688 h 1084226"/>
+              <a:gd name="connsiteX1" fmla="*/ 0 w 2458326"/>
+              <a:gd name="connsiteY1" fmla="*/ 1084226 h 1084226"/>
+              <a:gd name="connsiteX2" fmla="*/ 2448272 w 2458326"/>
+              <a:gd name="connsiteY2" fmla="*/ 1084226 h 1084226"/>
+              <a:gd name="connsiteX3" fmla="*/ 1969786 w 2458326"/>
+              <a:gd name="connsiteY3" fmla="*/ 550562 h 1084226"/>
+              <a:gd name="connsiteX4" fmla="*/ 2458326 w 2458326"/>
+              <a:gd name="connsiteY4" fmla="*/ 0 h 1084226"/>
+              <a:gd name="connsiteX5" fmla="*/ 0 w 2458326"/>
+              <a:gd name="connsiteY5" fmla="*/ 688 h 1084226"/>
+              <a:gd name="connsiteX0" fmla="*/ 0 w 2458326"/>
+              <a:gd name="connsiteY0" fmla="*/ 688 h 1084226"/>
+              <a:gd name="connsiteX1" fmla="*/ 0 w 2458326"/>
+              <a:gd name="connsiteY1" fmla="*/ 1084226 h 1084226"/>
+              <a:gd name="connsiteX2" fmla="*/ 2448272 w 2458326"/>
+              <a:gd name="connsiteY2" fmla="*/ 1084226 h 1084226"/>
+              <a:gd name="connsiteX3" fmla="*/ 1967109 w 2458326"/>
+              <a:gd name="connsiteY3" fmla="*/ 534794 h 1084226"/>
+              <a:gd name="connsiteX4" fmla="*/ 2458326 w 2458326"/>
+              <a:gd name="connsiteY4" fmla="*/ 0 h 1084226"/>
+              <a:gd name="connsiteX5" fmla="*/ 0 w 2458326"/>
+              <a:gd name="connsiteY5" fmla="*/ 688 h 1084226"/>
+              <a:gd name="connsiteX0" fmla="*/ 0 w 2458326"/>
+              <a:gd name="connsiteY0" fmla="*/ 688 h 1084226"/>
+              <a:gd name="connsiteX1" fmla="*/ 0 w 2458326"/>
+              <a:gd name="connsiteY1" fmla="*/ 1084226 h 1084226"/>
+              <a:gd name="connsiteX2" fmla="*/ 2448272 w 2458326"/>
+              <a:gd name="connsiteY2" fmla="*/ 1084226 h 1084226"/>
+              <a:gd name="connsiteX3" fmla="*/ 1986041 w 2458326"/>
+              <a:gd name="connsiteY3" fmla="*/ 543482 h 1084226"/>
+              <a:gd name="connsiteX4" fmla="*/ 2458326 w 2458326"/>
+              <a:gd name="connsiteY4" fmla="*/ 0 h 1084226"/>
+              <a:gd name="connsiteX5" fmla="*/ 0 w 2458326"/>
+              <a:gd name="connsiteY5" fmla="*/ 688 h 1084226"/>
+            </a:gdLst>
+            <a:ahLst/>
+            <a:cxnLst>
+              <a:cxn ang="0">
+                <a:pos x="connsiteX0" y="connsiteY0"/>
+              </a:cxn>
+              <a:cxn ang="0">
+                <a:pos x="connsiteX1" y="connsiteY1"/>
+              </a:cxn>
+              <a:cxn ang="0">
+                <a:pos x="connsiteX2" y="connsiteY2"/>
+              </a:cxn>
+              <a:cxn ang="0">
+                <a:pos x="connsiteX3" y="connsiteY3"/>
+              </a:cxn>
+              <a:cxn ang="0">
+                <a:pos x="connsiteX4" y="connsiteY4"/>
+              </a:cxn>
+              <a:cxn ang="0">
+                <a:pos x="connsiteX5" y="connsiteY5"/>
+              </a:cxn>
+            </a:cxnLst>
+            <a:rect l="l" t="t" r="r" b="b"/>
+            <a:pathLst>
+              <a:path w="2458326" h="1084226">
+                <a:moveTo>
+                  <a:pt x="0" y="688"/>
+                </a:moveTo>
+                <a:lnTo>
+                  <a:pt x="0" y="1084226"/>
+                </a:lnTo>
+                <a:lnTo>
+                  <a:pt x="2448272" y="1084226"/>
+                </a:lnTo>
+                <a:lnTo>
+                  <a:pt x="1986041" y="543482"/>
+                </a:lnTo>
+                <a:lnTo>
+                  <a:pt x="2458326" y="0"/>
+                </a:lnTo>
+                <a:lnTo>
+                  <a:pt x="0" y="688"/>
+                </a:lnTo>
+                <a:close/>
+              </a:path>
+            </a:pathLst>
+          </a:custGeom>
+          <a:scene3d>
+            <a:camera prst="orthographicFront"/>
+            <a:lightRig rig="threePt" dir="t">
+              <a:rot lat="0" lon="0" rev="7500000"/>
+            </a:lightRig>
+          </a:scene3d>
+          <a:sp3d prstMaterial="plastic">
+            <a:bevelT w="127000" h="25400" prst="relaxedInset"/>
+          </a:sp3d>
+        </p:spPr>
+        <p:style>
+          <a:lnRef idx="0">
+            <a:schemeClr val="lt1">
+              <a:hueOff val="0"/>
+              <a:satOff val="0"/>
+              <a:lumOff val="0"/>
+              <a:alphaOff val="0"/>
+            </a:schemeClr>
+          </a:lnRef>
+          <a:fillRef idx="3">
+            <a:schemeClr val="accent1">
+              <a:shade val="80000"/>
+              <a:hueOff val="0"/>
+              <a:satOff val="0"/>
+              <a:lumOff val="0"/>
+              <a:alphaOff val="0"/>
+            </a:schemeClr>
+          </a:fillRef>
+          <a:effectRef idx="2">
+            <a:schemeClr val="accent1">
+              <a:shade val="80000"/>
+              <a:hueOff val="0"/>
+              <a:satOff val="0"/>
+              <a:lumOff val="0"/>
+              <a:alphaOff val="0"/>
+            </a:schemeClr>
+          </a:effectRef>
+          <a:fontRef idx="minor">
+            <a:schemeClr val="lt1"/>
+          </a:fontRef>
+        </p:style>
+        <p:txBody>
+          <a:bodyPr spcFirstLastPara="0" vert="horz" wrap="square" lIns="282702" tIns="141351" rIns="338190" bIns="141351" numCol="1" spcCol="1270" anchor="ctr" anchorCtr="0">
+            <a:noAutofit/>
+          </a:bodyPr>
+          <a:lstStyle/>
+          <a:p>
+            <a:pPr algn="ctr" defTabSz="2355850">
+              <a:lnSpc>
+                <a:spcPct val="90000"/>
+              </a:lnSpc>
+              <a:spcBef>
+                <a:spcPct val="0"/>
+              </a:spcBef>
+              <a:spcAft>
+                <a:spcPct val="35000"/>
+              </a:spcAft>
+            </a:pPr>
+            <a:endParaRPr lang="de-AT" sz="5300"/>
+          </a:p>
+        </p:txBody>
+      </p:sp>
+      <p:sp>
+        <p:nvSpPr>
+          <p:cNvPr id="38" name="Rechteck 37"/>
+          <p:cNvSpPr/>
+          <p:nvPr/>
+        </p:nvSpPr>
+        <p:spPr>
+          <a:xfrm>
+            <a:off x="4561159" y="4725144"/>
+            <a:ext cx="1430200" cy="826380"/>
+          </a:xfrm>
+          <a:prstGeom prst="rect">
+            <a:avLst/>
+          </a:prstGeom>
+        </p:spPr>
+        <p:txBody>
+          <a:bodyPr wrap="none">
+            <a:spAutoFit/>
+          </a:bodyPr>
+          <a:lstStyle/>
+          <a:p>
+            <a:pPr lvl="0" algn="ctr" defTabSz="2355850">
+              <a:lnSpc>
+                <a:spcPct val="90000"/>
+              </a:lnSpc>
+              <a:spcBef>
+                <a:spcPct val="0"/>
+              </a:spcBef>
+              <a:spcAft>
+                <a:spcPct val="35000"/>
+              </a:spcAft>
+            </a:pPr>
+            <a:r>
+              <a:rPr lang="en-GB" sz="5300" dirty="0" smtClean="0">
+                <a:solidFill>
+                  <a:prstClr val="white"/>
+                </a:solidFill>
+              </a:rPr>
+              <a:t>SMP</a:t>
+            </a:r>
+            <a:endParaRPr lang="en-GB" sz="5300" dirty="0">
+              <a:solidFill>
+                <a:prstClr val="white"/>
+              </a:solidFill>
+            </a:endParaRPr>
+          </a:p>
+        </p:txBody>
+      </p:sp>
+      <p:sp>
+        <p:nvSpPr>
+          <p:cNvPr id="40" name="Rechteck 39"/>
+          <p:cNvSpPr/>
+          <p:nvPr/>
+        </p:nvSpPr>
+        <p:spPr>
+          <a:xfrm>
+            <a:off x="1824855" y="4725144"/>
+            <a:ext cx="1975221" cy="826380"/>
+          </a:xfrm>
+          <a:prstGeom prst="rect">
+            <a:avLst/>
+          </a:prstGeom>
+        </p:spPr>
+        <p:txBody>
+          <a:bodyPr wrap="none">
+            <a:spAutoFit/>
+          </a:bodyPr>
+          <a:lstStyle/>
+          <a:p>
+            <a:pPr lvl="0" algn="ctr" defTabSz="2355850">
+              <a:lnSpc>
+                <a:spcPct val="90000"/>
+              </a:lnSpc>
+              <a:spcBef>
+                <a:spcPct val="0"/>
+              </a:spcBef>
+              <a:spcAft>
+                <a:spcPct val="35000"/>
+              </a:spcAft>
+            </a:pPr>
+            <a:r>
+              <a:rPr lang="en-GB" sz="5300" dirty="0" smtClean="0">
+                <a:solidFill>
+                  <a:prstClr val="white"/>
+                </a:solidFill>
+              </a:rPr>
+              <a:t>phOSS</a:t>
+            </a:r>
+            <a:endParaRPr lang="en-GB" sz="5300" dirty="0">
+              <a:solidFill>
+                <a:prstClr val="white"/>
+              </a:solidFill>
+            </a:endParaRPr>
+          </a:p>
+        </p:txBody>
+      </p:sp>
     </p:spTree>
     <p:extLst>
       <p:ext uri="{BB962C8B-B14F-4D97-AF65-F5344CB8AC3E}">
-        <p14:creationId xmlns:p14="http://schemas.microsoft.com/office/powerpoint/2010/main" val="3689794309"/>
+        <p14:creationId xmlns="" xmlns:p14="http://schemas.microsoft.com/office/powerpoint/2010/main" val="3689794309"/>
+      </p:ext>
+    </p:extLst>
+  </p:cSld>
+  <p:clrMapOvr>
+    <a:masterClrMapping/>
+  </p:clrMapOvr>
+  <p:timing>
+    <p:tnLst>
+      <p:par>
+        <p:cTn id="1" dur="indefinite" restart="never" nodeType="tmRoot"/>
+      </p:par>
+    </p:tnLst>
+  </p:timing>
+</p:sld>
+</file>
+
+<file path=ppt/slides/slide9.xml><?xml version="1.0" encoding="utf-8"?>
+<p:sld xmlns:a="http://schemas.openxmlformats.org/drawingml/2006/main" xmlns:r="http://schemas.openxmlformats.org/officeDocument/2006/relationships" xmlns:p="http://schemas.openxmlformats.org/presentationml/2006/main">
+  <p:cSld>
+    <p:spTree>
+      <p:nvGrpSpPr>
+        <p:cNvPr id="1" name=""/>
+        <p:cNvGrpSpPr/>
+        <p:nvPr/>
+      </p:nvGrpSpPr>
+      <p:grpSpPr>
+        <a:xfrm>
+          <a:off x="0" y="0"/>
+          <a:ext cx="0" cy="0"/>
+          <a:chOff x="0" y="0"/>
+          <a:chExt cx="0" cy="0"/>
+        </a:xfrm>
+      </p:grpSpPr>
+      <p:sp>
+        <p:nvSpPr>
+          <p:cNvPr id="33" name="Pfeil nach links und rechts 32"/>
+          <p:cNvSpPr/>
+          <p:nvPr/>
+        </p:nvSpPr>
+        <p:spPr>
+          <a:xfrm>
+            <a:off x="2987824" y="836712"/>
+            <a:ext cx="2675137" cy="1057161"/>
+          </a:xfrm>
+          <a:prstGeom prst="leftRightArrow">
+            <a:avLst>
+              <a:gd name="adj1" fmla="val 100000"/>
+              <a:gd name="adj2" fmla="val 50000"/>
+            </a:avLst>
+          </a:prstGeom>
+          <a:scene3d>
+            <a:camera prst="orthographicFront"/>
+            <a:lightRig rig="threePt" dir="t">
+              <a:rot lat="0" lon="0" rev="7500000"/>
+            </a:lightRig>
+          </a:scene3d>
+          <a:sp3d prstMaterial="plastic">
+            <a:bevelT w="127000" h="25400" prst="relaxedInset"/>
+          </a:sp3d>
+        </p:spPr>
+        <p:style>
+          <a:lnRef idx="0">
+            <a:schemeClr val="lt1">
+              <a:hueOff val="0"/>
+              <a:satOff val="0"/>
+              <a:lumOff val="0"/>
+              <a:alphaOff val="0"/>
+            </a:schemeClr>
+          </a:lnRef>
+          <a:fillRef idx="3">
+            <a:schemeClr val="accent1">
+              <a:shade val="80000"/>
+              <a:hueOff val="306246"/>
+              <a:satOff val="-4392"/>
+              <a:lumOff val="25615"/>
+              <a:alphaOff val="0"/>
+            </a:schemeClr>
+          </a:fillRef>
+          <a:effectRef idx="2">
+            <a:schemeClr val="accent1">
+              <a:shade val="80000"/>
+              <a:hueOff val="306246"/>
+              <a:satOff val="-4392"/>
+              <a:lumOff val="25615"/>
+              <a:alphaOff val="0"/>
+            </a:schemeClr>
+          </a:effectRef>
+          <a:fontRef idx="minor">
+            <a:schemeClr val="lt1"/>
+          </a:fontRef>
+        </p:style>
+        <p:txBody>
+          <a:bodyPr spcFirstLastPara="0" vert="horz" wrap="square" lIns="747054" tIns="141351" rIns="605703" bIns="141351" numCol="1" spcCol="1270" anchor="ctr" anchorCtr="0">
+            <a:noAutofit/>
+          </a:bodyPr>
+          <a:lstStyle/>
+          <a:p>
+            <a:pPr algn="ctr" defTabSz="2355850">
+              <a:lnSpc>
+                <a:spcPct val="90000"/>
+              </a:lnSpc>
+              <a:spcBef>
+                <a:spcPct val="0"/>
+              </a:spcBef>
+              <a:spcAft>
+                <a:spcPct val="35000"/>
+              </a:spcAft>
+            </a:pPr>
+            <a:endParaRPr lang="en-GB" sz="5300" dirty="0"/>
+          </a:p>
+        </p:txBody>
+      </p:sp>
+      <p:sp>
+        <p:nvSpPr>
+          <p:cNvPr id="36" name="Freihandform 35"/>
+          <p:cNvSpPr/>
+          <p:nvPr/>
+        </p:nvSpPr>
+        <p:spPr>
+          <a:xfrm rot="10800000">
+            <a:off x="5133942" y="840242"/>
+            <a:ext cx="936104" cy="1054949"/>
+          </a:xfrm>
+          <a:custGeom>
+            <a:avLst/>
+            <a:gdLst>
+              <a:gd name="connsiteX0" fmla="*/ 0 w 2436638"/>
+              <a:gd name="connsiteY0" fmla="*/ 0 h 1088823"/>
+              <a:gd name="connsiteX1" fmla="*/ 0 w 2436638"/>
+              <a:gd name="connsiteY1" fmla="*/ 1083538 h 1088823"/>
+              <a:gd name="connsiteX2" fmla="*/ 2436638 w 2436638"/>
+              <a:gd name="connsiteY2" fmla="*/ 1088823 h 1088823"/>
+              <a:gd name="connsiteX3" fmla="*/ 1908083 w 2436638"/>
+              <a:gd name="connsiteY3" fmla="*/ 533841 h 1088823"/>
+              <a:gd name="connsiteX4" fmla="*/ 2436638 w 2436638"/>
+              <a:gd name="connsiteY4" fmla="*/ 5286 h 1088823"/>
+              <a:gd name="connsiteX5" fmla="*/ 0 w 2436638"/>
+              <a:gd name="connsiteY5" fmla="*/ 0 h 1088823"/>
+              <a:gd name="connsiteX0" fmla="*/ 0 w 2448272"/>
+              <a:gd name="connsiteY0" fmla="*/ 0 h 1083538"/>
+              <a:gd name="connsiteX1" fmla="*/ 0 w 2448272"/>
+              <a:gd name="connsiteY1" fmla="*/ 1083538 h 1083538"/>
+              <a:gd name="connsiteX2" fmla="*/ 2448272 w 2448272"/>
+              <a:gd name="connsiteY2" fmla="*/ 1080120 h 1083538"/>
+              <a:gd name="connsiteX3" fmla="*/ 1908083 w 2448272"/>
+              <a:gd name="connsiteY3" fmla="*/ 533841 h 1083538"/>
+              <a:gd name="connsiteX4" fmla="*/ 2436638 w 2448272"/>
+              <a:gd name="connsiteY4" fmla="*/ 5286 h 1083538"/>
+              <a:gd name="connsiteX5" fmla="*/ 0 w 2448272"/>
+              <a:gd name="connsiteY5" fmla="*/ 0 h 1083538"/>
+              <a:gd name="connsiteX0" fmla="*/ 0 w 2592288"/>
+              <a:gd name="connsiteY0" fmla="*/ 0 h 1083538"/>
+              <a:gd name="connsiteX1" fmla="*/ 0 w 2592288"/>
+              <a:gd name="connsiteY1" fmla="*/ 1083538 h 1083538"/>
+              <a:gd name="connsiteX2" fmla="*/ 2592288 w 2592288"/>
+              <a:gd name="connsiteY2" fmla="*/ 1080120 h 1083538"/>
+              <a:gd name="connsiteX3" fmla="*/ 1908083 w 2592288"/>
+              <a:gd name="connsiteY3" fmla="*/ 533841 h 1083538"/>
+              <a:gd name="connsiteX4" fmla="*/ 2436638 w 2592288"/>
+              <a:gd name="connsiteY4" fmla="*/ 5286 h 1083538"/>
+              <a:gd name="connsiteX5" fmla="*/ 0 w 2592288"/>
+              <a:gd name="connsiteY5" fmla="*/ 0 h 1083538"/>
+              <a:gd name="connsiteX0" fmla="*/ 0 w 2436638"/>
+              <a:gd name="connsiteY0" fmla="*/ 0 h 1083538"/>
+              <a:gd name="connsiteX1" fmla="*/ 0 w 2436638"/>
+              <a:gd name="connsiteY1" fmla="*/ 1083538 h 1083538"/>
+              <a:gd name="connsiteX2" fmla="*/ 2376264 w 2436638"/>
+              <a:gd name="connsiteY2" fmla="*/ 1080120 h 1083538"/>
+              <a:gd name="connsiteX3" fmla="*/ 1908083 w 2436638"/>
+              <a:gd name="connsiteY3" fmla="*/ 533841 h 1083538"/>
+              <a:gd name="connsiteX4" fmla="*/ 2436638 w 2436638"/>
+              <a:gd name="connsiteY4" fmla="*/ 5286 h 1083538"/>
+              <a:gd name="connsiteX5" fmla="*/ 0 w 2436638"/>
+              <a:gd name="connsiteY5" fmla="*/ 0 h 1083538"/>
+              <a:gd name="connsiteX0" fmla="*/ 0 w 2448272"/>
+              <a:gd name="connsiteY0" fmla="*/ 0 h 1083538"/>
+              <a:gd name="connsiteX1" fmla="*/ 0 w 2448272"/>
+              <a:gd name="connsiteY1" fmla="*/ 1083538 h 1083538"/>
+              <a:gd name="connsiteX2" fmla="*/ 2448272 w 2448272"/>
+              <a:gd name="connsiteY2" fmla="*/ 1083538 h 1083538"/>
+              <a:gd name="connsiteX3" fmla="*/ 1908083 w 2448272"/>
+              <a:gd name="connsiteY3" fmla="*/ 533841 h 1083538"/>
+              <a:gd name="connsiteX4" fmla="*/ 2436638 w 2448272"/>
+              <a:gd name="connsiteY4" fmla="*/ 5286 h 1083538"/>
+              <a:gd name="connsiteX5" fmla="*/ 0 w 2448272"/>
+              <a:gd name="connsiteY5" fmla="*/ 0 h 1083538"/>
+              <a:gd name="connsiteX0" fmla="*/ 0 w 2448272"/>
+              <a:gd name="connsiteY0" fmla="*/ 0 h 1083538"/>
+              <a:gd name="connsiteX1" fmla="*/ 0 w 2448272"/>
+              <a:gd name="connsiteY1" fmla="*/ 1083538 h 1083538"/>
+              <a:gd name="connsiteX2" fmla="*/ 2448272 w 2448272"/>
+              <a:gd name="connsiteY2" fmla="*/ 1083538 h 1083538"/>
+              <a:gd name="connsiteX3" fmla="*/ 1908083 w 2448272"/>
+              <a:gd name="connsiteY3" fmla="*/ 533841 h 1083538"/>
+              <a:gd name="connsiteX4" fmla="*/ 2448272 w 2448272"/>
+              <a:gd name="connsiteY4" fmla="*/ 0 h 1083538"/>
+              <a:gd name="connsiteX5" fmla="*/ 0 w 2448272"/>
+              <a:gd name="connsiteY5" fmla="*/ 0 h 1083538"/>
+              <a:gd name="connsiteX0" fmla="*/ 0 w 2448272"/>
+              <a:gd name="connsiteY0" fmla="*/ 0 h 1083538"/>
+              <a:gd name="connsiteX1" fmla="*/ 0 w 2448272"/>
+              <a:gd name="connsiteY1" fmla="*/ 1083538 h 1083538"/>
+              <a:gd name="connsiteX2" fmla="*/ 2448272 w 2448272"/>
+              <a:gd name="connsiteY2" fmla="*/ 1083538 h 1083538"/>
+              <a:gd name="connsiteX3" fmla="*/ 1944216 w 2448272"/>
+              <a:gd name="connsiteY3" fmla="*/ 577887 h 1083538"/>
+              <a:gd name="connsiteX4" fmla="*/ 2448272 w 2448272"/>
+              <a:gd name="connsiteY4" fmla="*/ 0 h 1083538"/>
+              <a:gd name="connsiteX5" fmla="*/ 0 w 2448272"/>
+              <a:gd name="connsiteY5" fmla="*/ 0 h 1083538"/>
+              <a:gd name="connsiteX0" fmla="*/ 0 w 2448272"/>
+              <a:gd name="connsiteY0" fmla="*/ 0 h 1083538"/>
+              <a:gd name="connsiteX1" fmla="*/ 0 w 2448272"/>
+              <a:gd name="connsiteY1" fmla="*/ 1083538 h 1083538"/>
+              <a:gd name="connsiteX2" fmla="*/ 2448272 w 2448272"/>
+              <a:gd name="connsiteY2" fmla="*/ 1083538 h 1083538"/>
+              <a:gd name="connsiteX3" fmla="*/ 1944216 w 2448272"/>
+              <a:gd name="connsiteY3" fmla="*/ 577887 h 1083538"/>
+              <a:gd name="connsiteX4" fmla="*/ 2448272 w 2448272"/>
+              <a:gd name="connsiteY4" fmla="*/ 0 h 1083538"/>
+              <a:gd name="connsiteX5" fmla="*/ 0 w 2448272"/>
+              <a:gd name="connsiteY5" fmla="*/ 0 h 1083538"/>
+              <a:gd name="connsiteX0" fmla="*/ 0 w 2448272"/>
+              <a:gd name="connsiteY0" fmla="*/ 0 h 1083538"/>
+              <a:gd name="connsiteX1" fmla="*/ 0 w 2448272"/>
+              <a:gd name="connsiteY1" fmla="*/ 1083538 h 1083538"/>
+              <a:gd name="connsiteX2" fmla="*/ 2448272 w 2448272"/>
+              <a:gd name="connsiteY2" fmla="*/ 1083538 h 1083538"/>
+              <a:gd name="connsiteX3" fmla="*/ 1947580 w 2448272"/>
+              <a:gd name="connsiteY3" fmla="*/ 540280 h 1083538"/>
+              <a:gd name="connsiteX4" fmla="*/ 2448272 w 2448272"/>
+              <a:gd name="connsiteY4" fmla="*/ 0 h 1083538"/>
+              <a:gd name="connsiteX5" fmla="*/ 0 w 2448272"/>
+              <a:gd name="connsiteY5" fmla="*/ 0 h 1083538"/>
+              <a:gd name="connsiteX0" fmla="*/ 0 w 2448272"/>
+              <a:gd name="connsiteY0" fmla="*/ 0 h 1083538"/>
+              <a:gd name="connsiteX1" fmla="*/ 0 w 2448272"/>
+              <a:gd name="connsiteY1" fmla="*/ 1083538 h 1083538"/>
+              <a:gd name="connsiteX2" fmla="*/ 2448272 w 2448272"/>
+              <a:gd name="connsiteY2" fmla="*/ 1083538 h 1083538"/>
+              <a:gd name="connsiteX3" fmla="*/ 1917245 w 2448272"/>
+              <a:gd name="connsiteY3" fmla="*/ 540280 h 1083538"/>
+              <a:gd name="connsiteX4" fmla="*/ 2448272 w 2448272"/>
+              <a:gd name="connsiteY4" fmla="*/ 0 h 1083538"/>
+              <a:gd name="connsiteX5" fmla="*/ 0 w 2448272"/>
+              <a:gd name="connsiteY5" fmla="*/ 0 h 1083538"/>
+              <a:gd name="connsiteX0" fmla="*/ 0 w 2458326"/>
+              <a:gd name="connsiteY0" fmla="*/ 688 h 1084226"/>
+              <a:gd name="connsiteX1" fmla="*/ 0 w 2458326"/>
+              <a:gd name="connsiteY1" fmla="*/ 1084226 h 1084226"/>
+              <a:gd name="connsiteX2" fmla="*/ 2448272 w 2458326"/>
+              <a:gd name="connsiteY2" fmla="*/ 1084226 h 1084226"/>
+              <a:gd name="connsiteX3" fmla="*/ 1917245 w 2458326"/>
+              <a:gd name="connsiteY3" fmla="*/ 540968 h 1084226"/>
+              <a:gd name="connsiteX4" fmla="*/ 2458326 w 2458326"/>
+              <a:gd name="connsiteY4" fmla="*/ 0 h 1084226"/>
+              <a:gd name="connsiteX5" fmla="*/ 0 w 2458326"/>
+              <a:gd name="connsiteY5" fmla="*/ 688 h 1084226"/>
+              <a:gd name="connsiteX0" fmla="*/ 0 w 2458326"/>
+              <a:gd name="connsiteY0" fmla="*/ 688 h 1084226"/>
+              <a:gd name="connsiteX1" fmla="*/ 0 w 2458326"/>
+              <a:gd name="connsiteY1" fmla="*/ 1084226 h 1084226"/>
+              <a:gd name="connsiteX2" fmla="*/ 2448272 w 2458326"/>
+              <a:gd name="connsiteY2" fmla="*/ 1084226 h 1084226"/>
+              <a:gd name="connsiteX3" fmla="*/ 1924560 w 2458326"/>
+              <a:gd name="connsiteY3" fmla="*/ 540969 h 1084226"/>
+              <a:gd name="connsiteX4" fmla="*/ 2458326 w 2458326"/>
+              <a:gd name="connsiteY4" fmla="*/ 0 h 1084226"/>
+              <a:gd name="connsiteX5" fmla="*/ 0 w 2458326"/>
+              <a:gd name="connsiteY5" fmla="*/ 688 h 1084226"/>
+              <a:gd name="connsiteX0" fmla="*/ 0 w 2458326"/>
+              <a:gd name="connsiteY0" fmla="*/ 688 h 1084226"/>
+              <a:gd name="connsiteX1" fmla="*/ 0 w 2458326"/>
+              <a:gd name="connsiteY1" fmla="*/ 1084226 h 1084226"/>
+              <a:gd name="connsiteX2" fmla="*/ 2448272 w 2458326"/>
+              <a:gd name="connsiteY2" fmla="*/ 1084226 h 1084226"/>
+              <a:gd name="connsiteX3" fmla="*/ 1987315 w 2458326"/>
+              <a:gd name="connsiteY3" fmla="*/ 550559 h 1084226"/>
+              <a:gd name="connsiteX4" fmla="*/ 2458326 w 2458326"/>
+              <a:gd name="connsiteY4" fmla="*/ 0 h 1084226"/>
+              <a:gd name="connsiteX5" fmla="*/ 0 w 2458326"/>
+              <a:gd name="connsiteY5" fmla="*/ 688 h 1084226"/>
+              <a:gd name="connsiteX0" fmla="*/ 0 w 2458326"/>
+              <a:gd name="connsiteY0" fmla="*/ 688 h 1084226"/>
+              <a:gd name="connsiteX1" fmla="*/ 0 w 2458326"/>
+              <a:gd name="connsiteY1" fmla="*/ 1084226 h 1084226"/>
+              <a:gd name="connsiteX2" fmla="*/ 2448272 w 2458326"/>
+              <a:gd name="connsiteY2" fmla="*/ 1084226 h 1084226"/>
+              <a:gd name="connsiteX3" fmla="*/ 1969786 w 2458326"/>
+              <a:gd name="connsiteY3" fmla="*/ 524741 h 1084226"/>
+              <a:gd name="connsiteX4" fmla="*/ 2458326 w 2458326"/>
+              <a:gd name="connsiteY4" fmla="*/ 0 h 1084226"/>
+              <a:gd name="connsiteX5" fmla="*/ 0 w 2458326"/>
+              <a:gd name="connsiteY5" fmla="*/ 688 h 1084226"/>
+              <a:gd name="connsiteX0" fmla="*/ 0 w 2458326"/>
+              <a:gd name="connsiteY0" fmla="*/ 688 h 1084226"/>
+              <a:gd name="connsiteX1" fmla="*/ 0 w 2458326"/>
+              <a:gd name="connsiteY1" fmla="*/ 1084226 h 1084226"/>
+              <a:gd name="connsiteX2" fmla="*/ 2448272 w 2458326"/>
+              <a:gd name="connsiteY2" fmla="*/ 1084226 h 1084226"/>
+              <a:gd name="connsiteX3" fmla="*/ 1969786 w 2458326"/>
+              <a:gd name="connsiteY3" fmla="*/ 560887 h 1084226"/>
+              <a:gd name="connsiteX4" fmla="*/ 2458326 w 2458326"/>
+              <a:gd name="connsiteY4" fmla="*/ 0 h 1084226"/>
+              <a:gd name="connsiteX5" fmla="*/ 0 w 2458326"/>
+              <a:gd name="connsiteY5" fmla="*/ 688 h 1084226"/>
+              <a:gd name="connsiteX0" fmla="*/ 0 w 2458326"/>
+              <a:gd name="connsiteY0" fmla="*/ 688 h 1084226"/>
+              <a:gd name="connsiteX1" fmla="*/ 0 w 2458326"/>
+              <a:gd name="connsiteY1" fmla="*/ 1084226 h 1084226"/>
+              <a:gd name="connsiteX2" fmla="*/ 2448272 w 2458326"/>
+              <a:gd name="connsiteY2" fmla="*/ 1084226 h 1084226"/>
+              <a:gd name="connsiteX3" fmla="*/ 1965404 w 2458326"/>
+              <a:gd name="connsiteY3" fmla="*/ 524741 h 1084226"/>
+              <a:gd name="connsiteX4" fmla="*/ 2458326 w 2458326"/>
+              <a:gd name="connsiteY4" fmla="*/ 0 h 1084226"/>
+              <a:gd name="connsiteX5" fmla="*/ 0 w 2458326"/>
+              <a:gd name="connsiteY5" fmla="*/ 688 h 1084226"/>
+              <a:gd name="connsiteX0" fmla="*/ 0 w 2458326"/>
+              <a:gd name="connsiteY0" fmla="*/ 688 h 1084226"/>
+              <a:gd name="connsiteX1" fmla="*/ 0 w 2458326"/>
+              <a:gd name="connsiteY1" fmla="*/ 1084226 h 1084226"/>
+              <a:gd name="connsiteX2" fmla="*/ 2448272 w 2458326"/>
+              <a:gd name="connsiteY2" fmla="*/ 1084226 h 1084226"/>
+              <a:gd name="connsiteX3" fmla="*/ 1969786 w 2458326"/>
+              <a:gd name="connsiteY3" fmla="*/ 550560 h 1084226"/>
+              <a:gd name="connsiteX4" fmla="*/ 2458326 w 2458326"/>
+              <a:gd name="connsiteY4" fmla="*/ 0 h 1084226"/>
+              <a:gd name="connsiteX5" fmla="*/ 0 w 2458326"/>
+              <a:gd name="connsiteY5" fmla="*/ 688 h 1084226"/>
+              <a:gd name="connsiteX0" fmla="*/ 0 w 2458326"/>
+              <a:gd name="connsiteY0" fmla="*/ 688 h 1084226"/>
+              <a:gd name="connsiteX1" fmla="*/ 0 w 2458326"/>
+              <a:gd name="connsiteY1" fmla="*/ 1084226 h 1084226"/>
+              <a:gd name="connsiteX2" fmla="*/ 2448272 w 2458326"/>
+              <a:gd name="connsiteY2" fmla="*/ 1084226 h 1084226"/>
+              <a:gd name="connsiteX3" fmla="*/ 1972462 w 2458326"/>
+              <a:gd name="connsiteY3" fmla="*/ 534793 h 1084226"/>
+              <a:gd name="connsiteX4" fmla="*/ 2458326 w 2458326"/>
+              <a:gd name="connsiteY4" fmla="*/ 0 h 1084226"/>
+              <a:gd name="connsiteX5" fmla="*/ 0 w 2458326"/>
+              <a:gd name="connsiteY5" fmla="*/ 688 h 1084226"/>
+              <a:gd name="connsiteX0" fmla="*/ 0 w 2458326"/>
+              <a:gd name="connsiteY0" fmla="*/ 688 h 1084226"/>
+              <a:gd name="connsiteX1" fmla="*/ 0 w 2458326"/>
+              <a:gd name="connsiteY1" fmla="*/ 1084226 h 1084226"/>
+              <a:gd name="connsiteX2" fmla="*/ 2448272 w 2458326"/>
+              <a:gd name="connsiteY2" fmla="*/ 1084226 h 1084226"/>
+              <a:gd name="connsiteX3" fmla="*/ 1972462 w 2458326"/>
+              <a:gd name="connsiteY3" fmla="*/ 550561 h 1084226"/>
+              <a:gd name="connsiteX4" fmla="*/ 2458326 w 2458326"/>
+              <a:gd name="connsiteY4" fmla="*/ 0 h 1084226"/>
+              <a:gd name="connsiteX5" fmla="*/ 0 w 2458326"/>
+              <a:gd name="connsiteY5" fmla="*/ 688 h 1084226"/>
+              <a:gd name="connsiteX0" fmla="*/ 0 w 2458326"/>
+              <a:gd name="connsiteY0" fmla="*/ 688 h 1084226"/>
+              <a:gd name="connsiteX1" fmla="*/ 0 w 2458326"/>
+              <a:gd name="connsiteY1" fmla="*/ 1084226 h 1084226"/>
+              <a:gd name="connsiteX2" fmla="*/ 2448272 w 2458326"/>
+              <a:gd name="connsiteY2" fmla="*/ 1084226 h 1084226"/>
+              <a:gd name="connsiteX3" fmla="*/ 1972462 w 2458326"/>
+              <a:gd name="connsiteY3" fmla="*/ 534793 h 1084226"/>
+              <a:gd name="connsiteX4" fmla="*/ 2458326 w 2458326"/>
+              <a:gd name="connsiteY4" fmla="*/ 0 h 1084226"/>
+              <a:gd name="connsiteX5" fmla="*/ 0 w 2458326"/>
+              <a:gd name="connsiteY5" fmla="*/ 688 h 1084226"/>
+              <a:gd name="connsiteX0" fmla="*/ 0 w 2458326"/>
+              <a:gd name="connsiteY0" fmla="*/ 688 h 1084226"/>
+              <a:gd name="connsiteX1" fmla="*/ 0 w 2458326"/>
+              <a:gd name="connsiteY1" fmla="*/ 1084226 h 1084226"/>
+              <a:gd name="connsiteX2" fmla="*/ 2448272 w 2458326"/>
+              <a:gd name="connsiteY2" fmla="*/ 1084226 h 1084226"/>
+              <a:gd name="connsiteX3" fmla="*/ 1969786 w 2458326"/>
+              <a:gd name="connsiteY3" fmla="*/ 550562 h 1084226"/>
+              <a:gd name="connsiteX4" fmla="*/ 2458326 w 2458326"/>
+              <a:gd name="connsiteY4" fmla="*/ 0 h 1084226"/>
+              <a:gd name="connsiteX5" fmla="*/ 0 w 2458326"/>
+              <a:gd name="connsiteY5" fmla="*/ 688 h 1084226"/>
+              <a:gd name="connsiteX0" fmla="*/ 0 w 2458326"/>
+              <a:gd name="connsiteY0" fmla="*/ 688 h 1084226"/>
+              <a:gd name="connsiteX1" fmla="*/ 0 w 2458326"/>
+              <a:gd name="connsiteY1" fmla="*/ 1084226 h 1084226"/>
+              <a:gd name="connsiteX2" fmla="*/ 2448272 w 2458326"/>
+              <a:gd name="connsiteY2" fmla="*/ 1084226 h 1084226"/>
+              <a:gd name="connsiteX3" fmla="*/ 1967109 w 2458326"/>
+              <a:gd name="connsiteY3" fmla="*/ 534794 h 1084226"/>
+              <a:gd name="connsiteX4" fmla="*/ 2458326 w 2458326"/>
+              <a:gd name="connsiteY4" fmla="*/ 0 h 1084226"/>
+              <a:gd name="connsiteX5" fmla="*/ 0 w 2458326"/>
+              <a:gd name="connsiteY5" fmla="*/ 688 h 1084226"/>
+              <a:gd name="connsiteX0" fmla="*/ 0 w 2458326"/>
+              <a:gd name="connsiteY0" fmla="*/ 688 h 1084226"/>
+              <a:gd name="connsiteX1" fmla="*/ 0 w 2458326"/>
+              <a:gd name="connsiteY1" fmla="*/ 1084226 h 1084226"/>
+              <a:gd name="connsiteX2" fmla="*/ 2448272 w 2458326"/>
+              <a:gd name="connsiteY2" fmla="*/ 1084226 h 1084226"/>
+              <a:gd name="connsiteX3" fmla="*/ 1986041 w 2458326"/>
+              <a:gd name="connsiteY3" fmla="*/ 543482 h 1084226"/>
+              <a:gd name="connsiteX4" fmla="*/ 2458326 w 2458326"/>
+              <a:gd name="connsiteY4" fmla="*/ 0 h 1084226"/>
+              <a:gd name="connsiteX5" fmla="*/ 0 w 2458326"/>
+              <a:gd name="connsiteY5" fmla="*/ 688 h 1084226"/>
+              <a:gd name="connsiteX0" fmla="*/ 0 w 2458326"/>
+              <a:gd name="connsiteY0" fmla="*/ 688 h 1084226"/>
+              <a:gd name="connsiteX1" fmla="*/ 0 w 2458326"/>
+              <a:gd name="connsiteY1" fmla="*/ 1084226 h 1084226"/>
+              <a:gd name="connsiteX2" fmla="*/ 2448272 w 2458326"/>
+              <a:gd name="connsiteY2" fmla="*/ 1084226 h 1084226"/>
+              <a:gd name="connsiteX3" fmla="*/ 882354 w 2458326"/>
+              <a:gd name="connsiteY3" fmla="*/ 542637 h 1084226"/>
+              <a:gd name="connsiteX4" fmla="*/ 2458326 w 2458326"/>
+              <a:gd name="connsiteY4" fmla="*/ 0 h 1084226"/>
+              <a:gd name="connsiteX5" fmla="*/ 0 w 2458326"/>
+              <a:gd name="connsiteY5" fmla="*/ 688 h 1084226"/>
+              <a:gd name="connsiteX0" fmla="*/ 0 w 2458326"/>
+              <a:gd name="connsiteY0" fmla="*/ 688 h 1084226"/>
+              <a:gd name="connsiteX1" fmla="*/ 0 w 2458326"/>
+              <a:gd name="connsiteY1" fmla="*/ 1084226 h 1084226"/>
+              <a:gd name="connsiteX2" fmla="*/ 2448272 w 2458326"/>
+              <a:gd name="connsiteY2" fmla="*/ 1084226 h 1084226"/>
+              <a:gd name="connsiteX3" fmla="*/ 1077058 w 2458326"/>
+              <a:gd name="connsiteY3" fmla="*/ 542637 h 1084226"/>
+              <a:gd name="connsiteX4" fmla="*/ 2458326 w 2458326"/>
+              <a:gd name="connsiteY4" fmla="*/ 0 h 1084226"/>
+              <a:gd name="connsiteX5" fmla="*/ 0 w 2458326"/>
+              <a:gd name="connsiteY5" fmla="*/ 688 h 1084226"/>
+            </a:gdLst>
+            <a:ahLst/>
+            <a:cxnLst>
+              <a:cxn ang="0">
+                <a:pos x="connsiteX0" y="connsiteY0"/>
+              </a:cxn>
+              <a:cxn ang="0">
+                <a:pos x="connsiteX1" y="connsiteY1"/>
+              </a:cxn>
+              <a:cxn ang="0">
+                <a:pos x="connsiteX2" y="connsiteY2"/>
+              </a:cxn>
+              <a:cxn ang="0">
+                <a:pos x="connsiteX3" y="connsiteY3"/>
+              </a:cxn>
+              <a:cxn ang="0">
+                <a:pos x="connsiteX4" y="connsiteY4"/>
+              </a:cxn>
+              <a:cxn ang="0">
+                <a:pos x="connsiteX5" y="connsiteY5"/>
+              </a:cxn>
+            </a:cxnLst>
+            <a:rect l="l" t="t" r="r" b="b"/>
+            <a:pathLst>
+              <a:path w="2458326" h="1084226">
+                <a:moveTo>
+                  <a:pt x="0" y="688"/>
+                </a:moveTo>
+                <a:lnTo>
+                  <a:pt x="0" y="1084226"/>
+                </a:lnTo>
+                <a:lnTo>
+                  <a:pt x="2448272" y="1084226"/>
+                </a:lnTo>
+                <a:lnTo>
+                  <a:pt x="1077058" y="542637"/>
+                </a:lnTo>
+                <a:lnTo>
+                  <a:pt x="2458326" y="0"/>
+                </a:lnTo>
+                <a:lnTo>
+                  <a:pt x="0" y="688"/>
+                </a:lnTo>
+                <a:close/>
+              </a:path>
+            </a:pathLst>
+          </a:custGeom>
+          <a:scene3d>
+            <a:camera prst="orthographicFront"/>
+            <a:lightRig rig="threePt" dir="t">
+              <a:rot lat="0" lon="0" rev="7500000"/>
+            </a:lightRig>
+          </a:scene3d>
+          <a:sp3d prstMaterial="plastic">
+            <a:bevelT w="127000" h="25400" prst="relaxedInset"/>
+          </a:sp3d>
+        </p:spPr>
+        <p:style>
+          <a:lnRef idx="0">
+            <a:schemeClr val="lt1">
+              <a:hueOff val="0"/>
+              <a:satOff val="0"/>
+              <a:lumOff val="0"/>
+              <a:alphaOff val="0"/>
+            </a:schemeClr>
+          </a:lnRef>
+          <a:fillRef idx="3">
+            <a:schemeClr val="accent1">
+              <a:shade val="80000"/>
+              <a:hueOff val="0"/>
+              <a:satOff val="0"/>
+              <a:lumOff val="0"/>
+              <a:alphaOff val="0"/>
+            </a:schemeClr>
+          </a:fillRef>
+          <a:effectRef idx="2">
+            <a:schemeClr val="accent1">
+              <a:shade val="80000"/>
+              <a:hueOff val="0"/>
+              <a:satOff val="0"/>
+              <a:lumOff val="0"/>
+              <a:alphaOff val="0"/>
+            </a:schemeClr>
+          </a:effectRef>
+          <a:fontRef idx="minor">
+            <a:schemeClr val="lt1"/>
+          </a:fontRef>
+        </p:style>
+        <p:txBody>
+          <a:bodyPr spcFirstLastPara="0" vert="horz" wrap="square" lIns="282702" tIns="141351" rIns="338190" bIns="141351" numCol="1" spcCol="1270" anchor="ctr" anchorCtr="0">
+            <a:noAutofit/>
+          </a:bodyPr>
+          <a:lstStyle/>
+          <a:p>
+            <a:pPr algn="ctr" defTabSz="2355850">
+              <a:lnSpc>
+                <a:spcPct val="90000"/>
+              </a:lnSpc>
+              <a:spcBef>
+                <a:spcPct val="0"/>
+              </a:spcBef>
+              <a:spcAft>
+                <a:spcPct val="35000"/>
+              </a:spcAft>
+            </a:pPr>
+            <a:endParaRPr lang="de-AT" sz="5300"/>
+          </a:p>
+        </p:txBody>
+      </p:sp>
+      <p:sp>
+        <p:nvSpPr>
+          <p:cNvPr id="38" name="Rechteck 37"/>
+          <p:cNvSpPr/>
+          <p:nvPr/>
+        </p:nvSpPr>
+        <p:spPr>
+          <a:xfrm>
+            <a:off x="3635896" y="980058"/>
+            <a:ext cx="1430200" cy="826380"/>
+          </a:xfrm>
+          <a:prstGeom prst="rect">
+            <a:avLst/>
+          </a:prstGeom>
+        </p:spPr>
+        <p:txBody>
+          <a:bodyPr wrap="none">
+            <a:spAutoFit/>
+          </a:bodyPr>
+          <a:lstStyle/>
+          <a:p>
+            <a:pPr lvl="0" algn="ctr" defTabSz="2355850">
+              <a:lnSpc>
+                <a:spcPct val="90000"/>
+              </a:lnSpc>
+              <a:spcBef>
+                <a:spcPct val="0"/>
+              </a:spcBef>
+              <a:spcAft>
+                <a:spcPct val="35000"/>
+              </a:spcAft>
+            </a:pPr>
+            <a:r>
+              <a:rPr lang="en-GB" sz="5300" dirty="0" smtClean="0">
+                <a:solidFill>
+                  <a:prstClr val="white"/>
+                </a:solidFill>
+              </a:rPr>
+              <a:t>SMP</a:t>
+            </a:r>
+            <a:endParaRPr lang="en-GB" sz="5300" dirty="0">
+              <a:solidFill>
+                <a:prstClr val="white"/>
+              </a:solidFill>
+            </a:endParaRPr>
+          </a:p>
+        </p:txBody>
+      </p:sp>
+      <p:grpSp>
+        <p:nvGrpSpPr>
+          <p:cNvPr id="22" name="Gruppieren 21"/>
+          <p:cNvGrpSpPr/>
+          <p:nvPr/>
+        </p:nvGrpSpPr>
+        <p:grpSpPr>
+          <a:xfrm>
+            <a:off x="711812" y="840242"/>
+            <a:ext cx="2818366" cy="1054949"/>
+            <a:chOff x="697690" y="840243"/>
+            <a:chExt cx="2818366" cy="1054949"/>
+          </a:xfrm>
+        </p:grpSpPr>
+        <p:sp>
+          <p:nvSpPr>
+            <p:cNvPr id="21" name="Freihandform 20"/>
+            <p:cNvSpPr/>
+            <p:nvPr/>
+          </p:nvSpPr>
+          <p:spPr>
+            <a:xfrm>
+              <a:off x="697690" y="840243"/>
+              <a:ext cx="2818366" cy="1054949"/>
+            </a:xfrm>
+            <a:custGeom>
+              <a:avLst/>
+              <a:gdLst>
+                <a:gd name="connsiteX0" fmla="*/ 0 w 2436638"/>
+                <a:gd name="connsiteY0" fmla="*/ 0 h 1088823"/>
+                <a:gd name="connsiteX1" fmla="*/ 0 w 2436638"/>
+                <a:gd name="connsiteY1" fmla="*/ 1083538 h 1088823"/>
+                <a:gd name="connsiteX2" fmla="*/ 2436638 w 2436638"/>
+                <a:gd name="connsiteY2" fmla="*/ 1088823 h 1088823"/>
+                <a:gd name="connsiteX3" fmla="*/ 1908083 w 2436638"/>
+                <a:gd name="connsiteY3" fmla="*/ 533841 h 1088823"/>
+                <a:gd name="connsiteX4" fmla="*/ 2436638 w 2436638"/>
+                <a:gd name="connsiteY4" fmla="*/ 5286 h 1088823"/>
+                <a:gd name="connsiteX5" fmla="*/ 0 w 2436638"/>
+                <a:gd name="connsiteY5" fmla="*/ 0 h 1088823"/>
+                <a:gd name="connsiteX0" fmla="*/ 0 w 2448272"/>
+                <a:gd name="connsiteY0" fmla="*/ 0 h 1083538"/>
+                <a:gd name="connsiteX1" fmla="*/ 0 w 2448272"/>
+                <a:gd name="connsiteY1" fmla="*/ 1083538 h 1083538"/>
+                <a:gd name="connsiteX2" fmla="*/ 2448272 w 2448272"/>
+                <a:gd name="connsiteY2" fmla="*/ 1080120 h 1083538"/>
+                <a:gd name="connsiteX3" fmla="*/ 1908083 w 2448272"/>
+                <a:gd name="connsiteY3" fmla="*/ 533841 h 1083538"/>
+                <a:gd name="connsiteX4" fmla="*/ 2436638 w 2448272"/>
+                <a:gd name="connsiteY4" fmla="*/ 5286 h 1083538"/>
+                <a:gd name="connsiteX5" fmla="*/ 0 w 2448272"/>
+                <a:gd name="connsiteY5" fmla="*/ 0 h 1083538"/>
+                <a:gd name="connsiteX0" fmla="*/ 0 w 2592288"/>
+                <a:gd name="connsiteY0" fmla="*/ 0 h 1083538"/>
+                <a:gd name="connsiteX1" fmla="*/ 0 w 2592288"/>
+                <a:gd name="connsiteY1" fmla="*/ 1083538 h 1083538"/>
+                <a:gd name="connsiteX2" fmla="*/ 2592288 w 2592288"/>
+                <a:gd name="connsiteY2" fmla="*/ 1080120 h 1083538"/>
+                <a:gd name="connsiteX3" fmla="*/ 1908083 w 2592288"/>
+                <a:gd name="connsiteY3" fmla="*/ 533841 h 1083538"/>
+                <a:gd name="connsiteX4" fmla="*/ 2436638 w 2592288"/>
+                <a:gd name="connsiteY4" fmla="*/ 5286 h 1083538"/>
+                <a:gd name="connsiteX5" fmla="*/ 0 w 2592288"/>
+                <a:gd name="connsiteY5" fmla="*/ 0 h 1083538"/>
+                <a:gd name="connsiteX0" fmla="*/ 0 w 2436638"/>
+                <a:gd name="connsiteY0" fmla="*/ 0 h 1083538"/>
+                <a:gd name="connsiteX1" fmla="*/ 0 w 2436638"/>
+                <a:gd name="connsiteY1" fmla="*/ 1083538 h 1083538"/>
+                <a:gd name="connsiteX2" fmla="*/ 2376264 w 2436638"/>
+                <a:gd name="connsiteY2" fmla="*/ 1080120 h 1083538"/>
+                <a:gd name="connsiteX3" fmla="*/ 1908083 w 2436638"/>
+                <a:gd name="connsiteY3" fmla="*/ 533841 h 1083538"/>
+                <a:gd name="connsiteX4" fmla="*/ 2436638 w 2436638"/>
+                <a:gd name="connsiteY4" fmla="*/ 5286 h 1083538"/>
+                <a:gd name="connsiteX5" fmla="*/ 0 w 2436638"/>
+                <a:gd name="connsiteY5" fmla="*/ 0 h 1083538"/>
+                <a:gd name="connsiteX0" fmla="*/ 0 w 2448272"/>
+                <a:gd name="connsiteY0" fmla="*/ 0 h 1083538"/>
+                <a:gd name="connsiteX1" fmla="*/ 0 w 2448272"/>
+                <a:gd name="connsiteY1" fmla="*/ 1083538 h 1083538"/>
+                <a:gd name="connsiteX2" fmla="*/ 2448272 w 2448272"/>
+                <a:gd name="connsiteY2" fmla="*/ 1083538 h 1083538"/>
+                <a:gd name="connsiteX3" fmla="*/ 1908083 w 2448272"/>
+                <a:gd name="connsiteY3" fmla="*/ 533841 h 1083538"/>
+                <a:gd name="connsiteX4" fmla="*/ 2436638 w 2448272"/>
+                <a:gd name="connsiteY4" fmla="*/ 5286 h 1083538"/>
+                <a:gd name="connsiteX5" fmla="*/ 0 w 2448272"/>
+                <a:gd name="connsiteY5" fmla="*/ 0 h 1083538"/>
+                <a:gd name="connsiteX0" fmla="*/ 0 w 2448272"/>
+                <a:gd name="connsiteY0" fmla="*/ 0 h 1083538"/>
+                <a:gd name="connsiteX1" fmla="*/ 0 w 2448272"/>
+                <a:gd name="connsiteY1" fmla="*/ 1083538 h 1083538"/>
+                <a:gd name="connsiteX2" fmla="*/ 2448272 w 2448272"/>
+                <a:gd name="connsiteY2" fmla="*/ 1083538 h 1083538"/>
+                <a:gd name="connsiteX3" fmla="*/ 1908083 w 2448272"/>
+                <a:gd name="connsiteY3" fmla="*/ 533841 h 1083538"/>
+                <a:gd name="connsiteX4" fmla="*/ 2448272 w 2448272"/>
+                <a:gd name="connsiteY4" fmla="*/ 0 h 1083538"/>
+                <a:gd name="connsiteX5" fmla="*/ 0 w 2448272"/>
+                <a:gd name="connsiteY5" fmla="*/ 0 h 1083538"/>
+                <a:gd name="connsiteX0" fmla="*/ 0 w 2448272"/>
+                <a:gd name="connsiteY0" fmla="*/ 0 h 1083538"/>
+                <a:gd name="connsiteX1" fmla="*/ 0 w 2448272"/>
+                <a:gd name="connsiteY1" fmla="*/ 1083538 h 1083538"/>
+                <a:gd name="connsiteX2" fmla="*/ 2448272 w 2448272"/>
+                <a:gd name="connsiteY2" fmla="*/ 1083538 h 1083538"/>
+                <a:gd name="connsiteX3" fmla="*/ 1944216 w 2448272"/>
+                <a:gd name="connsiteY3" fmla="*/ 577887 h 1083538"/>
+                <a:gd name="connsiteX4" fmla="*/ 2448272 w 2448272"/>
+                <a:gd name="connsiteY4" fmla="*/ 0 h 1083538"/>
+                <a:gd name="connsiteX5" fmla="*/ 0 w 2448272"/>
+                <a:gd name="connsiteY5" fmla="*/ 0 h 1083538"/>
+                <a:gd name="connsiteX0" fmla="*/ 0 w 2448272"/>
+                <a:gd name="connsiteY0" fmla="*/ 0 h 1083538"/>
+                <a:gd name="connsiteX1" fmla="*/ 0 w 2448272"/>
+                <a:gd name="connsiteY1" fmla="*/ 1083538 h 1083538"/>
+                <a:gd name="connsiteX2" fmla="*/ 2448272 w 2448272"/>
+                <a:gd name="connsiteY2" fmla="*/ 1083538 h 1083538"/>
+                <a:gd name="connsiteX3" fmla="*/ 1944216 w 2448272"/>
+                <a:gd name="connsiteY3" fmla="*/ 577887 h 1083538"/>
+                <a:gd name="connsiteX4" fmla="*/ 2448272 w 2448272"/>
+                <a:gd name="connsiteY4" fmla="*/ 0 h 1083538"/>
+                <a:gd name="connsiteX5" fmla="*/ 0 w 2448272"/>
+                <a:gd name="connsiteY5" fmla="*/ 0 h 1083538"/>
+                <a:gd name="connsiteX0" fmla="*/ 0 w 2448272"/>
+                <a:gd name="connsiteY0" fmla="*/ 0 h 1083538"/>
+                <a:gd name="connsiteX1" fmla="*/ 0 w 2448272"/>
+                <a:gd name="connsiteY1" fmla="*/ 1083538 h 1083538"/>
+                <a:gd name="connsiteX2" fmla="*/ 2448272 w 2448272"/>
+                <a:gd name="connsiteY2" fmla="*/ 1083538 h 1083538"/>
+                <a:gd name="connsiteX3" fmla="*/ 1947580 w 2448272"/>
+                <a:gd name="connsiteY3" fmla="*/ 540280 h 1083538"/>
+                <a:gd name="connsiteX4" fmla="*/ 2448272 w 2448272"/>
+                <a:gd name="connsiteY4" fmla="*/ 0 h 1083538"/>
+                <a:gd name="connsiteX5" fmla="*/ 0 w 2448272"/>
+                <a:gd name="connsiteY5" fmla="*/ 0 h 1083538"/>
+                <a:gd name="connsiteX0" fmla="*/ 0 w 2448272"/>
+                <a:gd name="connsiteY0" fmla="*/ 0 h 1083538"/>
+                <a:gd name="connsiteX1" fmla="*/ 0 w 2448272"/>
+                <a:gd name="connsiteY1" fmla="*/ 1083538 h 1083538"/>
+                <a:gd name="connsiteX2" fmla="*/ 2448272 w 2448272"/>
+                <a:gd name="connsiteY2" fmla="*/ 1083538 h 1083538"/>
+                <a:gd name="connsiteX3" fmla="*/ 1917245 w 2448272"/>
+                <a:gd name="connsiteY3" fmla="*/ 540280 h 1083538"/>
+                <a:gd name="connsiteX4" fmla="*/ 2448272 w 2448272"/>
+                <a:gd name="connsiteY4" fmla="*/ 0 h 1083538"/>
+                <a:gd name="connsiteX5" fmla="*/ 0 w 2448272"/>
+                <a:gd name="connsiteY5" fmla="*/ 0 h 1083538"/>
+                <a:gd name="connsiteX0" fmla="*/ 0 w 2458326"/>
+                <a:gd name="connsiteY0" fmla="*/ 688 h 1084226"/>
+                <a:gd name="connsiteX1" fmla="*/ 0 w 2458326"/>
+                <a:gd name="connsiteY1" fmla="*/ 1084226 h 1084226"/>
+                <a:gd name="connsiteX2" fmla="*/ 2448272 w 2458326"/>
+                <a:gd name="connsiteY2" fmla="*/ 1084226 h 1084226"/>
+                <a:gd name="connsiteX3" fmla="*/ 1917245 w 2458326"/>
+                <a:gd name="connsiteY3" fmla="*/ 540968 h 1084226"/>
+                <a:gd name="connsiteX4" fmla="*/ 2458326 w 2458326"/>
+                <a:gd name="connsiteY4" fmla="*/ 0 h 1084226"/>
+                <a:gd name="connsiteX5" fmla="*/ 0 w 2458326"/>
+                <a:gd name="connsiteY5" fmla="*/ 688 h 1084226"/>
+                <a:gd name="connsiteX0" fmla="*/ 0 w 2458326"/>
+                <a:gd name="connsiteY0" fmla="*/ 688 h 1084226"/>
+                <a:gd name="connsiteX1" fmla="*/ 0 w 2458326"/>
+                <a:gd name="connsiteY1" fmla="*/ 1084226 h 1084226"/>
+                <a:gd name="connsiteX2" fmla="*/ 2448272 w 2458326"/>
+                <a:gd name="connsiteY2" fmla="*/ 1084226 h 1084226"/>
+                <a:gd name="connsiteX3" fmla="*/ 1924560 w 2458326"/>
+                <a:gd name="connsiteY3" fmla="*/ 540969 h 1084226"/>
+                <a:gd name="connsiteX4" fmla="*/ 2458326 w 2458326"/>
+                <a:gd name="connsiteY4" fmla="*/ 0 h 1084226"/>
+                <a:gd name="connsiteX5" fmla="*/ 0 w 2458326"/>
+                <a:gd name="connsiteY5" fmla="*/ 688 h 1084226"/>
+                <a:gd name="connsiteX0" fmla="*/ 0 w 2458326"/>
+                <a:gd name="connsiteY0" fmla="*/ 688 h 1084226"/>
+                <a:gd name="connsiteX1" fmla="*/ 0 w 2458326"/>
+                <a:gd name="connsiteY1" fmla="*/ 1084226 h 1084226"/>
+                <a:gd name="connsiteX2" fmla="*/ 2448272 w 2458326"/>
+                <a:gd name="connsiteY2" fmla="*/ 1084226 h 1084226"/>
+                <a:gd name="connsiteX3" fmla="*/ 1987315 w 2458326"/>
+                <a:gd name="connsiteY3" fmla="*/ 550559 h 1084226"/>
+                <a:gd name="connsiteX4" fmla="*/ 2458326 w 2458326"/>
+                <a:gd name="connsiteY4" fmla="*/ 0 h 1084226"/>
+                <a:gd name="connsiteX5" fmla="*/ 0 w 2458326"/>
+                <a:gd name="connsiteY5" fmla="*/ 688 h 1084226"/>
+                <a:gd name="connsiteX0" fmla="*/ 0 w 2458326"/>
+                <a:gd name="connsiteY0" fmla="*/ 688 h 1084226"/>
+                <a:gd name="connsiteX1" fmla="*/ 0 w 2458326"/>
+                <a:gd name="connsiteY1" fmla="*/ 1084226 h 1084226"/>
+                <a:gd name="connsiteX2" fmla="*/ 2448272 w 2458326"/>
+                <a:gd name="connsiteY2" fmla="*/ 1084226 h 1084226"/>
+                <a:gd name="connsiteX3" fmla="*/ 1969786 w 2458326"/>
+                <a:gd name="connsiteY3" fmla="*/ 524741 h 1084226"/>
+                <a:gd name="connsiteX4" fmla="*/ 2458326 w 2458326"/>
+                <a:gd name="connsiteY4" fmla="*/ 0 h 1084226"/>
+                <a:gd name="connsiteX5" fmla="*/ 0 w 2458326"/>
+                <a:gd name="connsiteY5" fmla="*/ 688 h 1084226"/>
+                <a:gd name="connsiteX0" fmla="*/ 0 w 2458326"/>
+                <a:gd name="connsiteY0" fmla="*/ 688 h 1084226"/>
+                <a:gd name="connsiteX1" fmla="*/ 0 w 2458326"/>
+                <a:gd name="connsiteY1" fmla="*/ 1084226 h 1084226"/>
+                <a:gd name="connsiteX2" fmla="*/ 2448272 w 2458326"/>
+                <a:gd name="connsiteY2" fmla="*/ 1084226 h 1084226"/>
+                <a:gd name="connsiteX3" fmla="*/ 1969786 w 2458326"/>
+                <a:gd name="connsiteY3" fmla="*/ 560887 h 1084226"/>
+                <a:gd name="connsiteX4" fmla="*/ 2458326 w 2458326"/>
+                <a:gd name="connsiteY4" fmla="*/ 0 h 1084226"/>
+                <a:gd name="connsiteX5" fmla="*/ 0 w 2458326"/>
+                <a:gd name="connsiteY5" fmla="*/ 688 h 1084226"/>
+                <a:gd name="connsiteX0" fmla="*/ 0 w 2458326"/>
+                <a:gd name="connsiteY0" fmla="*/ 688 h 1084226"/>
+                <a:gd name="connsiteX1" fmla="*/ 0 w 2458326"/>
+                <a:gd name="connsiteY1" fmla="*/ 1084226 h 1084226"/>
+                <a:gd name="connsiteX2" fmla="*/ 2448272 w 2458326"/>
+                <a:gd name="connsiteY2" fmla="*/ 1084226 h 1084226"/>
+                <a:gd name="connsiteX3" fmla="*/ 1965404 w 2458326"/>
+                <a:gd name="connsiteY3" fmla="*/ 524741 h 1084226"/>
+                <a:gd name="connsiteX4" fmla="*/ 2458326 w 2458326"/>
+                <a:gd name="connsiteY4" fmla="*/ 0 h 1084226"/>
+                <a:gd name="connsiteX5" fmla="*/ 0 w 2458326"/>
+                <a:gd name="connsiteY5" fmla="*/ 688 h 1084226"/>
+                <a:gd name="connsiteX0" fmla="*/ 0 w 2458326"/>
+                <a:gd name="connsiteY0" fmla="*/ 688 h 1084226"/>
+                <a:gd name="connsiteX1" fmla="*/ 0 w 2458326"/>
+                <a:gd name="connsiteY1" fmla="*/ 1084226 h 1084226"/>
+                <a:gd name="connsiteX2" fmla="*/ 2448272 w 2458326"/>
+                <a:gd name="connsiteY2" fmla="*/ 1084226 h 1084226"/>
+                <a:gd name="connsiteX3" fmla="*/ 1969786 w 2458326"/>
+                <a:gd name="connsiteY3" fmla="*/ 550560 h 1084226"/>
+                <a:gd name="connsiteX4" fmla="*/ 2458326 w 2458326"/>
+                <a:gd name="connsiteY4" fmla="*/ 0 h 1084226"/>
+                <a:gd name="connsiteX5" fmla="*/ 0 w 2458326"/>
+                <a:gd name="connsiteY5" fmla="*/ 688 h 1084226"/>
+                <a:gd name="connsiteX0" fmla="*/ 0 w 2458326"/>
+                <a:gd name="connsiteY0" fmla="*/ 688 h 1084226"/>
+                <a:gd name="connsiteX1" fmla="*/ 0 w 2458326"/>
+                <a:gd name="connsiteY1" fmla="*/ 1084226 h 1084226"/>
+                <a:gd name="connsiteX2" fmla="*/ 2448272 w 2458326"/>
+                <a:gd name="connsiteY2" fmla="*/ 1084226 h 1084226"/>
+                <a:gd name="connsiteX3" fmla="*/ 1972462 w 2458326"/>
+                <a:gd name="connsiteY3" fmla="*/ 534793 h 1084226"/>
+                <a:gd name="connsiteX4" fmla="*/ 2458326 w 2458326"/>
+                <a:gd name="connsiteY4" fmla="*/ 0 h 1084226"/>
+                <a:gd name="connsiteX5" fmla="*/ 0 w 2458326"/>
+                <a:gd name="connsiteY5" fmla="*/ 688 h 1084226"/>
+                <a:gd name="connsiteX0" fmla="*/ 0 w 2458326"/>
+                <a:gd name="connsiteY0" fmla="*/ 688 h 1084226"/>
+                <a:gd name="connsiteX1" fmla="*/ 0 w 2458326"/>
+                <a:gd name="connsiteY1" fmla="*/ 1084226 h 1084226"/>
+                <a:gd name="connsiteX2" fmla="*/ 2448272 w 2458326"/>
+                <a:gd name="connsiteY2" fmla="*/ 1084226 h 1084226"/>
+                <a:gd name="connsiteX3" fmla="*/ 1972462 w 2458326"/>
+                <a:gd name="connsiteY3" fmla="*/ 550561 h 1084226"/>
+                <a:gd name="connsiteX4" fmla="*/ 2458326 w 2458326"/>
+                <a:gd name="connsiteY4" fmla="*/ 0 h 1084226"/>
+                <a:gd name="connsiteX5" fmla="*/ 0 w 2458326"/>
+                <a:gd name="connsiteY5" fmla="*/ 688 h 1084226"/>
+                <a:gd name="connsiteX0" fmla="*/ 0 w 2458326"/>
+                <a:gd name="connsiteY0" fmla="*/ 688 h 1084226"/>
+                <a:gd name="connsiteX1" fmla="*/ 0 w 2458326"/>
+                <a:gd name="connsiteY1" fmla="*/ 1084226 h 1084226"/>
+                <a:gd name="connsiteX2" fmla="*/ 2448272 w 2458326"/>
+                <a:gd name="connsiteY2" fmla="*/ 1084226 h 1084226"/>
+                <a:gd name="connsiteX3" fmla="*/ 1972462 w 2458326"/>
+                <a:gd name="connsiteY3" fmla="*/ 534793 h 1084226"/>
+                <a:gd name="connsiteX4" fmla="*/ 2458326 w 2458326"/>
+                <a:gd name="connsiteY4" fmla="*/ 0 h 1084226"/>
+                <a:gd name="connsiteX5" fmla="*/ 0 w 2458326"/>
+                <a:gd name="connsiteY5" fmla="*/ 688 h 1084226"/>
+                <a:gd name="connsiteX0" fmla="*/ 0 w 2458326"/>
+                <a:gd name="connsiteY0" fmla="*/ 688 h 1084226"/>
+                <a:gd name="connsiteX1" fmla="*/ 0 w 2458326"/>
+                <a:gd name="connsiteY1" fmla="*/ 1084226 h 1084226"/>
+                <a:gd name="connsiteX2" fmla="*/ 2448272 w 2458326"/>
+                <a:gd name="connsiteY2" fmla="*/ 1084226 h 1084226"/>
+                <a:gd name="connsiteX3" fmla="*/ 1969786 w 2458326"/>
+                <a:gd name="connsiteY3" fmla="*/ 550562 h 1084226"/>
+                <a:gd name="connsiteX4" fmla="*/ 2458326 w 2458326"/>
+                <a:gd name="connsiteY4" fmla="*/ 0 h 1084226"/>
+                <a:gd name="connsiteX5" fmla="*/ 0 w 2458326"/>
+                <a:gd name="connsiteY5" fmla="*/ 688 h 1084226"/>
+                <a:gd name="connsiteX0" fmla="*/ 0 w 2458326"/>
+                <a:gd name="connsiteY0" fmla="*/ 688 h 1084226"/>
+                <a:gd name="connsiteX1" fmla="*/ 0 w 2458326"/>
+                <a:gd name="connsiteY1" fmla="*/ 1084226 h 1084226"/>
+                <a:gd name="connsiteX2" fmla="*/ 2448272 w 2458326"/>
+                <a:gd name="connsiteY2" fmla="*/ 1084226 h 1084226"/>
+                <a:gd name="connsiteX3" fmla="*/ 1967109 w 2458326"/>
+                <a:gd name="connsiteY3" fmla="*/ 534794 h 1084226"/>
+                <a:gd name="connsiteX4" fmla="*/ 2458326 w 2458326"/>
+                <a:gd name="connsiteY4" fmla="*/ 0 h 1084226"/>
+                <a:gd name="connsiteX5" fmla="*/ 0 w 2458326"/>
+                <a:gd name="connsiteY5" fmla="*/ 688 h 1084226"/>
+                <a:gd name="connsiteX0" fmla="*/ 0 w 2458326"/>
+                <a:gd name="connsiteY0" fmla="*/ 688 h 1084226"/>
+                <a:gd name="connsiteX1" fmla="*/ 0 w 2458326"/>
+                <a:gd name="connsiteY1" fmla="*/ 1084226 h 1084226"/>
+                <a:gd name="connsiteX2" fmla="*/ 2448272 w 2458326"/>
+                <a:gd name="connsiteY2" fmla="*/ 1084226 h 1084226"/>
+                <a:gd name="connsiteX3" fmla="*/ 1986041 w 2458326"/>
+                <a:gd name="connsiteY3" fmla="*/ 543482 h 1084226"/>
+                <a:gd name="connsiteX4" fmla="*/ 2458326 w 2458326"/>
+                <a:gd name="connsiteY4" fmla="*/ 0 h 1084226"/>
+                <a:gd name="connsiteX5" fmla="*/ 0 w 2458326"/>
+                <a:gd name="connsiteY5" fmla="*/ 688 h 1084226"/>
+              </a:gdLst>
+              <a:ahLst/>
+              <a:cxnLst>
+                <a:cxn ang="0">
+                  <a:pos x="connsiteX0" y="connsiteY0"/>
+                </a:cxn>
+                <a:cxn ang="0">
+                  <a:pos x="connsiteX1" y="connsiteY1"/>
+                </a:cxn>
+                <a:cxn ang="0">
+                  <a:pos x="connsiteX2" y="connsiteY2"/>
+                </a:cxn>
+                <a:cxn ang="0">
+                  <a:pos x="connsiteX3" y="connsiteY3"/>
+                </a:cxn>
+                <a:cxn ang="0">
+                  <a:pos x="connsiteX4" y="connsiteY4"/>
+                </a:cxn>
+                <a:cxn ang="0">
+                  <a:pos x="connsiteX5" y="connsiteY5"/>
+                </a:cxn>
+              </a:cxnLst>
+              <a:rect l="l" t="t" r="r" b="b"/>
+              <a:pathLst>
+                <a:path w="2458326" h="1084226">
+                  <a:moveTo>
+                    <a:pt x="0" y="688"/>
+                  </a:moveTo>
+                  <a:lnTo>
+                    <a:pt x="0" y="1084226"/>
+                  </a:lnTo>
+                  <a:lnTo>
+                    <a:pt x="2448272" y="1084226"/>
+                  </a:lnTo>
+                  <a:lnTo>
+                    <a:pt x="1986041" y="543482"/>
+                  </a:lnTo>
+                  <a:lnTo>
+                    <a:pt x="2458326" y="0"/>
+                  </a:lnTo>
+                  <a:lnTo>
+                    <a:pt x="0" y="688"/>
+                  </a:lnTo>
+                  <a:close/>
+                </a:path>
+              </a:pathLst>
+            </a:custGeom>
+            <a:scene3d>
+              <a:camera prst="orthographicFront"/>
+              <a:lightRig rig="threePt" dir="t">
+                <a:rot lat="0" lon="0" rev="7500000"/>
+              </a:lightRig>
+            </a:scene3d>
+            <a:sp3d prstMaterial="plastic">
+              <a:bevelT w="127000" h="25400" prst="relaxedInset"/>
+            </a:sp3d>
+          </p:spPr>
+          <p:style>
+            <a:lnRef idx="0">
+              <a:schemeClr val="lt1">
+                <a:hueOff val="0"/>
+                <a:satOff val="0"/>
+                <a:lumOff val="0"/>
+                <a:alphaOff val="0"/>
+              </a:schemeClr>
+            </a:lnRef>
+            <a:fillRef idx="3">
+              <a:schemeClr val="accent1">
+                <a:shade val="80000"/>
+                <a:hueOff val="0"/>
+                <a:satOff val="0"/>
+                <a:lumOff val="0"/>
+                <a:alphaOff val="0"/>
+              </a:schemeClr>
+            </a:fillRef>
+            <a:effectRef idx="2">
+              <a:schemeClr val="accent1">
+                <a:shade val="80000"/>
+                <a:hueOff val="0"/>
+                <a:satOff val="0"/>
+                <a:lumOff val="0"/>
+                <a:alphaOff val="0"/>
+              </a:schemeClr>
+            </a:effectRef>
+            <a:fontRef idx="minor">
+              <a:schemeClr val="lt1"/>
+            </a:fontRef>
+          </p:style>
+          <p:txBody>
+            <a:bodyPr spcFirstLastPara="0" vert="horz" wrap="square" lIns="282702" tIns="141351" rIns="338190" bIns="141351" numCol="1" spcCol="1270" anchor="ctr" anchorCtr="0">
+              <a:noAutofit/>
+            </a:bodyPr>
+            <a:lstStyle/>
+            <a:p>
+              <a:pPr algn="ctr" defTabSz="2355850">
+                <a:lnSpc>
+                  <a:spcPct val="90000"/>
+                </a:lnSpc>
+                <a:spcBef>
+                  <a:spcPct val="0"/>
+                </a:spcBef>
+                <a:spcAft>
+                  <a:spcPct val="35000"/>
+                </a:spcAft>
+              </a:pPr>
+              <a:endParaRPr lang="de-AT" sz="5300"/>
+            </a:p>
+          </p:txBody>
+        </p:sp>
+        <p:sp>
+          <p:nvSpPr>
+            <p:cNvPr id="40" name="Rechteck 39"/>
+            <p:cNvSpPr/>
+            <p:nvPr/>
+          </p:nvSpPr>
+          <p:spPr>
+            <a:xfrm>
+              <a:off x="899592" y="980058"/>
+              <a:ext cx="1975221" cy="826380"/>
+            </a:xfrm>
+            <a:prstGeom prst="rect">
+              <a:avLst/>
+            </a:prstGeom>
+          </p:spPr>
+          <p:txBody>
+            <a:bodyPr wrap="none">
+              <a:spAutoFit/>
+            </a:bodyPr>
+            <a:lstStyle/>
+            <a:p>
+              <a:pPr lvl="0" algn="ctr" defTabSz="2355850">
+                <a:lnSpc>
+                  <a:spcPct val="90000"/>
+                </a:lnSpc>
+                <a:spcBef>
+                  <a:spcPct val="0"/>
+                </a:spcBef>
+                <a:spcAft>
+                  <a:spcPct val="35000"/>
+                </a:spcAft>
+              </a:pPr>
+              <a:r>
+                <a:rPr lang="en-GB" sz="5300" dirty="0" smtClean="0">
+                  <a:solidFill>
+                    <a:prstClr val="white"/>
+                  </a:solidFill>
+                </a:rPr>
+                <a:t>phOSS</a:t>
+              </a:r>
+              <a:endParaRPr lang="en-GB" sz="5300" dirty="0">
+                <a:solidFill>
+                  <a:prstClr val="white"/>
+                </a:solidFill>
+              </a:endParaRPr>
+            </a:p>
+          </p:txBody>
+        </p:sp>
+      </p:grpSp>
+      <p:grpSp>
+        <p:nvGrpSpPr>
+          <p:cNvPr id="42" name="Gruppieren 41"/>
+          <p:cNvGrpSpPr/>
+          <p:nvPr/>
+        </p:nvGrpSpPr>
+        <p:grpSpPr>
+          <a:xfrm>
+            <a:off x="2987824" y="2204864"/>
+            <a:ext cx="2675137" cy="1057161"/>
+            <a:chOff x="2987824" y="2204864"/>
+            <a:chExt cx="2675137" cy="1057161"/>
+          </a:xfrm>
+        </p:grpSpPr>
+        <p:sp>
+          <p:nvSpPr>
+            <p:cNvPr id="25" name="Pfeil nach links und rechts 24"/>
+            <p:cNvSpPr/>
+            <p:nvPr/>
+          </p:nvSpPr>
+          <p:spPr>
+            <a:xfrm>
+              <a:off x="2987824" y="2204864"/>
+              <a:ext cx="2675137" cy="1057161"/>
+            </a:xfrm>
+            <a:prstGeom prst="leftRightArrow">
+              <a:avLst>
+                <a:gd name="adj1" fmla="val 100000"/>
+                <a:gd name="adj2" fmla="val 50000"/>
+              </a:avLst>
+            </a:prstGeom>
+            <a:scene3d>
+              <a:camera prst="orthographicFront"/>
+              <a:lightRig rig="threePt" dir="t">
+                <a:rot lat="0" lon="0" rev="7500000"/>
+              </a:lightRig>
+            </a:scene3d>
+            <a:sp3d prstMaterial="plastic">
+              <a:bevelT w="127000" h="25400" prst="relaxedInset"/>
+            </a:sp3d>
+          </p:spPr>
+          <p:style>
+            <a:lnRef idx="0">
+              <a:schemeClr val="lt1">
+                <a:hueOff val="0"/>
+                <a:satOff val="0"/>
+                <a:lumOff val="0"/>
+                <a:alphaOff val="0"/>
+              </a:schemeClr>
+            </a:lnRef>
+            <a:fillRef idx="3">
+              <a:schemeClr val="accent1">
+                <a:shade val="80000"/>
+                <a:hueOff val="306246"/>
+                <a:satOff val="-4392"/>
+                <a:lumOff val="25615"/>
+                <a:alphaOff val="0"/>
+              </a:schemeClr>
+            </a:fillRef>
+            <a:effectRef idx="2">
+              <a:schemeClr val="accent1">
+                <a:shade val="80000"/>
+                <a:hueOff val="306246"/>
+                <a:satOff val="-4392"/>
+                <a:lumOff val="25615"/>
+                <a:alphaOff val="0"/>
+              </a:schemeClr>
+            </a:effectRef>
+            <a:fontRef idx="minor">
+              <a:schemeClr val="lt1"/>
+            </a:fontRef>
+          </p:style>
+          <p:txBody>
+            <a:bodyPr spcFirstLastPara="0" vert="horz" wrap="square" lIns="747054" tIns="141351" rIns="605703" bIns="141351" numCol="1" spcCol="1270" anchor="ctr" anchorCtr="0">
+              <a:noAutofit/>
+            </a:bodyPr>
+            <a:lstStyle/>
+            <a:p>
+              <a:pPr algn="ctr" defTabSz="2355850">
+                <a:lnSpc>
+                  <a:spcPct val="90000"/>
+                </a:lnSpc>
+                <a:spcBef>
+                  <a:spcPct val="0"/>
+                </a:spcBef>
+                <a:spcAft>
+                  <a:spcPct val="35000"/>
+                </a:spcAft>
+              </a:pPr>
+              <a:endParaRPr lang="en-GB" sz="5300" dirty="0"/>
+            </a:p>
+          </p:txBody>
+        </p:sp>
+        <p:sp>
+          <p:nvSpPr>
+            <p:cNvPr id="26" name="Rechteck 25"/>
+            <p:cNvSpPr/>
+            <p:nvPr/>
+          </p:nvSpPr>
+          <p:spPr>
+            <a:xfrm>
+              <a:off x="3635896" y="2348210"/>
+              <a:ext cx="1430200" cy="826380"/>
+            </a:xfrm>
+            <a:prstGeom prst="rect">
+              <a:avLst/>
+            </a:prstGeom>
+          </p:spPr>
+          <p:txBody>
+            <a:bodyPr wrap="none">
+              <a:spAutoFit/>
+            </a:bodyPr>
+            <a:lstStyle/>
+            <a:p>
+              <a:pPr lvl="0" algn="ctr" defTabSz="2355850">
+                <a:lnSpc>
+                  <a:spcPct val="90000"/>
+                </a:lnSpc>
+                <a:spcBef>
+                  <a:spcPct val="0"/>
+                </a:spcBef>
+                <a:spcAft>
+                  <a:spcPct val="35000"/>
+                </a:spcAft>
+              </a:pPr>
+              <a:r>
+                <a:rPr lang="en-GB" sz="5300" dirty="0" smtClean="0">
+                  <a:solidFill>
+                    <a:prstClr val="white"/>
+                  </a:solidFill>
+                </a:rPr>
+                <a:t>SMP</a:t>
+              </a:r>
+              <a:endParaRPr lang="en-GB" sz="5300" dirty="0">
+                <a:solidFill>
+                  <a:prstClr val="white"/>
+                </a:solidFill>
+              </a:endParaRPr>
+            </a:p>
+          </p:txBody>
+        </p:sp>
+      </p:grpSp>
+      <p:grpSp>
+        <p:nvGrpSpPr>
+          <p:cNvPr id="27" name="Gruppieren 26"/>
+          <p:cNvGrpSpPr/>
+          <p:nvPr/>
+        </p:nvGrpSpPr>
+        <p:grpSpPr>
+          <a:xfrm>
+            <a:off x="711812" y="2208394"/>
+            <a:ext cx="2818366" cy="1054949"/>
+            <a:chOff x="697690" y="840243"/>
+            <a:chExt cx="2818366" cy="1054949"/>
+          </a:xfrm>
+        </p:grpSpPr>
+        <p:sp>
+          <p:nvSpPr>
+            <p:cNvPr id="28" name="Freihandform 27"/>
+            <p:cNvSpPr/>
+            <p:nvPr/>
+          </p:nvSpPr>
+          <p:spPr>
+            <a:xfrm>
+              <a:off x="697690" y="840243"/>
+              <a:ext cx="2818366" cy="1054949"/>
+            </a:xfrm>
+            <a:custGeom>
+              <a:avLst/>
+              <a:gdLst>
+                <a:gd name="connsiteX0" fmla="*/ 0 w 2436638"/>
+                <a:gd name="connsiteY0" fmla="*/ 0 h 1088823"/>
+                <a:gd name="connsiteX1" fmla="*/ 0 w 2436638"/>
+                <a:gd name="connsiteY1" fmla="*/ 1083538 h 1088823"/>
+                <a:gd name="connsiteX2" fmla="*/ 2436638 w 2436638"/>
+                <a:gd name="connsiteY2" fmla="*/ 1088823 h 1088823"/>
+                <a:gd name="connsiteX3" fmla="*/ 1908083 w 2436638"/>
+                <a:gd name="connsiteY3" fmla="*/ 533841 h 1088823"/>
+                <a:gd name="connsiteX4" fmla="*/ 2436638 w 2436638"/>
+                <a:gd name="connsiteY4" fmla="*/ 5286 h 1088823"/>
+                <a:gd name="connsiteX5" fmla="*/ 0 w 2436638"/>
+                <a:gd name="connsiteY5" fmla="*/ 0 h 1088823"/>
+                <a:gd name="connsiteX0" fmla="*/ 0 w 2448272"/>
+                <a:gd name="connsiteY0" fmla="*/ 0 h 1083538"/>
+                <a:gd name="connsiteX1" fmla="*/ 0 w 2448272"/>
+                <a:gd name="connsiteY1" fmla="*/ 1083538 h 1083538"/>
+                <a:gd name="connsiteX2" fmla="*/ 2448272 w 2448272"/>
+                <a:gd name="connsiteY2" fmla="*/ 1080120 h 1083538"/>
+                <a:gd name="connsiteX3" fmla="*/ 1908083 w 2448272"/>
+                <a:gd name="connsiteY3" fmla="*/ 533841 h 1083538"/>
+                <a:gd name="connsiteX4" fmla="*/ 2436638 w 2448272"/>
+                <a:gd name="connsiteY4" fmla="*/ 5286 h 1083538"/>
+                <a:gd name="connsiteX5" fmla="*/ 0 w 2448272"/>
+                <a:gd name="connsiteY5" fmla="*/ 0 h 1083538"/>
+                <a:gd name="connsiteX0" fmla="*/ 0 w 2592288"/>
+                <a:gd name="connsiteY0" fmla="*/ 0 h 1083538"/>
+                <a:gd name="connsiteX1" fmla="*/ 0 w 2592288"/>
+                <a:gd name="connsiteY1" fmla="*/ 1083538 h 1083538"/>
+                <a:gd name="connsiteX2" fmla="*/ 2592288 w 2592288"/>
+                <a:gd name="connsiteY2" fmla="*/ 1080120 h 1083538"/>
+                <a:gd name="connsiteX3" fmla="*/ 1908083 w 2592288"/>
+                <a:gd name="connsiteY3" fmla="*/ 533841 h 1083538"/>
+                <a:gd name="connsiteX4" fmla="*/ 2436638 w 2592288"/>
+                <a:gd name="connsiteY4" fmla="*/ 5286 h 1083538"/>
+                <a:gd name="connsiteX5" fmla="*/ 0 w 2592288"/>
+                <a:gd name="connsiteY5" fmla="*/ 0 h 1083538"/>
+                <a:gd name="connsiteX0" fmla="*/ 0 w 2436638"/>
+                <a:gd name="connsiteY0" fmla="*/ 0 h 1083538"/>
+                <a:gd name="connsiteX1" fmla="*/ 0 w 2436638"/>
+                <a:gd name="connsiteY1" fmla="*/ 1083538 h 1083538"/>
+                <a:gd name="connsiteX2" fmla="*/ 2376264 w 2436638"/>
+                <a:gd name="connsiteY2" fmla="*/ 1080120 h 1083538"/>
+                <a:gd name="connsiteX3" fmla="*/ 1908083 w 2436638"/>
+                <a:gd name="connsiteY3" fmla="*/ 533841 h 1083538"/>
+                <a:gd name="connsiteX4" fmla="*/ 2436638 w 2436638"/>
+                <a:gd name="connsiteY4" fmla="*/ 5286 h 1083538"/>
+                <a:gd name="connsiteX5" fmla="*/ 0 w 2436638"/>
+                <a:gd name="connsiteY5" fmla="*/ 0 h 1083538"/>
+                <a:gd name="connsiteX0" fmla="*/ 0 w 2448272"/>
+                <a:gd name="connsiteY0" fmla="*/ 0 h 1083538"/>
+                <a:gd name="connsiteX1" fmla="*/ 0 w 2448272"/>
+                <a:gd name="connsiteY1" fmla="*/ 1083538 h 1083538"/>
+                <a:gd name="connsiteX2" fmla="*/ 2448272 w 2448272"/>
+                <a:gd name="connsiteY2" fmla="*/ 1083538 h 1083538"/>
+                <a:gd name="connsiteX3" fmla="*/ 1908083 w 2448272"/>
+                <a:gd name="connsiteY3" fmla="*/ 533841 h 1083538"/>
+                <a:gd name="connsiteX4" fmla="*/ 2436638 w 2448272"/>
+                <a:gd name="connsiteY4" fmla="*/ 5286 h 1083538"/>
+                <a:gd name="connsiteX5" fmla="*/ 0 w 2448272"/>
+                <a:gd name="connsiteY5" fmla="*/ 0 h 1083538"/>
+                <a:gd name="connsiteX0" fmla="*/ 0 w 2448272"/>
+                <a:gd name="connsiteY0" fmla="*/ 0 h 1083538"/>
+                <a:gd name="connsiteX1" fmla="*/ 0 w 2448272"/>
+                <a:gd name="connsiteY1" fmla="*/ 1083538 h 1083538"/>
+                <a:gd name="connsiteX2" fmla="*/ 2448272 w 2448272"/>
+                <a:gd name="connsiteY2" fmla="*/ 1083538 h 1083538"/>
+                <a:gd name="connsiteX3" fmla="*/ 1908083 w 2448272"/>
+                <a:gd name="connsiteY3" fmla="*/ 533841 h 1083538"/>
+                <a:gd name="connsiteX4" fmla="*/ 2448272 w 2448272"/>
+                <a:gd name="connsiteY4" fmla="*/ 0 h 1083538"/>
+                <a:gd name="connsiteX5" fmla="*/ 0 w 2448272"/>
+                <a:gd name="connsiteY5" fmla="*/ 0 h 1083538"/>
+                <a:gd name="connsiteX0" fmla="*/ 0 w 2448272"/>
+                <a:gd name="connsiteY0" fmla="*/ 0 h 1083538"/>
+                <a:gd name="connsiteX1" fmla="*/ 0 w 2448272"/>
+                <a:gd name="connsiteY1" fmla="*/ 1083538 h 1083538"/>
+                <a:gd name="connsiteX2" fmla="*/ 2448272 w 2448272"/>
+                <a:gd name="connsiteY2" fmla="*/ 1083538 h 1083538"/>
+                <a:gd name="connsiteX3" fmla="*/ 1944216 w 2448272"/>
+                <a:gd name="connsiteY3" fmla="*/ 577887 h 1083538"/>
+                <a:gd name="connsiteX4" fmla="*/ 2448272 w 2448272"/>
+                <a:gd name="connsiteY4" fmla="*/ 0 h 1083538"/>
+                <a:gd name="connsiteX5" fmla="*/ 0 w 2448272"/>
+                <a:gd name="connsiteY5" fmla="*/ 0 h 1083538"/>
+                <a:gd name="connsiteX0" fmla="*/ 0 w 2448272"/>
+                <a:gd name="connsiteY0" fmla="*/ 0 h 1083538"/>
+                <a:gd name="connsiteX1" fmla="*/ 0 w 2448272"/>
+                <a:gd name="connsiteY1" fmla="*/ 1083538 h 1083538"/>
+                <a:gd name="connsiteX2" fmla="*/ 2448272 w 2448272"/>
+                <a:gd name="connsiteY2" fmla="*/ 1083538 h 1083538"/>
+                <a:gd name="connsiteX3" fmla="*/ 1944216 w 2448272"/>
+                <a:gd name="connsiteY3" fmla="*/ 577887 h 1083538"/>
+                <a:gd name="connsiteX4" fmla="*/ 2448272 w 2448272"/>
+                <a:gd name="connsiteY4" fmla="*/ 0 h 1083538"/>
+                <a:gd name="connsiteX5" fmla="*/ 0 w 2448272"/>
+                <a:gd name="connsiteY5" fmla="*/ 0 h 1083538"/>
+                <a:gd name="connsiteX0" fmla="*/ 0 w 2448272"/>
+                <a:gd name="connsiteY0" fmla="*/ 0 h 1083538"/>
+                <a:gd name="connsiteX1" fmla="*/ 0 w 2448272"/>
+                <a:gd name="connsiteY1" fmla="*/ 1083538 h 1083538"/>
+                <a:gd name="connsiteX2" fmla="*/ 2448272 w 2448272"/>
+                <a:gd name="connsiteY2" fmla="*/ 1083538 h 1083538"/>
+                <a:gd name="connsiteX3" fmla="*/ 1947580 w 2448272"/>
+                <a:gd name="connsiteY3" fmla="*/ 540280 h 1083538"/>
+                <a:gd name="connsiteX4" fmla="*/ 2448272 w 2448272"/>
+                <a:gd name="connsiteY4" fmla="*/ 0 h 1083538"/>
+                <a:gd name="connsiteX5" fmla="*/ 0 w 2448272"/>
+                <a:gd name="connsiteY5" fmla="*/ 0 h 1083538"/>
+                <a:gd name="connsiteX0" fmla="*/ 0 w 2448272"/>
+                <a:gd name="connsiteY0" fmla="*/ 0 h 1083538"/>
+                <a:gd name="connsiteX1" fmla="*/ 0 w 2448272"/>
+                <a:gd name="connsiteY1" fmla="*/ 1083538 h 1083538"/>
+                <a:gd name="connsiteX2" fmla="*/ 2448272 w 2448272"/>
+                <a:gd name="connsiteY2" fmla="*/ 1083538 h 1083538"/>
+                <a:gd name="connsiteX3" fmla="*/ 1917245 w 2448272"/>
+                <a:gd name="connsiteY3" fmla="*/ 540280 h 1083538"/>
+                <a:gd name="connsiteX4" fmla="*/ 2448272 w 2448272"/>
+                <a:gd name="connsiteY4" fmla="*/ 0 h 1083538"/>
+                <a:gd name="connsiteX5" fmla="*/ 0 w 2448272"/>
+                <a:gd name="connsiteY5" fmla="*/ 0 h 1083538"/>
+                <a:gd name="connsiteX0" fmla="*/ 0 w 2458326"/>
+                <a:gd name="connsiteY0" fmla="*/ 688 h 1084226"/>
+                <a:gd name="connsiteX1" fmla="*/ 0 w 2458326"/>
+                <a:gd name="connsiteY1" fmla="*/ 1084226 h 1084226"/>
+                <a:gd name="connsiteX2" fmla="*/ 2448272 w 2458326"/>
+                <a:gd name="connsiteY2" fmla="*/ 1084226 h 1084226"/>
+                <a:gd name="connsiteX3" fmla="*/ 1917245 w 2458326"/>
+                <a:gd name="connsiteY3" fmla="*/ 540968 h 1084226"/>
+                <a:gd name="connsiteX4" fmla="*/ 2458326 w 2458326"/>
+                <a:gd name="connsiteY4" fmla="*/ 0 h 1084226"/>
+                <a:gd name="connsiteX5" fmla="*/ 0 w 2458326"/>
+                <a:gd name="connsiteY5" fmla="*/ 688 h 1084226"/>
+                <a:gd name="connsiteX0" fmla="*/ 0 w 2458326"/>
+                <a:gd name="connsiteY0" fmla="*/ 688 h 1084226"/>
+                <a:gd name="connsiteX1" fmla="*/ 0 w 2458326"/>
+                <a:gd name="connsiteY1" fmla="*/ 1084226 h 1084226"/>
+                <a:gd name="connsiteX2" fmla="*/ 2448272 w 2458326"/>
+                <a:gd name="connsiteY2" fmla="*/ 1084226 h 1084226"/>
+                <a:gd name="connsiteX3" fmla="*/ 1924560 w 2458326"/>
+                <a:gd name="connsiteY3" fmla="*/ 540969 h 1084226"/>
+                <a:gd name="connsiteX4" fmla="*/ 2458326 w 2458326"/>
+                <a:gd name="connsiteY4" fmla="*/ 0 h 1084226"/>
+                <a:gd name="connsiteX5" fmla="*/ 0 w 2458326"/>
+                <a:gd name="connsiteY5" fmla="*/ 688 h 1084226"/>
+                <a:gd name="connsiteX0" fmla="*/ 0 w 2458326"/>
+                <a:gd name="connsiteY0" fmla="*/ 688 h 1084226"/>
+                <a:gd name="connsiteX1" fmla="*/ 0 w 2458326"/>
+                <a:gd name="connsiteY1" fmla="*/ 1084226 h 1084226"/>
+                <a:gd name="connsiteX2" fmla="*/ 2448272 w 2458326"/>
+                <a:gd name="connsiteY2" fmla="*/ 1084226 h 1084226"/>
+                <a:gd name="connsiteX3" fmla="*/ 1987315 w 2458326"/>
+                <a:gd name="connsiteY3" fmla="*/ 550559 h 1084226"/>
+                <a:gd name="connsiteX4" fmla="*/ 2458326 w 2458326"/>
+                <a:gd name="connsiteY4" fmla="*/ 0 h 1084226"/>
+                <a:gd name="connsiteX5" fmla="*/ 0 w 2458326"/>
+                <a:gd name="connsiteY5" fmla="*/ 688 h 1084226"/>
+                <a:gd name="connsiteX0" fmla="*/ 0 w 2458326"/>
+                <a:gd name="connsiteY0" fmla="*/ 688 h 1084226"/>
+                <a:gd name="connsiteX1" fmla="*/ 0 w 2458326"/>
+                <a:gd name="connsiteY1" fmla="*/ 1084226 h 1084226"/>
+                <a:gd name="connsiteX2" fmla="*/ 2448272 w 2458326"/>
+                <a:gd name="connsiteY2" fmla="*/ 1084226 h 1084226"/>
+                <a:gd name="connsiteX3" fmla="*/ 1969786 w 2458326"/>
+                <a:gd name="connsiteY3" fmla="*/ 524741 h 1084226"/>
+                <a:gd name="connsiteX4" fmla="*/ 2458326 w 2458326"/>
+                <a:gd name="connsiteY4" fmla="*/ 0 h 1084226"/>
+                <a:gd name="connsiteX5" fmla="*/ 0 w 2458326"/>
+                <a:gd name="connsiteY5" fmla="*/ 688 h 1084226"/>
+                <a:gd name="connsiteX0" fmla="*/ 0 w 2458326"/>
+                <a:gd name="connsiteY0" fmla="*/ 688 h 1084226"/>
+                <a:gd name="connsiteX1" fmla="*/ 0 w 2458326"/>
+                <a:gd name="connsiteY1" fmla="*/ 1084226 h 1084226"/>
+                <a:gd name="connsiteX2" fmla="*/ 2448272 w 2458326"/>
+                <a:gd name="connsiteY2" fmla="*/ 1084226 h 1084226"/>
+                <a:gd name="connsiteX3" fmla="*/ 1969786 w 2458326"/>
+                <a:gd name="connsiteY3" fmla="*/ 560887 h 1084226"/>
+                <a:gd name="connsiteX4" fmla="*/ 2458326 w 2458326"/>
+                <a:gd name="connsiteY4" fmla="*/ 0 h 1084226"/>
+                <a:gd name="connsiteX5" fmla="*/ 0 w 2458326"/>
+                <a:gd name="connsiteY5" fmla="*/ 688 h 1084226"/>
+                <a:gd name="connsiteX0" fmla="*/ 0 w 2458326"/>
+                <a:gd name="connsiteY0" fmla="*/ 688 h 1084226"/>
+                <a:gd name="connsiteX1" fmla="*/ 0 w 2458326"/>
+                <a:gd name="connsiteY1" fmla="*/ 1084226 h 1084226"/>
+                <a:gd name="connsiteX2" fmla="*/ 2448272 w 2458326"/>
+                <a:gd name="connsiteY2" fmla="*/ 1084226 h 1084226"/>
+                <a:gd name="connsiteX3" fmla="*/ 1965404 w 2458326"/>
+                <a:gd name="connsiteY3" fmla="*/ 524741 h 1084226"/>
+                <a:gd name="connsiteX4" fmla="*/ 2458326 w 2458326"/>
+                <a:gd name="connsiteY4" fmla="*/ 0 h 1084226"/>
+                <a:gd name="connsiteX5" fmla="*/ 0 w 2458326"/>
+                <a:gd name="connsiteY5" fmla="*/ 688 h 1084226"/>
+                <a:gd name="connsiteX0" fmla="*/ 0 w 2458326"/>
+                <a:gd name="connsiteY0" fmla="*/ 688 h 1084226"/>
+                <a:gd name="connsiteX1" fmla="*/ 0 w 2458326"/>
+                <a:gd name="connsiteY1" fmla="*/ 1084226 h 1084226"/>
+                <a:gd name="connsiteX2" fmla="*/ 2448272 w 2458326"/>
+                <a:gd name="connsiteY2" fmla="*/ 1084226 h 1084226"/>
+                <a:gd name="connsiteX3" fmla="*/ 1969786 w 2458326"/>
+                <a:gd name="connsiteY3" fmla="*/ 550560 h 1084226"/>
+                <a:gd name="connsiteX4" fmla="*/ 2458326 w 2458326"/>
+                <a:gd name="connsiteY4" fmla="*/ 0 h 1084226"/>
+                <a:gd name="connsiteX5" fmla="*/ 0 w 2458326"/>
+                <a:gd name="connsiteY5" fmla="*/ 688 h 1084226"/>
+                <a:gd name="connsiteX0" fmla="*/ 0 w 2458326"/>
+                <a:gd name="connsiteY0" fmla="*/ 688 h 1084226"/>
+                <a:gd name="connsiteX1" fmla="*/ 0 w 2458326"/>
+                <a:gd name="connsiteY1" fmla="*/ 1084226 h 1084226"/>
+                <a:gd name="connsiteX2" fmla="*/ 2448272 w 2458326"/>
+                <a:gd name="connsiteY2" fmla="*/ 1084226 h 1084226"/>
+                <a:gd name="connsiteX3" fmla="*/ 1972462 w 2458326"/>
+                <a:gd name="connsiteY3" fmla="*/ 534793 h 1084226"/>
+                <a:gd name="connsiteX4" fmla="*/ 2458326 w 2458326"/>
+                <a:gd name="connsiteY4" fmla="*/ 0 h 1084226"/>
+                <a:gd name="connsiteX5" fmla="*/ 0 w 2458326"/>
+                <a:gd name="connsiteY5" fmla="*/ 688 h 1084226"/>
+                <a:gd name="connsiteX0" fmla="*/ 0 w 2458326"/>
+                <a:gd name="connsiteY0" fmla="*/ 688 h 1084226"/>
+                <a:gd name="connsiteX1" fmla="*/ 0 w 2458326"/>
+                <a:gd name="connsiteY1" fmla="*/ 1084226 h 1084226"/>
+                <a:gd name="connsiteX2" fmla="*/ 2448272 w 2458326"/>
+                <a:gd name="connsiteY2" fmla="*/ 1084226 h 1084226"/>
+                <a:gd name="connsiteX3" fmla="*/ 1972462 w 2458326"/>
+                <a:gd name="connsiteY3" fmla="*/ 550561 h 1084226"/>
+                <a:gd name="connsiteX4" fmla="*/ 2458326 w 2458326"/>
+                <a:gd name="connsiteY4" fmla="*/ 0 h 1084226"/>
+                <a:gd name="connsiteX5" fmla="*/ 0 w 2458326"/>
+                <a:gd name="connsiteY5" fmla="*/ 688 h 1084226"/>
+                <a:gd name="connsiteX0" fmla="*/ 0 w 2458326"/>
+                <a:gd name="connsiteY0" fmla="*/ 688 h 1084226"/>
+                <a:gd name="connsiteX1" fmla="*/ 0 w 2458326"/>
+                <a:gd name="connsiteY1" fmla="*/ 1084226 h 1084226"/>
+                <a:gd name="connsiteX2" fmla="*/ 2448272 w 2458326"/>
+                <a:gd name="connsiteY2" fmla="*/ 1084226 h 1084226"/>
+                <a:gd name="connsiteX3" fmla="*/ 1972462 w 2458326"/>
+                <a:gd name="connsiteY3" fmla="*/ 534793 h 1084226"/>
+                <a:gd name="connsiteX4" fmla="*/ 2458326 w 2458326"/>
+                <a:gd name="connsiteY4" fmla="*/ 0 h 1084226"/>
+                <a:gd name="connsiteX5" fmla="*/ 0 w 2458326"/>
+                <a:gd name="connsiteY5" fmla="*/ 688 h 1084226"/>
+                <a:gd name="connsiteX0" fmla="*/ 0 w 2458326"/>
+                <a:gd name="connsiteY0" fmla="*/ 688 h 1084226"/>
+                <a:gd name="connsiteX1" fmla="*/ 0 w 2458326"/>
+                <a:gd name="connsiteY1" fmla="*/ 1084226 h 1084226"/>
+                <a:gd name="connsiteX2" fmla="*/ 2448272 w 2458326"/>
+                <a:gd name="connsiteY2" fmla="*/ 1084226 h 1084226"/>
+                <a:gd name="connsiteX3" fmla="*/ 1969786 w 2458326"/>
+                <a:gd name="connsiteY3" fmla="*/ 550562 h 1084226"/>
+                <a:gd name="connsiteX4" fmla="*/ 2458326 w 2458326"/>
+                <a:gd name="connsiteY4" fmla="*/ 0 h 1084226"/>
+                <a:gd name="connsiteX5" fmla="*/ 0 w 2458326"/>
+                <a:gd name="connsiteY5" fmla="*/ 688 h 1084226"/>
+                <a:gd name="connsiteX0" fmla="*/ 0 w 2458326"/>
+                <a:gd name="connsiteY0" fmla="*/ 688 h 1084226"/>
+                <a:gd name="connsiteX1" fmla="*/ 0 w 2458326"/>
+                <a:gd name="connsiteY1" fmla="*/ 1084226 h 1084226"/>
+                <a:gd name="connsiteX2" fmla="*/ 2448272 w 2458326"/>
+                <a:gd name="connsiteY2" fmla="*/ 1084226 h 1084226"/>
+                <a:gd name="connsiteX3" fmla="*/ 1967109 w 2458326"/>
+                <a:gd name="connsiteY3" fmla="*/ 534794 h 1084226"/>
+                <a:gd name="connsiteX4" fmla="*/ 2458326 w 2458326"/>
+                <a:gd name="connsiteY4" fmla="*/ 0 h 1084226"/>
+                <a:gd name="connsiteX5" fmla="*/ 0 w 2458326"/>
+                <a:gd name="connsiteY5" fmla="*/ 688 h 1084226"/>
+                <a:gd name="connsiteX0" fmla="*/ 0 w 2458326"/>
+                <a:gd name="connsiteY0" fmla="*/ 688 h 1084226"/>
+                <a:gd name="connsiteX1" fmla="*/ 0 w 2458326"/>
+                <a:gd name="connsiteY1" fmla="*/ 1084226 h 1084226"/>
+                <a:gd name="connsiteX2" fmla="*/ 2448272 w 2458326"/>
+                <a:gd name="connsiteY2" fmla="*/ 1084226 h 1084226"/>
+                <a:gd name="connsiteX3" fmla="*/ 1986041 w 2458326"/>
+                <a:gd name="connsiteY3" fmla="*/ 543482 h 1084226"/>
+                <a:gd name="connsiteX4" fmla="*/ 2458326 w 2458326"/>
+                <a:gd name="connsiteY4" fmla="*/ 0 h 1084226"/>
+                <a:gd name="connsiteX5" fmla="*/ 0 w 2458326"/>
+                <a:gd name="connsiteY5" fmla="*/ 688 h 1084226"/>
+              </a:gdLst>
+              <a:ahLst/>
+              <a:cxnLst>
+                <a:cxn ang="0">
+                  <a:pos x="connsiteX0" y="connsiteY0"/>
+                </a:cxn>
+                <a:cxn ang="0">
+                  <a:pos x="connsiteX1" y="connsiteY1"/>
+                </a:cxn>
+                <a:cxn ang="0">
+                  <a:pos x="connsiteX2" y="connsiteY2"/>
+                </a:cxn>
+                <a:cxn ang="0">
+                  <a:pos x="connsiteX3" y="connsiteY3"/>
+                </a:cxn>
+                <a:cxn ang="0">
+                  <a:pos x="connsiteX4" y="connsiteY4"/>
+                </a:cxn>
+                <a:cxn ang="0">
+                  <a:pos x="connsiteX5" y="connsiteY5"/>
+                </a:cxn>
+              </a:cxnLst>
+              <a:rect l="l" t="t" r="r" b="b"/>
+              <a:pathLst>
+                <a:path w="2458326" h="1084226">
+                  <a:moveTo>
+                    <a:pt x="0" y="688"/>
+                  </a:moveTo>
+                  <a:lnTo>
+                    <a:pt x="0" y="1084226"/>
+                  </a:lnTo>
+                  <a:lnTo>
+                    <a:pt x="2448272" y="1084226"/>
+                  </a:lnTo>
+                  <a:lnTo>
+                    <a:pt x="1986041" y="543482"/>
+                  </a:lnTo>
+                  <a:lnTo>
+                    <a:pt x="2458326" y="0"/>
+                  </a:lnTo>
+                  <a:lnTo>
+                    <a:pt x="0" y="688"/>
+                  </a:lnTo>
+                  <a:close/>
+                </a:path>
+              </a:pathLst>
+            </a:custGeom>
+            <a:scene3d>
+              <a:camera prst="orthographicFront"/>
+              <a:lightRig rig="threePt" dir="t">
+                <a:rot lat="0" lon="0" rev="7500000"/>
+              </a:lightRig>
+            </a:scene3d>
+            <a:sp3d prstMaterial="plastic">
+              <a:bevelT w="127000" h="25400" prst="relaxedInset"/>
+            </a:sp3d>
+          </p:spPr>
+          <p:style>
+            <a:lnRef idx="0">
+              <a:schemeClr val="lt1">
+                <a:hueOff val="0"/>
+                <a:satOff val="0"/>
+                <a:lumOff val="0"/>
+                <a:alphaOff val="0"/>
+              </a:schemeClr>
+            </a:lnRef>
+            <a:fillRef idx="3">
+              <a:schemeClr val="accent1">
+                <a:shade val="80000"/>
+                <a:hueOff val="0"/>
+                <a:satOff val="0"/>
+                <a:lumOff val="0"/>
+                <a:alphaOff val="0"/>
+              </a:schemeClr>
+            </a:fillRef>
+            <a:effectRef idx="2">
+              <a:schemeClr val="accent1">
+                <a:shade val="80000"/>
+                <a:hueOff val="0"/>
+                <a:satOff val="0"/>
+                <a:lumOff val="0"/>
+                <a:alphaOff val="0"/>
+              </a:schemeClr>
+            </a:effectRef>
+            <a:fontRef idx="minor">
+              <a:schemeClr val="lt1"/>
+            </a:fontRef>
+          </p:style>
+          <p:txBody>
+            <a:bodyPr spcFirstLastPara="0" vert="horz" wrap="square" lIns="282702" tIns="141351" rIns="338190" bIns="141351" numCol="1" spcCol="1270" anchor="ctr" anchorCtr="0">
+              <a:noAutofit/>
+            </a:bodyPr>
+            <a:lstStyle/>
+            <a:p>
+              <a:pPr algn="ctr" defTabSz="2355850">
+                <a:lnSpc>
+                  <a:spcPct val="90000"/>
+                </a:lnSpc>
+                <a:spcBef>
+                  <a:spcPct val="0"/>
+                </a:spcBef>
+                <a:spcAft>
+                  <a:spcPct val="35000"/>
+                </a:spcAft>
+              </a:pPr>
+              <a:endParaRPr lang="de-AT" sz="5300"/>
+            </a:p>
+          </p:txBody>
+        </p:sp>
+        <p:sp>
+          <p:nvSpPr>
+            <p:cNvPr id="29" name="Rechteck 28"/>
+            <p:cNvSpPr/>
+            <p:nvPr/>
+          </p:nvSpPr>
+          <p:spPr>
+            <a:xfrm>
+              <a:off x="899592" y="980058"/>
+              <a:ext cx="1975221" cy="826380"/>
+            </a:xfrm>
+            <a:prstGeom prst="rect">
+              <a:avLst/>
+            </a:prstGeom>
+          </p:spPr>
+          <p:txBody>
+            <a:bodyPr wrap="none">
+              <a:spAutoFit/>
+            </a:bodyPr>
+            <a:lstStyle/>
+            <a:p>
+              <a:pPr lvl="0" algn="ctr" defTabSz="2355850">
+                <a:lnSpc>
+                  <a:spcPct val="90000"/>
+                </a:lnSpc>
+                <a:spcBef>
+                  <a:spcPct val="0"/>
+                </a:spcBef>
+                <a:spcAft>
+                  <a:spcPct val="35000"/>
+                </a:spcAft>
+              </a:pPr>
+              <a:r>
+                <a:rPr lang="en-GB" sz="5300" dirty="0" smtClean="0">
+                  <a:solidFill>
+                    <a:prstClr val="white"/>
+                  </a:solidFill>
+                </a:rPr>
+                <a:t>phOSS</a:t>
+              </a:r>
+              <a:endParaRPr lang="en-GB" sz="5300" dirty="0">
+                <a:solidFill>
+                  <a:prstClr val="white"/>
+                </a:solidFill>
+              </a:endParaRPr>
+            </a:p>
+          </p:txBody>
+        </p:sp>
+      </p:grpSp>
+      <p:grpSp>
+        <p:nvGrpSpPr>
+          <p:cNvPr id="41" name="Gruppieren 40"/>
+          <p:cNvGrpSpPr/>
+          <p:nvPr/>
+        </p:nvGrpSpPr>
+        <p:grpSpPr>
+          <a:xfrm>
+            <a:off x="3131840" y="4293096"/>
+            <a:ext cx="2675137" cy="1057161"/>
+            <a:chOff x="3059832" y="3861048"/>
+            <a:chExt cx="2675137" cy="1057161"/>
+          </a:xfrm>
+        </p:grpSpPr>
+        <p:sp>
+          <p:nvSpPr>
+            <p:cNvPr id="35" name="Pfeil nach links und rechts 34"/>
+            <p:cNvSpPr/>
+            <p:nvPr/>
+          </p:nvSpPr>
+          <p:spPr>
+            <a:xfrm>
+              <a:off x="3059832" y="3861048"/>
+              <a:ext cx="2675137" cy="1057161"/>
+            </a:xfrm>
+            <a:prstGeom prst="leftRightArrow">
+              <a:avLst>
+                <a:gd name="adj1" fmla="val 100000"/>
+                <a:gd name="adj2" fmla="val 50000"/>
+              </a:avLst>
+            </a:prstGeom>
+            <a:scene3d>
+              <a:camera prst="orthographicFront"/>
+              <a:lightRig rig="threePt" dir="t">
+                <a:rot lat="0" lon="0" rev="7500000"/>
+              </a:lightRig>
+            </a:scene3d>
+            <a:sp3d prstMaterial="plastic">
+              <a:bevelT w="127000" h="25400" prst="relaxedInset"/>
+            </a:sp3d>
+          </p:spPr>
+          <p:style>
+            <a:lnRef idx="0">
+              <a:schemeClr val="lt1">
+                <a:hueOff val="0"/>
+                <a:satOff val="0"/>
+                <a:lumOff val="0"/>
+                <a:alphaOff val="0"/>
+              </a:schemeClr>
+            </a:lnRef>
+            <a:fillRef idx="3">
+              <a:schemeClr val="accent1">
+                <a:shade val="80000"/>
+                <a:hueOff val="306246"/>
+                <a:satOff val="-4392"/>
+                <a:lumOff val="25615"/>
+                <a:alphaOff val="0"/>
+              </a:schemeClr>
+            </a:fillRef>
+            <a:effectRef idx="2">
+              <a:schemeClr val="accent1">
+                <a:shade val="80000"/>
+                <a:hueOff val="306246"/>
+                <a:satOff val="-4392"/>
+                <a:lumOff val="25615"/>
+                <a:alphaOff val="0"/>
+              </a:schemeClr>
+            </a:effectRef>
+            <a:fontRef idx="minor">
+              <a:schemeClr val="lt1"/>
+            </a:fontRef>
+          </p:style>
+          <p:txBody>
+            <a:bodyPr spcFirstLastPara="0" vert="horz" wrap="square" lIns="747054" tIns="141351" rIns="605703" bIns="141351" numCol="1" spcCol="1270" anchor="ctr" anchorCtr="0">
+              <a:noAutofit/>
+            </a:bodyPr>
+            <a:lstStyle/>
+            <a:p>
+              <a:pPr algn="ctr" defTabSz="2355850">
+                <a:lnSpc>
+                  <a:spcPct val="90000"/>
+                </a:lnSpc>
+                <a:spcBef>
+                  <a:spcPct val="0"/>
+                </a:spcBef>
+                <a:spcAft>
+                  <a:spcPct val="35000"/>
+                </a:spcAft>
+              </a:pPr>
+              <a:endParaRPr lang="en-GB" sz="5300" dirty="0"/>
+            </a:p>
+          </p:txBody>
+        </p:sp>
+        <p:sp>
+          <p:nvSpPr>
+            <p:cNvPr id="37" name="Rechteck 36"/>
+            <p:cNvSpPr/>
+            <p:nvPr/>
+          </p:nvSpPr>
+          <p:spPr>
+            <a:xfrm>
+              <a:off x="3707904" y="4004394"/>
+              <a:ext cx="1430200" cy="826380"/>
+            </a:xfrm>
+            <a:prstGeom prst="rect">
+              <a:avLst/>
+            </a:prstGeom>
+          </p:spPr>
+          <p:txBody>
+            <a:bodyPr wrap="none">
+              <a:spAutoFit/>
+            </a:bodyPr>
+            <a:lstStyle/>
+            <a:p>
+              <a:pPr lvl="0" algn="ctr" defTabSz="2355850">
+                <a:lnSpc>
+                  <a:spcPct val="90000"/>
+                </a:lnSpc>
+                <a:spcBef>
+                  <a:spcPct val="0"/>
+                </a:spcBef>
+                <a:spcAft>
+                  <a:spcPct val="35000"/>
+                </a:spcAft>
+              </a:pPr>
+              <a:r>
+                <a:rPr lang="en-GB" sz="5300" dirty="0" smtClean="0">
+                  <a:solidFill>
+                    <a:prstClr val="white"/>
+                  </a:solidFill>
+                </a:rPr>
+                <a:t>SMP</a:t>
+              </a:r>
+              <a:endParaRPr lang="en-GB" sz="5300" dirty="0">
+                <a:solidFill>
+                  <a:prstClr val="white"/>
+                </a:solidFill>
+              </a:endParaRPr>
+            </a:p>
+          </p:txBody>
+        </p:sp>
+      </p:grpSp>
+      <p:sp>
+        <p:nvSpPr>
+          <p:cNvPr id="39" name="Pfeil nach links und rechts 38"/>
+          <p:cNvSpPr/>
+          <p:nvPr/>
+        </p:nvSpPr>
+        <p:spPr>
+          <a:xfrm>
+            <a:off x="975494" y="3760155"/>
+            <a:ext cx="2675137" cy="1057161"/>
+          </a:xfrm>
+          <a:prstGeom prst="leftRightArrow">
+            <a:avLst>
+              <a:gd name="adj1" fmla="val 100000"/>
+              <a:gd name="adj2" fmla="val 50000"/>
+            </a:avLst>
+          </a:prstGeom>
+          <a:scene3d>
+            <a:camera prst="orthographicFront"/>
+            <a:lightRig rig="threePt" dir="t">
+              <a:rot lat="0" lon="0" rev="7500000"/>
+            </a:lightRig>
+          </a:scene3d>
+          <a:sp3d prstMaterial="plastic">
+            <a:bevelT w="127000" h="25400" prst="relaxedInset"/>
+          </a:sp3d>
+        </p:spPr>
+        <p:style>
+          <a:lnRef idx="0">
+            <a:schemeClr val="lt1">
+              <a:hueOff val="0"/>
+              <a:satOff val="0"/>
+              <a:lumOff val="0"/>
+              <a:alphaOff val="0"/>
+            </a:schemeClr>
+          </a:lnRef>
+          <a:fillRef idx="3">
+            <a:schemeClr val="accent1">
+              <a:shade val="80000"/>
+              <a:hueOff val="0"/>
+              <a:satOff val="0"/>
+              <a:lumOff val="0"/>
+              <a:alphaOff val="0"/>
+            </a:schemeClr>
+          </a:fillRef>
+          <a:effectRef idx="2">
+            <a:schemeClr val="accent1">
+              <a:shade val="80000"/>
+              <a:hueOff val="0"/>
+              <a:satOff val="0"/>
+              <a:lumOff val="0"/>
+              <a:alphaOff val="0"/>
+            </a:schemeClr>
+          </a:effectRef>
+          <a:fontRef idx="minor">
+            <a:schemeClr val="lt1"/>
+          </a:fontRef>
+        </p:style>
+        <p:txBody>
+          <a:bodyPr spcFirstLastPara="0" vert="horz" wrap="square" lIns="282702" tIns="141351" rIns="338190" bIns="141351" numCol="1" spcCol="1270" anchor="ctr" anchorCtr="0">
+            <a:noAutofit/>
+          </a:bodyPr>
+          <a:lstStyle/>
+          <a:p>
+            <a:pPr algn="ctr" defTabSz="2355850">
+              <a:lnSpc>
+                <a:spcPct val="90000"/>
+              </a:lnSpc>
+              <a:spcBef>
+                <a:spcPct val="0"/>
+              </a:spcBef>
+              <a:spcAft>
+                <a:spcPct val="35000"/>
+              </a:spcAft>
+            </a:pPr>
+            <a:endParaRPr lang="en-GB" sz="5300" dirty="0"/>
+          </a:p>
+        </p:txBody>
+      </p:sp>
+      <p:sp>
+        <p:nvSpPr>
+          <p:cNvPr id="44" name="Rechteck 43"/>
+          <p:cNvSpPr/>
+          <p:nvPr/>
+        </p:nvSpPr>
+        <p:spPr>
+          <a:xfrm>
+            <a:off x="1331640" y="3861048"/>
+            <a:ext cx="1975221" cy="826380"/>
+          </a:xfrm>
+          <a:prstGeom prst="rect">
+            <a:avLst/>
+          </a:prstGeom>
+        </p:spPr>
+        <p:txBody>
+          <a:bodyPr wrap="none">
+            <a:spAutoFit/>
+          </a:bodyPr>
+          <a:lstStyle/>
+          <a:p>
+            <a:pPr lvl="0" algn="ctr" defTabSz="2355850">
+              <a:lnSpc>
+                <a:spcPct val="90000"/>
+              </a:lnSpc>
+              <a:spcBef>
+                <a:spcPct val="0"/>
+              </a:spcBef>
+              <a:spcAft>
+                <a:spcPct val="35000"/>
+              </a:spcAft>
+            </a:pPr>
+            <a:r>
+              <a:rPr lang="en-GB" sz="5300" dirty="0" smtClean="0">
+                <a:solidFill>
+                  <a:prstClr val="white"/>
+                </a:solidFill>
+              </a:rPr>
+              <a:t>phOSS</a:t>
+            </a:r>
+            <a:endParaRPr lang="en-GB" sz="5300" dirty="0">
+              <a:solidFill>
+                <a:prstClr val="white"/>
+              </a:solidFill>
+            </a:endParaRPr>
+          </a:p>
+        </p:txBody>
+      </p:sp>
+      <p:sp>
+        <p:nvSpPr>
+          <p:cNvPr id="45" name="Pfeil nach links und rechts 44"/>
+          <p:cNvSpPr/>
+          <p:nvPr/>
+        </p:nvSpPr>
+        <p:spPr>
+          <a:xfrm>
+            <a:off x="973609" y="4838139"/>
+            <a:ext cx="2675137" cy="1057161"/>
+          </a:xfrm>
+          <a:prstGeom prst="leftRightArrow">
+            <a:avLst>
+              <a:gd name="adj1" fmla="val 100000"/>
+              <a:gd name="adj2" fmla="val 50000"/>
+            </a:avLst>
+          </a:prstGeom>
+          <a:solidFill>
+            <a:schemeClr val="tx2">
+              <a:lumMod val="60000"/>
+              <a:lumOff val="40000"/>
+            </a:schemeClr>
+          </a:solidFill>
+          <a:scene3d>
+            <a:camera prst="orthographicFront"/>
+            <a:lightRig rig="threePt" dir="t">
+              <a:rot lat="0" lon="0" rev="7500000"/>
+            </a:lightRig>
+          </a:scene3d>
+          <a:sp3d prstMaterial="plastic">
+            <a:bevelT w="127000" h="25400" prst="relaxedInset"/>
+          </a:sp3d>
+        </p:spPr>
+        <p:style>
+          <a:lnRef idx="0">
+            <a:schemeClr val="lt1">
+              <a:hueOff val="0"/>
+              <a:satOff val="0"/>
+              <a:lumOff val="0"/>
+              <a:alphaOff val="0"/>
+            </a:schemeClr>
+          </a:lnRef>
+          <a:fillRef idx="3">
+            <a:schemeClr val="accent1">
+              <a:shade val="80000"/>
+              <a:hueOff val="0"/>
+              <a:satOff val="0"/>
+              <a:lumOff val="0"/>
+              <a:alphaOff val="0"/>
+            </a:schemeClr>
+          </a:fillRef>
+          <a:effectRef idx="2">
+            <a:schemeClr val="accent1">
+              <a:shade val="80000"/>
+              <a:hueOff val="0"/>
+              <a:satOff val="0"/>
+              <a:lumOff val="0"/>
+              <a:alphaOff val="0"/>
+            </a:schemeClr>
+          </a:effectRef>
+          <a:fontRef idx="minor">
+            <a:schemeClr val="lt1"/>
+          </a:fontRef>
+        </p:style>
+        <p:txBody>
+          <a:bodyPr spcFirstLastPara="0" vert="horz" wrap="square" lIns="282702" tIns="141351" rIns="338190" bIns="141351" numCol="1" spcCol="1270" anchor="ctr" anchorCtr="0">
+            <a:noAutofit/>
+          </a:bodyPr>
+          <a:lstStyle/>
+          <a:p>
+            <a:pPr algn="ctr" defTabSz="2355850">
+              <a:lnSpc>
+                <a:spcPct val="90000"/>
+              </a:lnSpc>
+              <a:spcBef>
+                <a:spcPct val="0"/>
+              </a:spcBef>
+              <a:spcAft>
+                <a:spcPct val="35000"/>
+              </a:spcAft>
+            </a:pPr>
+            <a:endParaRPr lang="en-GB" sz="5300" dirty="0"/>
+          </a:p>
+        </p:txBody>
+      </p:sp>
+      <p:sp>
+        <p:nvSpPr>
+          <p:cNvPr id="46" name="Pfeil nach links und rechts 45"/>
+          <p:cNvSpPr/>
+          <p:nvPr/>
+        </p:nvSpPr>
+        <p:spPr>
+          <a:xfrm>
+            <a:off x="3140327" y="5353112"/>
+            <a:ext cx="2675137" cy="1057161"/>
+          </a:xfrm>
+          <a:prstGeom prst="leftRightArrow">
+            <a:avLst>
+              <a:gd name="adj1" fmla="val 100000"/>
+              <a:gd name="adj2" fmla="val 50000"/>
+            </a:avLst>
+          </a:prstGeom>
+          <a:solidFill>
+            <a:schemeClr val="tx2">
+              <a:lumMod val="60000"/>
+              <a:lumOff val="40000"/>
+            </a:schemeClr>
+          </a:solidFill>
+          <a:scene3d>
+            <a:camera prst="orthographicFront"/>
+            <a:lightRig rig="threePt" dir="t">
+              <a:rot lat="0" lon="0" rev="7500000"/>
+            </a:lightRig>
+          </a:scene3d>
+          <a:sp3d prstMaterial="plastic">
+            <a:bevelT w="127000" h="25400" prst="relaxedInset"/>
+          </a:sp3d>
+        </p:spPr>
+        <p:style>
+          <a:lnRef idx="0">
+            <a:schemeClr val="lt1">
+              <a:hueOff val="0"/>
+              <a:satOff val="0"/>
+              <a:lumOff val="0"/>
+              <a:alphaOff val="0"/>
+            </a:schemeClr>
+          </a:lnRef>
+          <a:fillRef idx="3">
+            <a:schemeClr val="accent1">
+              <a:shade val="80000"/>
+              <a:hueOff val="0"/>
+              <a:satOff val="0"/>
+              <a:lumOff val="0"/>
+              <a:alphaOff val="0"/>
+            </a:schemeClr>
+          </a:fillRef>
+          <a:effectRef idx="2">
+            <a:schemeClr val="accent1">
+              <a:shade val="80000"/>
+              <a:hueOff val="0"/>
+              <a:satOff val="0"/>
+              <a:lumOff val="0"/>
+              <a:alphaOff val="0"/>
+            </a:schemeClr>
+          </a:effectRef>
+          <a:fontRef idx="minor">
+            <a:schemeClr val="lt1"/>
+          </a:fontRef>
+        </p:style>
+        <p:txBody>
+          <a:bodyPr spcFirstLastPara="0" vert="horz" wrap="square" lIns="282702" tIns="141351" rIns="338190" bIns="141351" numCol="1" spcCol="1270" anchor="ctr" anchorCtr="0">
+            <a:noAutofit/>
+          </a:bodyPr>
+          <a:lstStyle/>
+          <a:p>
+            <a:pPr algn="ctr" defTabSz="2355850">
+              <a:lnSpc>
+                <a:spcPct val="90000"/>
+              </a:lnSpc>
+              <a:spcBef>
+                <a:spcPct val="0"/>
+              </a:spcBef>
+              <a:spcAft>
+                <a:spcPct val="35000"/>
+              </a:spcAft>
+            </a:pPr>
+            <a:endParaRPr lang="en-GB" sz="5300" dirty="0"/>
+          </a:p>
+        </p:txBody>
+      </p:sp>
+    </p:spTree>
+    <p:extLst>
+      <p:ext uri="{BB962C8B-B14F-4D97-AF65-F5344CB8AC3E}">
+        <p14:creationId xmlns="" xmlns:p14="http://schemas.microsoft.com/office/powerpoint/2010/main" val="3689794309"/>
       </p:ext>
     </p:extLst>
   </p:cSld>

--- a/docs/logo/Logo v1.pptx
+++ b/docs/logo/Logo v1.pptx
@@ -4,6 +4,9 @@
   <p:sldMasterIdLst>
     <p:sldMasterId id="2147483648" r:id="rId1"/>
   </p:sldMasterIdLst>
+  <p:notesMasterIdLst>
+    <p:notesMasterId r:id="rId13"/>
+  </p:notesMasterIdLst>
   <p:sldIdLst>
     <p:sldId id="256" r:id="rId2"/>
     <p:sldId id="257" r:id="rId3"/>
@@ -117,6 +120,434 @@
 </p:presentation>
 </file>
 
+<file path=ppt/notesMasters/notesMaster1.xml><?xml version="1.0" encoding="utf-8"?>
+<p:notesMaster xmlns:a="http://schemas.openxmlformats.org/drawingml/2006/main" xmlns:r="http://schemas.openxmlformats.org/officeDocument/2006/relationships" xmlns:p="http://schemas.openxmlformats.org/presentationml/2006/main">
+  <p:cSld>
+    <p:bg>
+      <p:bgRef idx="1001">
+        <a:schemeClr val="bg1"/>
+      </p:bgRef>
+    </p:bg>
+    <p:spTree>
+      <p:nvGrpSpPr>
+        <p:cNvPr id="1" name=""/>
+        <p:cNvGrpSpPr/>
+        <p:nvPr/>
+      </p:nvGrpSpPr>
+      <p:grpSpPr>
+        <a:xfrm>
+          <a:off x="0" y="0"/>
+          <a:ext cx="0" cy="0"/>
+          <a:chOff x="0" y="0"/>
+          <a:chExt cx="0" cy="0"/>
+        </a:xfrm>
+      </p:grpSpPr>
+      <p:sp>
+        <p:nvSpPr>
+          <p:cNvPr id="2" name="Kopfzeilenplatzhalter 1"/>
+          <p:cNvSpPr>
+            <a:spLocks noGrp="1"/>
+          </p:cNvSpPr>
+          <p:nvPr>
+            <p:ph type="hdr" sz="quarter"/>
+          </p:nvPr>
+        </p:nvSpPr>
+        <p:spPr>
+          <a:xfrm>
+            <a:off x="0" y="0"/>
+            <a:ext cx="2971800" cy="457200"/>
+          </a:xfrm>
+          <a:prstGeom prst="rect">
+            <a:avLst/>
+          </a:prstGeom>
+        </p:spPr>
+        <p:txBody>
+          <a:bodyPr vert="horz" lIns="91440" tIns="45720" rIns="91440" bIns="45720" rtlCol="0"/>
+          <a:lstStyle>
+            <a:lvl1pPr algn="l">
+              <a:defRPr sz="1200"/>
+            </a:lvl1pPr>
+          </a:lstStyle>
+          <a:p>
+            <a:endParaRPr lang="de-AT"/>
+          </a:p>
+        </p:txBody>
+      </p:sp>
+      <p:sp>
+        <p:nvSpPr>
+          <p:cNvPr id="3" name="Datumsplatzhalter 2"/>
+          <p:cNvSpPr>
+            <a:spLocks noGrp="1"/>
+          </p:cNvSpPr>
+          <p:nvPr>
+            <p:ph type="dt" idx="1"/>
+          </p:nvPr>
+        </p:nvSpPr>
+        <p:spPr>
+          <a:xfrm>
+            <a:off x="3884613" y="0"/>
+            <a:ext cx="2971800" cy="457200"/>
+          </a:xfrm>
+          <a:prstGeom prst="rect">
+            <a:avLst/>
+          </a:prstGeom>
+        </p:spPr>
+        <p:txBody>
+          <a:bodyPr vert="horz" lIns="91440" tIns="45720" rIns="91440" bIns="45720" rtlCol="0"/>
+          <a:lstStyle>
+            <a:lvl1pPr algn="r">
+              <a:defRPr sz="1200"/>
+            </a:lvl1pPr>
+          </a:lstStyle>
+          <a:p>
+            <a:fld id="{73C17DEA-D184-4EDC-B987-30DC251ED345}" type="datetimeFigureOut">
+              <a:rPr lang="de-AT" smtClean="0"/>
+              <a:t>15.11.2016</a:t>
+            </a:fld>
+            <a:endParaRPr lang="de-AT"/>
+          </a:p>
+        </p:txBody>
+      </p:sp>
+      <p:sp>
+        <p:nvSpPr>
+          <p:cNvPr id="4" name="Folienbildplatzhalter 3"/>
+          <p:cNvSpPr>
+            <a:spLocks noGrp="1" noRot="1" noChangeAspect="1"/>
+          </p:cNvSpPr>
+          <p:nvPr>
+            <p:ph type="sldImg" idx="2"/>
+          </p:nvPr>
+        </p:nvSpPr>
+        <p:spPr>
+          <a:xfrm>
+            <a:off x="1143000" y="685800"/>
+            <a:ext cx="4572000" cy="3429000"/>
+          </a:xfrm>
+          <a:prstGeom prst="rect">
+            <a:avLst/>
+          </a:prstGeom>
+          <a:noFill/>
+          <a:ln w="12700">
+            <a:solidFill>
+              <a:prstClr val="black"/>
+            </a:solidFill>
+          </a:ln>
+        </p:spPr>
+        <p:txBody>
+          <a:bodyPr vert="horz" lIns="91440" tIns="45720" rIns="91440" bIns="45720" rtlCol="0" anchor="ctr"/>
+          <a:lstStyle/>
+          <a:p>
+            <a:endParaRPr lang="de-AT"/>
+          </a:p>
+        </p:txBody>
+      </p:sp>
+      <p:sp>
+        <p:nvSpPr>
+          <p:cNvPr id="5" name="Notizenplatzhalter 4"/>
+          <p:cNvSpPr>
+            <a:spLocks noGrp="1"/>
+          </p:cNvSpPr>
+          <p:nvPr>
+            <p:ph type="body" sz="quarter" idx="3"/>
+          </p:nvPr>
+        </p:nvSpPr>
+        <p:spPr>
+          <a:xfrm>
+            <a:off x="685800" y="4343400"/>
+            <a:ext cx="5486400" cy="4114800"/>
+          </a:xfrm>
+          <a:prstGeom prst="rect">
+            <a:avLst/>
+          </a:prstGeom>
+        </p:spPr>
+        <p:txBody>
+          <a:bodyPr vert="horz" lIns="91440" tIns="45720" rIns="91440" bIns="45720" rtlCol="0">
+            <a:normAutofit/>
+          </a:bodyPr>
+          <a:lstStyle/>
+          <a:p>
+            <a:pPr lvl="0"/>
+            <a:r>
+              <a:rPr lang="de-DE" smtClean="0"/>
+              <a:t>Textmasterformate durch Klicken bearbeiten</a:t>
+            </a:r>
+          </a:p>
+          <a:p>
+            <a:pPr lvl="1"/>
+            <a:r>
+              <a:rPr lang="de-DE" smtClean="0"/>
+              <a:t>Zweite Ebene</a:t>
+            </a:r>
+          </a:p>
+          <a:p>
+            <a:pPr lvl="2"/>
+            <a:r>
+              <a:rPr lang="de-DE" smtClean="0"/>
+              <a:t>Dritte Ebene</a:t>
+            </a:r>
+          </a:p>
+          <a:p>
+            <a:pPr lvl="3"/>
+            <a:r>
+              <a:rPr lang="de-DE" smtClean="0"/>
+              <a:t>Vierte Ebene</a:t>
+            </a:r>
+          </a:p>
+          <a:p>
+            <a:pPr lvl="4"/>
+            <a:r>
+              <a:rPr lang="de-DE" smtClean="0"/>
+              <a:t>Fünfte Ebene</a:t>
+            </a:r>
+            <a:endParaRPr lang="de-AT"/>
+          </a:p>
+        </p:txBody>
+      </p:sp>
+      <p:sp>
+        <p:nvSpPr>
+          <p:cNvPr id="6" name="Fußzeilenplatzhalter 5"/>
+          <p:cNvSpPr>
+            <a:spLocks noGrp="1"/>
+          </p:cNvSpPr>
+          <p:nvPr>
+            <p:ph type="ftr" sz="quarter" idx="4"/>
+          </p:nvPr>
+        </p:nvSpPr>
+        <p:spPr>
+          <a:xfrm>
+            <a:off x="0" y="8685213"/>
+            <a:ext cx="2971800" cy="457200"/>
+          </a:xfrm>
+          <a:prstGeom prst="rect">
+            <a:avLst/>
+          </a:prstGeom>
+        </p:spPr>
+        <p:txBody>
+          <a:bodyPr vert="horz" lIns="91440" tIns="45720" rIns="91440" bIns="45720" rtlCol="0" anchor="b"/>
+          <a:lstStyle>
+            <a:lvl1pPr algn="l">
+              <a:defRPr sz="1200"/>
+            </a:lvl1pPr>
+          </a:lstStyle>
+          <a:p>
+            <a:endParaRPr lang="de-AT"/>
+          </a:p>
+        </p:txBody>
+      </p:sp>
+      <p:sp>
+        <p:nvSpPr>
+          <p:cNvPr id="7" name="Foliennummernplatzhalter 6"/>
+          <p:cNvSpPr>
+            <a:spLocks noGrp="1"/>
+          </p:cNvSpPr>
+          <p:nvPr>
+            <p:ph type="sldNum" sz="quarter" idx="5"/>
+          </p:nvPr>
+        </p:nvSpPr>
+        <p:spPr>
+          <a:xfrm>
+            <a:off x="3884613" y="8685213"/>
+            <a:ext cx="2971800" cy="457200"/>
+          </a:xfrm>
+          <a:prstGeom prst="rect">
+            <a:avLst/>
+          </a:prstGeom>
+        </p:spPr>
+        <p:txBody>
+          <a:bodyPr vert="horz" lIns="91440" tIns="45720" rIns="91440" bIns="45720" rtlCol="0" anchor="b"/>
+          <a:lstStyle>
+            <a:lvl1pPr algn="r">
+              <a:defRPr sz="1200"/>
+            </a:lvl1pPr>
+          </a:lstStyle>
+          <a:p>
+            <a:fld id="{F3716FC8-8197-4B6A-8BA3-83AE123ADE63}" type="slidenum">
+              <a:rPr lang="de-AT" smtClean="0"/>
+              <a:t>‹Nr.›</a:t>
+            </a:fld>
+            <a:endParaRPr lang="de-AT"/>
+          </a:p>
+        </p:txBody>
+      </p:sp>
+    </p:spTree>
+  </p:cSld>
+  <p:clrMap bg1="lt1" tx1="dk1" bg2="lt2" tx2="dk2" accent1="accent1" accent2="accent2" accent3="accent3" accent4="accent4" accent5="accent5" accent6="accent6" hlink="hlink" folHlink="folHlink"/>
+  <p:notesStyle>
+    <a:lvl1pPr marL="0" algn="l" defTabSz="914400" rtl="0" eaLnBrk="1" latinLnBrk="0" hangingPunct="1">
+      <a:defRPr sz="1200" kern="1200">
+        <a:solidFill>
+          <a:schemeClr val="tx1"/>
+        </a:solidFill>
+        <a:latin typeface="+mn-lt"/>
+        <a:ea typeface="+mn-ea"/>
+        <a:cs typeface="+mn-cs"/>
+      </a:defRPr>
+    </a:lvl1pPr>
+    <a:lvl2pPr marL="457200" algn="l" defTabSz="914400" rtl="0" eaLnBrk="1" latinLnBrk="0" hangingPunct="1">
+      <a:defRPr sz="1200" kern="1200">
+        <a:solidFill>
+          <a:schemeClr val="tx1"/>
+        </a:solidFill>
+        <a:latin typeface="+mn-lt"/>
+        <a:ea typeface="+mn-ea"/>
+        <a:cs typeface="+mn-cs"/>
+      </a:defRPr>
+    </a:lvl2pPr>
+    <a:lvl3pPr marL="914400" algn="l" defTabSz="914400" rtl="0" eaLnBrk="1" latinLnBrk="0" hangingPunct="1">
+      <a:defRPr sz="1200" kern="1200">
+        <a:solidFill>
+          <a:schemeClr val="tx1"/>
+        </a:solidFill>
+        <a:latin typeface="+mn-lt"/>
+        <a:ea typeface="+mn-ea"/>
+        <a:cs typeface="+mn-cs"/>
+      </a:defRPr>
+    </a:lvl3pPr>
+    <a:lvl4pPr marL="1371600" algn="l" defTabSz="914400" rtl="0" eaLnBrk="1" latinLnBrk="0" hangingPunct="1">
+      <a:defRPr sz="1200" kern="1200">
+        <a:solidFill>
+          <a:schemeClr val="tx1"/>
+        </a:solidFill>
+        <a:latin typeface="+mn-lt"/>
+        <a:ea typeface="+mn-ea"/>
+        <a:cs typeface="+mn-cs"/>
+      </a:defRPr>
+    </a:lvl4pPr>
+    <a:lvl5pPr marL="1828800" algn="l" defTabSz="914400" rtl="0" eaLnBrk="1" latinLnBrk="0" hangingPunct="1">
+      <a:defRPr sz="1200" kern="1200">
+        <a:solidFill>
+          <a:schemeClr val="tx1"/>
+        </a:solidFill>
+        <a:latin typeface="+mn-lt"/>
+        <a:ea typeface="+mn-ea"/>
+        <a:cs typeface="+mn-cs"/>
+      </a:defRPr>
+    </a:lvl5pPr>
+    <a:lvl6pPr marL="2286000" algn="l" defTabSz="914400" rtl="0" eaLnBrk="1" latinLnBrk="0" hangingPunct="1">
+      <a:defRPr sz="1200" kern="1200">
+        <a:solidFill>
+          <a:schemeClr val="tx1"/>
+        </a:solidFill>
+        <a:latin typeface="+mn-lt"/>
+        <a:ea typeface="+mn-ea"/>
+        <a:cs typeface="+mn-cs"/>
+      </a:defRPr>
+    </a:lvl6pPr>
+    <a:lvl7pPr marL="2743200" algn="l" defTabSz="914400" rtl="0" eaLnBrk="1" latinLnBrk="0" hangingPunct="1">
+      <a:defRPr sz="1200" kern="1200">
+        <a:solidFill>
+          <a:schemeClr val="tx1"/>
+        </a:solidFill>
+        <a:latin typeface="+mn-lt"/>
+        <a:ea typeface="+mn-ea"/>
+        <a:cs typeface="+mn-cs"/>
+      </a:defRPr>
+    </a:lvl7pPr>
+    <a:lvl8pPr marL="3200400" algn="l" defTabSz="914400" rtl="0" eaLnBrk="1" latinLnBrk="0" hangingPunct="1">
+      <a:defRPr sz="1200" kern="1200">
+        <a:solidFill>
+          <a:schemeClr val="tx1"/>
+        </a:solidFill>
+        <a:latin typeface="+mn-lt"/>
+        <a:ea typeface="+mn-ea"/>
+        <a:cs typeface="+mn-cs"/>
+      </a:defRPr>
+    </a:lvl8pPr>
+    <a:lvl9pPr marL="3657600" algn="l" defTabSz="914400" rtl="0" eaLnBrk="1" latinLnBrk="0" hangingPunct="1">
+      <a:defRPr sz="1200" kern="1200">
+        <a:solidFill>
+          <a:schemeClr val="tx1"/>
+        </a:solidFill>
+        <a:latin typeface="+mn-lt"/>
+        <a:ea typeface="+mn-ea"/>
+        <a:cs typeface="+mn-cs"/>
+      </a:defRPr>
+    </a:lvl9pPr>
+  </p:notesStyle>
+</p:notesMaster>
+</file>
+
+<file path=ppt/notesSlides/notesSlide1.xml><?xml version="1.0" encoding="utf-8"?>
+<p:notes xmlns:a="http://schemas.openxmlformats.org/drawingml/2006/main" xmlns:r="http://schemas.openxmlformats.org/officeDocument/2006/relationships" xmlns:p="http://schemas.openxmlformats.org/presentationml/2006/main">
+  <p:cSld>
+    <p:spTree>
+      <p:nvGrpSpPr>
+        <p:cNvPr id="1" name=""/>
+        <p:cNvGrpSpPr/>
+        <p:nvPr/>
+      </p:nvGrpSpPr>
+      <p:grpSpPr>
+        <a:xfrm>
+          <a:off x="0" y="0"/>
+          <a:ext cx="0" cy="0"/>
+          <a:chOff x="0" y="0"/>
+          <a:chExt cx="0" cy="0"/>
+        </a:xfrm>
+      </p:grpSpPr>
+      <p:sp>
+        <p:nvSpPr>
+          <p:cNvPr id="2" name="Folienbildplatzhalter 1"/>
+          <p:cNvSpPr>
+            <a:spLocks noGrp="1" noRot="1" noChangeAspect="1"/>
+          </p:cNvSpPr>
+          <p:nvPr>
+            <p:ph type="sldImg"/>
+          </p:nvPr>
+        </p:nvSpPr>
+        <p:spPr/>
+      </p:sp>
+      <p:sp>
+        <p:nvSpPr>
+          <p:cNvPr id="3" name="Notizenplatzhalter 2"/>
+          <p:cNvSpPr>
+            <a:spLocks noGrp="1"/>
+          </p:cNvSpPr>
+          <p:nvPr>
+            <p:ph type="body" idx="1"/>
+          </p:nvPr>
+        </p:nvSpPr>
+        <p:spPr/>
+        <p:txBody>
+          <a:bodyPr>
+            <a:normAutofit/>
+          </a:bodyPr>
+          <a:lstStyle/>
+          <a:p>
+            <a:endParaRPr lang="de-AT"/>
+          </a:p>
+        </p:txBody>
+      </p:sp>
+      <p:sp>
+        <p:nvSpPr>
+          <p:cNvPr id="4" name="Foliennummernplatzhalter 3"/>
+          <p:cNvSpPr>
+            <a:spLocks noGrp="1"/>
+          </p:cNvSpPr>
+          <p:nvPr>
+            <p:ph type="sldNum" sz="quarter" idx="10"/>
+          </p:nvPr>
+        </p:nvSpPr>
+        <p:spPr/>
+        <p:txBody>
+          <a:bodyPr/>
+          <a:lstStyle/>
+          <a:p>
+            <a:fld id="{F3716FC8-8197-4B6A-8BA3-83AE123ADE63}" type="slidenum">
+              <a:rPr lang="de-AT" smtClean="0"/>
+              <a:t>11</a:t>
+            </a:fld>
+            <a:endParaRPr lang="de-AT"/>
+          </a:p>
+        </p:txBody>
+      </p:sp>
+    </p:spTree>
+  </p:cSld>
+  <p:clrMapOvr>
+    <a:masterClrMapping/>
+  </p:clrMapOvr>
+</p:notes>
+</file>
+
 <file path=ppt/slideLayouts/slideLayout1.xml><?xml version="1.0" encoding="utf-8"?>
 <p:sldLayout xmlns:a="http://schemas.openxmlformats.org/drawingml/2006/main" xmlns:r="http://schemas.openxmlformats.org/officeDocument/2006/relationships" xmlns:p="http://schemas.openxmlformats.org/presentationml/2006/main" type="title" preserve="1">
   <p:cSld name="Titelfolie">
@@ -351,7 +782,7 @@
     </p:spTree>
     <p:extLst>
       <p:ext uri="{BB962C8B-B14F-4D97-AF65-F5344CB8AC3E}">
-        <p14:creationId xmlns="" xmlns:p14="http://schemas.microsoft.com/office/powerpoint/2010/main" val="988753937"/>
+        <p14:creationId xmlns:p14="http://schemas.microsoft.com/office/powerpoint/2010/main" xmlns="" val="988753937"/>
       </p:ext>
     </p:extLst>
   </p:cSld>
@@ -523,7 +954,7 @@
     </p:spTree>
     <p:extLst>
       <p:ext uri="{BB962C8B-B14F-4D97-AF65-F5344CB8AC3E}">
-        <p14:creationId xmlns="" xmlns:p14="http://schemas.microsoft.com/office/powerpoint/2010/main" val="3203205504"/>
+        <p14:creationId xmlns:p14="http://schemas.microsoft.com/office/powerpoint/2010/main" xmlns="" val="3203205504"/>
       </p:ext>
     </p:extLst>
   </p:cSld>
@@ -705,7 +1136,7 @@
     </p:spTree>
     <p:extLst>
       <p:ext uri="{BB962C8B-B14F-4D97-AF65-F5344CB8AC3E}">
-        <p14:creationId xmlns="" xmlns:p14="http://schemas.microsoft.com/office/powerpoint/2010/main" val="1896599689"/>
+        <p14:creationId xmlns:p14="http://schemas.microsoft.com/office/powerpoint/2010/main" xmlns="" val="1896599689"/>
       </p:ext>
     </p:extLst>
   </p:cSld>
@@ -877,7 +1308,7 @@
     </p:spTree>
     <p:extLst>
       <p:ext uri="{BB962C8B-B14F-4D97-AF65-F5344CB8AC3E}">
-        <p14:creationId xmlns="" xmlns:p14="http://schemas.microsoft.com/office/powerpoint/2010/main" val="3084495050"/>
+        <p14:creationId xmlns:p14="http://schemas.microsoft.com/office/powerpoint/2010/main" xmlns="" val="3084495050"/>
       </p:ext>
     </p:extLst>
   </p:cSld>
@@ -1125,7 +1556,7 @@
     </p:spTree>
     <p:extLst>
       <p:ext uri="{BB962C8B-B14F-4D97-AF65-F5344CB8AC3E}">
-        <p14:creationId xmlns="" xmlns:p14="http://schemas.microsoft.com/office/powerpoint/2010/main" val="1943319369"/>
+        <p14:creationId xmlns:p14="http://schemas.microsoft.com/office/powerpoint/2010/main" xmlns="" val="1943319369"/>
       </p:ext>
     </p:extLst>
   </p:cSld>
@@ -1415,7 +1846,7 @@
     </p:spTree>
     <p:extLst>
       <p:ext uri="{BB962C8B-B14F-4D97-AF65-F5344CB8AC3E}">
-        <p14:creationId xmlns="" xmlns:p14="http://schemas.microsoft.com/office/powerpoint/2010/main" val="3425279679"/>
+        <p14:creationId xmlns:p14="http://schemas.microsoft.com/office/powerpoint/2010/main" xmlns="" val="3425279679"/>
       </p:ext>
     </p:extLst>
   </p:cSld>
@@ -1839,7 +2270,7 @@
     </p:spTree>
     <p:extLst>
       <p:ext uri="{BB962C8B-B14F-4D97-AF65-F5344CB8AC3E}">
-        <p14:creationId xmlns="" xmlns:p14="http://schemas.microsoft.com/office/powerpoint/2010/main" val="2114059002"/>
+        <p14:creationId xmlns:p14="http://schemas.microsoft.com/office/powerpoint/2010/main" xmlns="" val="2114059002"/>
       </p:ext>
     </p:extLst>
   </p:cSld>
@@ -1959,7 +2390,7 @@
     </p:spTree>
     <p:extLst>
       <p:ext uri="{BB962C8B-B14F-4D97-AF65-F5344CB8AC3E}">
-        <p14:creationId xmlns="" xmlns:p14="http://schemas.microsoft.com/office/powerpoint/2010/main" val="3924301960"/>
+        <p14:creationId xmlns:p14="http://schemas.microsoft.com/office/powerpoint/2010/main" xmlns="" val="3924301960"/>
       </p:ext>
     </p:extLst>
   </p:cSld>
@@ -2056,7 +2487,7 @@
     </p:spTree>
     <p:extLst>
       <p:ext uri="{BB962C8B-B14F-4D97-AF65-F5344CB8AC3E}">
-        <p14:creationId xmlns="" xmlns:p14="http://schemas.microsoft.com/office/powerpoint/2010/main" val="2913025127"/>
+        <p14:creationId xmlns:p14="http://schemas.microsoft.com/office/powerpoint/2010/main" xmlns="" val="2913025127"/>
       </p:ext>
     </p:extLst>
   </p:cSld>
@@ -2335,7 +2766,7 @@
     </p:spTree>
     <p:extLst>
       <p:ext uri="{BB962C8B-B14F-4D97-AF65-F5344CB8AC3E}">
-        <p14:creationId xmlns="" xmlns:p14="http://schemas.microsoft.com/office/powerpoint/2010/main" val="2738167962"/>
+        <p14:creationId xmlns:p14="http://schemas.microsoft.com/office/powerpoint/2010/main" xmlns="" val="2738167962"/>
       </p:ext>
     </p:extLst>
   </p:cSld>
@@ -2590,7 +3021,7 @@
     </p:spTree>
     <p:extLst>
       <p:ext uri="{BB962C8B-B14F-4D97-AF65-F5344CB8AC3E}">
-        <p14:creationId xmlns="" xmlns:p14="http://schemas.microsoft.com/office/powerpoint/2010/main" val="1819214512"/>
+        <p14:creationId xmlns:p14="http://schemas.microsoft.com/office/powerpoint/2010/main" xmlns="" val="1819214512"/>
       </p:ext>
     </p:extLst>
   </p:cSld>
@@ -2841,7 +3272,7 @@
     </p:spTree>
     <p:extLst>
       <p:ext uri="{BB962C8B-B14F-4D97-AF65-F5344CB8AC3E}">
-        <p14:creationId xmlns="" xmlns:p14="http://schemas.microsoft.com/office/powerpoint/2010/main" val="3132271773"/>
+        <p14:creationId xmlns:p14="http://schemas.microsoft.com/office/powerpoint/2010/main" xmlns="" val="3132271773"/>
       </p:ext>
     </p:extLst>
   </p:cSld>
@@ -3721,7 +4152,7 @@
     </p:spTree>
     <p:extLst>
       <p:ext uri="{BB962C8B-B14F-4D97-AF65-F5344CB8AC3E}">
-        <p14:creationId xmlns="" xmlns:p14="http://schemas.microsoft.com/office/powerpoint/2010/main" val="4255701356"/>
+        <p14:creationId xmlns:p14="http://schemas.microsoft.com/office/powerpoint/2010/main" xmlns="" val="4255701356"/>
       </p:ext>
     </p:extLst>
   </p:cSld>
@@ -5700,610 +6131,580 @@
           <a:chExt cx="0" cy="0"/>
         </a:xfrm>
       </p:grpSpPr>
-      <p:grpSp>
-        <p:nvGrpSpPr>
-          <p:cNvPr id="2" name="Gruppieren 1"/>
-          <p:cNvGrpSpPr/>
+      <p:sp>
+        <p:nvSpPr>
+          <p:cNvPr id="3" name="Pfeil nach links und rechts 2"/>
+          <p:cNvSpPr/>
           <p:nvPr/>
-        </p:nvGrpSpPr>
-        <p:grpSpPr>
+        </p:nvSpPr>
+        <p:spPr>
           <a:xfrm>
             <a:off x="2987824" y="2204864"/>
             <a:ext cx="2675137" cy="1057161"/>
-            <a:chOff x="2987824" y="2204864"/>
-            <a:chExt cx="2675137" cy="1057161"/>
           </a:xfrm>
-        </p:grpSpPr>
-        <p:sp>
-          <p:nvSpPr>
-            <p:cNvPr id="3" name="Pfeil nach links und rechts 2"/>
-            <p:cNvSpPr/>
-            <p:nvPr/>
-          </p:nvSpPr>
-          <p:spPr>
-            <a:xfrm>
-              <a:off x="2987824" y="2204864"/>
-              <a:ext cx="2675137" cy="1057161"/>
-            </a:xfrm>
-            <a:prstGeom prst="leftRightArrow">
-              <a:avLst>
-                <a:gd name="adj1" fmla="val 100000"/>
-                <a:gd name="adj2" fmla="val 50000"/>
-              </a:avLst>
-            </a:prstGeom>
-            <a:scene3d>
-              <a:camera prst="orthographicFront"/>
-              <a:lightRig rig="threePt" dir="t">
-                <a:rot lat="0" lon="0" rev="7500000"/>
-              </a:lightRig>
-            </a:scene3d>
-            <a:sp3d prstMaterial="plastic">
-              <a:bevelT w="127000" h="25400" prst="relaxedInset"/>
-            </a:sp3d>
-          </p:spPr>
-          <p:style>
-            <a:lnRef idx="0">
-              <a:schemeClr val="lt1">
-                <a:hueOff val="0"/>
-                <a:satOff val="0"/>
-                <a:lumOff val="0"/>
-                <a:alphaOff val="0"/>
-              </a:schemeClr>
-            </a:lnRef>
-            <a:fillRef idx="3">
-              <a:schemeClr val="accent1">
-                <a:shade val="80000"/>
-                <a:hueOff val="306246"/>
-                <a:satOff val="-4392"/>
-                <a:lumOff val="25615"/>
-                <a:alphaOff val="0"/>
-              </a:schemeClr>
-            </a:fillRef>
-            <a:effectRef idx="2">
-              <a:schemeClr val="accent1">
-                <a:shade val="80000"/>
-                <a:hueOff val="306246"/>
-                <a:satOff val="-4392"/>
-                <a:lumOff val="25615"/>
-                <a:alphaOff val="0"/>
-              </a:schemeClr>
-            </a:effectRef>
-            <a:fontRef idx="minor">
-              <a:schemeClr val="lt1"/>
-            </a:fontRef>
-          </p:style>
-          <p:txBody>
-            <a:bodyPr spcFirstLastPara="0" vert="horz" wrap="square" lIns="747054" tIns="141351" rIns="605703" bIns="141351" numCol="1" spcCol="1270" anchor="ctr" anchorCtr="0">
-              <a:noAutofit/>
-            </a:bodyPr>
-            <a:lstStyle/>
-            <a:p>
-              <a:pPr algn="ctr" defTabSz="2355850">
-                <a:lnSpc>
-                  <a:spcPct val="90000"/>
-                </a:lnSpc>
-                <a:spcBef>
-                  <a:spcPct val="0"/>
-                </a:spcBef>
-                <a:spcAft>
-                  <a:spcPct val="35000"/>
-                </a:spcAft>
-              </a:pPr>
-              <a:endParaRPr lang="en-GB" sz="5300" dirty="0"/>
-            </a:p>
-          </p:txBody>
-        </p:sp>
-        <p:sp>
-          <p:nvSpPr>
-            <p:cNvPr id="4" name="Rechteck 3"/>
-            <p:cNvSpPr/>
-            <p:nvPr/>
-          </p:nvSpPr>
-          <p:spPr>
-            <a:xfrm>
-              <a:off x="3635896" y="2348210"/>
-              <a:ext cx="1430200" cy="826380"/>
-            </a:xfrm>
-            <a:prstGeom prst="rect">
-              <a:avLst/>
-            </a:prstGeom>
-          </p:spPr>
-          <p:txBody>
-            <a:bodyPr wrap="none">
-              <a:spAutoFit/>
-            </a:bodyPr>
-            <a:lstStyle/>
-            <a:p>
-              <a:pPr lvl="0" algn="ctr" defTabSz="2355850">
-                <a:lnSpc>
-                  <a:spcPct val="90000"/>
-                </a:lnSpc>
-                <a:spcBef>
-                  <a:spcPct val="0"/>
-                </a:spcBef>
-                <a:spcAft>
-                  <a:spcPct val="35000"/>
-                </a:spcAft>
-              </a:pPr>
-              <a:r>
-                <a:rPr lang="en-GB" sz="5300" dirty="0" smtClean="0">
-                  <a:solidFill>
-                    <a:prstClr val="white"/>
-                  </a:solidFill>
-                </a:rPr>
-                <a:t>SMP</a:t>
-              </a:r>
-              <a:endParaRPr lang="en-GB" sz="5300" dirty="0">
+          <a:prstGeom prst="leftRightArrow">
+            <a:avLst>
+              <a:gd name="adj1" fmla="val 100000"/>
+              <a:gd name="adj2" fmla="val 50000"/>
+            </a:avLst>
+          </a:prstGeom>
+          <a:scene3d>
+            <a:camera prst="orthographicFront"/>
+            <a:lightRig rig="threePt" dir="t">
+              <a:rot lat="0" lon="0" rev="7500000"/>
+            </a:lightRig>
+          </a:scene3d>
+          <a:sp3d prstMaterial="plastic">
+            <a:bevelT w="127000" h="25400" prst="relaxedInset"/>
+          </a:sp3d>
+        </p:spPr>
+        <p:style>
+          <a:lnRef idx="0">
+            <a:schemeClr val="lt1">
+              <a:hueOff val="0"/>
+              <a:satOff val="0"/>
+              <a:lumOff val="0"/>
+              <a:alphaOff val="0"/>
+            </a:schemeClr>
+          </a:lnRef>
+          <a:fillRef idx="3">
+            <a:schemeClr val="accent1">
+              <a:shade val="80000"/>
+              <a:hueOff val="306246"/>
+              <a:satOff val="-4392"/>
+              <a:lumOff val="25615"/>
+              <a:alphaOff val="0"/>
+            </a:schemeClr>
+          </a:fillRef>
+          <a:effectRef idx="2">
+            <a:schemeClr val="accent1">
+              <a:shade val="80000"/>
+              <a:hueOff val="306246"/>
+              <a:satOff val="-4392"/>
+              <a:lumOff val="25615"/>
+              <a:alphaOff val="0"/>
+            </a:schemeClr>
+          </a:effectRef>
+          <a:fontRef idx="minor">
+            <a:schemeClr val="lt1"/>
+          </a:fontRef>
+        </p:style>
+        <p:txBody>
+          <a:bodyPr spcFirstLastPara="0" vert="horz" wrap="square" lIns="747054" tIns="141351" rIns="605703" bIns="141351" numCol="1" spcCol="1270" anchor="ctr" anchorCtr="0">
+            <a:noAutofit/>
+          </a:bodyPr>
+          <a:lstStyle/>
+          <a:p>
+            <a:pPr algn="ctr" defTabSz="2355850">
+              <a:lnSpc>
+                <a:spcPct val="90000"/>
+              </a:lnSpc>
+              <a:spcBef>
+                <a:spcPct val="0"/>
+              </a:spcBef>
+              <a:spcAft>
+                <a:spcPct val="35000"/>
+              </a:spcAft>
+            </a:pPr>
+            <a:endParaRPr lang="en-GB" sz="5300" dirty="0"/>
+          </a:p>
+        </p:txBody>
+      </p:sp>
+      <p:sp>
+        <p:nvSpPr>
+          <p:cNvPr id="4" name="Rechteck 3"/>
+          <p:cNvSpPr/>
+          <p:nvPr/>
+        </p:nvSpPr>
+        <p:spPr>
+          <a:xfrm>
+            <a:off x="3635896" y="2348210"/>
+            <a:ext cx="1430200" cy="826380"/>
+          </a:xfrm>
+          <a:prstGeom prst="rect">
+            <a:avLst/>
+          </a:prstGeom>
+        </p:spPr>
+        <p:txBody>
+          <a:bodyPr wrap="none">
+            <a:spAutoFit/>
+          </a:bodyPr>
+          <a:lstStyle/>
+          <a:p>
+            <a:pPr lvl="0" algn="ctr" defTabSz="2355850">
+              <a:lnSpc>
+                <a:spcPct val="90000"/>
+              </a:lnSpc>
+              <a:spcBef>
+                <a:spcPct val="0"/>
+              </a:spcBef>
+              <a:spcAft>
+                <a:spcPct val="35000"/>
+              </a:spcAft>
+            </a:pPr>
+            <a:r>
+              <a:rPr lang="en-GB" sz="5300" dirty="0" smtClean="0">
                 <a:solidFill>
                   <a:prstClr val="white"/>
                 </a:solidFill>
-              </a:endParaRPr>
-            </a:p>
-          </p:txBody>
-        </p:sp>
-      </p:grpSp>
-      <p:grpSp>
-        <p:nvGrpSpPr>
-          <p:cNvPr id="5" name="Gruppieren 4"/>
-          <p:cNvGrpSpPr/>
+              </a:rPr>
+              <a:t>SMP</a:t>
+            </a:r>
+            <a:endParaRPr lang="en-GB" sz="5300" dirty="0">
+              <a:solidFill>
+                <a:prstClr val="white"/>
+              </a:solidFill>
+            </a:endParaRPr>
+          </a:p>
+        </p:txBody>
+      </p:sp>
+      <p:sp>
+        <p:nvSpPr>
+          <p:cNvPr id="6" name="Freihandform 5"/>
+          <p:cNvSpPr/>
           <p:nvPr/>
-        </p:nvGrpSpPr>
-        <p:grpSpPr>
+        </p:nvSpPr>
+        <p:spPr>
           <a:xfrm>
             <a:off x="711812" y="2208394"/>
             <a:ext cx="2818366" cy="1054949"/>
-            <a:chOff x="697690" y="840243"/>
-            <a:chExt cx="2818366" cy="1054949"/>
           </a:xfrm>
-        </p:grpSpPr>
-        <p:sp>
-          <p:nvSpPr>
-            <p:cNvPr id="6" name="Freihandform 5"/>
-            <p:cNvSpPr/>
-            <p:nvPr/>
-          </p:nvSpPr>
-          <p:spPr>
-            <a:xfrm>
-              <a:off x="697690" y="840243"/>
-              <a:ext cx="2818366" cy="1054949"/>
-            </a:xfrm>
-            <a:custGeom>
-              <a:avLst/>
-              <a:gdLst>
-                <a:gd name="connsiteX0" fmla="*/ 0 w 2436638"/>
-                <a:gd name="connsiteY0" fmla="*/ 0 h 1088823"/>
-                <a:gd name="connsiteX1" fmla="*/ 0 w 2436638"/>
-                <a:gd name="connsiteY1" fmla="*/ 1083538 h 1088823"/>
-                <a:gd name="connsiteX2" fmla="*/ 2436638 w 2436638"/>
-                <a:gd name="connsiteY2" fmla="*/ 1088823 h 1088823"/>
-                <a:gd name="connsiteX3" fmla="*/ 1908083 w 2436638"/>
-                <a:gd name="connsiteY3" fmla="*/ 533841 h 1088823"/>
-                <a:gd name="connsiteX4" fmla="*/ 2436638 w 2436638"/>
-                <a:gd name="connsiteY4" fmla="*/ 5286 h 1088823"/>
-                <a:gd name="connsiteX5" fmla="*/ 0 w 2436638"/>
-                <a:gd name="connsiteY5" fmla="*/ 0 h 1088823"/>
-                <a:gd name="connsiteX0" fmla="*/ 0 w 2448272"/>
-                <a:gd name="connsiteY0" fmla="*/ 0 h 1083538"/>
-                <a:gd name="connsiteX1" fmla="*/ 0 w 2448272"/>
-                <a:gd name="connsiteY1" fmla="*/ 1083538 h 1083538"/>
-                <a:gd name="connsiteX2" fmla="*/ 2448272 w 2448272"/>
-                <a:gd name="connsiteY2" fmla="*/ 1080120 h 1083538"/>
-                <a:gd name="connsiteX3" fmla="*/ 1908083 w 2448272"/>
-                <a:gd name="connsiteY3" fmla="*/ 533841 h 1083538"/>
-                <a:gd name="connsiteX4" fmla="*/ 2436638 w 2448272"/>
-                <a:gd name="connsiteY4" fmla="*/ 5286 h 1083538"/>
-                <a:gd name="connsiteX5" fmla="*/ 0 w 2448272"/>
-                <a:gd name="connsiteY5" fmla="*/ 0 h 1083538"/>
-                <a:gd name="connsiteX0" fmla="*/ 0 w 2592288"/>
-                <a:gd name="connsiteY0" fmla="*/ 0 h 1083538"/>
-                <a:gd name="connsiteX1" fmla="*/ 0 w 2592288"/>
-                <a:gd name="connsiteY1" fmla="*/ 1083538 h 1083538"/>
-                <a:gd name="connsiteX2" fmla="*/ 2592288 w 2592288"/>
-                <a:gd name="connsiteY2" fmla="*/ 1080120 h 1083538"/>
-                <a:gd name="connsiteX3" fmla="*/ 1908083 w 2592288"/>
-                <a:gd name="connsiteY3" fmla="*/ 533841 h 1083538"/>
-                <a:gd name="connsiteX4" fmla="*/ 2436638 w 2592288"/>
-                <a:gd name="connsiteY4" fmla="*/ 5286 h 1083538"/>
-                <a:gd name="connsiteX5" fmla="*/ 0 w 2592288"/>
-                <a:gd name="connsiteY5" fmla="*/ 0 h 1083538"/>
-                <a:gd name="connsiteX0" fmla="*/ 0 w 2436638"/>
-                <a:gd name="connsiteY0" fmla="*/ 0 h 1083538"/>
-                <a:gd name="connsiteX1" fmla="*/ 0 w 2436638"/>
-                <a:gd name="connsiteY1" fmla="*/ 1083538 h 1083538"/>
-                <a:gd name="connsiteX2" fmla="*/ 2376264 w 2436638"/>
-                <a:gd name="connsiteY2" fmla="*/ 1080120 h 1083538"/>
-                <a:gd name="connsiteX3" fmla="*/ 1908083 w 2436638"/>
-                <a:gd name="connsiteY3" fmla="*/ 533841 h 1083538"/>
-                <a:gd name="connsiteX4" fmla="*/ 2436638 w 2436638"/>
-                <a:gd name="connsiteY4" fmla="*/ 5286 h 1083538"/>
-                <a:gd name="connsiteX5" fmla="*/ 0 w 2436638"/>
-                <a:gd name="connsiteY5" fmla="*/ 0 h 1083538"/>
-                <a:gd name="connsiteX0" fmla="*/ 0 w 2448272"/>
-                <a:gd name="connsiteY0" fmla="*/ 0 h 1083538"/>
-                <a:gd name="connsiteX1" fmla="*/ 0 w 2448272"/>
-                <a:gd name="connsiteY1" fmla="*/ 1083538 h 1083538"/>
-                <a:gd name="connsiteX2" fmla="*/ 2448272 w 2448272"/>
-                <a:gd name="connsiteY2" fmla="*/ 1083538 h 1083538"/>
-                <a:gd name="connsiteX3" fmla="*/ 1908083 w 2448272"/>
-                <a:gd name="connsiteY3" fmla="*/ 533841 h 1083538"/>
-                <a:gd name="connsiteX4" fmla="*/ 2436638 w 2448272"/>
-                <a:gd name="connsiteY4" fmla="*/ 5286 h 1083538"/>
-                <a:gd name="connsiteX5" fmla="*/ 0 w 2448272"/>
-                <a:gd name="connsiteY5" fmla="*/ 0 h 1083538"/>
-                <a:gd name="connsiteX0" fmla="*/ 0 w 2448272"/>
-                <a:gd name="connsiteY0" fmla="*/ 0 h 1083538"/>
-                <a:gd name="connsiteX1" fmla="*/ 0 w 2448272"/>
-                <a:gd name="connsiteY1" fmla="*/ 1083538 h 1083538"/>
-                <a:gd name="connsiteX2" fmla="*/ 2448272 w 2448272"/>
-                <a:gd name="connsiteY2" fmla="*/ 1083538 h 1083538"/>
-                <a:gd name="connsiteX3" fmla="*/ 1908083 w 2448272"/>
-                <a:gd name="connsiteY3" fmla="*/ 533841 h 1083538"/>
-                <a:gd name="connsiteX4" fmla="*/ 2448272 w 2448272"/>
-                <a:gd name="connsiteY4" fmla="*/ 0 h 1083538"/>
-                <a:gd name="connsiteX5" fmla="*/ 0 w 2448272"/>
-                <a:gd name="connsiteY5" fmla="*/ 0 h 1083538"/>
-                <a:gd name="connsiteX0" fmla="*/ 0 w 2448272"/>
-                <a:gd name="connsiteY0" fmla="*/ 0 h 1083538"/>
-                <a:gd name="connsiteX1" fmla="*/ 0 w 2448272"/>
-                <a:gd name="connsiteY1" fmla="*/ 1083538 h 1083538"/>
-                <a:gd name="connsiteX2" fmla="*/ 2448272 w 2448272"/>
-                <a:gd name="connsiteY2" fmla="*/ 1083538 h 1083538"/>
-                <a:gd name="connsiteX3" fmla="*/ 1944216 w 2448272"/>
-                <a:gd name="connsiteY3" fmla="*/ 577887 h 1083538"/>
-                <a:gd name="connsiteX4" fmla="*/ 2448272 w 2448272"/>
-                <a:gd name="connsiteY4" fmla="*/ 0 h 1083538"/>
-                <a:gd name="connsiteX5" fmla="*/ 0 w 2448272"/>
-                <a:gd name="connsiteY5" fmla="*/ 0 h 1083538"/>
-                <a:gd name="connsiteX0" fmla="*/ 0 w 2448272"/>
-                <a:gd name="connsiteY0" fmla="*/ 0 h 1083538"/>
-                <a:gd name="connsiteX1" fmla="*/ 0 w 2448272"/>
-                <a:gd name="connsiteY1" fmla="*/ 1083538 h 1083538"/>
-                <a:gd name="connsiteX2" fmla="*/ 2448272 w 2448272"/>
-                <a:gd name="connsiteY2" fmla="*/ 1083538 h 1083538"/>
-                <a:gd name="connsiteX3" fmla="*/ 1944216 w 2448272"/>
-                <a:gd name="connsiteY3" fmla="*/ 577887 h 1083538"/>
-                <a:gd name="connsiteX4" fmla="*/ 2448272 w 2448272"/>
-                <a:gd name="connsiteY4" fmla="*/ 0 h 1083538"/>
-                <a:gd name="connsiteX5" fmla="*/ 0 w 2448272"/>
-                <a:gd name="connsiteY5" fmla="*/ 0 h 1083538"/>
-                <a:gd name="connsiteX0" fmla="*/ 0 w 2448272"/>
-                <a:gd name="connsiteY0" fmla="*/ 0 h 1083538"/>
-                <a:gd name="connsiteX1" fmla="*/ 0 w 2448272"/>
-                <a:gd name="connsiteY1" fmla="*/ 1083538 h 1083538"/>
-                <a:gd name="connsiteX2" fmla="*/ 2448272 w 2448272"/>
-                <a:gd name="connsiteY2" fmla="*/ 1083538 h 1083538"/>
-                <a:gd name="connsiteX3" fmla="*/ 1947580 w 2448272"/>
-                <a:gd name="connsiteY3" fmla="*/ 540280 h 1083538"/>
-                <a:gd name="connsiteX4" fmla="*/ 2448272 w 2448272"/>
-                <a:gd name="connsiteY4" fmla="*/ 0 h 1083538"/>
-                <a:gd name="connsiteX5" fmla="*/ 0 w 2448272"/>
-                <a:gd name="connsiteY5" fmla="*/ 0 h 1083538"/>
-                <a:gd name="connsiteX0" fmla="*/ 0 w 2448272"/>
-                <a:gd name="connsiteY0" fmla="*/ 0 h 1083538"/>
-                <a:gd name="connsiteX1" fmla="*/ 0 w 2448272"/>
-                <a:gd name="connsiteY1" fmla="*/ 1083538 h 1083538"/>
-                <a:gd name="connsiteX2" fmla="*/ 2448272 w 2448272"/>
-                <a:gd name="connsiteY2" fmla="*/ 1083538 h 1083538"/>
-                <a:gd name="connsiteX3" fmla="*/ 1917245 w 2448272"/>
-                <a:gd name="connsiteY3" fmla="*/ 540280 h 1083538"/>
-                <a:gd name="connsiteX4" fmla="*/ 2448272 w 2448272"/>
-                <a:gd name="connsiteY4" fmla="*/ 0 h 1083538"/>
-                <a:gd name="connsiteX5" fmla="*/ 0 w 2448272"/>
-                <a:gd name="connsiteY5" fmla="*/ 0 h 1083538"/>
-                <a:gd name="connsiteX0" fmla="*/ 0 w 2458326"/>
-                <a:gd name="connsiteY0" fmla="*/ 688 h 1084226"/>
-                <a:gd name="connsiteX1" fmla="*/ 0 w 2458326"/>
-                <a:gd name="connsiteY1" fmla="*/ 1084226 h 1084226"/>
-                <a:gd name="connsiteX2" fmla="*/ 2448272 w 2458326"/>
-                <a:gd name="connsiteY2" fmla="*/ 1084226 h 1084226"/>
-                <a:gd name="connsiteX3" fmla="*/ 1917245 w 2458326"/>
-                <a:gd name="connsiteY3" fmla="*/ 540968 h 1084226"/>
-                <a:gd name="connsiteX4" fmla="*/ 2458326 w 2458326"/>
-                <a:gd name="connsiteY4" fmla="*/ 0 h 1084226"/>
-                <a:gd name="connsiteX5" fmla="*/ 0 w 2458326"/>
-                <a:gd name="connsiteY5" fmla="*/ 688 h 1084226"/>
-                <a:gd name="connsiteX0" fmla="*/ 0 w 2458326"/>
-                <a:gd name="connsiteY0" fmla="*/ 688 h 1084226"/>
-                <a:gd name="connsiteX1" fmla="*/ 0 w 2458326"/>
-                <a:gd name="connsiteY1" fmla="*/ 1084226 h 1084226"/>
-                <a:gd name="connsiteX2" fmla="*/ 2448272 w 2458326"/>
-                <a:gd name="connsiteY2" fmla="*/ 1084226 h 1084226"/>
-                <a:gd name="connsiteX3" fmla="*/ 1924560 w 2458326"/>
-                <a:gd name="connsiteY3" fmla="*/ 540969 h 1084226"/>
-                <a:gd name="connsiteX4" fmla="*/ 2458326 w 2458326"/>
-                <a:gd name="connsiteY4" fmla="*/ 0 h 1084226"/>
-                <a:gd name="connsiteX5" fmla="*/ 0 w 2458326"/>
-                <a:gd name="connsiteY5" fmla="*/ 688 h 1084226"/>
-                <a:gd name="connsiteX0" fmla="*/ 0 w 2458326"/>
-                <a:gd name="connsiteY0" fmla="*/ 688 h 1084226"/>
-                <a:gd name="connsiteX1" fmla="*/ 0 w 2458326"/>
-                <a:gd name="connsiteY1" fmla="*/ 1084226 h 1084226"/>
-                <a:gd name="connsiteX2" fmla="*/ 2448272 w 2458326"/>
-                <a:gd name="connsiteY2" fmla="*/ 1084226 h 1084226"/>
-                <a:gd name="connsiteX3" fmla="*/ 1987315 w 2458326"/>
-                <a:gd name="connsiteY3" fmla="*/ 550559 h 1084226"/>
-                <a:gd name="connsiteX4" fmla="*/ 2458326 w 2458326"/>
-                <a:gd name="connsiteY4" fmla="*/ 0 h 1084226"/>
-                <a:gd name="connsiteX5" fmla="*/ 0 w 2458326"/>
-                <a:gd name="connsiteY5" fmla="*/ 688 h 1084226"/>
-                <a:gd name="connsiteX0" fmla="*/ 0 w 2458326"/>
-                <a:gd name="connsiteY0" fmla="*/ 688 h 1084226"/>
-                <a:gd name="connsiteX1" fmla="*/ 0 w 2458326"/>
-                <a:gd name="connsiteY1" fmla="*/ 1084226 h 1084226"/>
-                <a:gd name="connsiteX2" fmla="*/ 2448272 w 2458326"/>
-                <a:gd name="connsiteY2" fmla="*/ 1084226 h 1084226"/>
-                <a:gd name="connsiteX3" fmla="*/ 1969786 w 2458326"/>
-                <a:gd name="connsiteY3" fmla="*/ 524741 h 1084226"/>
-                <a:gd name="connsiteX4" fmla="*/ 2458326 w 2458326"/>
-                <a:gd name="connsiteY4" fmla="*/ 0 h 1084226"/>
-                <a:gd name="connsiteX5" fmla="*/ 0 w 2458326"/>
-                <a:gd name="connsiteY5" fmla="*/ 688 h 1084226"/>
-                <a:gd name="connsiteX0" fmla="*/ 0 w 2458326"/>
-                <a:gd name="connsiteY0" fmla="*/ 688 h 1084226"/>
-                <a:gd name="connsiteX1" fmla="*/ 0 w 2458326"/>
-                <a:gd name="connsiteY1" fmla="*/ 1084226 h 1084226"/>
-                <a:gd name="connsiteX2" fmla="*/ 2448272 w 2458326"/>
-                <a:gd name="connsiteY2" fmla="*/ 1084226 h 1084226"/>
-                <a:gd name="connsiteX3" fmla="*/ 1969786 w 2458326"/>
-                <a:gd name="connsiteY3" fmla="*/ 560887 h 1084226"/>
-                <a:gd name="connsiteX4" fmla="*/ 2458326 w 2458326"/>
-                <a:gd name="connsiteY4" fmla="*/ 0 h 1084226"/>
-                <a:gd name="connsiteX5" fmla="*/ 0 w 2458326"/>
-                <a:gd name="connsiteY5" fmla="*/ 688 h 1084226"/>
-                <a:gd name="connsiteX0" fmla="*/ 0 w 2458326"/>
-                <a:gd name="connsiteY0" fmla="*/ 688 h 1084226"/>
-                <a:gd name="connsiteX1" fmla="*/ 0 w 2458326"/>
-                <a:gd name="connsiteY1" fmla="*/ 1084226 h 1084226"/>
-                <a:gd name="connsiteX2" fmla="*/ 2448272 w 2458326"/>
-                <a:gd name="connsiteY2" fmla="*/ 1084226 h 1084226"/>
-                <a:gd name="connsiteX3" fmla="*/ 1965404 w 2458326"/>
-                <a:gd name="connsiteY3" fmla="*/ 524741 h 1084226"/>
-                <a:gd name="connsiteX4" fmla="*/ 2458326 w 2458326"/>
-                <a:gd name="connsiteY4" fmla="*/ 0 h 1084226"/>
-                <a:gd name="connsiteX5" fmla="*/ 0 w 2458326"/>
-                <a:gd name="connsiteY5" fmla="*/ 688 h 1084226"/>
-                <a:gd name="connsiteX0" fmla="*/ 0 w 2458326"/>
-                <a:gd name="connsiteY0" fmla="*/ 688 h 1084226"/>
-                <a:gd name="connsiteX1" fmla="*/ 0 w 2458326"/>
-                <a:gd name="connsiteY1" fmla="*/ 1084226 h 1084226"/>
-                <a:gd name="connsiteX2" fmla="*/ 2448272 w 2458326"/>
-                <a:gd name="connsiteY2" fmla="*/ 1084226 h 1084226"/>
-                <a:gd name="connsiteX3" fmla="*/ 1969786 w 2458326"/>
-                <a:gd name="connsiteY3" fmla="*/ 550560 h 1084226"/>
-                <a:gd name="connsiteX4" fmla="*/ 2458326 w 2458326"/>
-                <a:gd name="connsiteY4" fmla="*/ 0 h 1084226"/>
-                <a:gd name="connsiteX5" fmla="*/ 0 w 2458326"/>
-                <a:gd name="connsiteY5" fmla="*/ 688 h 1084226"/>
-                <a:gd name="connsiteX0" fmla="*/ 0 w 2458326"/>
-                <a:gd name="connsiteY0" fmla="*/ 688 h 1084226"/>
-                <a:gd name="connsiteX1" fmla="*/ 0 w 2458326"/>
-                <a:gd name="connsiteY1" fmla="*/ 1084226 h 1084226"/>
-                <a:gd name="connsiteX2" fmla="*/ 2448272 w 2458326"/>
-                <a:gd name="connsiteY2" fmla="*/ 1084226 h 1084226"/>
-                <a:gd name="connsiteX3" fmla="*/ 1972462 w 2458326"/>
-                <a:gd name="connsiteY3" fmla="*/ 534793 h 1084226"/>
-                <a:gd name="connsiteX4" fmla="*/ 2458326 w 2458326"/>
-                <a:gd name="connsiteY4" fmla="*/ 0 h 1084226"/>
-                <a:gd name="connsiteX5" fmla="*/ 0 w 2458326"/>
-                <a:gd name="connsiteY5" fmla="*/ 688 h 1084226"/>
-                <a:gd name="connsiteX0" fmla="*/ 0 w 2458326"/>
-                <a:gd name="connsiteY0" fmla="*/ 688 h 1084226"/>
-                <a:gd name="connsiteX1" fmla="*/ 0 w 2458326"/>
-                <a:gd name="connsiteY1" fmla="*/ 1084226 h 1084226"/>
-                <a:gd name="connsiteX2" fmla="*/ 2448272 w 2458326"/>
-                <a:gd name="connsiteY2" fmla="*/ 1084226 h 1084226"/>
-                <a:gd name="connsiteX3" fmla="*/ 1972462 w 2458326"/>
-                <a:gd name="connsiteY3" fmla="*/ 550561 h 1084226"/>
-                <a:gd name="connsiteX4" fmla="*/ 2458326 w 2458326"/>
-                <a:gd name="connsiteY4" fmla="*/ 0 h 1084226"/>
-                <a:gd name="connsiteX5" fmla="*/ 0 w 2458326"/>
-                <a:gd name="connsiteY5" fmla="*/ 688 h 1084226"/>
-                <a:gd name="connsiteX0" fmla="*/ 0 w 2458326"/>
-                <a:gd name="connsiteY0" fmla="*/ 688 h 1084226"/>
-                <a:gd name="connsiteX1" fmla="*/ 0 w 2458326"/>
-                <a:gd name="connsiteY1" fmla="*/ 1084226 h 1084226"/>
-                <a:gd name="connsiteX2" fmla="*/ 2448272 w 2458326"/>
-                <a:gd name="connsiteY2" fmla="*/ 1084226 h 1084226"/>
-                <a:gd name="connsiteX3" fmla="*/ 1972462 w 2458326"/>
-                <a:gd name="connsiteY3" fmla="*/ 534793 h 1084226"/>
-                <a:gd name="connsiteX4" fmla="*/ 2458326 w 2458326"/>
-                <a:gd name="connsiteY4" fmla="*/ 0 h 1084226"/>
-                <a:gd name="connsiteX5" fmla="*/ 0 w 2458326"/>
-                <a:gd name="connsiteY5" fmla="*/ 688 h 1084226"/>
-                <a:gd name="connsiteX0" fmla="*/ 0 w 2458326"/>
-                <a:gd name="connsiteY0" fmla="*/ 688 h 1084226"/>
-                <a:gd name="connsiteX1" fmla="*/ 0 w 2458326"/>
-                <a:gd name="connsiteY1" fmla="*/ 1084226 h 1084226"/>
-                <a:gd name="connsiteX2" fmla="*/ 2448272 w 2458326"/>
-                <a:gd name="connsiteY2" fmla="*/ 1084226 h 1084226"/>
-                <a:gd name="connsiteX3" fmla="*/ 1969786 w 2458326"/>
-                <a:gd name="connsiteY3" fmla="*/ 550562 h 1084226"/>
-                <a:gd name="connsiteX4" fmla="*/ 2458326 w 2458326"/>
-                <a:gd name="connsiteY4" fmla="*/ 0 h 1084226"/>
-                <a:gd name="connsiteX5" fmla="*/ 0 w 2458326"/>
-                <a:gd name="connsiteY5" fmla="*/ 688 h 1084226"/>
-                <a:gd name="connsiteX0" fmla="*/ 0 w 2458326"/>
-                <a:gd name="connsiteY0" fmla="*/ 688 h 1084226"/>
-                <a:gd name="connsiteX1" fmla="*/ 0 w 2458326"/>
-                <a:gd name="connsiteY1" fmla="*/ 1084226 h 1084226"/>
-                <a:gd name="connsiteX2" fmla="*/ 2448272 w 2458326"/>
-                <a:gd name="connsiteY2" fmla="*/ 1084226 h 1084226"/>
-                <a:gd name="connsiteX3" fmla="*/ 1967109 w 2458326"/>
-                <a:gd name="connsiteY3" fmla="*/ 534794 h 1084226"/>
-                <a:gd name="connsiteX4" fmla="*/ 2458326 w 2458326"/>
-                <a:gd name="connsiteY4" fmla="*/ 0 h 1084226"/>
-                <a:gd name="connsiteX5" fmla="*/ 0 w 2458326"/>
-                <a:gd name="connsiteY5" fmla="*/ 688 h 1084226"/>
-                <a:gd name="connsiteX0" fmla="*/ 0 w 2458326"/>
-                <a:gd name="connsiteY0" fmla="*/ 688 h 1084226"/>
-                <a:gd name="connsiteX1" fmla="*/ 0 w 2458326"/>
-                <a:gd name="connsiteY1" fmla="*/ 1084226 h 1084226"/>
-                <a:gd name="connsiteX2" fmla="*/ 2448272 w 2458326"/>
-                <a:gd name="connsiteY2" fmla="*/ 1084226 h 1084226"/>
-                <a:gd name="connsiteX3" fmla="*/ 1986041 w 2458326"/>
-                <a:gd name="connsiteY3" fmla="*/ 543482 h 1084226"/>
-                <a:gd name="connsiteX4" fmla="*/ 2458326 w 2458326"/>
-                <a:gd name="connsiteY4" fmla="*/ 0 h 1084226"/>
-                <a:gd name="connsiteX5" fmla="*/ 0 w 2458326"/>
-                <a:gd name="connsiteY5" fmla="*/ 688 h 1084226"/>
-              </a:gdLst>
-              <a:ahLst/>
-              <a:cxnLst>
-                <a:cxn ang="0">
-                  <a:pos x="connsiteX0" y="connsiteY0"/>
-                </a:cxn>
-                <a:cxn ang="0">
-                  <a:pos x="connsiteX1" y="connsiteY1"/>
-                </a:cxn>
-                <a:cxn ang="0">
-                  <a:pos x="connsiteX2" y="connsiteY2"/>
-                </a:cxn>
-                <a:cxn ang="0">
-                  <a:pos x="connsiteX3" y="connsiteY3"/>
-                </a:cxn>
-                <a:cxn ang="0">
-                  <a:pos x="connsiteX4" y="connsiteY4"/>
-                </a:cxn>
-                <a:cxn ang="0">
-                  <a:pos x="connsiteX5" y="connsiteY5"/>
-                </a:cxn>
-              </a:cxnLst>
-              <a:rect l="l" t="t" r="r" b="b"/>
-              <a:pathLst>
-                <a:path w="2458326" h="1084226">
-                  <a:moveTo>
-                    <a:pt x="0" y="688"/>
-                  </a:moveTo>
-                  <a:lnTo>
-                    <a:pt x="0" y="1084226"/>
-                  </a:lnTo>
-                  <a:lnTo>
-                    <a:pt x="2448272" y="1084226"/>
-                  </a:lnTo>
-                  <a:lnTo>
-                    <a:pt x="1986041" y="543482"/>
-                  </a:lnTo>
-                  <a:lnTo>
-                    <a:pt x="2458326" y="0"/>
-                  </a:lnTo>
-                  <a:lnTo>
-                    <a:pt x="0" y="688"/>
-                  </a:lnTo>
-                  <a:close/>
-                </a:path>
-              </a:pathLst>
-            </a:custGeom>
-            <a:scene3d>
-              <a:camera prst="orthographicFront"/>
-              <a:lightRig rig="threePt" dir="t">
-                <a:rot lat="0" lon="0" rev="7500000"/>
-              </a:lightRig>
-            </a:scene3d>
-            <a:sp3d prstMaterial="plastic">
-              <a:bevelT w="127000" h="25400" prst="relaxedInset"/>
-            </a:sp3d>
-          </p:spPr>
-          <p:style>
-            <a:lnRef idx="0">
-              <a:schemeClr val="lt1">
-                <a:hueOff val="0"/>
-                <a:satOff val="0"/>
-                <a:lumOff val="0"/>
-                <a:alphaOff val="0"/>
-              </a:schemeClr>
-            </a:lnRef>
-            <a:fillRef idx="3">
-              <a:schemeClr val="accent1">
-                <a:shade val="80000"/>
-                <a:hueOff val="0"/>
-                <a:satOff val="0"/>
-                <a:lumOff val="0"/>
-                <a:alphaOff val="0"/>
-              </a:schemeClr>
-            </a:fillRef>
-            <a:effectRef idx="2">
-              <a:schemeClr val="accent1">
-                <a:shade val="80000"/>
-                <a:hueOff val="0"/>
-                <a:satOff val="0"/>
-                <a:lumOff val="0"/>
-                <a:alphaOff val="0"/>
-              </a:schemeClr>
-            </a:effectRef>
-            <a:fontRef idx="minor">
-              <a:schemeClr val="lt1"/>
-            </a:fontRef>
-          </p:style>
-          <p:txBody>
-            <a:bodyPr spcFirstLastPara="0" vert="horz" wrap="square" lIns="282702" tIns="141351" rIns="338190" bIns="141351" numCol="1" spcCol="1270" anchor="ctr" anchorCtr="0">
-              <a:noAutofit/>
-            </a:bodyPr>
-            <a:lstStyle/>
-            <a:p>
-              <a:pPr algn="ctr" defTabSz="2355850">
-                <a:lnSpc>
-                  <a:spcPct val="90000"/>
-                </a:lnSpc>
-                <a:spcBef>
-                  <a:spcPct val="0"/>
-                </a:spcBef>
-                <a:spcAft>
-                  <a:spcPct val="35000"/>
-                </a:spcAft>
-              </a:pPr>
-              <a:endParaRPr lang="de-AT" sz="5300"/>
-            </a:p>
-          </p:txBody>
-        </p:sp>
-        <p:sp>
-          <p:nvSpPr>
-            <p:cNvPr id="7" name="Rechteck 6"/>
-            <p:cNvSpPr/>
-            <p:nvPr/>
-          </p:nvSpPr>
-          <p:spPr>
-            <a:xfrm>
-              <a:off x="991765" y="980058"/>
-              <a:ext cx="1790875" cy="826380"/>
-            </a:xfrm>
-            <a:prstGeom prst="rect">
-              <a:avLst/>
-            </a:prstGeom>
-          </p:spPr>
-          <p:txBody>
-            <a:bodyPr wrap="none">
-              <a:spAutoFit/>
-            </a:bodyPr>
-            <a:lstStyle/>
-            <a:p>
-              <a:pPr lvl="0" algn="ctr" defTabSz="2355850">
-                <a:lnSpc>
-                  <a:spcPct val="90000"/>
-                </a:lnSpc>
-                <a:spcBef>
-                  <a:spcPct val="0"/>
-                </a:spcBef>
-                <a:spcAft>
-                  <a:spcPct val="35000"/>
-                </a:spcAft>
-              </a:pPr>
-              <a:r>
-                <a:rPr lang="en-GB" sz="5300" dirty="0" smtClean="0">
-                  <a:solidFill>
-                    <a:prstClr val="white"/>
-                  </a:solidFill>
-                </a:rPr>
-                <a:t>phoss</a:t>
-              </a:r>
-              <a:endParaRPr lang="en-GB" sz="5300" dirty="0">
+          <a:custGeom>
+            <a:avLst/>
+            <a:gdLst>
+              <a:gd name="connsiteX0" fmla="*/ 0 w 2436638"/>
+              <a:gd name="connsiteY0" fmla="*/ 0 h 1088823"/>
+              <a:gd name="connsiteX1" fmla="*/ 0 w 2436638"/>
+              <a:gd name="connsiteY1" fmla="*/ 1083538 h 1088823"/>
+              <a:gd name="connsiteX2" fmla="*/ 2436638 w 2436638"/>
+              <a:gd name="connsiteY2" fmla="*/ 1088823 h 1088823"/>
+              <a:gd name="connsiteX3" fmla="*/ 1908083 w 2436638"/>
+              <a:gd name="connsiteY3" fmla="*/ 533841 h 1088823"/>
+              <a:gd name="connsiteX4" fmla="*/ 2436638 w 2436638"/>
+              <a:gd name="connsiteY4" fmla="*/ 5286 h 1088823"/>
+              <a:gd name="connsiteX5" fmla="*/ 0 w 2436638"/>
+              <a:gd name="connsiteY5" fmla="*/ 0 h 1088823"/>
+              <a:gd name="connsiteX0" fmla="*/ 0 w 2448272"/>
+              <a:gd name="connsiteY0" fmla="*/ 0 h 1083538"/>
+              <a:gd name="connsiteX1" fmla="*/ 0 w 2448272"/>
+              <a:gd name="connsiteY1" fmla="*/ 1083538 h 1083538"/>
+              <a:gd name="connsiteX2" fmla="*/ 2448272 w 2448272"/>
+              <a:gd name="connsiteY2" fmla="*/ 1080120 h 1083538"/>
+              <a:gd name="connsiteX3" fmla="*/ 1908083 w 2448272"/>
+              <a:gd name="connsiteY3" fmla="*/ 533841 h 1083538"/>
+              <a:gd name="connsiteX4" fmla="*/ 2436638 w 2448272"/>
+              <a:gd name="connsiteY4" fmla="*/ 5286 h 1083538"/>
+              <a:gd name="connsiteX5" fmla="*/ 0 w 2448272"/>
+              <a:gd name="connsiteY5" fmla="*/ 0 h 1083538"/>
+              <a:gd name="connsiteX0" fmla="*/ 0 w 2592288"/>
+              <a:gd name="connsiteY0" fmla="*/ 0 h 1083538"/>
+              <a:gd name="connsiteX1" fmla="*/ 0 w 2592288"/>
+              <a:gd name="connsiteY1" fmla="*/ 1083538 h 1083538"/>
+              <a:gd name="connsiteX2" fmla="*/ 2592288 w 2592288"/>
+              <a:gd name="connsiteY2" fmla="*/ 1080120 h 1083538"/>
+              <a:gd name="connsiteX3" fmla="*/ 1908083 w 2592288"/>
+              <a:gd name="connsiteY3" fmla="*/ 533841 h 1083538"/>
+              <a:gd name="connsiteX4" fmla="*/ 2436638 w 2592288"/>
+              <a:gd name="connsiteY4" fmla="*/ 5286 h 1083538"/>
+              <a:gd name="connsiteX5" fmla="*/ 0 w 2592288"/>
+              <a:gd name="connsiteY5" fmla="*/ 0 h 1083538"/>
+              <a:gd name="connsiteX0" fmla="*/ 0 w 2436638"/>
+              <a:gd name="connsiteY0" fmla="*/ 0 h 1083538"/>
+              <a:gd name="connsiteX1" fmla="*/ 0 w 2436638"/>
+              <a:gd name="connsiteY1" fmla="*/ 1083538 h 1083538"/>
+              <a:gd name="connsiteX2" fmla="*/ 2376264 w 2436638"/>
+              <a:gd name="connsiteY2" fmla="*/ 1080120 h 1083538"/>
+              <a:gd name="connsiteX3" fmla="*/ 1908083 w 2436638"/>
+              <a:gd name="connsiteY3" fmla="*/ 533841 h 1083538"/>
+              <a:gd name="connsiteX4" fmla="*/ 2436638 w 2436638"/>
+              <a:gd name="connsiteY4" fmla="*/ 5286 h 1083538"/>
+              <a:gd name="connsiteX5" fmla="*/ 0 w 2436638"/>
+              <a:gd name="connsiteY5" fmla="*/ 0 h 1083538"/>
+              <a:gd name="connsiteX0" fmla="*/ 0 w 2448272"/>
+              <a:gd name="connsiteY0" fmla="*/ 0 h 1083538"/>
+              <a:gd name="connsiteX1" fmla="*/ 0 w 2448272"/>
+              <a:gd name="connsiteY1" fmla="*/ 1083538 h 1083538"/>
+              <a:gd name="connsiteX2" fmla="*/ 2448272 w 2448272"/>
+              <a:gd name="connsiteY2" fmla="*/ 1083538 h 1083538"/>
+              <a:gd name="connsiteX3" fmla="*/ 1908083 w 2448272"/>
+              <a:gd name="connsiteY3" fmla="*/ 533841 h 1083538"/>
+              <a:gd name="connsiteX4" fmla="*/ 2436638 w 2448272"/>
+              <a:gd name="connsiteY4" fmla="*/ 5286 h 1083538"/>
+              <a:gd name="connsiteX5" fmla="*/ 0 w 2448272"/>
+              <a:gd name="connsiteY5" fmla="*/ 0 h 1083538"/>
+              <a:gd name="connsiteX0" fmla="*/ 0 w 2448272"/>
+              <a:gd name="connsiteY0" fmla="*/ 0 h 1083538"/>
+              <a:gd name="connsiteX1" fmla="*/ 0 w 2448272"/>
+              <a:gd name="connsiteY1" fmla="*/ 1083538 h 1083538"/>
+              <a:gd name="connsiteX2" fmla="*/ 2448272 w 2448272"/>
+              <a:gd name="connsiteY2" fmla="*/ 1083538 h 1083538"/>
+              <a:gd name="connsiteX3" fmla="*/ 1908083 w 2448272"/>
+              <a:gd name="connsiteY3" fmla="*/ 533841 h 1083538"/>
+              <a:gd name="connsiteX4" fmla="*/ 2448272 w 2448272"/>
+              <a:gd name="connsiteY4" fmla="*/ 0 h 1083538"/>
+              <a:gd name="connsiteX5" fmla="*/ 0 w 2448272"/>
+              <a:gd name="connsiteY5" fmla="*/ 0 h 1083538"/>
+              <a:gd name="connsiteX0" fmla="*/ 0 w 2448272"/>
+              <a:gd name="connsiteY0" fmla="*/ 0 h 1083538"/>
+              <a:gd name="connsiteX1" fmla="*/ 0 w 2448272"/>
+              <a:gd name="connsiteY1" fmla="*/ 1083538 h 1083538"/>
+              <a:gd name="connsiteX2" fmla="*/ 2448272 w 2448272"/>
+              <a:gd name="connsiteY2" fmla="*/ 1083538 h 1083538"/>
+              <a:gd name="connsiteX3" fmla="*/ 1944216 w 2448272"/>
+              <a:gd name="connsiteY3" fmla="*/ 577887 h 1083538"/>
+              <a:gd name="connsiteX4" fmla="*/ 2448272 w 2448272"/>
+              <a:gd name="connsiteY4" fmla="*/ 0 h 1083538"/>
+              <a:gd name="connsiteX5" fmla="*/ 0 w 2448272"/>
+              <a:gd name="connsiteY5" fmla="*/ 0 h 1083538"/>
+              <a:gd name="connsiteX0" fmla="*/ 0 w 2448272"/>
+              <a:gd name="connsiteY0" fmla="*/ 0 h 1083538"/>
+              <a:gd name="connsiteX1" fmla="*/ 0 w 2448272"/>
+              <a:gd name="connsiteY1" fmla="*/ 1083538 h 1083538"/>
+              <a:gd name="connsiteX2" fmla="*/ 2448272 w 2448272"/>
+              <a:gd name="connsiteY2" fmla="*/ 1083538 h 1083538"/>
+              <a:gd name="connsiteX3" fmla="*/ 1944216 w 2448272"/>
+              <a:gd name="connsiteY3" fmla="*/ 577887 h 1083538"/>
+              <a:gd name="connsiteX4" fmla="*/ 2448272 w 2448272"/>
+              <a:gd name="connsiteY4" fmla="*/ 0 h 1083538"/>
+              <a:gd name="connsiteX5" fmla="*/ 0 w 2448272"/>
+              <a:gd name="connsiteY5" fmla="*/ 0 h 1083538"/>
+              <a:gd name="connsiteX0" fmla="*/ 0 w 2448272"/>
+              <a:gd name="connsiteY0" fmla="*/ 0 h 1083538"/>
+              <a:gd name="connsiteX1" fmla="*/ 0 w 2448272"/>
+              <a:gd name="connsiteY1" fmla="*/ 1083538 h 1083538"/>
+              <a:gd name="connsiteX2" fmla="*/ 2448272 w 2448272"/>
+              <a:gd name="connsiteY2" fmla="*/ 1083538 h 1083538"/>
+              <a:gd name="connsiteX3" fmla="*/ 1947580 w 2448272"/>
+              <a:gd name="connsiteY3" fmla="*/ 540280 h 1083538"/>
+              <a:gd name="connsiteX4" fmla="*/ 2448272 w 2448272"/>
+              <a:gd name="connsiteY4" fmla="*/ 0 h 1083538"/>
+              <a:gd name="connsiteX5" fmla="*/ 0 w 2448272"/>
+              <a:gd name="connsiteY5" fmla="*/ 0 h 1083538"/>
+              <a:gd name="connsiteX0" fmla="*/ 0 w 2448272"/>
+              <a:gd name="connsiteY0" fmla="*/ 0 h 1083538"/>
+              <a:gd name="connsiteX1" fmla="*/ 0 w 2448272"/>
+              <a:gd name="connsiteY1" fmla="*/ 1083538 h 1083538"/>
+              <a:gd name="connsiteX2" fmla="*/ 2448272 w 2448272"/>
+              <a:gd name="connsiteY2" fmla="*/ 1083538 h 1083538"/>
+              <a:gd name="connsiteX3" fmla="*/ 1917245 w 2448272"/>
+              <a:gd name="connsiteY3" fmla="*/ 540280 h 1083538"/>
+              <a:gd name="connsiteX4" fmla="*/ 2448272 w 2448272"/>
+              <a:gd name="connsiteY4" fmla="*/ 0 h 1083538"/>
+              <a:gd name="connsiteX5" fmla="*/ 0 w 2448272"/>
+              <a:gd name="connsiteY5" fmla="*/ 0 h 1083538"/>
+              <a:gd name="connsiteX0" fmla="*/ 0 w 2458326"/>
+              <a:gd name="connsiteY0" fmla="*/ 688 h 1084226"/>
+              <a:gd name="connsiteX1" fmla="*/ 0 w 2458326"/>
+              <a:gd name="connsiteY1" fmla="*/ 1084226 h 1084226"/>
+              <a:gd name="connsiteX2" fmla="*/ 2448272 w 2458326"/>
+              <a:gd name="connsiteY2" fmla="*/ 1084226 h 1084226"/>
+              <a:gd name="connsiteX3" fmla="*/ 1917245 w 2458326"/>
+              <a:gd name="connsiteY3" fmla="*/ 540968 h 1084226"/>
+              <a:gd name="connsiteX4" fmla="*/ 2458326 w 2458326"/>
+              <a:gd name="connsiteY4" fmla="*/ 0 h 1084226"/>
+              <a:gd name="connsiteX5" fmla="*/ 0 w 2458326"/>
+              <a:gd name="connsiteY5" fmla="*/ 688 h 1084226"/>
+              <a:gd name="connsiteX0" fmla="*/ 0 w 2458326"/>
+              <a:gd name="connsiteY0" fmla="*/ 688 h 1084226"/>
+              <a:gd name="connsiteX1" fmla="*/ 0 w 2458326"/>
+              <a:gd name="connsiteY1" fmla="*/ 1084226 h 1084226"/>
+              <a:gd name="connsiteX2" fmla="*/ 2448272 w 2458326"/>
+              <a:gd name="connsiteY2" fmla="*/ 1084226 h 1084226"/>
+              <a:gd name="connsiteX3" fmla="*/ 1924560 w 2458326"/>
+              <a:gd name="connsiteY3" fmla="*/ 540969 h 1084226"/>
+              <a:gd name="connsiteX4" fmla="*/ 2458326 w 2458326"/>
+              <a:gd name="connsiteY4" fmla="*/ 0 h 1084226"/>
+              <a:gd name="connsiteX5" fmla="*/ 0 w 2458326"/>
+              <a:gd name="connsiteY5" fmla="*/ 688 h 1084226"/>
+              <a:gd name="connsiteX0" fmla="*/ 0 w 2458326"/>
+              <a:gd name="connsiteY0" fmla="*/ 688 h 1084226"/>
+              <a:gd name="connsiteX1" fmla="*/ 0 w 2458326"/>
+              <a:gd name="connsiteY1" fmla="*/ 1084226 h 1084226"/>
+              <a:gd name="connsiteX2" fmla="*/ 2448272 w 2458326"/>
+              <a:gd name="connsiteY2" fmla="*/ 1084226 h 1084226"/>
+              <a:gd name="connsiteX3" fmla="*/ 1987315 w 2458326"/>
+              <a:gd name="connsiteY3" fmla="*/ 550559 h 1084226"/>
+              <a:gd name="connsiteX4" fmla="*/ 2458326 w 2458326"/>
+              <a:gd name="connsiteY4" fmla="*/ 0 h 1084226"/>
+              <a:gd name="connsiteX5" fmla="*/ 0 w 2458326"/>
+              <a:gd name="connsiteY5" fmla="*/ 688 h 1084226"/>
+              <a:gd name="connsiteX0" fmla="*/ 0 w 2458326"/>
+              <a:gd name="connsiteY0" fmla="*/ 688 h 1084226"/>
+              <a:gd name="connsiteX1" fmla="*/ 0 w 2458326"/>
+              <a:gd name="connsiteY1" fmla="*/ 1084226 h 1084226"/>
+              <a:gd name="connsiteX2" fmla="*/ 2448272 w 2458326"/>
+              <a:gd name="connsiteY2" fmla="*/ 1084226 h 1084226"/>
+              <a:gd name="connsiteX3" fmla="*/ 1969786 w 2458326"/>
+              <a:gd name="connsiteY3" fmla="*/ 524741 h 1084226"/>
+              <a:gd name="connsiteX4" fmla="*/ 2458326 w 2458326"/>
+              <a:gd name="connsiteY4" fmla="*/ 0 h 1084226"/>
+              <a:gd name="connsiteX5" fmla="*/ 0 w 2458326"/>
+              <a:gd name="connsiteY5" fmla="*/ 688 h 1084226"/>
+              <a:gd name="connsiteX0" fmla="*/ 0 w 2458326"/>
+              <a:gd name="connsiteY0" fmla="*/ 688 h 1084226"/>
+              <a:gd name="connsiteX1" fmla="*/ 0 w 2458326"/>
+              <a:gd name="connsiteY1" fmla="*/ 1084226 h 1084226"/>
+              <a:gd name="connsiteX2" fmla="*/ 2448272 w 2458326"/>
+              <a:gd name="connsiteY2" fmla="*/ 1084226 h 1084226"/>
+              <a:gd name="connsiteX3" fmla="*/ 1969786 w 2458326"/>
+              <a:gd name="connsiteY3" fmla="*/ 560887 h 1084226"/>
+              <a:gd name="connsiteX4" fmla="*/ 2458326 w 2458326"/>
+              <a:gd name="connsiteY4" fmla="*/ 0 h 1084226"/>
+              <a:gd name="connsiteX5" fmla="*/ 0 w 2458326"/>
+              <a:gd name="connsiteY5" fmla="*/ 688 h 1084226"/>
+              <a:gd name="connsiteX0" fmla="*/ 0 w 2458326"/>
+              <a:gd name="connsiteY0" fmla="*/ 688 h 1084226"/>
+              <a:gd name="connsiteX1" fmla="*/ 0 w 2458326"/>
+              <a:gd name="connsiteY1" fmla="*/ 1084226 h 1084226"/>
+              <a:gd name="connsiteX2" fmla="*/ 2448272 w 2458326"/>
+              <a:gd name="connsiteY2" fmla="*/ 1084226 h 1084226"/>
+              <a:gd name="connsiteX3" fmla="*/ 1965404 w 2458326"/>
+              <a:gd name="connsiteY3" fmla="*/ 524741 h 1084226"/>
+              <a:gd name="connsiteX4" fmla="*/ 2458326 w 2458326"/>
+              <a:gd name="connsiteY4" fmla="*/ 0 h 1084226"/>
+              <a:gd name="connsiteX5" fmla="*/ 0 w 2458326"/>
+              <a:gd name="connsiteY5" fmla="*/ 688 h 1084226"/>
+              <a:gd name="connsiteX0" fmla="*/ 0 w 2458326"/>
+              <a:gd name="connsiteY0" fmla="*/ 688 h 1084226"/>
+              <a:gd name="connsiteX1" fmla="*/ 0 w 2458326"/>
+              <a:gd name="connsiteY1" fmla="*/ 1084226 h 1084226"/>
+              <a:gd name="connsiteX2" fmla="*/ 2448272 w 2458326"/>
+              <a:gd name="connsiteY2" fmla="*/ 1084226 h 1084226"/>
+              <a:gd name="connsiteX3" fmla="*/ 1969786 w 2458326"/>
+              <a:gd name="connsiteY3" fmla="*/ 550560 h 1084226"/>
+              <a:gd name="connsiteX4" fmla="*/ 2458326 w 2458326"/>
+              <a:gd name="connsiteY4" fmla="*/ 0 h 1084226"/>
+              <a:gd name="connsiteX5" fmla="*/ 0 w 2458326"/>
+              <a:gd name="connsiteY5" fmla="*/ 688 h 1084226"/>
+              <a:gd name="connsiteX0" fmla="*/ 0 w 2458326"/>
+              <a:gd name="connsiteY0" fmla="*/ 688 h 1084226"/>
+              <a:gd name="connsiteX1" fmla="*/ 0 w 2458326"/>
+              <a:gd name="connsiteY1" fmla="*/ 1084226 h 1084226"/>
+              <a:gd name="connsiteX2" fmla="*/ 2448272 w 2458326"/>
+              <a:gd name="connsiteY2" fmla="*/ 1084226 h 1084226"/>
+              <a:gd name="connsiteX3" fmla="*/ 1972462 w 2458326"/>
+              <a:gd name="connsiteY3" fmla="*/ 534793 h 1084226"/>
+              <a:gd name="connsiteX4" fmla="*/ 2458326 w 2458326"/>
+              <a:gd name="connsiteY4" fmla="*/ 0 h 1084226"/>
+              <a:gd name="connsiteX5" fmla="*/ 0 w 2458326"/>
+              <a:gd name="connsiteY5" fmla="*/ 688 h 1084226"/>
+              <a:gd name="connsiteX0" fmla="*/ 0 w 2458326"/>
+              <a:gd name="connsiteY0" fmla="*/ 688 h 1084226"/>
+              <a:gd name="connsiteX1" fmla="*/ 0 w 2458326"/>
+              <a:gd name="connsiteY1" fmla="*/ 1084226 h 1084226"/>
+              <a:gd name="connsiteX2" fmla="*/ 2448272 w 2458326"/>
+              <a:gd name="connsiteY2" fmla="*/ 1084226 h 1084226"/>
+              <a:gd name="connsiteX3" fmla="*/ 1972462 w 2458326"/>
+              <a:gd name="connsiteY3" fmla="*/ 550561 h 1084226"/>
+              <a:gd name="connsiteX4" fmla="*/ 2458326 w 2458326"/>
+              <a:gd name="connsiteY4" fmla="*/ 0 h 1084226"/>
+              <a:gd name="connsiteX5" fmla="*/ 0 w 2458326"/>
+              <a:gd name="connsiteY5" fmla="*/ 688 h 1084226"/>
+              <a:gd name="connsiteX0" fmla="*/ 0 w 2458326"/>
+              <a:gd name="connsiteY0" fmla="*/ 688 h 1084226"/>
+              <a:gd name="connsiteX1" fmla="*/ 0 w 2458326"/>
+              <a:gd name="connsiteY1" fmla="*/ 1084226 h 1084226"/>
+              <a:gd name="connsiteX2" fmla="*/ 2448272 w 2458326"/>
+              <a:gd name="connsiteY2" fmla="*/ 1084226 h 1084226"/>
+              <a:gd name="connsiteX3" fmla="*/ 1972462 w 2458326"/>
+              <a:gd name="connsiteY3" fmla="*/ 534793 h 1084226"/>
+              <a:gd name="connsiteX4" fmla="*/ 2458326 w 2458326"/>
+              <a:gd name="connsiteY4" fmla="*/ 0 h 1084226"/>
+              <a:gd name="connsiteX5" fmla="*/ 0 w 2458326"/>
+              <a:gd name="connsiteY5" fmla="*/ 688 h 1084226"/>
+              <a:gd name="connsiteX0" fmla="*/ 0 w 2458326"/>
+              <a:gd name="connsiteY0" fmla="*/ 688 h 1084226"/>
+              <a:gd name="connsiteX1" fmla="*/ 0 w 2458326"/>
+              <a:gd name="connsiteY1" fmla="*/ 1084226 h 1084226"/>
+              <a:gd name="connsiteX2" fmla="*/ 2448272 w 2458326"/>
+              <a:gd name="connsiteY2" fmla="*/ 1084226 h 1084226"/>
+              <a:gd name="connsiteX3" fmla="*/ 1969786 w 2458326"/>
+              <a:gd name="connsiteY3" fmla="*/ 550562 h 1084226"/>
+              <a:gd name="connsiteX4" fmla="*/ 2458326 w 2458326"/>
+              <a:gd name="connsiteY4" fmla="*/ 0 h 1084226"/>
+              <a:gd name="connsiteX5" fmla="*/ 0 w 2458326"/>
+              <a:gd name="connsiteY5" fmla="*/ 688 h 1084226"/>
+              <a:gd name="connsiteX0" fmla="*/ 0 w 2458326"/>
+              <a:gd name="connsiteY0" fmla="*/ 688 h 1084226"/>
+              <a:gd name="connsiteX1" fmla="*/ 0 w 2458326"/>
+              <a:gd name="connsiteY1" fmla="*/ 1084226 h 1084226"/>
+              <a:gd name="connsiteX2" fmla="*/ 2448272 w 2458326"/>
+              <a:gd name="connsiteY2" fmla="*/ 1084226 h 1084226"/>
+              <a:gd name="connsiteX3" fmla="*/ 1967109 w 2458326"/>
+              <a:gd name="connsiteY3" fmla="*/ 534794 h 1084226"/>
+              <a:gd name="connsiteX4" fmla="*/ 2458326 w 2458326"/>
+              <a:gd name="connsiteY4" fmla="*/ 0 h 1084226"/>
+              <a:gd name="connsiteX5" fmla="*/ 0 w 2458326"/>
+              <a:gd name="connsiteY5" fmla="*/ 688 h 1084226"/>
+              <a:gd name="connsiteX0" fmla="*/ 0 w 2458326"/>
+              <a:gd name="connsiteY0" fmla="*/ 688 h 1084226"/>
+              <a:gd name="connsiteX1" fmla="*/ 0 w 2458326"/>
+              <a:gd name="connsiteY1" fmla="*/ 1084226 h 1084226"/>
+              <a:gd name="connsiteX2" fmla="*/ 2448272 w 2458326"/>
+              <a:gd name="connsiteY2" fmla="*/ 1084226 h 1084226"/>
+              <a:gd name="connsiteX3" fmla="*/ 1986041 w 2458326"/>
+              <a:gd name="connsiteY3" fmla="*/ 543482 h 1084226"/>
+              <a:gd name="connsiteX4" fmla="*/ 2458326 w 2458326"/>
+              <a:gd name="connsiteY4" fmla="*/ 0 h 1084226"/>
+              <a:gd name="connsiteX5" fmla="*/ 0 w 2458326"/>
+              <a:gd name="connsiteY5" fmla="*/ 688 h 1084226"/>
+            </a:gdLst>
+            <a:ahLst/>
+            <a:cxnLst>
+              <a:cxn ang="0">
+                <a:pos x="connsiteX0" y="connsiteY0"/>
+              </a:cxn>
+              <a:cxn ang="0">
+                <a:pos x="connsiteX1" y="connsiteY1"/>
+              </a:cxn>
+              <a:cxn ang="0">
+                <a:pos x="connsiteX2" y="connsiteY2"/>
+              </a:cxn>
+              <a:cxn ang="0">
+                <a:pos x="connsiteX3" y="connsiteY3"/>
+              </a:cxn>
+              <a:cxn ang="0">
+                <a:pos x="connsiteX4" y="connsiteY4"/>
+              </a:cxn>
+              <a:cxn ang="0">
+                <a:pos x="connsiteX5" y="connsiteY5"/>
+              </a:cxn>
+            </a:cxnLst>
+            <a:rect l="l" t="t" r="r" b="b"/>
+            <a:pathLst>
+              <a:path w="2458326" h="1084226">
+                <a:moveTo>
+                  <a:pt x="0" y="688"/>
+                </a:moveTo>
+                <a:lnTo>
+                  <a:pt x="0" y="1084226"/>
+                </a:lnTo>
+                <a:lnTo>
+                  <a:pt x="2448272" y="1084226"/>
+                </a:lnTo>
+                <a:lnTo>
+                  <a:pt x="1986041" y="543482"/>
+                </a:lnTo>
+                <a:lnTo>
+                  <a:pt x="2458326" y="0"/>
+                </a:lnTo>
+                <a:lnTo>
+                  <a:pt x="0" y="688"/>
+                </a:lnTo>
+                <a:close/>
+              </a:path>
+            </a:pathLst>
+          </a:custGeom>
+          <a:scene3d>
+            <a:camera prst="orthographicFront"/>
+            <a:lightRig rig="threePt" dir="t">
+              <a:rot lat="0" lon="0" rev="7500000"/>
+            </a:lightRig>
+          </a:scene3d>
+          <a:sp3d prstMaterial="plastic">
+            <a:bevelT w="127000" h="25400" prst="relaxedInset"/>
+          </a:sp3d>
+        </p:spPr>
+        <p:style>
+          <a:lnRef idx="0">
+            <a:schemeClr val="lt1">
+              <a:hueOff val="0"/>
+              <a:satOff val="0"/>
+              <a:lumOff val="0"/>
+              <a:alphaOff val="0"/>
+            </a:schemeClr>
+          </a:lnRef>
+          <a:fillRef idx="3">
+            <a:schemeClr val="accent1">
+              <a:shade val="80000"/>
+              <a:hueOff val="0"/>
+              <a:satOff val="0"/>
+              <a:lumOff val="0"/>
+              <a:alphaOff val="0"/>
+            </a:schemeClr>
+          </a:fillRef>
+          <a:effectRef idx="2">
+            <a:schemeClr val="accent1">
+              <a:shade val="80000"/>
+              <a:hueOff val="0"/>
+              <a:satOff val="0"/>
+              <a:lumOff val="0"/>
+              <a:alphaOff val="0"/>
+            </a:schemeClr>
+          </a:effectRef>
+          <a:fontRef idx="minor">
+            <a:schemeClr val="lt1"/>
+          </a:fontRef>
+        </p:style>
+        <p:txBody>
+          <a:bodyPr spcFirstLastPara="0" vert="horz" wrap="square" lIns="282702" tIns="141351" rIns="338190" bIns="141351" numCol="1" spcCol="1270" anchor="ctr" anchorCtr="0">
+            <a:noAutofit/>
+          </a:bodyPr>
+          <a:lstStyle/>
+          <a:p>
+            <a:pPr algn="ctr" defTabSz="2355850">
+              <a:lnSpc>
+                <a:spcPct val="90000"/>
+              </a:lnSpc>
+              <a:spcBef>
+                <a:spcPct val="0"/>
+              </a:spcBef>
+              <a:spcAft>
+                <a:spcPct val="35000"/>
+              </a:spcAft>
+            </a:pPr>
+            <a:endParaRPr lang="de-AT" sz="5300"/>
+          </a:p>
+        </p:txBody>
+      </p:sp>
+      <p:sp>
+        <p:nvSpPr>
+          <p:cNvPr id="7" name="Rechteck 6"/>
+          <p:cNvSpPr/>
+          <p:nvPr/>
+        </p:nvSpPr>
+        <p:spPr>
+          <a:xfrm>
+            <a:off x="1005887" y="2348209"/>
+            <a:ext cx="1790875" cy="826380"/>
+          </a:xfrm>
+          <a:prstGeom prst="rect">
+            <a:avLst/>
+          </a:prstGeom>
+        </p:spPr>
+        <p:txBody>
+          <a:bodyPr wrap="none">
+            <a:spAutoFit/>
+          </a:bodyPr>
+          <a:lstStyle/>
+          <a:p>
+            <a:pPr lvl="0" algn="ctr" defTabSz="2355850">
+              <a:lnSpc>
+                <a:spcPct val="90000"/>
+              </a:lnSpc>
+              <a:spcBef>
+                <a:spcPct val="0"/>
+              </a:spcBef>
+              <a:spcAft>
+                <a:spcPct val="35000"/>
+              </a:spcAft>
+            </a:pPr>
+            <a:r>
+              <a:rPr lang="en-GB" sz="5300" dirty="0" smtClean="0">
                 <a:solidFill>
                   <a:prstClr val="white"/>
                 </a:solidFill>
-              </a:endParaRPr>
-            </a:p>
-          </p:txBody>
-        </p:sp>
-      </p:grpSp>
+              </a:rPr>
+              <a:t>phoss</a:t>
+            </a:r>
+            <a:endParaRPr lang="en-GB" sz="5300" dirty="0">
+              <a:solidFill>
+                <a:prstClr val="white"/>
+              </a:solidFill>
+            </a:endParaRPr>
+          </a:p>
+        </p:txBody>
+      </p:sp>
       <p:sp>
         <p:nvSpPr>
           <p:cNvPr id="8" name="Titel 7"/>
@@ -6331,1212 +6732,1151 @@
           </a:p>
         </p:txBody>
       </p:sp>
-      <p:grpSp>
-        <p:nvGrpSpPr>
-          <p:cNvPr id="9" name="Gruppieren 8"/>
-          <p:cNvGrpSpPr/>
+      <p:sp>
+        <p:nvSpPr>
+          <p:cNvPr id="10" name="Pfeil nach links und rechts 9"/>
+          <p:cNvSpPr/>
           <p:nvPr/>
-        </p:nvGrpSpPr>
-        <p:grpSpPr>
+        </p:nvSpPr>
+        <p:spPr>
           <a:xfrm>
             <a:off x="2987824" y="3573016"/>
             <a:ext cx="2675137" cy="1057161"/>
-            <a:chOff x="2987824" y="2204864"/>
-            <a:chExt cx="2675137" cy="1057161"/>
           </a:xfrm>
-        </p:grpSpPr>
-        <p:sp>
-          <p:nvSpPr>
-            <p:cNvPr id="10" name="Pfeil nach links und rechts 9"/>
-            <p:cNvSpPr/>
-            <p:nvPr/>
-          </p:nvSpPr>
-          <p:spPr>
-            <a:xfrm>
-              <a:off x="2987824" y="2204864"/>
-              <a:ext cx="2675137" cy="1057161"/>
-            </a:xfrm>
-            <a:prstGeom prst="leftRightArrow">
-              <a:avLst>
-                <a:gd name="adj1" fmla="val 100000"/>
-                <a:gd name="adj2" fmla="val 50000"/>
-              </a:avLst>
-            </a:prstGeom>
-            <a:ln>
-              <a:noFill/>
-            </a:ln>
-          </p:spPr>
-          <p:style>
-            <a:lnRef idx="0">
-              <a:schemeClr val="lt1">
-                <a:hueOff val="0"/>
-                <a:satOff val="0"/>
-                <a:lumOff val="0"/>
-                <a:alphaOff val="0"/>
-              </a:schemeClr>
-            </a:lnRef>
-            <a:fillRef idx="3">
-              <a:schemeClr val="accent1">
-                <a:shade val="80000"/>
-                <a:hueOff val="306246"/>
-                <a:satOff val="-4392"/>
-                <a:lumOff val="25615"/>
-                <a:alphaOff val="0"/>
-              </a:schemeClr>
-            </a:fillRef>
-            <a:effectRef idx="2">
-              <a:schemeClr val="accent1">
-                <a:shade val="80000"/>
-                <a:hueOff val="306246"/>
-                <a:satOff val="-4392"/>
-                <a:lumOff val="25615"/>
-                <a:alphaOff val="0"/>
-              </a:schemeClr>
-            </a:effectRef>
-            <a:fontRef idx="minor">
-              <a:schemeClr val="lt1"/>
-            </a:fontRef>
-          </p:style>
-          <p:txBody>
-            <a:bodyPr spcFirstLastPara="0" vert="horz" wrap="square" lIns="747054" tIns="141351" rIns="605703" bIns="141351" numCol="1" spcCol="1270" anchor="ctr" anchorCtr="0">
-              <a:noAutofit/>
-            </a:bodyPr>
-            <a:lstStyle/>
-            <a:p>
-              <a:pPr algn="ctr" defTabSz="2355850">
-                <a:lnSpc>
-                  <a:spcPct val="90000"/>
-                </a:lnSpc>
-                <a:spcBef>
-                  <a:spcPct val="0"/>
-                </a:spcBef>
-                <a:spcAft>
-                  <a:spcPct val="35000"/>
-                </a:spcAft>
-              </a:pPr>
-              <a:endParaRPr lang="en-GB" sz="5300" dirty="0"/>
-            </a:p>
-          </p:txBody>
-        </p:sp>
-        <p:sp>
-          <p:nvSpPr>
-            <p:cNvPr id="11" name="Rechteck 10"/>
-            <p:cNvSpPr/>
-            <p:nvPr/>
-          </p:nvSpPr>
-          <p:spPr>
-            <a:xfrm>
-              <a:off x="3635896" y="2348210"/>
-              <a:ext cx="1430200" cy="826380"/>
-            </a:xfrm>
-            <a:prstGeom prst="rect">
-              <a:avLst/>
-            </a:prstGeom>
-            <a:ln>
-              <a:noFill/>
-            </a:ln>
-          </p:spPr>
-          <p:txBody>
-            <a:bodyPr wrap="none">
-              <a:spAutoFit/>
-            </a:bodyPr>
-            <a:lstStyle/>
-            <a:p>
-              <a:pPr lvl="0" algn="ctr" defTabSz="2355850">
-                <a:lnSpc>
-                  <a:spcPct val="90000"/>
-                </a:lnSpc>
-                <a:spcBef>
-                  <a:spcPct val="0"/>
-                </a:spcBef>
-                <a:spcAft>
-                  <a:spcPct val="35000"/>
-                </a:spcAft>
-              </a:pPr>
-              <a:r>
-                <a:rPr lang="en-GB" sz="5300" dirty="0" smtClean="0">
-                  <a:solidFill>
-                    <a:prstClr val="white"/>
-                  </a:solidFill>
-                </a:rPr>
-                <a:t>SMP</a:t>
-              </a:r>
-              <a:endParaRPr lang="en-GB" sz="5300" dirty="0">
+          <a:prstGeom prst="leftRightArrow">
+            <a:avLst>
+              <a:gd name="adj1" fmla="val 100000"/>
+              <a:gd name="adj2" fmla="val 50000"/>
+            </a:avLst>
+          </a:prstGeom>
+          <a:ln>
+            <a:noFill/>
+          </a:ln>
+        </p:spPr>
+        <p:style>
+          <a:lnRef idx="0">
+            <a:schemeClr val="lt1">
+              <a:hueOff val="0"/>
+              <a:satOff val="0"/>
+              <a:lumOff val="0"/>
+              <a:alphaOff val="0"/>
+            </a:schemeClr>
+          </a:lnRef>
+          <a:fillRef idx="3">
+            <a:schemeClr val="accent1">
+              <a:shade val="80000"/>
+              <a:hueOff val="306246"/>
+              <a:satOff val="-4392"/>
+              <a:lumOff val="25615"/>
+              <a:alphaOff val="0"/>
+            </a:schemeClr>
+          </a:fillRef>
+          <a:effectRef idx="2">
+            <a:schemeClr val="accent1">
+              <a:shade val="80000"/>
+              <a:hueOff val="306246"/>
+              <a:satOff val="-4392"/>
+              <a:lumOff val="25615"/>
+              <a:alphaOff val="0"/>
+            </a:schemeClr>
+          </a:effectRef>
+          <a:fontRef idx="minor">
+            <a:schemeClr val="lt1"/>
+          </a:fontRef>
+        </p:style>
+        <p:txBody>
+          <a:bodyPr spcFirstLastPara="0" vert="horz" wrap="square" lIns="747054" tIns="141351" rIns="605703" bIns="141351" numCol="1" spcCol="1270" anchor="ctr" anchorCtr="0">
+            <a:noAutofit/>
+          </a:bodyPr>
+          <a:lstStyle/>
+          <a:p>
+            <a:pPr algn="ctr" defTabSz="2355850">
+              <a:lnSpc>
+                <a:spcPct val="90000"/>
+              </a:lnSpc>
+              <a:spcBef>
+                <a:spcPct val="0"/>
+              </a:spcBef>
+              <a:spcAft>
+                <a:spcPct val="35000"/>
+              </a:spcAft>
+            </a:pPr>
+            <a:endParaRPr lang="en-GB" sz="5300" dirty="0"/>
+          </a:p>
+        </p:txBody>
+      </p:sp>
+      <p:sp>
+        <p:nvSpPr>
+          <p:cNvPr id="11" name="Rechteck 10"/>
+          <p:cNvSpPr/>
+          <p:nvPr/>
+        </p:nvSpPr>
+        <p:spPr>
+          <a:xfrm>
+            <a:off x="3635896" y="3716362"/>
+            <a:ext cx="1430200" cy="826380"/>
+          </a:xfrm>
+          <a:prstGeom prst="rect">
+            <a:avLst/>
+          </a:prstGeom>
+          <a:ln>
+            <a:noFill/>
+          </a:ln>
+        </p:spPr>
+        <p:txBody>
+          <a:bodyPr wrap="none">
+            <a:spAutoFit/>
+          </a:bodyPr>
+          <a:lstStyle/>
+          <a:p>
+            <a:pPr lvl="0" algn="ctr" defTabSz="2355850">
+              <a:lnSpc>
+                <a:spcPct val="90000"/>
+              </a:lnSpc>
+              <a:spcBef>
+                <a:spcPct val="0"/>
+              </a:spcBef>
+              <a:spcAft>
+                <a:spcPct val="35000"/>
+              </a:spcAft>
+            </a:pPr>
+            <a:r>
+              <a:rPr lang="en-GB" sz="5300" dirty="0" smtClean="0">
                 <a:solidFill>
                   <a:prstClr val="white"/>
                 </a:solidFill>
-              </a:endParaRPr>
-            </a:p>
-          </p:txBody>
-        </p:sp>
-      </p:grpSp>
-      <p:grpSp>
-        <p:nvGrpSpPr>
-          <p:cNvPr id="12" name="Gruppieren 11"/>
-          <p:cNvGrpSpPr/>
+              </a:rPr>
+              <a:t>SMP</a:t>
+            </a:r>
+            <a:endParaRPr lang="en-GB" sz="5300" dirty="0">
+              <a:solidFill>
+                <a:prstClr val="white"/>
+              </a:solidFill>
+            </a:endParaRPr>
+          </a:p>
+        </p:txBody>
+      </p:sp>
+      <p:sp>
+        <p:nvSpPr>
+          <p:cNvPr id="13" name="Freihandform 12"/>
+          <p:cNvSpPr/>
           <p:nvPr/>
-        </p:nvGrpSpPr>
-        <p:grpSpPr>
+        </p:nvSpPr>
+        <p:spPr>
           <a:xfrm>
             <a:off x="711812" y="3576546"/>
             <a:ext cx="2818366" cy="1054949"/>
-            <a:chOff x="697690" y="840243"/>
-            <a:chExt cx="2818366" cy="1054949"/>
           </a:xfrm>
-        </p:grpSpPr>
-        <p:sp>
-          <p:nvSpPr>
-            <p:cNvPr id="13" name="Freihandform 12"/>
-            <p:cNvSpPr/>
-            <p:nvPr/>
-          </p:nvSpPr>
-          <p:spPr>
-            <a:xfrm>
-              <a:off x="697690" y="840243"/>
-              <a:ext cx="2818366" cy="1054949"/>
-            </a:xfrm>
-            <a:custGeom>
-              <a:avLst/>
-              <a:gdLst>
-                <a:gd name="connsiteX0" fmla="*/ 0 w 2436638"/>
-                <a:gd name="connsiteY0" fmla="*/ 0 h 1088823"/>
-                <a:gd name="connsiteX1" fmla="*/ 0 w 2436638"/>
-                <a:gd name="connsiteY1" fmla="*/ 1083538 h 1088823"/>
-                <a:gd name="connsiteX2" fmla="*/ 2436638 w 2436638"/>
-                <a:gd name="connsiteY2" fmla="*/ 1088823 h 1088823"/>
-                <a:gd name="connsiteX3" fmla="*/ 1908083 w 2436638"/>
-                <a:gd name="connsiteY3" fmla="*/ 533841 h 1088823"/>
-                <a:gd name="connsiteX4" fmla="*/ 2436638 w 2436638"/>
-                <a:gd name="connsiteY4" fmla="*/ 5286 h 1088823"/>
-                <a:gd name="connsiteX5" fmla="*/ 0 w 2436638"/>
-                <a:gd name="connsiteY5" fmla="*/ 0 h 1088823"/>
-                <a:gd name="connsiteX0" fmla="*/ 0 w 2448272"/>
-                <a:gd name="connsiteY0" fmla="*/ 0 h 1083538"/>
-                <a:gd name="connsiteX1" fmla="*/ 0 w 2448272"/>
-                <a:gd name="connsiteY1" fmla="*/ 1083538 h 1083538"/>
-                <a:gd name="connsiteX2" fmla="*/ 2448272 w 2448272"/>
-                <a:gd name="connsiteY2" fmla="*/ 1080120 h 1083538"/>
-                <a:gd name="connsiteX3" fmla="*/ 1908083 w 2448272"/>
-                <a:gd name="connsiteY3" fmla="*/ 533841 h 1083538"/>
-                <a:gd name="connsiteX4" fmla="*/ 2436638 w 2448272"/>
-                <a:gd name="connsiteY4" fmla="*/ 5286 h 1083538"/>
-                <a:gd name="connsiteX5" fmla="*/ 0 w 2448272"/>
-                <a:gd name="connsiteY5" fmla="*/ 0 h 1083538"/>
-                <a:gd name="connsiteX0" fmla="*/ 0 w 2592288"/>
-                <a:gd name="connsiteY0" fmla="*/ 0 h 1083538"/>
-                <a:gd name="connsiteX1" fmla="*/ 0 w 2592288"/>
-                <a:gd name="connsiteY1" fmla="*/ 1083538 h 1083538"/>
-                <a:gd name="connsiteX2" fmla="*/ 2592288 w 2592288"/>
-                <a:gd name="connsiteY2" fmla="*/ 1080120 h 1083538"/>
-                <a:gd name="connsiteX3" fmla="*/ 1908083 w 2592288"/>
-                <a:gd name="connsiteY3" fmla="*/ 533841 h 1083538"/>
-                <a:gd name="connsiteX4" fmla="*/ 2436638 w 2592288"/>
-                <a:gd name="connsiteY4" fmla="*/ 5286 h 1083538"/>
-                <a:gd name="connsiteX5" fmla="*/ 0 w 2592288"/>
-                <a:gd name="connsiteY5" fmla="*/ 0 h 1083538"/>
-                <a:gd name="connsiteX0" fmla="*/ 0 w 2436638"/>
-                <a:gd name="connsiteY0" fmla="*/ 0 h 1083538"/>
-                <a:gd name="connsiteX1" fmla="*/ 0 w 2436638"/>
-                <a:gd name="connsiteY1" fmla="*/ 1083538 h 1083538"/>
-                <a:gd name="connsiteX2" fmla="*/ 2376264 w 2436638"/>
-                <a:gd name="connsiteY2" fmla="*/ 1080120 h 1083538"/>
-                <a:gd name="connsiteX3" fmla="*/ 1908083 w 2436638"/>
-                <a:gd name="connsiteY3" fmla="*/ 533841 h 1083538"/>
-                <a:gd name="connsiteX4" fmla="*/ 2436638 w 2436638"/>
-                <a:gd name="connsiteY4" fmla="*/ 5286 h 1083538"/>
-                <a:gd name="connsiteX5" fmla="*/ 0 w 2436638"/>
-                <a:gd name="connsiteY5" fmla="*/ 0 h 1083538"/>
-                <a:gd name="connsiteX0" fmla="*/ 0 w 2448272"/>
-                <a:gd name="connsiteY0" fmla="*/ 0 h 1083538"/>
-                <a:gd name="connsiteX1" fmla="*/ 0 w 2448272"/>
-                <a:gd name="connsiteY1" fmla="*/ 1083538 h 1083538"/>
-                <a:gd name="connsiteX2" fmla="*/ 2448272 w 2448272"/>
-                <a:gd name="connsiteY2" fmla="*/ 1083538 h 1083538"/>
-                <a:gd name="connsiteX3" fmla="*/ 1908083 w 2448272"/>
-                <a:gd name="connsiteY3" fmla="*/ 533841 h 1083538"/>
-                <a:gd name="connsiteX4" fmla="*/ 2436638 w 2448272"/>
-                <a:gd name="connsiteY4" fmla="*/ 5286 h 1083538"/>
-                <a:gd name="connsiteX5" fmla="*/ 0 w 2448272"/>
-                <a:gd name="connsiteY5" fmla="*/ 0 h 1083538"/>
-                <a:gd name="connsiteX0" fmla="*/ 0 w 2448272"/>
-                <a:gd name="connsiteY0" fmla="*/ 0 h 1083538"/>
-                <a:gd name="connsiteX1" fmla="*/ 0 w 2448272"/>
-                <a:gd name="connsiteY1" fmla="*/ 1083538 h 1083538"/>
-                <a:gd name="connsiteX2" fmla="*/ 2448272 w 2448272"/>
-                <a:gd name="connsiteY2" fmla="*/ 1083538 h 1083538"/>
-                <a:gd name="connsiteX3" fmla="*/ 1908083 w 2448272"/>
-                <a:gd name="connsiteY3" fmla="*/ 533841 h 1083538"/>
-                <a:gd name="connsiteX4" fmla="*/ 2448272 w 2448272"/>
-                <a:gd name="connsiteY4" fmla="*/ 0 h 1083538"/>
-                <a:gd name="connsiteX5" fmla="*/ 0 w 2448272"/>
-                <a:gd name="connsiteY5" fmla="*/ 0 h 1083538"/>
-                <a:gd name="connsiteX0" fmla="*/ 0 w 2448272"/>
-                <a:gd name="connsiteY0" fmla="*/ 0 h 1083538"/>
-                <a:gd name="connsiteX1" fmla="*/ 0 w 2448272"/>
-                <a:gd name="connsiteY1" fmla="*/ 1083538 h 1083538"/>
-                <a:gd name="connsiteX2" fmla="*/ 2448272 w 2448272"/>
-                <a:gd name="connsiteY2" fmla="*/ 1083538 h 1083538"/>
-                <a:gd name="connsiteX3" fmla="*/ 1944216 w 2448272"/>
-                <a:gd name="connsiteY3" fmla="*/ 577887 h 1083538"/>
-                <a:gd name="connsiteX4" fmla="*/ 2448272 w 2448272"/>
-                <a:gd name="connsiteY4" fmla="*/ 0 h 1083538"/>
-                <a:gd name="connsiteX5" fmla="*/ 0 w 2448272"/>
-                <a:gd name="connsiteY5" fmla="*/ 0 h 1083538"/>
-                <a:gd name="connsiteX0" fmla="*/ 0 w 2448272"/>
-                <a:gd name="connsiteY0" fmla="*/ 0 h 1083538"/>
-                <a:gd name="connsiteX1" fmla="*/ 0 w 2448272"/>
-                <a:gd name="connsiteY1" fmla="*/ 1083538 h 1083538"/>
-                <a:gd name="connsiteX2" fmla="*/ 2448272 w 2448272"/>
-                <a:gd name="connsiteY2" fmla="*/ 1083538 h 1083538"/>
-                <a:gd name="connsiteX3" fmla="*/ 1944216 w 2448272"/>
-                <a:gd name="connsiteY3" fmla="*/ 577887 h 1083538"/>
-                <a:gd name="connsiteX4" fmla="*/ 2448272 w 2448272"/>
-                <a:gd name="connsiteY4" fmla="*/ 0 h 1083538"/>
-                <a:gd name="connsiteX5" fmla="*/ 0 w 2448272"/>
-                <a:gd name="connsiteY5" fmla="*/ 0 h 1083538"/>
-                <a:gd name="connsiteX0" fmla="*/ 0 w 2448272"/>
-                <a:gd name="connsiteY0" fmla="*/ 0 h 1083538"/>
-                <a:gd name="connsiteX1" fmla="*/ 0 w 2448272"/>
-                <a:gd name="connsiteY1" fmla="*/ 1083538 h 1083538"/>
-                <a:gd name="connsiteX2" fmla="*/ 2448272 w 2448272"/>
-                <a:gd name="connsiteY2" fmla="*/ 1083538 h 1083538"/>
-                <a:gd name="connsiteX3" fmla="*/ 1947580 w 2448272"/>
-                <a:gd name="connsiteY3" fmla="*/ 540280 h 1083538"/>
-                <a:gd name="connsiteX4" fmla="*/ 2448272 w 2448272"/>
-                <a:gd name="connsiteY4" fmla="*/ 0 h 1083538"/>
-                <a:gd name="connsiteX5" fmla="*/ 0 w 2448272"/>
-                <a:gd name="connsiteY5" fmla="*/ 0 h 1083538"/>
-                <a:gd name="connsiteX0" fmla="*/ 0 w 2448272"/>
-                <a:gd name="connsiteY0" fmla="*/ 0 h 1083538"/>
-                <a:gd name="connsiteX1" fmla="*/ 0 w 2448272"/>
-                <a:gd name="connsiteY1" fmla="*/ 1083538 h 1083538"/>
-                <a:gd name="connsiteX2" fmla="*/ 2448272 w 2448272"/>
-                <a:gd name="connsiteY2" fmla="*/ 1083538 h 1083538"/>
-                <a:gd name="connsiteX3" fmla="*/ 1917245 w 2448272"/>
-                <a:gd name="connsiteY3" fmla="*/ 540280 h 1083538"/>
-                <a:gd name="connsiteX4" fmla="*/ 2448272 w 2448272"/>
-                <a:gd name="connsiteY4" fmla="*/ 0 h 1083538"/>
-                <a:gd name="connsiteX5" fmla="*/ 0 w 2448272"/>
-                <a:gd name="connsiteY5" fmla="*/ 0 h 1083538"/>
-                <a:gd name="connsiteX0" fmla="*/ 0 w 2458326"/>
-                <a:gd name="connsiteY0" fmla="*/ 688 h 1084226"/>
-                <a:gd name="connsiteX1" fmla="*/ 0 w 2458326"/>
-                <a:gd name="connsiteY1" fmla="*/ 1084226 h 1084226"/>
-                <a:gd name="connsiteX2" fmla="*/ 2448272 w 2458326"/>
-                <a:gd name="connsiteY2" fmla="*/ 1084226 h 1084226"/>
-                <a:gd name="connsiteX3" fmla="*/ 1917245 w 2458326"/>
-                <a:gd name="connsiteY3" fmla="*/ 540968 h 1084226"/>
-                <a:gd name="connsiteX4" fmla="*/ 2458326 w 2458326"/>
-                <a:gd name="connsiteY4" fmla="*/ 0 h 1084226"/>
-                <a:gd name="connsiteX5" fmla="*/ 0 w 2458326"/>
-                <a:gd name="connsiteY5" fmla="*/ 688 h 1084226"/>
-                <a:gd name="connsiteX0" fmla="*/ 0 w 2458326"/>
-                <a:gd name="connsiteY0" fmla="*/ 688 h 1084226"/>
-                <a:gd name="connsiteX1" fmla="*/ 0 w 2458326"/>
-                <a:gd name="connsiteY1" fmla="*/ 1084226 h 1084226"/>
-                <a:gd name="connsiteX2" fmla="*/ 2448272 w 2458326"/>
-                <a:gd name="connsiteY2" fmla="*/ 1084226 h 1084226"/>
-                <a:gd name="connsiteX3" fmla="*/ 1924560 w 2458326"/>
-                <a:gd name="connsiteY3" fmla="*/ 540969 h 1084226"/>
-                <a:gd name="connsiteX4" fmla="*/ 2458326 w 2458326"/>
-                <a:gd name="connsiteY4" fmla="*/ 0 h 1084226"/>
-                <a:gd name="connsiteX5" fmla="*/ 0 w 2458326"/>
-                <a:gd name="connsiteY5" fmla="*/ 688 h 1084226"/>
-                <a:gd name="connsiteX0" fmla="*/ 0 w 2458326"/>
-                <a:gd name="connsiteY0" fmla="*/ 688 h 1084226"/>
-                <a:gd name="connsiteX1" fmla="*/ 0 w 2458326"/>
-                <a:gd name="connsiteY1" fmla="*/ 1084226 h 1084226"/>
-                <a:gd name="connsiteX2" fmla="*/ 2448272 w 2458326"/>
-                <a:gd name="connsiteY2" fmla="*/ 1084226 h 1084226"/>
-                <a:gd name="connsiteX3" fmla="*/ 1987315 w 2458326"/>
-                <a:gd name="connsiteY3" fmla="*/ 550559 h 1084226"/>
-                <a:gd name="connsiteX4" fmla="*/ 2458326 w 2458326"/>
-                <a:gd name="connsiteY4" fmla="*/ 0 h 1084226"/>
-                <a:gd name="connsiteX5" fmla="*/ 0 w 2458326"/>
-                <a:gd name="connsiteY5" fmla="*/ 688 h 1084226"/>
-                <a:gd name="connsiteX0" fmla="*/ 0 w 2458326"/>
-                <a:gd name="connsiteY0" fmla="*/ 688 h 1084226"/>
-                <a:gd name="connsiteX1" fmla="*/ 0 w 2458326"/>
-                <a:gd name="connsiteY1" fmla="*/ 1084226 h 1084226"/>
-                <a:gd name="connsiteX2" fmla="*/ 2448272 w 2458326"/>
-                <a:gd name="connsiteY2" fmla="*/ 1084226 h 1084226"/>
-                <a:gd name="connsiteX3" fmla="*/ 1969786 w 2458326"/>
-                <a:gd name="connsiteY3" fmla="*/ 524741 h 1084226"/>
-                <a:gd name="connsiteX4" fmla="*/ 2458326 w 2458326"/>
-                <a:gd name="connsiteY4" fmla="*/ 0 h 1084226"/>
-                <a:gd name="connsiteX5" fmla="*/ 0 w 2458326"/>
-                <a:gd name="connsiteY5" fmla="*/ 688 h 1084226"/>
-                <a:gd name="connsiteX0" fmla="*/ 0 w 2458326"/>
-                <a:gd name="connsiteY0" fmla="*/ 688 h 1084226"/>
-                <a:gd name="connsiteX1" fmla="*/ 0 w 2458326"/>
-                <a:gd name="connsiteY1" fmla="*/ 1084226 h 1084226"/>
-                <a:gd name="connsiteX2" fmla="*/ 2448272 w 2458326"/>
-                <a:gd name="connsiteY2" fmla="*/ 1084226 h 1084226"/>
-                <a:gd name="connsiteX3" fmla="*/ 1969786 w 2458326"/>
-                <a:gd name="connsiteY3" fmla="*/ 560887 h 1084226"/>
-                <a:gd name="connsiteX4" fmla="*/ 2458326 w 2458326"/>
-                <a:gd name="connsiteY4" fmla="*/ 0 h 1084226"/>
-                <a:gd name="connsiteX5" fmla="*/ 0 w 2458326"/>
-                <a:gd name="connsiteY5" fmla="*/ 688 h 1084226"/>
-                <a:gd name="connsiteX0" fmla="*/ 0 w 2458326"/>
-                <a:gd name="connsiteY0" fmla="*/ 688 h 1084226"/>
-                <a:gd name="connsiteX1" fmla="*/ 0 w 2458326"/>
-                <a:gd name="connsiteY1" fmla="*/ 1084226 h 1084226"/>
-                <a:gd name="connsiteX2" fmla="*/ 2448272 w 2458326"/>
-                <a:gd name="connsiteY2" fmla="*/ 1084226 h 1084226"/>
-                <a:gd name="connsiteX3" fmla="*/ 1965404 w 2458326"/>
-                <a:gd name="connsiteY3" fmla="*/ 524741 h 1084226"/>
-                <a:gd name="connsiteX4" fmla="*/ 2458326 w 2458326"/>
-                <a:gd name="connsiteY4" fmla="*/ 0 h 1084226"/>
-                <a:gd name="connsiteX5" fmla="*/ 0 w 2458326"/>
-                <a:gd name="connsiteY5" fmla="*/ 688 h 1084226"/>
-                <a:gd name="connsiteX0" fmla="*/ 0 w 2458326"/>
-                <a:gd name="connsiteY0" fmla="*/ 688 h 1084226"/>
-                <a:gd name="connsiteX1" fmla="*/ 0 w 2458326"/>
-                <a:gd name="connsiteY1" fmla="*/ 1084226 h 1084226"/>
-                <a:gd name="connsiteX2" fmla="*/ 2448272 w 2458326"/>
-                <a:gd name="connsiteY2" fmla="*/ 1084226 h 1084226"/>
-                <a:gd name="connsiteX3" fmla="*/ 1969786 w 2458326"/>
-                <a:gd name="connsiteY3" fmla="*/ 550560 h 1084226"/>
-                <a:gd name="connsiteX4" fmla="*/ 2458326 w 2458326"/>
-                <a:gd name="connsiteY4" fmla="*/ 0 h 1084226"/>
-                <a:gd name="connsiteX5" fmla="*/ 0 w 2458326"/>
-                <a:gd name="connsiteY5" fmla="*/ 688 h 1084226"/>
-                <a:gd name="connsiteX0" fmla="*/ 0 w 2458326"/>
-                <a:gd name="connsiteY0" fmla="*/ 688 h 1084226"/>
-                <a:gd name="connsiteX1" fmla="*/ 0 w 2458326"/>
-                <a:gd name="connsiteY1" fmla="*/ 1084226 h 1084226"/>
-                <a:gd name="connsiteX2" fmla="*/ 2448272 w 2458326"/>
-                <a:gd name="connsiteY2" fmla="*/ 1084226 h 1084226"/>
-                <a:gd name="connsiteX3" fmla="*/ 1972462 w 2458326"/>
-                <a:gd name="connsiteY3" fmla="*/ 534793 h 1084226"/>
-                <a:gd name="connsiteX4" fmla="*/ 2458326 w 2458326"/>
-                <a:gd name="connsiteY4" fmla="*/ 0 h 1084226"/>
-                <a:gd name="connsiteX5" fmla="*/ 0 w 2458326"/>
-                <a:gd name="connsiteY5" fmla="*/ 688 h 1084226"/>
-                <a:gd name="connsiteX0" fmla="*/ 0 w 2458326"/>
-                <a:gd name="connsiteY0" fmla="*/ 688 h 1084226"/>
-                <a:gd name="connsiteX1" fmla="*/ 0 w 2458326"/>
-                <a:gd name="connsiteY1" fmla="*/ 1084226 h 1084226"/>
-                <a:gd name="connsiteX2" fmla="*/ 2448272 w 2458326"/>
-                <a:gd name="connsiteY2" fmla="*/ 1084226 h 1084226"/>
-                <a:gd name="connsiteX3" fmla="*/ 1972462 w 2458326"/>
-                <a:gd name="connsiteY3" fmla="*/ 550561 h 1084226"/>
-                <a:gd name="connsiteX4" fmla="*/ 2458326 w 2458326"/>
-                <a:gd name="connsiteY4" fmla="*/ 0 h 1084226"/>
-                <a:gd name="connsiteX5" fmla="*/ 0 w 2458326"/>
-                <a:gd name="connsiteY5" fmla="*/ 688 h 1084226"/>
-                <a:gd name="connsiteX0" fmla="*/ 0 w 2458326"/>
-                <a:gd name="connsiteY0" fmla="*/ 688 h 1084226"/>
-                <a:gd name="connsiteX1" fmla="*/ 0 w 2458326"/>
-                <a:gd name="connsiteY1" fmla="*/ 1084226 h 1084226"/>
-                <a:gd name="connsiteX2" fmla="*/ 2448272 w 2458326"/>
-                <a:gd name="connsiteY2" fmla="*/ 1084226 h 1084226"/>
-                <a:gd name="connsiteX3" fmla="*/ 1972462 w 2458326"/>
-                <a:gd name="connsiteY3" fmla="*/ 534793 h 1084226"/>
-                <a:gd name="connsiteX4" fmla="*/ 2458326 w 2458326"/>
-                <a:gd name="connsiteY4" fmla="*/ 0 h 1084226"/>
-                <a:gd name="connsiteX5" fmla="*/ 0 w 2458326"/>
-                <a:gd name="connsiteY5" fmla="*/ 688 h 1084226"/>
-                <a:gd name="connsiteX0" fmla="*/ 0 w 2458326"/>
-                <a:gd name="connsiteY0" fmla="*/ 688 h 1084226"/>
-                <a:gd name="connsiteX1" fmla="*/ 0 w 2458326"/>
-                <a:gd name="connsiteY1" fmla="*/ 1084226 h 1084226"/>
-                <a:gd name="connsiteX2" fmla="*/ 2448272 w 2458326"/>
-                <a:gd name="connsiteY2" fmla="*/ 1084226 h 1084226"/>
-                <a:gd name="connsiteX3" fmla="*/ 1969786 w 2458326"/>
-                <a:gd name="connsiteY3" fmla="*/ 550562 h 1084226"/>
-                <a:gd name="connsiteX4" fmla="*/ 2458326 w 2458326"/>
-                <a:gd name="connsiteY4" fmla="*/ 0 h 1084226"/>
-                <a:gd name="connsiteX5" fmla="*/ 0 w 2458326"/>
-                <a:gd name="connsiteY5" fmla="*/ 688 h 1084226"/>
-                <a:gd name="connsiteX0" fmla="*/ 0 w 2458326"/>
-                <a:gd name="connsiteY0" fmla="*/ 688 h 1084226"/>
-                <a:gd name="connsiteX1" fmla="*/ 0 w 2458326"/>
-                <a:gd name="connsiteY1" fmla="*/ 1084226 h 1084226"/>
-                <a:gd name="connsiteX2" fmla="*/ 2448272 w 2458326"/>
-                <a:gd name="connsiteY2" fmla="*/ 1084226 h 1084226"/>
-                <a:gd name="connsiteX3" fmla="*/ 1967109 w 2458326"/>
-                <a:gd name="connsiteY3" fmla="*/ 534794 h 1084226"/>
-                <a:gd name="connsiteX4" fmla="*/ 2458326 w 2458326"/>
-                <a:gd name="connsiteY4" fmla="*/ 0 h 1084226"/>
-                <a:gd name="connsiteX5" fmla="*/ 0 w 2458326"/>
-                <a:gd name="connsiteY5" fmla="*/ 688 h 1084226"/>
-                <a:gd name="connsiteX0" fmla="*/ 0 w 2458326"/>
-                <a:gd name="connsiteY0" fmla="*/ 688 h 1084226"/>
-                <a:gd name="connsiteX1" fmla="*/ 0 w 2458326"/>
-                <a:gd name="connsiteY1" fmla="*/ 1084226 h 1084226"/>
-                <a:gd name="connsiteX2" fmla="*/ 2448272 w 2458326"/>
-                <a:gd name="connsiteY2" fmla="*/ 1084226 h 1084226"/>
-                <a:gd name="connsiteX3" fmla="*/ 1986041 w 2458326"/>
-                <a:gd name="connsiteY3" fmla="*/ 543482 h 1084226"/>
-                <a:gd name="connsiteX4" fmla="*/ 2458326 w 2458326"/>
-                <a:gd name="connsiteY4" fmla="*/ 0 h 1084226"/>
-                <a:gd name="connsiteX5" fmla="*/ 0 w 2458326"/>
-                <a:gd name="connsiteY5" fmla="*/ 688 h 1084226"/>
-              </a:gdLst>
-              <a:ahLst/>
-              <a:cxnLst>
-                <a:cxn ang="0">
-                  <a:pos x="connsiteX0" y="connsiteY0"/>
-                </a:cxn>
-                <a:cxn ang="0">
-                  <a:pos x="connsiteX1" y="connsiteY1"/>
-                </a:cxn>
-                <a:cxn ang="0">
-                  <a:pos x="connsiteX2" y="connsiteY2"/>
-                </a:cxn>
-                <a:cxn ang="0">
-                  <a:pos x="connsiteX3" y="connsiteY3"/>
-                </a:cxn>
-                <a:cxn ang="0">
-                  <a:pos x="connsiteX4" y="connsiteY4"/>
-                </a:cxn>
-                <a:cxn ang="0">
-                  <a:pos x="connsiteX5" y="connsiteY5"/>
-                </a:cxn>
-              </a:cxnLst>
-              <a:rect l="l" t="t" r="r" b="b"/>
-              <a:pathLst>
-                <a:path w="2458326" h="1084226">
-                  <a:moveTo>
-                    <a:pt x="0" y="688"/>
-                  </a:moveTo>
-                  <a:lnTo>
-                    <a:pt x="0" y="1084226"/>
-                  </a:lnTo>
-                  <a:lnTo>
-                    <a:pt x="2448272" y="1084226"/>
-                  </a:lnTo>
-                  <a:lnTo>
-                    <a:pt x="1986041" y="543482"/>
-                  </a:lnTo>
-                  <a:lnTo>
-                    <a:pt x="2458326" y="0"/>
-                  </a:lnTo>
-                  <a:lnTo>
-                    <a:pt x="0" y="688"/>
-                  </a:lnTo>
-                  <a:close/>
-                </a:path>
-              </a:pathLst>
-            </a:custGeom>
-            <a:ln>
-              <a:noFill/>
-            </a:ln>
-          </p:spPr>
-          <p:style>
-            <a:lnRef idx="0">
-              <a:schemeClr val="lt1">
-                <a:hueOff val="0"/>
-                <a:satOff val="0"/>
-                <a:lumOff val="0"/>
-                <a:alphaOff val="0"/>
-              </a:schemeClr>
-            </a:lnRef>
-            <a:fillRef idx="3">
-              <a:schemeClr val="accent1">
-                <a:shade val="80000"/>
-                <a:hueOff val="0"/>
-                <a:satOff val="0"/>
-                <a:lumOff val="0"/>
-                <a:alphaOff val="0"/>
-              </a:schemeClr>
-            </a:fillRef>
-            <a:effectRef idx="2">
-              <a:schemeClr val="accent1">
-                <a:shade val="80000"/>
-                <a:hueOff val="0"/>
-                <a:satOff val="0"/>
-                <a:lumOff val="0"/>
-                <a:alphaOff val="0"/>
-              </a:schemeClr>
-            </a:effectRef>
-            <a:fontRef idx="minor">
-              <a:schemeClr val="lt1"/>
-            </a:fontRef>
-          </p:style>
-          <p:txBody>
-            <a:bodyPr spcFirstLastPara="0" vert="horz" wrap="square" lIns="282702" tIns="141351" rIns="338190" bIns="141351" numCol="1" spcCol="1270" anchor="ctr" anchorCtr="0">
-              <a:noAutofit/>
-            </a:bodyPr>
-            <a:lstStyle/>
-            <a:p>
-              <a:pPr algn="ctr" defTabSz="2355850">
-                <a:lnSpc>
-                  <a:spcPct val="90000"/>
-                </a:lnSpc>
-                <a:spcBef>
-                  <a:spcPct val="0"/>
-                </a:spcBef>
-                <a:spcAft>
-                  <a:spcPct val="35000"/>
-                </a:spcAft>
-              </a:pPr>
-              <a:endParaRPr lang="de-AT" sz="5300"/>
-            </a:p>
-          </p:txBody>
-        </p:sp>
-        <p:sp>
-          <p:nvSpPr>
-            <p:cNvPr id="14" name="Rechteck 13"/>
-            <p:cNvSpPr/>
-            <p:nvPr/>
-          </p:nvSpPr>
-          <p:spPr>
-            <a:xfrm>
-              <a:off x="991765" y="980058"/>
-              <a:ext cx="1790875" cy="826380"/>
-            </a:xfrm>
-            <a:prstGeom prst="rect">
-              <a:avLst/>
-            </a:prstGeom>
-            <a:ln>
-              <a:noFill/>
-            </a:ln>
-          </p:spPr>
-          <p:txBody>
-            <a:bodyPr wrap="none">
-              <a:spAutoFit/>
-            </a:bodyPr>
-            <a:lstStyle/>
-            <a:p>
-              <a:pPr lvl="0" algn="ctr" defTabSz="2355850">
-                <a:lnSpc>
-                  <a:spcPct val="90000"/>
-                </a:lnSpc>
-                <a:spcBef>
-                  <a:spcPct val="0"/>
-                </a:spcBef>
-                <a:spcAft>
-                  <a:spcPct val="35000"/>
-                </a:spcAft>
-              </a:pPr>
-              <a:r>
-                <a:rPr lang="en-GB" sz="5300" dirty="0" smtClean="0">
-                  <a:solidFill>
-                    <a:prstClr val="white"/>
-                  </a:solidFill>
-                </a:rPr>
-                <a:t>phoss</a:t>
-              </a:r>
-              <a:endParaRPr lang="en-GB" sz="5300" dirty="0">
+          <a:custGeom>
+            <a:avLst/>
+            <a:gdLst>
+              <a:gd name="connsiteX0" fmla="*/ 0 w 2436638"/>
+              <a:gd name="connsiteY0" fmla="*/ 0 h 1088823"/>
+              <a:gd name="connsiteX1" fmla="*/ 0 w 2436638"/>
+              <a:gd name="connsiteY1" fmla="*/ 1083538 h 1088823"/>
+              <a:gd name="connsiteX2" fmla="*/ 2436638 w 2436638"/>
+              <a:gd name="connsiteY2" fmla="*/ 1088823 h 1088823"/>
+              <a:gd name="connsiteX3" fmla="*/ 1908083 w 2436638"/>
+              <a:gd name="connsiteY3" fmla="*/ 533841 h 1088823"/>
+              <a:gd name="connsiteX4" fmla="*/ 2436638 w 2436638"/>
+              <a:gd name="connsiteY4" fmla="*/ 5286 h 1088823"/>
+              <a:gd name="connsiteX5" fmla="*/ 0 w 2436638"/>
+              <a:gd name="connsiteY5" fmla="*/ 0 h 1088823"/>
+              <a:gd name="connsiteX0" fmla="*/ 0 w 2448272"/>
+              <a:gd name="connsiteY0" fmla="*/ 0 h 1083538"/>
+              <a:gd name="connsiteX1" fmla="*/ 0 w 2448272"/>
+              <a:gd name="connsiteY1" fmla="*/ 1083538 h 1083538"/>
+              <a:gd name="connsiteX2" fmla="*/ 2448272 w 2448272"/>
+              <a:gd name="connsiteY2" fmla="*/ 1080120 h 1083538"/>
+              <a:gd name="connsiteX3" fmla="*/ 1908083 w 2448272"/>
+              <a:gd name="connsiteY3" fmla="*/ 533841 h 1083538"/>
+              <a:gd name="connsiteX4" fmla="*/ 2436638 w 2448272"/>
+              <a:gd name="connsiteY4" fmla="*/ 5286 h 1083538"/>
+              <a:gd name="connsiteX5" fmla="*/ 0 w 2448272"/>
+              <a:gd name="connsiteY5" fmla="*/ 0 h 1083538"/>
+              <a:gd name="connsiteX0" fmla="*/ 0 w 2592288"/>
+              <a:gd name="connsiteY0" fmla="*/ 0 h 1083538"/>
+              <a:gd name="connsiteX1" fmla="*/ 0 w 2592288"/>
+              <a:gd name="connsiteY1" fmla="*/ 1083538 h 1083538"/>
+              <a:gd name="connsiteX2" fmla="*/ 2592288 w 2592288"/>
+              <a:gd name="connsiteY2" fmla="*/ 1080120 h 1083538"/>
+              <a:gd name="connsiteX3" fmla="*/ 1908083 w 2592288"/>
+              <a:gd name="connsiteY3" fmla="*/ 533841 h 1083538"/>
+              <a:gd name="connsiteX4" fmla="*/ 2436638 w 2592288"/>
+              <a:gd name="connsiteY4" fmla="*/ 5286 h 1083538"/>
+              <a:gd name="connsiteX5" fmla="*/ 0 w 2592288"/>
+              <a:gd name="connsiteY5" fmla="*/ 0 h 1083538"/>
+              <a:gd name="connsiteX0" fmla="*/ 0 w 2436638"/>
+              <a:gd name="connsiteY0" fmla="*/ 0 h 1083538"/>
+              <a:gd name="connsiteX1" fmla="*/ 0 w 2436638"/>
+              <a:gd name="connsiteY1" fmla="*/ 1083538 h 1083538"/>
+              <a:gd name="connsiteX2" fmla="*/ 2376264 w 2436638"/>
+              <a:gd name="connsiteY2" fmla="*/ 1080120 h 1083538"/>
+              <a:gd name="connsiteX3" fmla="*/ 1908083 w 2436638"/>
+              <a:gd name="connsiteY3" fmla="*/ 533841 h 1083538"/>
+              <a:gd name="connsiteX4" fmla="*/ 2436638 w 2436638"/>
+              <a:gd name="connsiteY4" fmla="*/ 5286 h 1083538"/>
+              <a:gd name="connsiteX5" fmla="*/ 0 w 2436638"/>
+              <a:gd name="connsiteY5" fmla="*/ 0 h 1083538"/>
+              <a:gd name="connsiteX0" fmla="*/ 0 w 2448272"/>
+              <a:gd name="connsiteY0" fmla="*/ 0 h 1083538"/>
+              <a:gd name="connsiteX1" fmla="*/ 0 w 2448272"/>
+              <a:gd name="connsiteY1" fmla="*/ 1083538 h 1083538"/>
+              <a:gd name="connsiteX2" fmla="*/ 2448272 w 2448272"/>
+              <a:gd name="connsiteY2" fmla="*/ 1083538 h 1083538"/>
+              <a:gd name="connsiteX3" fmla="*/ 1908083 w 2448272"/>
+              <a:gd name="connsiteY3" fmla="*/ 533841 h 1083538"/>
+              <a:gd name="connsiteX4" fmla="*/ 2436638 w 2448272"/>
+              <a:gd name="connsiteY4" fmla="*/ 5286 h 1083538"/>
+              <a:gd name="connsiteX5" fmla="*/ 0 w 2448272"/>
+              <a:gd name="connsiteY5" fmla="*/ 0 h 1083538"/>
+              <a:gd name="connsiteX0" fmla="*/ 0 w 2448272"/>
+              <a:gd name="connsiteY0" fmla="*/ 0 h 1083538"/>
+              <a:gd name="connsiteX1" fmla="*/ 0 w 2448272"/>
+              <a:gd name="connsiteY1" fmla="*/ 1083538 h 1083538"/>
+              <a:gd name="connsiteX2" fmla="*/ 2448272 w 2448272"/>
+              <a:gd name="connsiteY2" fmla="*/ 1083538 h 1083538"/>
+              <a:gd name="connsiteX3" fmla="*/ 1908083 w 2448272"/>
+              <a:gd name="connsiteY3" fmla="*/ 533841 h 1083538"/>
+              <a:gd name="connsiteX4" fmla="*/ 2448272 w 2448272"/>
+              <a:gd name="connsiteY4" fmla="*/ 0 h 1083538"/>
+              <a:gd name="connsiteX5" fmla="*/ 0 w 2448272"/>
+              <a:gd name="connsiteY5" fmla="*/ 0 h 1083538"/>
+              <a:gd name="connsiteX0" fmla="*/ 0 w 2448272"/>
+              <a:gd name="connsiteY0" fmla="*/ 0 h 1083538"/>
+              <a:gd name="connsiteX1" fmla="*/ 0 w 2448272"/>
+              <a:gd name="connsiteY1" fmla="*/ 1083538 h 1083538"/>
+              <a:gd name="connsiteX2" fmla="*/ 2448272 w 2448272"/>
+              <a:gd name="connsiteY2" fmla="*/ 1083538 h 1083538"/>
+              <a:gd name="connsiteX3" fmla="*/ 1944216 w 2448272"/>
+              <a:gd name="connsiteY3" fmla="*/ 577887 h 1083538"/>
+              <a:gd name="connsiteX4" fmla="*/ 2448272 w 2448272"/>
+              <a:gd name="connsiteY4" fmla="*/ 0 h 1083538"/>
+              <a:gd name="connsiteX5" fmla="*/ 0 w 2448272"/>
+              <a:gd name="connsiteY5" fmla="*/ 0 h 1083538"/>
+              <a:gd name="connsiteX0" fmla="*/ 0 w 2448272"/>
+              <a:gd name="connsiteY0" fmla="*/ 0 h 1083538"/>
+              <a:gd name="connsiteX1" fmla="*/ 0 w 2448272"/>
+              <a:gd name="connsiteY1" fmla="*/ 1083538 h 1083538"/>
+              <a:gd name="connsiteX2" fmla="*/ 2448272 w 2448272"/>
+              <a:gd name="connsiteY2" fmla="*/ 1083538 h 1083538"/>
+              <a:gd name="connsiteX3" fmla="*/ 1944216 w 2448272"/>
+              <a:gd name="connsiteY3" fmla="*/ 577887 h 1083538"/>
+              <a:gd name="connsiteX4" fmla="*/ 2448272 w 2448272"/>
+              <a:gd name="connsiteY4" fmla="*/ 0 h 1083538"/>
+              <a:gd name="connsiteX5" fmla="*/ 0 w 2448272"/>
+              <a:gd name="connsiteY5" fmla="*/ 0 h 1083538"/>
+              <a:gd name="connsiteX0" fmla="*/ 0 w 2448272"/>
+              <a:gd name="connsiteY0" fmla="*/ 0 h 1083538"/>
+              <a:gd name="connsiteX1" fmla="*/ 0 w 2448272"/>
+              <a:gd name="connsiteY1" fmla="*/ 1083538 h 1083538"/>
+              <a:gd name="connsiteX2" fmla="*/ 2448272 w 2448272"/>
+              <a:gd name="connsiteY2" fmla="*/ 1083538 h 1083538"/>
+              <a:gd name="connsiteX3" fmla="*/ 1947580 w 2448272"/>
+              <a:gd name="connsiteY3" fmla="*/ 540280 h 1083538"/>
+              <a:gd name="connsiteX4" fmla="*/ 2448272 w 2448272"/>
+              <a:gd name="connsiteY4" fmla="*/ 0 h 1083538"/>
+              <a:gd name="connsiteX5" fmla="*/ 0 w 2448272"/>
+              <a:gd name="connsiteY5" fmla="*/ 0 h 1083538"/>
+              <a:gd name="connsiteX0" fmla="*/ 0 w 2448272"/>
+              <a:gd name="connsiteY0" fmla="*/ 0 h 1083538"/>
+              <a:gd name="connsiteX1" fmla="*/ 0 w 2448272"/>
+              <a:gd name="connsiteY1" fmla="*/ 1083538 h 1083538"/>
+              <a:gd name="connsiteX2" fmla="*/ 2448272 w 2448272"/>
+              <a:gd name="connsiteY2" fmla="*/ 1083538 h 1083538"/>
+              <a:gd name="connsiteX3" fmla="*/ 1917245 w 2448272"/>
+              <a:gd name="connsiteY3" fmla="*/ 540280 h 1083538"/>
+              <a:gd name="connsiteX4" fmla="*/ 2448272 w 2448272"/>
+              <a:gd name="connsiteY4" fmla="*/ 0 h 1083538"/>
+              <a:gd name="connsiteX5" fmla="*/ 0 w 2448272"/>
+              <a:gd name="connsiteY5" fmla="*/ 0 h 1083538"/>
+              <a:gd name="connsiteX0" fmla="*/ 0 w 2458326"/>
+              <a:gd name="connsiteY0" fmla="*/ 688 h 1084226"/>
+              <a:gd name="connsiteX1" fmla="*/ 0 w 2458326"/>
+              <a:gd name="connsiteY1" fmla="*/ 1084226 h 1084226"/>
+              <a:gd name="connsiteX2" fmla="*/ 2448272 w 2458326"/>
+              <a:gd name="connsiteY2" fmla="*/ 1084226 h 1084226"/>
+              <a:gd name="connsiteX3" fmla="*/ 1917245 w 2458326"/>
+              <a:gd name="connsiteY3" fmla="*/ 540968 h 1084226"/>
+              <a:gd name="connsiteX4" fmla="*/ 2458326 w 2458326"/>
+              <a:gd name="connsiteY4" fmla="*/ 0 h 1084226"/>
+              <a:gd name="connsiteX5" fmla="*/ 0 w 2458326"/>
+              <a:gd name="connsiteY5" fmla="*/ 688 h 1084226"/>
+              <a:gd name="connsiteX0" fmla="*/ 0 w 2458326"/>
+              <a:gd name="connsiteY0" fmla="*/ 688 h 1084226"/>
+              <a:gd name="connsiteX1" fmla="*/ 0 w 2458326"/>
+              <a:gd name="connsiteY1" fmla="*/ 1084226 h 1084226"/>
+              <a:gd name="connsiteX2" fmla="*/ 2448272 w 2458326"/>
+              <a:gd name="connsiteY2" fmla="*/ 1084226 h 1084226"/>
+              <a:gd name="connsiteX3" fmla="*/ 1924560 w 2458326"/>
+              <a:gd name="connsiteY3" fmla="*/ 540969 h 1084226"/>
+              <a:gd name="connsiteX4" fmla="*/ 2458326 w 2458326"/>
+              <a:gd name="connsiteY4" fmla="*/ 0 h 1084226"/>
+              <a:gd name="connsiteX5" fmla="*/ 0 w 2458326"/>
+              <a:gd name="connsiteY5" fmla="*/ 688 h 1084226"/>
+              <a:gd name="connsiteX0" fmla="*/ 0 w 2458326"/>
+              <a:gd name="connsiteY0" fmla="*/ 688 h 1084226"/>
+              <a:gd name="connsiteX1" fmla="*/ 0 w 2458326"/>
+              <a:gd name="connsiteY1" fmla="*/ 1084226 h 1084226"/>
+              <a:gd name="connsiteX2" fmla="*/ 2448272 w 2458326"/>
+              <a:gd name="connsiteY2" fmla="*/ 1084226 h 1084226"/>
+              <a:gd name="connsiteX3" fmla="*/ 1987315 w 2458326"/>
+              <a:gd name="connsiteY3" fmla="*/ 550559 h 1084226"/>
+              <a:gd name="connsiteX4" fmla="*/ 2458326 w 2458326"/>
+              <a:gd name="connsiteY4" fmla="*/ 0 h 1084226"/>
+              <a:gd name="connsiteX5" fmla="*/ 0 w 2458326"/>
+              <a:gd name="connsiteY5" fmla="*/ 688 h 1084226"/>
+              <a:gd name="connsiteX0" fmla="*/ 0 w 2458326"/>
+              <a:gd name="connsiteY0" fmla="*/ 688 h 1084226"/>
+              <a:gd name="connsiteX1" fmla="*/ 0 w 2458326"/>
+              <a:gd name="connsiteY1" fmla="*/ 1084226 h 1084226"/>
+              <a:gd name="connsiteX2" fmla="*/ 2448272 w 2458326"/>
+              <a:gd name="connsiteY2" fmla="*/ 1084226 h 1084226"/>
+              <a:gd name="connsiteX3" fmla="*/ 1969786 w 2458326"/>
+              <a:gd name="connsiteY3" fmla="*/ 524741 h 1084226"/>
+              <a:gd name="connsiteX4" fmla="*/ 2458326 w 2458326"/>
+              <a:gd name="connsiteY4" fmla="*/ 0 h 1084226"/>
+              <a:gd name="connsiteX5" fmla="*/ 0 w 2458326"/>
+              <a:gd name="connsiteY5" fmla="*/ 688 h 1084226"/>
+              <a:gd name="connsiteX0" fmla="*/ 0 w 2458326"/>
+              <a:gd name="connsiteY0" fmla="*/ 688 h 1084226"/>
+              <a:gd name="connsiteX1" fmla="*/ 0 w 2458326"/>
+              <a:gd name="connsiteY1" fmla="*/ 1084226 h 1084226"/>
+              <a:gd name="connsiteX2" fmla="*/ 2448272 w 2458326"/>
+              <a:gd name="connsiteY2" fmla="*/ 1084226 h 1084226"/>
+              <a:gd name="connsiteX3" fmla="*/ 1969786 w 2458326"/>
+              <a:gd name="connsiteY3" fmla="*/ 560887 h 1084226"/>
+              <a:gd name="connsiteX4" fmla="*/ 2458326 w 2458326"/>
+              <a:gd name="connsiteY4" fmla="*/ 0 h 1084226"/>
+              <a:gd name="connsiteX5" fmla="*/ 0 w 2458326"/>
+              <a:gd name="connsiteY5" fmla="*/ 688 h 1084226"/>
+              <a:gd name="connsiteX0" fmla="*/ 0 w 2458326"/>
+              <a:gd name="connsiteY0" fmla="*/ 688 h 1084226"/>
+              <a:gd name="connsiteX1" fmla="*/ 0 w 2458326"/>
+              <a:gd name="connsiteY1" fmla="*/ 1084226 h 1084226"/>
+              <a:gd name="connsiteX2" fmla="*/ 2448272 w 2458326"/>
+              <a:gd name="connsiteY2" fmla="*/ 1084226 h 1084226"/>
+              <a:gd name="connsiteX3" fmla="*/ 1965404 w 2458326"/>
+              <a:gd name="connsiteY3" fmla="*/ 524741 h 1084226"/>
+              <a:gd name="connsiteX4" fmla="*/ 2458326 w 2458326"/>
+              <a:gd name="connsiteY4" fmla="*/ 0 h 1084226"/>
+              <a:gd name="connsiteX5" fmla="*/ 0 w 2458326"/>
+              <a:gd name="connsiteY5" fmla="*/ 688 h 1084226"/>
+              <a:gd name="connsiteX0" fmla="*/ 0 w 2458326"/>
+              <a:gd name="connsiteY0" fmla="*/ 688 h 1084226"/>
+              <a:gd name="connsiteX1" fmla="*/ 0 w 2458326"/>
+              <a:gd name="connsiteY1" fmla="*/ 1084226 h 1084226"/>
+              <a:gd name="connsiteX2" fmla="*/ 2448272 w 2458326"/>
+              <a:gd name="connsiteY2" fmla="*/ 1084226 h 1084226"/>
+              <a:gd name="connsiteX3" fmla="*/ 1969786 w 2458326"/>
+              <a:gd name="connsiteY3" fmla="*/ 550560 h 1084226"/>
+              <a:gd name="connsiteX4" fmla="*/ 2458326 w 2458326"/>
+              <a:gd name="connsiteY4" fmla="*/ 0 h 1084226"/>
+              <a:gd name="connsiteX5" fmla="*/ 0 w 2458326"/>
+              <a:gd name="connsiteY5" fmla="*/ 688 h 1084226"/>
+              <a:gd name="connsiteX0" fmla="*/ 0 w 2458326"/>
+              <a:gd name="connsiteY0" fmla="*/ 688 h 1084226"/>
+              <a:gd name="connsiteX1" fmla="*/ 0 w 2458326"/>
+              <a:gd name="connsiteY1" fmla="*/ 1084226 h 1084226"/>
+              <a:gd name="connsiteX2" fmla="*/ 2448272 w 2458326"/>
+              <a:gd name="connsiteY2" fmla="*/ 1084226 h 1084226"/>
+              <a:gd name="connsiteX3" fmla="*/ 1972462 w 2458326"/>
+              <a:gd name="connsiteY3" fmla="*/ 534793 h 1084226"/>
+              <a:gd name="connsiteX4" fmla="*/ 2458326 w 2458326"/>
+              <a:gd name="connsiteY4" fmla="*/ 0 h 1084226"/>
+              <a:gd name="connsiteX5" fmla="*/ 0 w 2458326"/>
+              <a:gd name="connsiteY5" fmla="*/ 688 h 1084226"/>
+              <a:gd name="connsiteX0" fmla="*/ 0 w 2458326"/>
+              <a:gd name="connsiteY0" fmla="*/ 688 h 1084226"/>
+              <a:gd name="connsiteX1" fmla="*/ 0 w 2458326"/>
+              <a:gd name="connsiteY1" fmla="*/ 1084226 h 1084226"/>
+              <a:gd name="connsiteX2" fmla="*/ 2448272 w 2458326"/>
+              <a:gd name="connsiteY2" fmla="*/ 1084226 h 1084226"/>
+              <a:gd name="connsiteX3" fmla="*/ 1972462 w 2458326"/>
+              <a:gd name="connsiteY3" fmla="*/ 550561 h 1084226"/>
+              <a:gd name="connsiteX4" fmla="*/ 2458326 w 2458326"/>
+              <a:gd name="connsiteY4" fmla="*/ 0 h 1084226"/>
+              <a:gd name="connsiteX5" fmla="*/ 0 w 2458326"/>
+              <a:gd name="connsiteY5" fmla="*/ 688 h 1084226"/>
+              <a:gd name="connsiteX0" fmla="*/ 0 w 2458326"/>
+              <a:gd name="connsiteY0" fmla="*/ 688 h 1084226"/>
+              <a:gd name="connsiteX1" fmla="*/ 0 w 2458326"/>
+              <a:gd name="connsiteY1" fmla="*/ 1084226 h 1084226"/>
+              <a:gd name="connsiteX2" fmla="*/ 2448272 w 2458326"/>
+              <a:gd name="connsiteY2" fmla="*/ 1084226 h 1084226"/>
+              <a:gd name="connsiteX3" fmla="*/ 1972462 w 2458326"/>
+              <a:gd name="connsiteY3" fmla="*/ 534793 h 1084226"/>
+              <a:gd name="connsiteX4" fmla="*/ 2458326 w 2458326"/>
+              <a:gd name="connsiteY4" fmla="*/ 0 h 1084226"/>
+              <a:gd name="connsiteX5" fmla="*/ 0 w 2458326"/>
+              <a:gd name="connsiteY5" fmla="*/ 688 h 1084226"/>
+              <a:gd name="connsiteX0" fmla="*/ 0 w 2458326"/>
+              <a:gd name="connsiteY0" fmla="*/ 688 h 1084226"/>
+              <a:gd name="connsiteX1" fmla="*/ 0 w 2458326"/>
+              <a:gd name="connsiteY1" fmla="*/ 1084226 h 1084226"/>
+              <a:gd name="connsiteX2" fmla="*/ 2448272 w 2458326"/>
+              <a:gd name="connsiteY2" fmla="*/ 1084226 h 1084226"/>
+              <a:gd name="connsiteX3" fmla="*/ 1969786 w 2458326"/>
+              <a:gd name="connsiteY3" fmla="*/ 550562 h 1084226"/>
+              <a:gd name="connsiteX4" fmla="*/ 2458326 w 2458326"/>
+              <a:gd name="connsiteY4" fmla="*/ 0 h 1084226"/>
+              <a:gd name="connsiteX5" fmla="*/ 0 w 2458326"/>
+              <a:gd name="connsiteY5" fmla="*/ 688 h 1084226"/>
+              <a:gd name="connsiteX0" fmla="*/ 0 w 2458326"/>
+              <a:gd name="connsiteY0" fmla="*/ 688 h 1084226"/>
+              <a:gd name="connsiteX1" fmla="*/ 0 w 2458326"/>
+              <a:gd name="connsiteY1" fmla="*/ 1084226 h 1084226"/>
+              <a:gd name="connsiteX2" fmla="*/ 2448272 w 2458326"/>
+              <a:gd name="connsiteY2" fmla="*/ 1084226 h 1084226"/>
+              <a:gd name="connsiteX3" fmla="*/ 1967109 w 2458326"/>
+              <a:gd name="connsiteY3" fmla="*/ 534794 h 1084226"/>
+              <a:gd name="connsiteX4" fmla="*/ 2458326 w 2458326"/>
+              <a:gd name="connsiteY4" fmla="*/ 0 h 1084226"/>
+              <a:gd name="connsiteX5" fmla="*/ 0 w 2458326"/>
+              <a:gd name="connsiteY5" fmla="*/ 688 h 1084226"/>
+              <a:gd name="connsiteX0" fmla="*/ 0 w 2458326"/>
+              <a:gd name="connsiteY0" fmla="*/ 688 h 1084226"/>
+              <a:gd name="connsiteX1" fmla="*/ 0 w 2458326"/>
+              <a:gd name="connsiteY1" fmla="*/ 1084226 h 1084226"/>
+              <a:gd name="connsiteX2" fmla="*/ 2448272 w 2458326"/>
+              <a:gd name="connsiteY2" fmla="*/ 1084226 h 1084226"/>
+              <a:gd name="connsiteX3" fmla="*/ 1986041 w 2458326"/>
+              <a:gd name="connsiteY3" fmla="*/ 543482 h 1084226"/>
+              <a:gd name="connsiteX4" fmla="*/ 2458326 w 2458326"/>
+              <a:gd name="connsiteY4" fmla="*/ 0 h 1084226"/>
+              <a:gd name="connsiteX5" fmla="*/ 0 w 2458326"/>
+              <a:gd name="connsiteY5" fmla="*/ 688 h 1084226"/>
+            </a:gdLst>
+            <a:ahLst/>
+            <a:cxnLst>
+              <a:cxn ang="0">
+                <a:pos x="connsiteX0" y="connsiteY0"/>
+              </a:cxn>
+              <a:cxn ang="0">
+                <a:pos x="connsiteX1" y="connsiteY1"/>
+              </a:cxn>
+              <a:cxn ang="0">
+                <a:pos x="connsiteX2" y="connsiteY2"/>
+              </a:cxn>
+              <a:cxn ang="0">
+                <a:pos x="connsiteX3" y="connsiteY3"/>
+              </a:cxn>
+              <a:cxn ang="0">
+                <a:pos x="connsiteX4" y="connsiteY4"/>
+              </a:cxn>
+              <a:cxn ang="0">
+                <a:pos x="connsiteX5" y="connsiteY5"/>
+              </a:cxn>
+            </a:cxnLst>
+            <a:rect l="l" t="t" r="r" b="b"/>
+            <a:pathLst>
+              <a:path w="2458326" h="1084226">
+                <a:moveTo>
+                  <a:pt x="0" y="688"/>
+                </a:moveTo>
+                <a:lnTo>
+                  <a:pt x="0" y="1084226"/>
+                </a:lnTo>
+                <a:lnTo>
+                  <a:pt x="2448272" y="1084226"/>
+                </a:lnTo>
+                <a:lnTo>
+                  <a:pt x="1986041" y="543482"/>
+                </a:lnTo>
+                <a:lnTo>
+                  <a:pt x="2458326" y="0"/>
+                </a:lnTo>
+                <a:lnTo>
+                  <a:pt x="0" y="688"/>
+                </a:lnTo>
+                <a:close/>
+              </a:path>
+            </a:pathLst>
+          </a:custGeom>
+          <a:ln>
+            <a:noFill/>
+          </a:ln>
+        </p:spPr>
+        <p:style>
+          <a:lnRef idx="0">
+            <a:schemeClr val="lt1">
+              <a:hueOff val="0"/>
+              <a:satOff val="0"/>
+              <a:lumOff val="0"/>
+              <a:alphaOff val="0"/>
+            </a:schemeClr>
+          </a:lnRef>
+          <a:fillRef idx="3">
+            <a:schemeClr val="accent1">
+              <a:shade val="80000"/>
+              <a:hueOff val="0"/>
+              <a:satOff val="0"/>
+              <a:lumOff val="0"/>
+              <a:alphaOff val="0"/>
+            </a:schemeClr>
+          </a:fillRef>
+          <a:effectRef idx="2">
+            <a:schemeClr val="accent1">
+              <a:shade val="80000"/>
+              <a:hueOff val="0"/>
+              <a:satOff val="0"/>
+              <a:lumOff val="0"/>
+              <a:alphaOff val="0"/>
+            </a:schemeClr>
+          </a:effectRef>
+          <a:fontRef idx="minor">
+            <a:schemeClr val="lt1"/>
+          </a:fontRef>
+        </p:style>
+        <p:txBody>
+          <a:bodyPr spcFirstLastPara="0" vert="horz" wrap="square" lIns="282702" tIns="141351" rIns="338190" bIns="141351" numCol="1" spcCol="1270" anchor="ctr" anchorCtr="0">
+            <a:noAutofit/>
+          </a:bodyPr>
+          <a:lstStyle/>
+          <a:p>
+            <a:pPr algn="ctr" defTabSz="2355850">
+              <a:lnSpc>
+                <a:spcPct val="90000"/>
+              </a:lnSpc>
+              <a:spcBef>
+                <a:spcPct val="0"/>
+              </a:spcBef>
+              <a:spcAft>
+                <a:spcPct val="35000"/>
+              </a:spcAft>
+            </a:pPr>
+            <a:endParaRPr lang="de-AT" sz="5300"/>
+          </a:p>
+        </p:txBody>
+      </p:sp>
+      <p:sp>
+        <p:nvSpPr>
+          <p:cNvPr id="14" name="Rechteck 13"/>
+          <p:cNvSpPr/>
+          <p:nvPr/>
+        </p:nvSpPr>
+        <p:spPr>
+          <a:xfrm>
+            <a:off x="1005887" y="3716361"/>
+            <a:ext cx="1790875" cy="826380"/>
+          </a:xfrm>
+          <a:prstGeom prst="rect">
+            <a:avLst/>
+          </a:prstGeom>
+          <a:ln>
+            <a:noFill/>
+          </a:ln>
+        </p:spPr>
+        <p:txBody>
+          <a:bodyPr wrap="none">
+            <a:spAutoFit/>
+          </a:bodyPr>
+          <a:lstStyle/>
+          <a:p>
+            <a:pPr lvl="0" algn="ctr" defTabSz="2355850">
+              <a:lnSpc>
+                <a:spcPct val="90000"/>
+              </a:lnSpc>
+              <a:spcBef>
+                <a:spcPct val="0"/>
+              </a:spcBef>
+              <a:spcAft>
+                <a:spcPct val="35000"/>
+              </a:spcAft>
+            </a:pPr>
+            <a:r>
+              <a:rPr lang="en-GB" sz="5300" dirty="0" smtClean="0">
                 <a:solidFill>
                   <a:prstClr val="white"/>
                 </a:solidFill>
-              </a:endParaRPr>
-            </a:p>
-          </p:txBody>
-        </p:sp>
-      </p:grpSp>
-      <p:grpSp>
-        <p:nvGrpSpPr>
-          <p:cNvPr id="15" name="Gruppieren 14"/>
-          <p:cNvGrpSpPr/>
+              </a:rPr>
+              <a:t>phoss</a:t>
+            </a:r>
+            <a:endParaRPr lang="en-GB" sz="5300" dirty="0">
+              <a:solidFill>
+                <a:prstClr val="white"/>
+              </a:solidFill>
+            </a:endParaRPr>
+          </a:p>
+        </p:txBody>
+      </p:sp>
+      <p:sp>
+        <p:nvSpPr>
+          <p:cNvPr id="16" name="Pfeil nach links und rechts 15"/>
+          <p:cNvSpPr/>
           <p:nvPr/>
-        </p:nvGrpSpPr>
-        <p:grpSpPr>
+        </p:nvSpPr>
+        <p:spPr>
           <a:xfrm>
             <a:off x="2987824" y="4869160"/>
             <a:ext cx="2675137" cy="1057161"/>
-            <a:chOff x="2987824" y="2204864"/>
-            <a:chExt cx="2675137" cy="1057161"/>
           </a:xfrm>
+          <a:prstGeom prst="leftRightArrow">
+            <a:avLst>
+              <a:gd name="adj1" fmla="val 100000"/>
+              <a:gd name="adj2" fmla="val 50000"/>
+            </a:avLst>
+          </a:prstGeom>
           <a:solidFill>
             <a:srgbClr val="889EC3"/>
           </a:solidFill>
-          <a:effectLst/>
-        </p:grpSpPr>
-        <p:sp>
-          <p:nvSpPr>
-            <p:cNvPr id="16" name="Pfeil nach links und rechts 15"/>
-            <p:cNvSpPr/>
-            <p:nvPr/>
-          </p:nvSpPr>
-          <p:spPr>
-            <a:xfrm>
-              <a:off x="2987824" y="2204864"/>
-              <a:ext cx="2675137" cy="1057161"/>
-            </a:xfrm>
-            <a:prstGeom prst="leftRightArrow">
-              <a:avLst>
-                <a:gd name="adj1" fmla="val 100000"/>
-                <a:gd name="adj2" fmla="val 50000"/>
-              </a:avLst>
-            </a:prstGeom>
-            <a:grpFill/>
-            <a:ln>
-              <a:noFill/>
-            </a:ln>
-          </p:spPr>
-          <p:style>
-            <a:lnRef idx="0">
-              <a:schemeClr val="lt1">
-                <a:hueOff val="0"/>
-                <a:satOff val="0"/>
-                <a:lumOff val="0"/>
-                <a:alphaOff val="0"/>
-              </a:schemeClr>
-            </a:lnRef>
-            <a:fillRef idx="3">
-              <a:schemeClr val="accent1">
-                <a:shade val="80000"/>
-                <a:hueOff val="306246"/>
-                <a:satOff val="-4392"/>
-                <a:lumOff val="25615"/>
-                <a:alphaOff val="0"/>
-              </a:schemeClr>
-            </a:fillRef>
-            <a:effectRef idx="2">
-              <a:schemeClr val="accent1">
-                <a:shade val="80000"/>
-                <a:hueOff val="306246"/>
-                <a:satOff val="-4392"/>
-                <a:lumOff val="25615"/>
-                <a:alphaOff val="0"/>
-              </a:schemeClr>
-            </a:effectRef>
-            <a:fontRef idx="minor">
-              <a:schemeClr val="lt1"/>
-            </a:fontRef>
-          </p:style>
-          <p:txBody>
-            <a:bodyPr spcFirstLastPara="0" vert="horz" wrap="square" lIns="747054" tIns="141351" rIns="605703" bIns="141351" numCol="1" spcCol="1270" anchor="ctr" anchorCtr="0">
-              <a:noAutofit/>
-            </a:bodyPr>
-            <a:lstStyle/>
-            <a:p>
-              <a:pPr algn="ctr" defTabSz="2355850">
-                <a:lnSpc>
-                  <a:spcPct val="90000"/>
-                </a:lnSpc>
-                <a:spcBef>
-                  <a:spcPct val="0"/>
-                </a:spcBef>
-                <a:spcAft>
-                  <a:spcPct val="35000"/>
-                </a:spcAft>
-              </a:pPr>
-              <a:endParaRPr lang="en-GB" sz="5300" dirty="0"/>
-            </a:p>
-          </p:txBody>
-        </p:sp>
-        <p:sp>
-          <p:nvSpPr>
-            <p:cNvPr id="17" name="Rechteck 16"/>
-            <p:cNvSpPr/>
-            <p:nvPr/>
-          </p:nvSpPr>
-          <p:spPr>
-            <a:xfrm>
-              <a:off x="3635896" y="2348210"/>
-              <a:ext cx="1430200" cy="826380"/>
-            </a:xfrm>
-            <a:prstGeom prst="rect">
-              <a:avLst/>
-            </a:prstGeom>
-            <a:grpFill/>
-            <a:ln>
-              <a:noFill/>
-            </a:ln>
-          </p:spPr>
-          <p:txBody>
-            <a:bodyPr wrap="none">
-              <a:spAutoFit/>
-            </a:bodyPr>
-            <a:lstStyle/>
-            <a:p>
-              <a:pPr lvl="0" algn="ctr" defTabSz="2355850">
-                <a:lnSpc>
-                  <a:spcPct val="90000"/>
-                </a:lnSpc>
-                <a:spcBef>
-                  <a:spcPct val="0"/>
-                </a:spcBef>
-                <a:spcAft>
-                  <a:spcPct val="35000"/>
-                </a:spcAft>
-              </a:pPr>
-              <a:r>
-                <a:rPr lang="en-GB" sz="5300" dirty="0" smtClean="0">
-                  <a:solidFill>
-                    <a:prstClr val="white"/>
-                  </a:solidFill>
-                </a:rPr>
-                <a:t>SMP</a:t>
-              </a:r>
-              <a:endParaRPr lang="en-GB" sz="5300" dirty="0">
+          <a:ln>
+            <a:noFill/>
+          </a:ln>
+        </p:spPr>
+        <p:style>
+          <a:lnRef idx="0">
+            <a:schemeClr val="lt1">
+              <a:hueOff val="0"/>
+              <a:satOff val="0"/>
+              <a:lumOff val="0"/>
+              <a:alphaOff val="0"/>
+            </a:schemeClr>
+          </a:lnRef>
+          <a:fillRef idx="3">
+            <a:schemeClr val="accent1">
+              <a:shade val="80000"/>
+              <a:hueOff val="306246"/>
+              <a:satOff val="-4392"/>
+              <a:lumOff val="25615"/>
+              <a:alphaOff val="0"/>
+            </a:schemeClr>
+          </a:fillRef>
+          <a:effectRef idx="2">
+            <a:schemeClr val="accent1">
+              <a:shade val="80000"/>
+              <a:hueOff val="306246"/>
+              <a:satOff val="-4392"/>
+              <a:lumOff val="25615"/>
+              <a:alphaOff val="0"/>
+            </a:schemeClr>
+          </a:effectRef>
+          <a:fontRef idx="minor">
+            <a:schemeClr val="lt1"/>
+          </a:fontRef>
+        </p:style>
+        <p:txBody>
+          <a:bodyPr spcFirstLastPara="0" vert="horz" wrap="square" lIns="747054" tIns="141351" rIns="605703" bIns="141351" numCol="1" spcCol="1270" anchor="ctr" anchorCtr="0">
+            <a:noAutofit/>
+          </a:bodyPr>
+          <a:lstStyle/>
+          <a:p>
+            <a:pPr algn="ctr" defTabSz="2355850">
+              <a:lnSpc>
+                <a:spcPct val="90000"/>
+              </a:lnSpc>
+              <a:spcBef>
+                <a:spcPct val="0"/>
+              </a:spcBef>
+              <a:spcAft>
+                <a:spcPct val="35000"/>
+              </a:spcAft>
+            </a:pPr>
+            <a:endParaRPr lang="en-GB" sz="5300" dirty="0"/>
+          </a:p>
+        </p:txBody>
+      </p:sp>
+      <p:sp>
+        <p:nvSpPr>
+          <p:cNvPr id="17" name="Rechteck 16"/>
+          <p:cNvSpPr/>
+          <p:nvPr/>
+        </p:nvSpPr>
+        <p:spPr>
+          <a:xfrm>
+            <a:off x="3635896" y="5012506"/>
+            <a:ext cx="1430200" cy="826380"/>
+          </a:xfrm>
+          <a:prstGeom prst="rect">
+            <a:avLst/>
+          </a:prstGeom>
+          <a:solidFill>
+            <a:srgbClr val="889EC3"/>
+          </a:solidFill>
+          <a:ln>
+            <a:noFill/>
+          </a:ln>
+        </p:spPr>
+        <p:txBody>
+          <a:bodyPr wrap="none">
+            <a:spAutoFit/>
+          </a:bodyPr>
+          <a:lstStyle/>
+          <a:p>
+            <a:pPr lvl="0" algn="ctr" defTabSz="2355850">
+              <a:lnSpc>
+                <a:spcPct val="90000"/>
+              </a:lnSpc>
+              <a:spcBef>
+                <a:spcPct val="0"/>
+              </a:spcBef>
+              <a:spcAft>
+                <a:spcPct val="35000"/>
+              </a:spcAft>
+            </a:pPr>
+            <a:r>
+              <a:rPr lang="en-GB" sz="5300" dirty="0" smtClean="0">
                 <a:solidFill>
                   <a:prstClr val="white"/>
                 </a:solidFill>
-              </a:endParaRPr>
-            </a:p>
-          </p:txBody>
-        </p:sp>
-      </p:grpSp>
-      <p:grpSp>
-        <p:nvGrpSpPr>
-          <p:cNvPr id="18" name="Gruppieren 17"/>
-          <p:cNvGrpSpPr/>
+              </a:rPr>
+              <a:t>SMP</a:t>
+            </a:r>
+            <a:endParaRPr lang="en-GB" sz="5300" dirty="0">
+              <a:solidFill>
+                <a:prstClr val="white"/>
+              </a:solidFill>
+            </a:endParaRPr>
+          </a:p>
+        </p:txBody>
+      </p:sp>
+      <p:sp>
+        <p:nvSpPr>
+          <p:cNvPr id="19" name="Freihandform 18"/>
+          <p:cNvSpPr/>
           <p:nvPr/>
-        </p:nvGrpSpPr>
-        <p:grpSpPr>
+        </p:nvSpPr>
+        <p:spPr>
           <a:xfrm>
             <a:off x="711812" y="4872690"/>
             <a:ext cx="2818366" cy="1054949"/>
-            <a:chOff x="697690" y="840243"/>
-            <a:chExt cx="2818366" cy="1054949"/>
           </a:xfrm>
-          <a:effectLst/>
-        </p:grpSpPr>
-        <p:sp>
-          <p:nvSpPr>
-            <p:cNvPr id="19" name="Freihandform 18"/>
-            <p:cNvSpPr/>
-            <p:nvPr/>
-          </p:nvSpPr>
-          <p:spPr>
-            <a:xfrm>
-              <a:off x="697690" y="840243"/>
-              <a:ext cx="2818366" cy="1054949"/>
-            </a:xfrm>
-            <a:custGeom>
-              <a:avLst/>
-              <a:gdLst>
-                <a:gd name="connsiteX0" fmla="*/ 0 w 2436638"/>
-                <a:gd name="connsiteY0" fmla="*/ 0 h 1088823"/>
-                <a:gd name="connsiteX1" fmla="*/ 0 w 2436638"/>
-                <a:gd name="connsiteY1" fmla="*/ 1083538 h 1088823"/>
-                <a:gd name="connsiteX2" fmla="*/ 2436638 w 2436638"/>
-                <a:gd name="connsiteY2" fmla="*/ 1088823 h 1088823"/>
-                <a:gd name="connsiteX3" fmla="*/ 1908083 w 2436638"/>
-                <a:gd name="connsiteY3" fmla="*/ 533841 h 1088823"/>
-                <a:gd name="connsiteX4" fmla="*/ 2436638 w 2436638"/>
-                <a:gd name="connsiteY4" fmla="*/ 5286 h 1088823"/>
-                <a:gd name="connsiteX5" fmla="*/ 0 w 2436638"/>
-                <a:gd name="connsiteY5" fmla="*/ 0 h 1088823"/>
-                <a:gd name="connsiteX0" fmla="*/ 0 w 2448272"/>
-                <a:gd name="connsiteY0" fmla="*/ 0 h 1083538"/>
-                <a:gd name="connsiteX1" fmla="*/ 0 w 2448272"/>
-                <a:gd name="connsiteY1" fmla="*/ 1083538 h 1083538"/>
-                <a:gd name="connsiteX2" fmla="*/ 2448272 w 2448272"/>
-                <a:gd name="connsiteY2" fmla="*/ 1080120 h 1083538"/>
-                <a:gd name="connsiteX3" fmla="*/ 1908083 w 2448272"/>
-                <a:gd name="connsiteY3" fmla="*/ 533841 h 1083538"/>
-                <a:gd name="connsiteX4" fmla="*/ 2436638 w 2448272"/>
-                <a:gd name="connsiteY4" fmla="*/ 5286 h 1083538"/>
-                <a:gd name="connsiteX5" fmla="*/ 0 w 2448272"/>
-                <a:gd name="connsiteY5" fmla="*/ 0 h 1083538"/>
-                <a:gd name="connsiteX0" fmla="*/ 0 w 2592288"/>
-                <a:gd name="connsiteY0" fmla="*/ 0 h 1083538"/>
-                <a:gd name="connsiteX1" fmla="*/ 0 w 2592288"/>
-                <a:gd name="connsiteY1" fmla="*/ 1083538 h 1083538"/>
-                <a:gd name="connsiteX2" fmla="*/ 2592288 w 2592288"/>
-                <a:gd name="connsiteY2" fmla="*/ 1080120 h 1083538"/>
-                <a:gd name="connsiteX3" fmla="*/ 1908083 w 2592288"/>
-                <a:gd name="connsiteY3" fmla="*/ 533841 h 1083538"/>
-                <a:gd name="connsiteX4" fmla="*/ 2436638 w 2592288"/>
-                <a:gd name="connsiteY4" fmla="*/ 5286 h 1083538"/>
-                <a:gd name="connsiteX5" fmla="*/ 0 w 2592288"/>
-                <a:gd name="connsiteY5" fmla="*/ 0 h 1083538"/>
-                <a:gd name="connsiteX0" fmla="*/ 0 w 2436638"/>
-                <a:gd name="connsiteY0" fmla="*/ 0 h 1083538"/>
-                <a:gd name="connsiteX1" fmla="*/ 0 w 2436638"/>
-                <a:gd name="connsiteY1" fmla="*/ 1083538 h 1083538"/>
-                <a:gd name="connsiteX2" fmla="*/ 2376264 w 2436638"/>
-                <a:gd name="connsiteY2" fmla="*/ 1080120 h 1083538"/>
-                <a:gd name="connsiteX3" fmla="*/ 1908083 w 2436638"/>
-                <a:gd name="connsiteY3" fmla="*/ 533841 h 1083538"/>
-                <a:gd name="connsiteX4" fmla="*/ 2436638 w 2436638"/>
-                <a:gd name="connsiteY4" fmla="*/ 5286 h 1083538"/>
-                <a:gd name="connsiteX5" fmla="*/ 0 w 2436638"/>
-                <a:gd name="connsiteY5" fmla="*/ 0 h 1083538"/>
-                <a:gd name="connsiteX0" fmla="*/ 0 w 2448272"/>
-                <a:gd name="connsiteY0" fmla="*/ 0 h 1083538"/>
-                <a:gd name="connsiteX1" fmla="*/ 0 w 2448272"/>
-                <a:gd name="connsiteY1" fmla="*/ 1083538 h 1083538"/>
-                <a:gd name="connsiteX2" fmla="*/ 2448272 w 2448272"/>
-                <a:gd name="connsiteY2" fmla="*/ 1083538 h 1083538"/>
-                <a:gd name="connsiteX3" fmla="*/ 1908083 w 2448272"/>
-                <a:gd name="connsiteY3" fmla="*/ 533841 h 1083538"/>
-                <a:gd name="connsiteX4" fmla="*/ 2436638 w 2448272"/>
-                <a:gd name="connsiteY4" fmla="*/ 5286 h 1083538"/>
-                <a:gd name="connsiteX5" fmla="*/ 0 w 2448272"/>
-                <a:gd name="connsiteY5" fmla="*/ 0 h 1083538"/>
-                <a:gd name="connsiteX0" fmla="*/ 0 w 2448272"/>
-                <a:gd name="connsiteY0" fmla="*/ 0 h 1083538"/>
-                <a:gd name="connsiteX1" fmla="*/ 0 w 2448272"/>
-                <a:gd name="connsiteY1" fmla="*/ 1083538 h 1083538"/>
-                <a:gd name="connsiteX2" fmla="*/ 2448272 w 2448272"/>
-                <a:gd name="connsiteY2" fmla="*/ 1083538 h 1083538"/>
-                <a:gd name="connsiteX3" fmla="*/ 1908083 w 2448272"/>
-                <a:gd name="connsiteY3" fmla="*/ 533841 h 1083538"/>
-                <a:gd name="connsiteX4" fmla="*/ 2448272 w 2448272"/>
-                <a:gd name="connsiteY4" fmla="*/ 0 h 1083538"/>
-                <a:gd name="connsiteX5" fmla="*/ 0 w 2448272"/>
-                <a:gd name="connsiteY5" fmla="*/ 0 h 1083538"/>
-                <a:gd name="connsiteX0" fmla="*/ 0 w 2448272"/>
-                <a:gd name="connsiteY0" fmla="*/ 0 h 1083538"/>
-                <a:gd name="connsiteX1" fmla="*/ 0 w 2448272"/>
-                <a:gd name="connsiteY1" fmla="*/ 1083538 h 1083538"/>
-                <a:gd name="connsiteX2" fmla="*/ 2448272 w 2448272"/>
-                <a:gd name="connsiteY2" fmla="*/ 1083538 h 1083538"/>
-                <a:gd name="connsiteX3" fmla="*/ 1944216 w 2448272"/>
-                <a:gd name="connsiteY3" fmla="*/ 577887 h 1083538"/>
-                <a:gd name="connsiteX4" fmla="*/ 2448272 w 2448272"/>
-                <a:gd name="connsiteY4" fmla="*/ 0 h 1083538"/>
-                <a:gd name="connsiteX5" fmla="*/ 0 w 2448272"/>
-                <a:gd name="connsiteY5" fmla="*/ 0 h 1083538"/>
-                <a:gd name="connsiteX0" fmla="*/ 0 w 2448272"/>
-                <a:gd name="connsiteY0" fmla="*/ 0 h 1083538"/>
-                <a:gd name="connsiteX1" fmla="*/ 0 w 2448272"/>
-                <a:gd name="connsiteY1" fmla="*/ 1083538 h 1083538"/>
-                <a:gd name="connsiteX2" fmla="*/ 2448272 w 2448272"/>
-                <a:gd name="connsiteY2" fmla="*/ 1083538 h 1083538"/>
-                <a:gd name="connsiteX3" fmla="*/ 1944216 w 2448272"/>
-                <a:gd name="connsiteY3" fmla="*/ 577887 h 1083538"/>
-                <a:gd name="connsiteX4" fmla="*/ 2448272 w 2448272"/>
-                <a:gd name="connsiteY4" fmla="*/ 0 h 1083538"/>
-                <a:gd name="connsiteX5" fmla="*/ 0 w 2448272"/>
-                <a:gd name="connsiteY5" fmla="*/ 0 h 1083538"/>
-                <a:gd name="connsiteX0" fmla="*/ 0 w 2448272"/>
-                <a:gd name="connsiteY0" fmla="*/ 0 h 1083538"/>
-                <a:gd name="connsiteX1" fmla="*/ 0 w 2448272"/>
-                <a:gd name="connsiteY1" fmla="*/ 1083538 h 1083538"/>
-                <a:gd name="connsiteX2" fmla="*/ 2448272 w 2448272"/>
-                <a:gd name="connsiteY2" fmla="*/ 1083538 h 1083538"/>
-                <a:gd name="connsiteX3" fmla="*/ 1947580 w 2448272"/>
-                <a:gd name="connsiteY3" fmla="*/ 540280 h 1083538"/>
-                <a:gd name="connsiteX4" fmla="*/ 2448272 w 2448272"/>
-                <a:gd name="connsiteY4" fmla="*/ 0 h 1083538"/>
-                <a:gd name="connsiteX5" fmla="*/ 0 w 2448272"/>
-                <a:gd name="connsiteY5" fmla="*/ 0 h 1083538"/>
-                <a:gd name="connsiteX0" fmla="*/ 0 w 2448272"/>
-                <a:gd name="connsiteY0" fmla="*/ 0 h 1083538"/>
-                <a:gd name="connsiteX1" fmla="*/ 0 w 2448272"/>
-                <a:gd name="connsiteY1" fmla="*/ 1083538 h 1083538"/>
-                <a:gd name="connsiteX2" fmla="*/ 2448272 w 2448272"/>
-                <a:gd name="connsiteY2" fmla="*/ 1083538 h 1083538"/>
-                <a:gd name="connsiteX3" fmla="*/ 1917245 w 2448272"/>
-                <a:gd name="connsiteY3" fmla="*/ 540280 h 1083538"/>
-                <a:gd name="connsiteX4" fmla="*/ 2448272 w 2448272"/>
-                <a:gd name="connsiteY4" fmla="*/ 0 h 1083538"/>
-                <a:gd name="connsiteX5" fmla="*/ 0 w 2448272"/>
-                <a:gd name="connsiteY5" fmla="*/ 0 h 1083538"/>
-                <a:gd name="connsiteX0" fmla="*/ 0 w 2458326"/>
-                <a:gd name="connsiteY0" fmla="*/ 688 h 1084226"/>
-                <a:gd name="connsiteX1" fmla="*/ 0 w 2458326"/>
-                <a:gd name="connsiteY1" fmla="*/ 1084226 h 1084226"/>
-                <a:gd name="connsiteX2" fmla="*/ 2448272 w 2458326"/>
-                <a:gd name="connsiteY2" fmla="*/ 1084226 h 1084226"/>
-                <a:gd name="connsiteX3" fmla="*/ 1917245 w 2458326"/>
-                <a:gd name="connsiteY3" fmla="*/ 540968 h 1084226"/>
-                <a:gd name="connsiteX4" fmla="*/ 2458326 w 2458326"/>
-                <a:gd name="connsiteY4" fmla="*/ 0 h 1084226"/>
-                <a:gd name="connsiteX5" fmla="*/ 0 w 2458326"/>
-                <a:gd name="connsiteY5" fmla="*/ 688 h 1084226"/>
-                <a:gd name="connsiteX0" fmla="*/ 0 w 2458326"/>
-                <a:gd name="connsiteY0" fmla="*/ 688 h 1084226"/>
-                <a:gd name="connsiteX1" fmla="*/ 0 w 2458326"/>
-                <a:gd name="connsiteY1" fmla="*/ 1084226 h 1084226"/>
-                <a:gd name="connsiteX2" fmla="*/ 2448272 w 2458326"/>
-                <a:gd name="connsiteY2" fmla="*/ 1084226 h 1084226"/>
-                <a:gd name="connsiteX3" fmla="*/ 1924560 w 2458326"/>
-                <a:gd name="connsiteY3" fmla="*/ 540969 h 1084226"/>
-                <a:gd name="connsiteX4" fmla="*/ 2458326 w 2458326"/>
-                <a:gd name="connsiteY4" fmla="*/ 0 h 1084226"/>
-                <a:gd name="connsiteX5" fmla="*/ 0 w 2458326"/>
-                <a:gd name="connsiteY5" fmla="*/ 688 h 1084226"/>
-                <a:gd name="connsiteX0" fmla="*/ 0 w 2458326"/>
-                <a:gd name="connsiteY0" fmla="*/ 688 h 1084226"/>
-                <a:gd name="connsiteX1" fmla="*/ 0 w 2458326"/>
-                <a:gd name="connsiteY1" fmla="*/ 1084226 h 1084226"/>
-                <a:gd name="connsiteX2" fmla="*/ 2448272 w 2458326"/>
-                <a:gd name="connsiteY2" fmla="*/ 1084226 h 1084226"/>
-                <a:gd name="connsiteX3" fmla="*/ 1987315 w 2458326"/>
-                <a:gd name="connsiteY3" fmla="*/ 550559 h 1084226"/>
-                <a:gd name="connsiteX4" fmla="*/ 2458326 w 2458326"/>
-                <a:gd name="connsiteY4" fmla="*/ 0 h 1084226"/>
-                <a:gd name="connsiteX5" fmla="*/ 0 w 2458326"/>
-                <a:gd name="connsiteY5" fmla="*/ 688 h 1084226"/>
-                <a:gd name="connsiteX0" fmla="*/ 0 w 2458326"/>
-                <a:gd name="connsiteY0" fmla="*/ 688 h 1084226"/>
-                <a:gd name="connsiteX1" fmla="*/ 0 w 2458326"/>
-                <a:gd name="connsiteY1" fmla="*/ 1084226 h 1084226"/>
-                <a:gd name="connsiteX2" fmla="*/ 2448272 w 2458326"/>
-                <a:gd name="connsiteY2" fmla="*/ 1084226 h 1084226"/>
-                <a:gd name="connsiteX3" fmla="*/ 1969786 w 2458326"/>
-                <a:gd name="connsiteY3" fmla="*/ 524741 h 1084226"/>
-                <a:gd name="connsiteX4" fmla="*/ 2458326 w 2458326"/>
-                <a:gd name="connsiteY4" fmla="*/ 0 h 1084226"/>
-                <a:gd name="connsiteX5" fmla="*/ 0 w 2458326"/>
-                <a:gd name="connsiteY5" fmla="*/ 688 h 1084226"/>
-                <a:gd name="connsiteX0" fmla="*/ 0 w 2458326"/>
-                <a:gd name="connsiteY0" fmla="*/ 688 h 1084226"/>
-                <a:gd name="connsiteX1" fmla="*/ 0 w 2458326"/>
-                <a:gd name="connsiteY1" fmla="*/ 1084226 h 1084226"/>
-                <a:gd name="connsiteX2" fmla="*/ 2448272 w 2458326"/>
-                <a:gd name="connsiteY2" fmla="*/ 1084226 h 1084226"/>
-                <a:gd name="connsiteX3" fmla="*/ 1969786 w 2458326"/>
-                <a:gd name="connsiteY3" fmla="*/ 560887 h 1084226"/>
-                <a:gd name="connsiteX4" fmla="*/ 2458326 w 2458326"/>
-                <a:gd name="connsiteY4" fmla="*/ 0 h 1084226"/>
-                <a:gd name="connsiteX5" fmla="*/ 0 w 2458326"/>
-                <a:gd name="connsiteY5" fmla="*/ 688 h 1084226"/>
-                <a:gd name="connsiteX0" fmla="*/ 0 w 2458326"/>
-                <a:gd name="connsiteY0" fmla="*/ 688 h 1084226"/>
-                <a:gd name="connsiteX1" fmla="*/ 0 w 2458326"/>
-                <a:gd name="connsiteY1" fmla="*/ 1084226 h 1084226"/>
-                <a:gd name="connsiteX2" fmla="*/ 2448272 w 2458326"/>
-                <a:gd name="connsiteY2" fmla="*/ 1084226 h 1084226"/>
-                <a:gd name="connsiteX3" fmla="*/ 1965404 w 2458326"/>
-                <a:gd name="connsiteY3" fmla="*/ 524741 h 1084226"/>
-                <a:gd name="connsiteX4" fmla="*/ 2458326 w 2458326"/>
-                <a:gd name="connsiteY4" fmla="*/ 0 h 1084226"/>
-                <a:gd name="connsiteX5" fmla="*/ 0 w 2458326"/>
-                <a:gd name="connsiteY5" fmla="*/ 688 h 1084226"/>
-                <a:gd name="connsiteX0" fmla="*/ 0 w 2458326"/>
-                <a:gd name="connsiteY0" fmla="*/ 688 h 1084226"/>
-                <a:gd name="connsiteX1" fmla="*/ 0 w 2458326"/>
-                <a:gd name="connsiteY1" fmla="*/ 1084226 h 1084226"/>
-                <a:gd name="connsiteX2" fmla="*/ 2448272 w 2458326"/>
-                <a:gd name="connsiteY2" fmla="*/ 1084226 h 1084226"/>
-                <a:gd name="connsiteX3" fmla="*/ 1969786 w 2458326"/>
-                <a:gd name="connsiteY3" fmla="*/ 550560 h 1084226"/>
-                <a:gd name="connsiteX4" fmla="*/ 2458326 w 2458326"/>
-                <a:gd name="connsiteY4" fmla="*/ 0 h 1084226"/>
-                <a:gd name="connsiteX5" fmla="*/ 0 w 2458326"/>
-                <a:gd name="connsiteY5" fmla="*/ 688 h 1084226"/>
-                <a:gd name="connsiteX0" fmla="*/ 0 w 2458326"/>
-                <a:gd name="connsiteY0" fmla="*/ 688 h 1084226"/>
-                <a:gd name="connsiteX1" fmla="*/ 0 w 2458326"/>
-                <a:gd name="connsiteY1" fmla="*/ 1084226 h 1084226"/>
-                <a:gd name="connsiteX2" fmla="*/ 2448272 w 2458326"/>
-                <a:gd name="connsiteY2" fmla="*/ 1084226 h 1084226"/>
-                <a:gd name="connsiteX3" fmla="*/ 1972462 w 2458326"/>
-                <a:gd name="connsiteY3" fmla="*/ 534793 h 1084226"/>
-                <a:gd name="connsiteX4" fmla="*/ 2458326 w 2458326"/>
-                <a:gd name="connsiteY4" fmla="*/ 0 h 1084226"/>
-                <a:gd name="connsiteX5" fmla="*/ 0 w 2458326"/>
-                <a:gd name="connsiteY5" fmla="*/ 688 h 1084226"/>
-                <a:gd name="connsiteX0" fmla="*/ 0 w 2458326"/>
-                <a:gd name="connsiteY0" fmla="*/ 688 h 1084226"/>
-                <a:gd name="connsiteX1" fmla="*/ 0 w 2458326"/>
-                <a:gd name="connsiteY1" fmla="*/ 1084226 h 1084226"/>
-                <a:gd name="connsiteX2" fmla="*/ 2448272 w 2458326"/>
-                <a:gd name="connsiteY2" fmla="*/ 1084226 h 1084226"/>
-                <a:gd name="connsiteX3" fmla="*/ 1972462 w 2458326"/>
-                <a:gd name="connsiteY3" fmla="*/ 550561 h 1084226"/>
-                <a:gd name="connsiteX4" fmla="*/ 2458326 w 2458326"/>
-                <a:gd name="connsiteY4" fmla="*/ 0 h 1084226"/>
-                <a:gd name="connsiteX5" fmla="*/ 0 w 2458326"/>
-                <a:gd name="connsiteY5" fmla="*/ 688 h 1084226"/>
-                <a:gd name="connsiteX0" fmla="*/ 0 w 2458326"/>
-                <a:gd name="connsiteY0" fmla="*/ 688 h 1084226"/>
-                <a:gd name="connsiteX1" fmla="*/ 0 w 2458326"/>
-                <a:gd name="connsiteY1" fmla="*/ 1084226 h 1084226"/>
-                <a:gd name="connsiteX2" fmla="*/ 2448272 w 2458326"/>
-                <a:gd name="connsiteY2" fmla="*/ 1084226 h 1084226"/>
-                <a:gd name="connsiteX3" fmla="*/ 1972462 w 2458326"/>
-                <a:gd name="connsiteY3" fmla="*/ 534793 h 1084226"/>
-                <a:gd name="connsiteX4" fmla="*/ 2458326 w 2458326"/>
-                <a:gd name="connsiteY4" fmla="*/ 0 h 1084226"/>
-                <a:gd name="connsiteX5" fmla="*/ 0 w 2458326"/>
-                <a:gd name="connsiteY5" fmla="*/ 688 h 1084226"/>
-                <a:gd name="connsiteX0" fmla="*/ 0 w 2458326"/>
-                <a:gd name="connsiteY0" fmla="*/ 688 h 1084226"/>
-                <a:gd name="connsiteX1" fmla="*/ 0 w 2458326"/>
-                <a:gd name="connsiteY1" fmla="*/ 1084226 h 1084226"/>
-                <a:gd name="connsiteX2" fmla="*/ 2448272 w 2458326"/>
-                <a:gd name="connsiteY2" fmla="*/ 1084226 h 1084226"/>
-                <a:gd name="connsiteX3" fmla="*/ 1969786 w 2458326"/>
-                <a:gd name="connsiteY3" fmla="*/ 550562 h 1084226"/>
-                <a:gd name="connsiteX4" fmla="*/ 2458326 w 2458326"/>
-                <a:gd name="connsiteY4" fmla="*/ 0 h 1084226"/>
-                <a:gd name="connsiteX5" fmla="*/ 0 w 2458326"/>
-                <a:gd name="connsiteY5" fmla="*/ 688 h 1084226"/>
-                <a:gd name="connsiteX0" fmla="*/ 0 w 2458326"/>
-                <a:gd name="connsiteY0" fmla="*/ 688 h 1084226"/>
-                <a:gd name="connsiteX1" fmla="*/ 0 w 2458326"/>
-                <a:gd name="connsiteY1" fmla="*/ 1084226 h 1084226"/>
-                <a:gd name="connsiteX2" fmla="*/ 2448272 w 2458326"/>
-                <a:gd name="connsiteY2" fmla="*/ 1084226 h 1084226"/>
-                <a:gd name="connsiteX3" fmla="*/ 1967109 w 2458326"/>
-                <a:gd name="connsiteY3" fmla="*/ 534794 h 1084226"/>
-                <a:gd name="connsiteX4" fmla="*/ 2458326 w 2458326"/>
-                <a:gd name="connsiteY4" fmla="*/ 0 h 1084226"/>
-                <a:gd name="connsiteX5" fmla="*/ 0 w 2458326"/>
-                <a:gd name="connsiteY5" fmla="*/ 688 h 1084226"/>
-                <a:gd name="connsiteX0" fmla="*/ 0 w 2458326"/>
-                <a:gd name="connsiteY0" fmla="*/ 688 h 1084226"/>
-                <a:gd name="connsiteX1" fmla="*/ 0 w 2458326"/>
-                <a:gd name="connsiteY1" fmla="*/ 1084226 h 1084226"/>
-                <a:gd name="connsiteX2" fmla="*/ 2448272 w 2458326"/>
-                <a:gd name="connsiteY2" fmla="*/ 1084226 h 1084226"/>
-                <a:gd name="connsiteX3" fmla="*/ 1986041 w 2458326"/>
-                <a:gd name="connsiteY3" fmla="*/ 543482 h 1084226"/>
-                <a:gd name="connsiteX4" fmla="*/ 2458326 w 2458326"/>
-                <a:gd name="connsiteY4" fmla="*/ 0 h 1084226"/>
-                <a:gd name="connsiteX5" fmla="*/ 0 w 2458326"/>
-                <a:gd name="connsiteY5" fmla="*/ 688 h 1084226"/>
-              </a:gdLst>
-              <a:ahLst/>
-              <a:cxnLst>
-                <a:cxn ang="0">
-                  <a:pos x="connsiteX0" y="connsiteY0"/>
-                </a:cxn>
-                <a:cxn ang="0">
-                  <a:pos x="connsiteX1" y="connsiteY1"/>
-                </a:cxn>
-                <a:cxn ang="0">
-                  <a:pos x="connsiteX2" y="connsiteY2"/>
-                </a:cxn>
-                <a:cxn ang="0">
-                  <a:pos x="connsiteX3" y="connsiteY3"/>
-                </a:cxn>
-                <a:cxn ang="0">
-                  <a:pos x="connsiteX4" y="connsiteY4"/>
-                </a:cxn>
-                <a:cxn ang="0">
-                  <a:pos x="connsiteX5" y="connsiteY5"/>
-                </a:cxn>
-              </a:cxnLst>
-              <a:rect l="l" t="t" r="r" b="b"/>
-              <a:pathLst>
-                <a:path w="2458326" h="1084226">
-                  <a:moveTo>
-                    <a:pt x="0" y="688"/>
-                  </a:moveTo>
-                  <a:lnTo>
-                    <a:pt x="0" y="1084226"/>
-                  </a:lnTo>
-                  <a:lnTo>
-                    <a:pt x="2448272" y="1084226"/>
-                  </a:lnTo>
-                  <a:lnTo>
-                    <a:pt x="1986041" y="543482"/>
-                  </a:lnTo>
-                  <a:lnTo>
-                    <a:pt x="2458326" y="0"/>
-                  </a:lnTo>
-                  <a:lnTo>
-                    <a:pt x="0" y="688"/>
-                  </a:lnTo>
-                  <a:close/>
-                </a:path>
-              </a:pathLst>
-            </a:custGeom>
-            <a:solidFill>
-              <a:srgbClr val="2F63A2"/>
-            </a:solidFill>
-            <a:ln>
-              <a:noFill/>
-            </a:ln>
-          </p:spPr>
-          <p:style>
-            <a:lnRef idx="0">
-              <a:schemeClr val="lt1">
-                <a:hueOff val="0"/>
-                <a:satOff val="0"/>
-                <a:lumOff val="0"/>
-                <a:alphaOff val="0"/>
-              </a:schemeClr>
-            </a:lnRef>
-            <a:fillRef idx="3">
-              <a:schemeClr val="accent1">
-                <a:shade val="80000"/>
-                <a:hueOff val="0"/>
-                <a:satOff val="0"/>
-                <a:lumOff val="0"/>
-                <a:alphaOff val="0"/>
-              </a:schemeClr>
-            </a:fillRef>
-            <a:effectRef idx="2">
-              <a:schemeClr val="accent1">
-                <a:shade val="80000"/>
-                <a:hueOff val="0"/>
-                <a:satOff val="0"/>
-                <a:lumOff val="0"/>
-                <a:alphaOff val="0"/>
-              </a:schemeClr>
-            </a:effectRef>
-            <a:fontRef idx="minor">
-              <a:schemeClr val="lt1"/>
-            </a:fontRef>
-          </p:style>
-          <p:txBody>
-            <a:bodyPr spcFirstLastPara="0" vert="horz" wrap="square" lIns="282702" tIns="141351" rIns="338190" bIns="141351" numCol="1" spcCol="1270" anchor="ctr" anchorCtr="0">
-              <a:noAutofit/>
-            </a:bodyPr>
-            <a:lstStyle/>
-            <a:p>
-              <a:pPr algn="ctr" defTabSz="2355850">
-                <a:lnSpc>
-                  <a:spcPct val="90000"/>
-                </a:lnSpc>
-                <a:spcBef>
-                  <a:spcPct val="0"/>
-                </a:spcBef>
-                <a:spcAft>
-                  <a:spcPct val="35000"/>
-                </a:spcAft>
-              </a:pPr>
-              <a:endParaRPr lang="de-AT" sz="5300"/>
-            </a:p>
-          </p:txBody>
-        </p:sp>
-        <p:sp>
-          <p:nvSpPr>
-            <p:cNvPr id="20" name="Rechteck 19"/>
-            <p:cNvSpPr/>
-            <p:nvPr/>
-          </p:nvSpPr>
-          <p:spPr>
-            <a:xfrm>
-              <a:off x="991765" y="980058"/>
-              <a:ext cx="1790875" cy="826380"/>
-            </a:xfrm>
-            <a:prstGeom prst="rect">
-              <a:avLst/>
-            </a:prstGeom>
-            <a:ln>
-              <a:noFill/>
-            </a:ln>
-          </p:spPr>
-          <p:txBody>
-            <a:bodyPr wrap="none">
-              <a:spAutoFit/>
-            </a:bodyPr>
-            <a:lstStyle/>
-            <a:p>
-              <a:pPr lvl="0" algn="ctr" defTabSz="2355850">
-                <a:lnSpc>
-                  <a:spcPct val="90000"/>
-                </a:lnSpc>
-                <a:spcBef>
-                  <a:spcPct val="0"/>
-                </a:spcBef>
-                <a:spcAft>
-                  <a:spcPct val="35000"/>
-                </a:spcAft>
-              </a:pPr>
-              <a:r>
-                <a:rPr lang="en-GB" sz="5300" dirty="0" smtClean="0">
-                  <a:solidFill>
-                    <a:prstClr val="white"/>
-                  </a:solidFill>
-                </a:rPr>
-                <a:t>phoss</a:t>
-              </a:r>
-              <a:endParaRPr lang="en-GB" sz="5300" dirty="0">
+          <a:custGeom>
+            <a:avLst/>
+            <a:gdLst>
+              <a:gd name="connsiteX0" fmla="*/ 0 w 2436638"/>
+              <a:gd name="connsiteY0" fmla="*/ 0 h 1088823"/>
+              <a:gd name="connsiteX1" fmla="*/ 0 w 2436638"/>
+              <a:gd name="connsiteY1" fmla="*/ 1083538 h 1088823"/>
+              <a:gd name="connsiteX2" fmla="*/ 2436638 w 2436638"/>
+              <a:gd name="connsiteY2" fmla="*/ 1088823 h 1088823"/>
+              <a:gd name="connsiteX3" fmla="*/ 1908083 w 2436638"/>
+              <a:gd name="connsiteY3" fmla="*/ 533841 h 1088823"/>
+              <a:gd name="connsiteX4" fmla="*/ 2436638 w 2436638"/>
+              <a:gd name="connsiteY4" fmla="*/ 5286 h 1088823"/>
+              <a:gd name="connsiteX5" fmla="*/ 0 w 2436638"/>
+              <a:gd name="connsiteY5" fmla="*/ 0 h 1088823"/>
+              <a:gd name="connsiteX0" fmla="*/ 0 w 2448272"/>
+              <a:gd name="connsiteY0" fmla="*/ 0 h 1083538"/>
+              <a:gd name="connsiteX1" fmla="*/ 0 w 2448272"/>
+              <a:gd name="connsiteY1" fmla="*/ 1083538 h 1083538"/>
+              <a:gd name="connsiteX2" fmla="*/ 2448272 w 2448272"/>
+              <a:gd name="connsiteY2" fmla="*/ 1080120 h 1083538"/>
+              <a:gd name="connsiteX3" fmla="*/ 1908083 w 2448272"/>
+              <a:gd name="connsiteY3" fmla="*/ 533841 h 1083538"/>
+              <a:gd name="connsiteX4" fmla="*/ 2436638 w 2448272"/>
+              <a:gd name="connsiteY4" fmla="*/ 5286 h 1083538"/>
+              <a:gd name="connsiteX5" fmla="*/ 0 w 2448272"/>
+              <a:gd name="connsiteY5" fmla="*/ 0 h 1083538"/>
+              <a:gd name="connsiteX0" fmla="*/ 0 w 2592288"/>
+              <a:gd name="connsiteY0" fmla="*/ 0 h 1083538"/>
+              <a:gd name="connsiteX1" fmla="*/ 0 w 2592288"/>
+              <a:gd name="connsiteY1" fmla="*/ 1083538 h 1083538"/>
+              <a:gd name="connsiteX2" fmla="*/ 2592288 w 2592288"/>
+              <a:gd name="connsiteY2" fmla="*/ 1080120 h 1083538"/>
+              <a:gd name="connsiteX3" fmla="*/ 1908083 w 2592288"/>
+              <a:gd name="connsiteY3" fmla="*/ 533841 h 1083538"/>
+              <a:gd name="connsiteX4" fmla="*/ 2436638 w 2592288"/>
+              <a:gd name="connsiteY4" fmla="*/ 5286 h 1083538"/>
+              <a:gd name="connsiteX5" fmla="*/ 0 w 2592288"/>
+              <a:gd name="connsiteY5" fmla="*/ 0 h 1083538"/>
+              <a:gd name="connsiteX0" fmla="*/ 0 w 2436638"/>
+              <a:gd name="connsiteY0" fmla="*/ 0 h 1083538"/>
+              <a:gd name="connsiteX1" fmla="*/ 0 w 2436638"/>
+              <a:gd name="connsiteY1" fmla="*/ 1083538 h 1083538"/>
+              <a:gd name="connsiteX2" fmla="*/ 2376264 w 2436638"/>
+              <a:gd name="connsiteY2" fmla="*/ 1080120 h 1083538"/>
+              <a:gd name="connsiteX3" fmla="*/ 1908083 w 2436638"/>
+              <a:gd name="connsiteY3" fmla="*/ 533841 h 1083538"/>
+              <a:gd name="connsiteX4" fmla="*/ 2436638 w 2436638"/>
+              <a:gd name="connsiteY4" fmla="*/ 5286 h 1083538"/>
+              <a:gd name="connsiteX5" fmla="*/ 0 w 2436638"/>
+              <a:gd name="connsiteY5" fmla="*/ 0 h 1083538"/>
+              <a:gd name="connsiteX0" fmla="*/ 0 w 2448272"/>
+              <a:gd name="connsiteY0" fmla="*/ 0 h 1083538"/>
+              <a:gd name="connsiteX1" fmla="*/ 0 w 2448272"/>
+              <a:gd name="connsiteY1" fmla="*/ 1083538 h 1083538"/>
+              <a:gd name="connsiteX2" fmla="*/ 2448272 w 2448272"/>
+              <a:gd name="connsiteY2" fmla="*/ 1083538 h 1083538"/>
+              <a:gd name="connsiteX3" fmla="*/ 1908083 w 2448272"/>
+              <a:gd name="connsiteY3" fmla="*/ 533841 h 1083538"/>
+              <a:gd name="connsiteX4" fmla="*/ 2436638 w 2448272"/>
+              <a:gd name="connsiteY4" fmla="*/ 5286 h 1083538"/>
+              <a:gd name="connsiteX5" fmla="*/ 0 w 2448272"/>
+              <a:gd name="connsiteY5" fmla="*/ 0 h 1083538"/>
+              <a:gd name="connsiteX0" fmla="*/ 0 w 2448272"/>
+              <a:gd name="connsiteY0" fmla="*/ 0 h 1083538"/>
+              <a:gd name="connsiteX1" fmla="*/ 0 w 2448272"/>
+              <a:gd name="connsiteY1" fmla="*/ 1083538 h 1083538"/>
+              <a:gd name="connsiteX2" fmla="*/ 2448272 w 2448272"/>
+              <a:gd name="connsiteY2" fmla="*/ 1083538 h 1083538"/>
+              <a:gd name="connsiteX3" fmla="*/ 1908083 w 2448272"/>
+              <a:gd name="connsiteY3" fmla="*/ 533841 h 1083538"/>
+              <a:gd name="connsiteX4" fmla="*/ 2448272 w 2448272"/>
+              <a:gd name="connsiteY4" fmla="*/ 0 h 1083538"/>
+              <a:gd name="connsiteX5" fmla="*/ 0 w 2448272"/>
+              <a:gd name="connsiteY5" fmla="*/ 0 h 1083538"/>
+              <a:gd name="connsiteX0" fmla="*/ 0 w 2448272"/>
+              <a:gd name="connsiteY0" fmla="*/ 0 h 1083538"/>
+              <a:gd name="connsiteX1" fmla="*/ 0 w 2448272"/>
+              <a:gd name="connsiteY1" fmla="*/ 1083538 h 1083538"/>
+              <a:gd name="connsiteX2" fmla="*/ 2448272 w 2448272"/>
+              <a:gd name="connsiteY2" fmla="*/ 1083538 h 1083538"/>
+              <a:gd name="connsiteX3" fmla="*/ 1944216 w 2448272"/>
+              <a:gd name="connsiteY3" fmla="*/ 577887 h 1083538"/>
+              <a:gd name="connsiteX4" fmla="*/ 2448272 w 2448272"/>
+              <a:gd name="connsiteY4" fmla="*/ 0 h 1083538"/>
+              <a:gd name="connsiteX5" fmla="*/ 0 w 2448272"/>
+              <a:gd name="connsiteY5" fmla="*/ 0 h 1083538"/>
+              <a:gd name="connsiteX0" fmla="*/ 0 w 2448272"/>
+              <a:gd name="connsiteY0" fmla="*/ 0 h 1083538"/>
+              <a:gd name="connsiteX1" fmla="*/ 0 w 2448272"/>
+              <a:gd name="connsiteY1" fmla="*/ 1083538 h 1083538"/>
+              <a:gd name="connsiteX2" fmla="*/ 2448272 w 2448272"/>
+              <a:gd name="connsiteY2" fmla="*/ 1083538 h 1083538"/>
+              <a:gd name="connsiteX3" fmla="*/ 1944216 w 2448272"/>
+              <a:gd name="connsiteY3" fmla="*/ 577887 h 1083538"/>
+              <a:gd name="connsiteX4" fmla="*/ 2448272 w 2448272"/>
+              <a:gd name="connsiteY4" fmla="*/ 0 h 1083538"/>
+              <a:gd name="connsiteX5" fmla="*/ 0 w 2448272"/>
+              <a:gd name="connsiteY5" fmla="*/ 0 h 1083538"/>
+              <a:gd name="connsiteX0" fmla="*/ 0 w 2448272"/>
+              <a:gd name="connsiteY0" fmla="*/ 0 h 1083538"/>
+              <a:gd name="connsiteX1" fmla="*/ 0 w 2448272"/>
+              <a:gd name="connsiteY1" fmla="*/ 1083538 h 1083538"/>
+              <a:gd name="connsiteX2" fmla="*/ 2448272 w 2448272"/>
+              <a:gd name="connsiteY2" fmla="*/ 1083538 h 1083538"/>
+              <a:gd name="connsiteX3" fmla="*/ 1947580 w 2448272"/>
+              <a:gd name="connsiteY3" fmla="*/ 540280 h 1083538"/>
+              <a:gd name="connsiteX4" fmla="*/ 2448272 w 2448272"/>
+              <a:gd name="connsiteY4" fmla="*/ 0 h 1083538"/>
+              <a:gd name="connsiteX5" fmla="*/ 0 w 2448272"/>
+              <a:gd name="connsiteY5" fmla="*/ 0 h 1083538"/>
+              <a:gd name="connsiteX0" fmla="*/ 0 w 2448272"/>
+              <a:gd name="connsiteY0" fmla="*/ 0 h 1083538"/>
+              <a:gd name="connsiteX1" fmla="*/ 0 w 2448272"/>
+              <a:gd name="connsiteY1" fmla="*/ 1083538 h 1083538"/>
+              <a:gd name="connsiteX2" fmla="*/ 2448272 w 2448272"/>
+              <a:gd name="connsiteY2" fmla="*/ 1083538 h 1083538"/>
+              <a:gd name="connsiteX3" fmla="*/ 1917245 w 2448272"/>
+              <a:gd name="connsiteY3" fmla="*/ 540280 h 1083538"/>
+              <a:gd name="connsiteX4" fmla="*/ 2448272 w 2448272"/>
+              <a:gd name="connsiteY4" fmla="*/ 0 h 1083538"/>
+              <a:gd name="connsiteX5" fmla="*/ 0 w 2448272"/>
+              <a:gd name="connsiteY5" fmla="*/ 0 h 1083538"/>
+              <a:gd name="connsiteX0" fmla="*/ 0 w 2458326"/>
+              <a:gd name="connsiteY0" fmla="*/ 688 h 1084226"/>
+              <a:gd name="connsiteX1" fmla="*/ 0 w 2458326"/>
+              <a:gd name="connsiteY1" fmla="*/ 1084226 h 1084226"/>
+              <a:gd name="connsiteX2" fmla="*/ 2448272 w 2458326"/>
+              <a:gd name="connsiteY2" fmla="*/ 1084226 h 1084226"/>
+              <a:gd name="connsiteX3" fmla="*/ 1917245 w 2458326"/>
+              <a:gd name="connsiteY3" fmla="*/ 540968 h 1084226"/>
+              <a:gd name="connsiteX4" fmla="*/ 2458326 w 2458326"/>
+              <a:gd name="connsiteY4" fmla="*/ 0 h 1084226"/>
+              <a:gd name="connsiteX5" fmla="*/ 0 w 2458326"/>
+              <a:gd name="connsiteY5" fmla="*/ 688 h 1084226"/>
+              <a:gd name="connsiteX0" fmla="*/ 0 w 2458326"/>
+              <a:gd name="connsiteY0" fmla="*/ 688 h 1084226"/>
+              <a:gd name="connsiteX1" fmla="*/ 0 w 2458326"/>
+              <a:gd name="connsiteY1" fmla="*/ 1084226 h 1084226"/>
+              <a:gd name="connsiteX2" fmla="*/ 2448272 w 2458326"/>
+              <a:gd name="connsiteY2" fmla="*/ 1084226 h 1084226"/>
+              <a:gd name="connsiteX3" fmla="*/ 1924560 w 2458326"/>
+              <a:gd name="connsiteY3" fmla="*/ 540969 h 1084226"/>
+              <a:gd name="connsiteX4" fmla="*/ 2458326 w 2458326"/>
+              <a:gd name="connsiteY4" fmla="*/ 0 h 1084226"/>
+              <a:gd name="connsiteX5" fmla="*/ 0 w 2458326"/>
+              <a:gd name="connsiteY5" fmla="*/ 688 h 1084226"/>
+              <a:gd name="connsiteX0" fmla="*/ 0 w 2458326"/>
+              <a:gd name="connsiteY0" fmla="*/ 688 h 1084226"/>
+              <a:gd name="connsiteX1" fmla="*/ 0 w 2458326"/>
+              <a:gd name="connsiteY1" fmla="*/ 1084226 h 1084226"/>
+              <a:gd name="connsiteX2" fmla="*/ 2448272 w 2458326"/>
+              <a:gd name="connsiteY2" fmla="*/ 1084226 h 1084226"/>
+              <a:gd name="connsiteX3" fmla="*/ 1987315 w 2458326"/>
+              <a:gd name="connsiteY3" fmla="*/ 550559 h 1084226"/>
+              <a:gd name="connsiteX4" fmla="*/ 2458326 w 2458326"/>
+              <a:gd name="connsiteY4" fmla="*/ 0 h 1084226"/>
+              <a:gd name="connsiteX5" fmla="*/ 0 w 2458326"/>
+              <a:gd name="connsiteY5" fmla="*/ 688 h 1084226"/>
+              <a:gd name="connsiteX0" fmla="*/ 0 w 2458326"/>
+              <a:gd name="connsiteY0" fmla="*/ 688 h 1084226"/>
+              <a:gd name="connsiteX1" fmla="*/ 0 w 2458326"/>
+              <a:gd name="connsiteY1" fmla="*/ 1084226 h 1084226"/>
+              <a:gd name="connsiteX2" fmla="*/ 2448272 w 2458326"/>
+              <a:gd name="connsiteY2" fmla="*/ 1084226 h 1084226"/>
+              <a:gd name="connsiteX3" fmla="*/ 1969786 w 2458326"/>
+              <a:gd name="connsiteY3" fmla="*/ 524741 h 1084226"/>
+              <a:gd name="connsiteX4" fmla="*/ 2458326 w 2458326"/>
+              <a:gd name="connsiteY4" fmla="*/ 0 h 1084226"/>
+              <a:gd name="connsiteX5" fmla="*/ 0 w 2458326"/>
+              <a:gd name="connsiteY5" fmla="*/ 688 h 1084226"/>
+              <a:gd name="connsiteX0" fmla="*/ 0 w 2458326"/>
+              <a:gd name="connsiteY0" fmla="*/ 688 h 1084226"/>
+              <a:gd name="connsiteX1" fmla="*/ 0 w 2458326"/>
+              <a:gd name="connsiteY1" fmla="*/ 1084226 h 1084226"/>
+              <a:gd name="connsiteX2" fmla="*/ 2448272 w 2458326"/>
+              <a:gd name="connsiteY2" fmla="*/ 1084226 h 1084226"/>
+              <a:gd name="connsiteX3" fmla="*/ 1969786 w 2458326"/>
+              <a:gd name="connsiteY3" fmla="*/ 560887 h 1084226"/>
+              <a:gd name="connsiteX4" fmla="*/ 2458326 w 2458326"/>
+              <a:gd name="connsiteY4" fmla="*/ 0 h 1084226"/>
+              <a:gd name="connsiteX5" fmla="*/ 0 w 2458326"/>
+              <a:gd name="connsiteY5" fmla="*/ 688 h 1084226"/>
+              <a:gd name="connsiteX0" fmla="*/ 0 w 2458326"/>
+              <a:gd name="connsiteY0" fmla="*/ 688 h 1084226"/>
+              <a:gd name="connsiteX1" fmla="*/ 0 w 2458326"/>
+              <a:gd name="connsiteY1" fmla="*/ 1084226 h 1084226"/>
+              <a:gd name="connsiteX2" fmla="*/ 2448272 w 2458326"/>
+              <a:gd name="connsiteY2" fmla="*/ 1084226 h 1084226"/>
+              <a:gd name="connsiteX3" fmla="*/ 1965404 w 2458326"/>
+              <a:gd name="connsiteY3" fmla="*/ 524741 h 1084226"/>
+              <a:gd name="connsiteX4" fmla="*/ 2458326 w 2458326"/>
+              <a:gd name="connsiteY4" fmla="*/ 0 h 1084226"/>
+              <a:gd name="connsiteX5" fmla="*/ 0 w 2458326"/>
+              <a:gd name="connsiteY5" fmla="*/ 688 h 1084226"/>
+              <a:gd name="connsiteX0" fmla="*/ 0 w 2458326"/>
+              <a:gd name="connsiteY0" fmla="*/ 688 h 1084226"/>
+              <a:gd name="connsiteX1" fmla="*/ 0 w 2458326"/>
+              <a:gd name="connsiteY1" fmla="*/ 1084226 h 1084226"/>
+              <a:gd name="connsiteX2" fmla="*/ 2448272 w 2458326"/>
+              <a:gd name="connsiteY2" fmla="*/ 1084226 h 1084226"/>
+              <a:gd name="connsiteX3" fmla="*/ 1969786 w 2458326"/>
+              <a:gd name="connsiteY3" fmla="*/ 550560 h 1084226"/>
+              <a:gd name="connsiteX4" fmla="*/ 2458326 w 2458326"/>
+              <a:gd name="connsiteY4" fmla="*/ 0 h 1084226"/>
+              <a:gd name="connsiteX5" fmla="*/ 0 w 2458326"/>
+              <a:gd name="connsiteY5" fmla="*/ 688 h 1084226"/>
+              <a:gd name="connsiteX0" fmla="*/ 0 w 2458326"/>
+              <a:gd name="connsiteY0" fmla="*/ 688 h 1084226"/>
+              <a:gd name="connsiteX1" fmla="*/ 0 w 2458326"/>
+              <a:gd name="connsiteY1" fmla="*/ 1084226 h 1084226"/>
+              <a:gd name="connsiteX2" fmla="*/ 2448272 w 2458326"/>
+              <a:gd name="connsiteY2" fmla="*/ 1084226 h 1084226"/>
+              <a:gd name="connsiteX3" fmla="*/ 1972462 w 2458326"/>
+              <a:gd name="connsiteY3" fmla="*/ 534793 h 1084226"/>
+              <a:gd name="connsiteX4" fmla="*/ 2458326 w 2458326"/>
+              <a:gd name="connsiteY4" fmla="*/ 0 h 1084226"/>
+              <a:gd name="connsiteX5" fmla="*/ 0 w 2458326"/>
+              <a:gd name="connsiteY5" fmla="*/ 688 h 1084226"/>
+              <a:gd name="connsiteX0" fmla="*/ 0 w 2458326"/>
+              <a:gd name="connsiteY0" fmla="*/ 688 h 1084226"/>
+              <a:gd name="connsiteX1" fmla="*/ 0 w 2458326"/>
+              <a:gd name="connsiteY1" fmla="*/ 1084226 h 1084226"/>
+              <a:gd name="connsiteX2" fmla="*/ 2448272 w 2458326"/>
+              <a:gd name="connsiteY2" fmla="*/ 1084226 h 1084226"/>
+              <a:gd name="connsiteX3" fmla="*/ 1972462 w 2458326"/>
+              <a:gd name="connsiteY3" fmla="*/ 550561 h 1084226"/>
+              <a:gd name="connsiteX4" fmla="*/ 2458326 w 2458326"/>
+              <a:gd name="connsiteY4" fmla="*/ 0 h 1084226"/>
+              <a:gd name="connsiteX5" fmla="*/ 0 w 2458326"/>
+              <a:gd name="connsiteY5" fmla="*/ 688 h 1084226"/>
+              <a:gd name="connsiteX0" fmla="*/ 0 w 2458326"/>
+              <a:gd name="connsiteY0" fmla="*/ 688 h 1084226"/>
+              <a:gd name="connsiteX1" fmla="*/ 0 w 2458326"/>
+              <a:gd name="connsiteY1" fmla="*/ 1084226 h 1084226"/>
+              <a:gd name="connsiteX2" fmla="*/ 2448272 w 2458326"/>
+              <a:gd name="connsiteY2" fmla="*/ 1084226 h 1084226"/>
+              <a:gd name="connsiteX3" fmla="*/ 1972462 w 2458326"/>
+              <a:gd name="connsiteY3" fmla="*/ 534793 h 1084226"/>
+              <a:gd name="connsiteX4" fmla="*/ 2458326 w 2458326"/>
+              <a:gd name="connsiteY4" fmla="*/ 0 h 1084226"/>
+              <a:gd name="connsiteX5" fmla="*/ 0 w 2458326"/>
+              <a:gd name="connsiteY5" fmla="*/ 688 h 1084226"/>
+              <a:gd name="connsiteX0" fmla="*/ 0 w 2458326"/>
+              <a:gd name="connsiteY0" fmla="*/ 688 h 1084226"/>
+              <a:gd name="connsiteX1" fmla="*/ 0 w 2458326"/>
+              <a:gd name="connsiteY1" fmla="*/ 1084226 h 1084226"/>
+              <a:gd name="connsiteX2" fmla="*/ 2448272 w 2458326"/>
+              <a:gd name="connsiteY2" fmla="*/ 1084226 h 1084226"/>
+              <a:gd name="connsiteX3" fmla="*/ 1969786 w 2458326"/>
+              <a:gd name="connsiteY3" fmla="*/ 550562 h 1084226"/>
+              <a:gd name="connsiteX4" fmla="*/ 2458326 w 2458326"/>
+              <a:gd name="connsiteY4" fmla="*/ 0 h 1084226"/>
+              <a:gd name="connsiteX5" fmla="*/ 0 w 2458326"/>
+              <a:gd name="connsiteY5" fmla="*/ 688 h 1084226"/>
+              <a:gd name="connsiteX0" fmla="*/ 0 w 2458326"/>
+              <a:gd name="connsiteY0" fmla="*/ 688 h 1084226"/>
+              <a:gd name="connsiteX1" fmla="*/ 0 w 2458326"/>
+              <a:gd name="connsiteY1" fmla="*/ 1084226 h 1084226"/>
+              <a:gd name="connsiteX2" fmla="*/ 2448272 w 2458326"/>
+              <a:gd name="connsiteY2" fmla="*/ 1084226 h 1084226"/>
+              <a:gd name="connsiteX3" fmla="*/ 1967109 w 2458326"/>
+              <a:gd name="connsiteY3" fmla="*/ 534794 h 1084226"/>
+              <a:gd name="connsiteX4" fmla="*/ 2458326 w 2458326"/>
+              <a:gd name="connsiteY4" fmla="*/ 0 h 1084226"/>
+              <a:gd name="connsiteX5" fmla="*/ 0 w 2458326"/>
+              <a:gd name="connsiteY5" fmla="*/ 688 h 1084226"/>
+              <a:gd name="connsiteX0" fmla="*/ 0 w 2458326"/>
+              <a:gd name="connsiteY0" fmla="*/ 688 h 1084226"/>
+              <a:gd name="connsiteX1" fmla="*/ 0 w 2458326"/>
+              <a:gd name="connsiteY1" fmla="*/ 1084226 h 1084226"/>
+              <a:gd name="connsiteX2" fmla="*/ 2448272 w 2458326"/>
+              <a:gd name="connsiteY2" fmla="*/ 1084226 h 1084226"/>
+              <a:gd name="connsiteX3" fmla="*/ 1986041 w 2458326"/>
+              <a:gd name="connsiteY3" fmla="*/ 543482 h 1084226"/>
+              <a:gd name="connsiteX4" fmla="*/ 2458326 w 2458326"/>
+              <a:gd name="connsiteY4" fmla="*/ 0 h 1084226"/>
+              <a:gd name="connsiteX5" fmla="*/ 0 w 2458326"/>
+              <a:gd name="connsiteY5" fmla="*/ 688 h 1084226"/>
+            </a:gdLst>
+            <a:ahLst/>
+            <a:cxnLst>
+              <a:cxn ang="0">
+                <a:pos x="connsiteX0" y="connsiteY0"/>
+              </a:cxn>
+              <a:cxn ang="0">
+                <a:pos x="connsiteX1" y="connsiteY1"/>
+              </a:cxn>
+              <a:cxn ang="0">
+                <a:pos x="connsiteX2" y="connsiteY2"/>
+              </a:cxn>
+              <a:cxn ang="0">
+                <a:pos x="connsiteX3" y="connsiteY3"/>
+              </a:cxn>
+              <a:cxn ang="0">
+                <a:pos x="connsiteX4" y="connsiteY4"/>
+              </a:cxn>
+              <a:cxn ang="0">
+                <a:pos x="connsiteX5" y="connsiteY5"/>
+              </a:cxn>
+            </a:cxnLst>
+            <a:rect l="l" t="t" r="r" b="b"/>
+            <a:pathLst>
+              <a:path w="2458326" h="1084226">
+                <a:moveTo>
+                  <a:pt x="0" y="688"/>
+                </a:moveTo>
+                <a:lnTo>
+                  <a:pt x="0" y="1084226"/>
+                </a:lnTo>
+                <a:lnTo>
+                  <a:pt x="2448272" y="1084226"/>
+                </a:lnTo>
+                <a:lnTo>
+                  <a:pt x="1986041" y="543482"/>
+                </a:lnTo>
+                <a:lnTo>
+                  <a:pt x="2458326" y="0"/>
+                </a:lnTo>
+                <a:lnTo>
+                  <a:pt x="0" y="688"/>
+                </a:lnTo>
+                <a:close/>
+              </a:path>
+            </a:pathLst>
+          </a:custGeom>
+          <a:solidFill>
+            <a:srgbClr val="2F63A2"/>
+          </a:solidFill>
+          <a:ln>
+            <a:noFill/>
+          </a:ln>
+        </p:spPr>
+        <p:style>
+          <a:lnRef idx="0">
+            <a:schemeClr val="lt1">
+              <a:hueOff val="0"/>
+              <a:satOff val="0"/>
+              <a:lumOff val="0"/>
+              <a:alphaOff val="0"/>
+            </a:schemeClr>
+          </a:lnRef>
+          <a:fillRef idx="3">
+            <a:schemeClr val="accent1">
+              <a:shade val="80000"/>
+              <a:hueOff val="0"/>
+              <a:satOff val="0"/>
+              <a:lumOff val="0"/>
+              <a:alphaOff val="0"/>
+            </a:schemeClr>
+          </a:fillRef>
+          <a:effectRef idx="2">
+            <a:schemeClr val="accent1">
+              <a:shade val="80000"/>
+              <a:hueOff val="0"/>
+              <a:satOff val="0"/>
+              <a:lumOff val="0"/>
+              <a:alphaOff val="0"/>
+            </a:schemeClr>
+          </a:effectRef>
+          <a:fontRef idx="minor">
+            <a:schemeClr val="lt1"/>
+          </a:fontRef>
+        </p:style>
+        <p:txBody>
+          <a:bodyPr spcFirstLastPara="0" vert="horz" wrap="square" lIns="282702" tIns="141351" rIns="338190" bIns="141351" numCol="1" spcCol="1270" anchor="ctr" anchorCtr="0">
+            <a:noAutofit/>
+          </a:bodyPr>
+          <a:lstStyle/>
+          <a:p>
+            <a:pPr algn="ctr" defTabSz="2355850">
+              <a:lnSpc>
+                <a:spcPct val="90000"/>
+              </a:lnSpc>
+              <a:spcBef>
+                <a:spcPct val="0"/>
+              </a:spcBef>
+              <a:spcAft>
+                <a:spcPct val="35000"/>
+              </a:spcAft>
+            </a:pPr>
+            <a:endParaRPr lang="de-AT" sz="5300"/>
+          </a:p>
+        </p:txBody>
+      </p:sp>
+      <p:sp>
+        <p:nvSpPr>
+          <p:cNvPr id="20" name="Rechteck 19"/>
+          <p:cNvSpPr/>
+          <p:nvPr/>
+        </p:nvSpPr>
+        <p:spPr>
+          <a:xfrm>
+            <a:off x="1005887" y="5012505"/>
+            <a:ext cx="1790875" cy="826380"/>
+          </a:xfrm>
+          <a:prstGeom prst="rect">
+            <a:avLst/>
+          </a:prstGeom>
+          <a:ln>
+            <a:noFill/>
+          </a:ln>
+        </p:spPr>
+        <p:txBody>
+          <a:bodyPr wrap="none">
+            <a:spAutoFit/>
+          </a:bodyPr>
+          <a:lstStyle/>
+          <a:p>
+            <a:pPr lvl="0" algn="ctr" defTabSz="2355850">
+              <a:lnSpc>
+                <a:spcPct val="90000"/>
+              </a:lnSpc>
+              <a:spcBef>
+                <a:spcPct val="0"/>
+              </a:spcBef>
+              <a:spcAft>
+                <a:spcPct val="35000"/>
+              </a:spcAft>
+            </a:pPr>
+            <a:r>
+              <a:rPr lang="en-GB" sz="5300" dirty="0" smtClean="0">
                 <a:solidFill>
                   <a:prstClr val="white"/>
                 </a:solidFill>
-              </a:endParaRPr>
-            </a:p>
-          </p:txBody>
-        </p:sp>
-      </p:grpSp>
+              </a:rPr>
+              <a:t>phoss</a:t>
+            </a:r>
+            <a:endParaRPr lang="en-GB" sz="5300" dirty="0">
+              <a:solidFill>
+                <a:prstClr val="white"/>
+              </a:solidFill>
+            </a:endParaRPr>
+          </a:p>
+        </p:txBody>
+      </p:sp>
       <p:sp>
         <p:nvSpPr>
           <p:cNvPr id="21" name="Textfeld 20"/>
@@ -8233,7 +8573,7 @@
     </p:spTree>
     <p:extLst>
       <p:ext uri="{BB962C8B-B14F-4D97-AF65-F5344CB8AC3E}">
-        <p14:creationId xmlns="" xmlns:p14="http://schemas.microsoft.com/office/powerpoint/2010/main" val="1762469512"/>
+        <p14:creationId xmlns:p14="http://schemas.microsoft.com/office/powerpoint/2010/main" xmlns="" val="1762469512"/>
       </p:ext>
     </p:extLst>
   </p:cSld>
@@ -8930,7 +9270,7 @@
     </p:spTree>
     <p:extLst>
       <p:ext uri="{BB962C8B-B14F-4D97-AF65-F5344CB8AC3E}">
-        <p14:creationId xmlns="" xmlns:p14="http://schemas.microsoft.com/office/powerpoint/2010/main" val="3253931056"/>
+        <p14:creationId xmlns:p14="http://schemas.microsoft.com/office/powerpoint/2010/main" xmlns="" val="3253931056"/>
       </p:ext>
     </p:extLst>
   </p:cSld>
@@ -9641,7 +9981,7 @@
     </p:spTree>
     <p:extLst>
       <p:ext uri="{BB962C8B-B14F-4D97-AF65-F5344CB8AC3E}">
-        <p14:creationId xmlns="" xmlns:p14="http://schemas.microsoft.com/office/powerpoint/2010/main" val="2713637103"/>
+        <p14:creationId xmlns:p14="http://schemas.microsoft.com/office/powerpoint/2010/main" xmlns="" val="2713637103"/>
       </p:ext>
     </p:extLst>
   </p:cSld>
@@ -10367,7 +10707,7 @@
     </p:spTree>
     <p:extLst>
       <p:ext uri="{BB962C8B-B14F-4D97-AF65-F5344CB8AC3E}">
-        <p14:creationId xmlns="" xmlns:p14="http://schemas.microsoft.com/office/powerpoint/2010/main" val="2005497483"/>
+        <p14:creationId xmlns:p14="http://schemas.microsoft.com/office/powerpoint/2010/main" xmlns="" val="2005497483"/>
       </p:ext>
     </p:extLst>
   </p:cSld>
@@ -11144,7 +11484,7 @@
     </p:spTree>
     <p:extLst>
       <p:ext uri="{BB962C8B-B14F-4D97-AF65-F5344CB8AC3E}">
-        <p14:creationId xmlns="" xmlns:p14="http://schemas.microsoft.com/office/powerpoint/2010/main" val="1477494203"/>
+        <p14:creationId xmlns:p14="http://schemas.microsoft.com/office/powerpoint/2010/main" xmlns="" val="1477494203"/>
       </p:ext>
     </p:extLst>
   </p:cSld>
@@ -12122,7 +12462,7 @@
     </p:spTree>
     <p:extLst>
       <p:ext uri="{BB962C8B-B14F-4D97-AF65-F5344CB8AC3E}">
-        <p14:creationId xmlns="" xmlns:p14="http://schemas.microsoft.com/office/powerpoint/2010/main" val="387717997"/>
+        <p14:creationId xmlns:p14="http://schemas.microsoft.com/office/powerpoint/2010/main" xmlns="" val="387717997"/>
       </p:ext>
     </p:extLst>
   </p:cSld>
@@ -13629,7 +13969,7 @@
     </p:spTree>
     <p:extLst>
       <p:ext uri="{BB962C8B-B14F-4D97-AF65-F5344CB8AC3E}">
-        <p14:creationId xmlns="" xmlns:p14="http://schemas.microsoft.com/office/powerpoint/2010/main" val="3689794309"/>
+        <p14:creationId xmlns:p14="http://schemas.microsoft.com/office/powerpoint/2010/main" xmlns="" val="3689794309"/>
       </p:ext>
     </p:extLst>
   </p:cSld>
@@ -15721,7 +16061,7 @@
     </p:spTree>
     <p:extLst>
       <p:ext uri="{BB962C8B-B14F-4D97-AF65-F5344CB8AC3E}">
-        <p14:creationId xmlns="" xmlns:p14="http://schemas.microsoft.com/office/powerpoint/2010/main" val="3689794309"/>
+        <p14:creationId xmlns:p14="http://schemas.microsoft.com/office/powerpoint/2010/main" xmlns="" val="3689794309"/>
       </p:ext>
     </p:extLst>
   </p:cSld>
@@ -16021,4 +16361,287 @@
   <a:objectDefaults/>
   <a:extraClrSchemeLst/>
 </a:theme>
+</file>
+
+<file path=ppt/theme/theme2.xml><?xml version="1.0" encoding="utf-8"?>
+<a:theme xmlns:a="http://schemas.openxmlformats.org/drawingml/2006/main" name="Larissa-Design">
+  <a:themeElements>
+    <a:clrScheme name="Larissa">
+      <a:dk1>
+        <a:sysClr val="windowText" lastClr="000000"/>
+      </a:dk1>
+      <a:lt1>
+        <a:sysClr val="window" lastClr="FFFFFF"/>
+      </a:lt1>
+      <a:dk2>
+        <a:srgbClr val="1F497D"/>
+      </a:dk2>
+      <a:lt2>
+        <a:srgbClr val="EEECE1"/>
+      </a:lt2>
+      <a:accent1>
+        <a:srgbClr val="4F81BD"/>
+      </a:accent1>
+      <a:accent2>
+        <a:srgbClr val="C0504D"/>
+      </a:accent2>
+      <a:accent3>
+        <a:srgbClr val="9BBB59"/>
+      </a:accent3>
+      <a:accent4>
+        <a:srgbClr val="8064A2"/>
+      </a:accent4>
+      <a:accent5>
+        <a:srgbClr val="4BACC6"/>
+      </a:accent5>
+      <a:accent6>
+        <a:srgbClr val="F79646"/>
+      </a:accent6>
+      <a:hlink>
+        <a:srgbClr val="0000FF"/>
+      </a:hlink>
+      <a:folHlink>
+        <a:srgbClr val="800080"/>
+      </a:folHlink>
+    </a:clrScheme>
+    <a:fontScheme name="Larissa">
+      <a:majorFont>
+        <a:latin typeface="Calibri"/>
+        <a:ea typeface=""/>
+        <a:cs typeface=""/>
+        <a:font script="Jpan" typeface="ＭＳ Ｐゴシック"/>
+        <a:font script="Hang" typeface="맑은 고딕"/>
+        <a:font script="Hans" typeface="宋体"/>
+        <a:font script="Hant" typeface="新細明體"/>
+        <a:font script="Arab" typeface="Times New Roman"/>
+        <a:font script="Hebr" typeface="Times New Roman"/>
+        <a:font script="Thai" typeface="Angsana New"/>
+        <a:font script="Ethi" typeface="Nyala"/>
+        <a:font script="Beng" typeface="Vrinda"/>
+        <a:font script="Gujr" typeface="Shruti"/>
+        <a:font script="Khmr" typeface="MoolBoran"/>
+        <a:font script="Knda" typeface="Tunga"/>
+        <a:font script="Guru" typeface="Raavi"/>
+        <a:font script="Cans" typeface="Euphemia"/>
+        <a:font script="Cher" typeface="Plantagenet Cherokee"/>
+        <a:font script="Yiii" typeface="Microsoft Yi Baiti"/>
+        <a:font script="Tibt" typeface="Microsoft Himalaya"/>
+        <a:font script="Thaa" typeface="MV Boli"/>
+        <a:font script="Deva" typeface="Mangal"/>
+        <a:font script="Telu" typeface="Gautami"/>
+        <a:font script="Taml" typeface="Latha"/>
+        <a:font script="Syrc" typeface="Estrangelo Edessa"/>
+        <a:font script="Orya" typeface="Kalinga"/>
+        <a:font script="Mlym" typeface="Kartika"/>
+        <a:font script="Laoo" typeface="DokChampa"/>
+        <a:font script="Sinh" typeface="Iskoola Pota"/>
+        <a:font script="Mong" typeface="Mongolian Baiti"/>
+        <a:font script="Viet" typeface="Times New Roman"/>
+        <a:font script="Uigh" typeface="Microsoft Uighur"/>
+      </a:majorFont>
+      <a:minorFont>
+        <a:latin typeface="Calibri"/>
+        <a:ea typeface=""/>
+        <a:cs typeface=""/>
+        <a:font script="Jpan" typeface="ＭＳ Ｐゴシック"/>
+        <a:font script="Hang" typeface="맑은 고딕"/>
+        <a:font script="Hans" typeface="宋体"/>
+        <a:font script="Hant" typeface="新細明體"/>
+        <a:font script="Arab" typeface="Arial"/>
+        <a:font script="Hebr" typeface="Arial"/>
+        <a:font script="Thai" typeface="Cordia New"/>
+        <a:font script="Ethi" typeface="Nyala"/>
+        <a:font script="Beng" typeface="Vrinda"/>
+        <a:font script="Gujr" typeface="Shruti"/>
+        <a:font script="Khmr" typeface="DaunPenh"/>
+        <a:font script="Knda" typeface="Tunga"/>
+        <a:font script="Guru" typeface="Raavi"/>
+        <a:font script="Cans" typeface="Euphemia"/>
+        <a:font script="Cher" typeface="Plantagenet Cherokee"/>
+        <a:font script="Yiii" typeface="Microsoft Yi Baiti"/>
+        <a:font script="Tibt" typeface="Microsoft Himalaya"/>
+        <a:font script="Thaa" typeface="MV Boli"/>
+        <a:font script="Deva" typeface="Mangal"/>
+        <a:font script="Telu" typeface="Gautami"/>
+        <a:font script="Taml" typeface="Latha"/>
+        <a:font script="Syrc" typeface="Estrangelo Edessa"/>
+        <a:font script="Orya" typeface="Kalinga"/>
+        <a:font script="Mlym" typeface="Kartika"/>
+        <a:font script="Laoo" typeface="DokChampa"/>
+        <a:font script="Sinh" typeface="Iskoola Pota"/>
+        <a:font script="Mong" typeface="Mongolian Baiti"/>
+        <a:font script="Viet" typeface="Arial"/>
+        <a:font script="Uigh" typeface="Microsoft Uighur"/>
+      </a:minorFont>
+    </a:fontScheme>
+    <a:fmtScheme name="Larissa">
+      <a:fillStyleLst>
+        <a:solidFill>
+          <a:schemeClr val="phClr"/>
+        </a:solidFill>
+        <a:gradFill rotWithShape="1">
+          <a:gsLst>
+            <a:gs pos="0">
+              <a:schemeClr val="phClr">
+                <a:tint val="50000"/>
+                <a:satMod val="300000"/>
+              </a:schemeClr>
+            </a:gs>
+            <a:gs pos="35000">
+              <a:schemeClr val="phClr">
+                <a:tint val="37000"/>
+                <a:satMod val="300000"/>
+              </a:schemeClr>
+            </a:gs>
+            <a:gs pos="100000">
+              <a:schemeClr val="phClr">
+                <a:tint val="15000"/>
+                <a:satMod val="350000"/>
+              </a:schemeClr>
+            </a:gs>
+          </a:gsLst>
+          <a:lin ang="16200000" scaled="1"/>
+        </a:gradFill>
+        <a:gradFill rotWithShape="1">
+          <a:gsLst>
+            <a:gs pos="0">
+              <a:schemeClr val="phClr">
+                <a:shade val="51000"/>
+                <a:satMod val="130000"/>
+              </a:schemeClr>
+            </a:gs>
+            <a:gs pos="80000">
+              <a:schemeClr val="phClr">
+                <a:shade val="93000"/>
+                <a:satMod val="130000"/>
+              </a:schemeClr>
+            </a:gs>
+            <a:gs pos="100000">
+              <a:schemeClr val="phClr">
+                <a:shade val="94000"/>
+                <a:satMod val="135000"/>
+              </a:schemeClr>
+            </a:gs>
+          </a:gsLst>
+          <a:lin ang="16200000" scaled="0"/>
+        </a:gradFill>
+      </a:fillStyleLst>
+      <a:lnStyleLst>
+        <a:ln w="9525" cap="flat" cmpd="sng" algn="ctr">
+          <a:solidFill>
+            <a:schemeClr val="phClr">
+              <a:shade val="95000"/>
+              <a:satMod val="105000"/>
+            </a:schemeClr>
+          </a:solidFill>
+          <a:prstDash val="solid"/>
+        </a:ln>
+        <a:ln w="25400" cap="flat" cmpd="sng" algn="ctr">
+          <a:solidFill>
+            <a:schemeClr val="phClr"/>
+          </a:solidFill>
+          <a:prstDash val="solid"/>
+        </a:ln>
+        <a:ln w="38100" cap="flat" cmpd="sng" algn="ctr">
+          <a:solidFill>
+            <a:schemeClr val="phClr"/>
+          </a:solidFill>
+          <a:prstDash val="solid"/>
+        </a:ln>
+      </a:lnStyleLst>
+      <a:effectStyleLst>
+        <a:effectStyle>
+          <a:effectLst>
+            <a:outerShdw blurRad="40000" dist="20000" dir="5400000" rotWithShape="0">
+              <a:srgbClr val="000000">
+                <a:alpha val="38000"/>
+              </a:srgbClr>
+            </a:outerShdw>
+          </a:effectLst>
+        </a:effectStyle>
+        <a:effectStyle>
+          <a:effectLst>
+            <a:outerShdw blurRad="40000" dist="23000" dir="5400000" rotWithShape="0">
+              <a:srgbClr val="000000">
+                <a:alpha val="35000"/>
+              </a:srgbClr>
+            </a:outerShdw>
+          </a:effectLst>
+        </a:effectStyle>
+        <a:effectStyle>
+          <a:effectLst>
+            <a:outerShdw blurRad="40000" dist="23000" dir="5400000" rotWithShape="0">
+              <a:srgbClr val="000000">
+                <a:alpha val="35000"/>
+              </a:srgbClr>
+            </a:outerShdw>
+          </a:effectLst>
+          <a:scene3d>
+            <a:camera prst="orthographicFront">
+              <a:rot lat="0" lon="0" rev="0"/>
+            </a:camera>
+            <a:lightRig rig="threePt" dir="t">
+              <a:rot lat="0" lon="0" rev="1200000"/>
+            </a:lightRig>
+          </a:scene3d>
+          <a:sp3d>
+            <a:bevelT w="63500" h="25400"/>
+          </a:sp3d>
+        </a:effectStyle>
+      </a:effectStyleLst>
+      <a:bgFillStyleLst>
+        <a:solidFill>
+          <a:schemeClr val="phClr"/>
+        </a:solidFill>
+        <a:gradFill rotWithShape="1">
+          <a:gsLst>
+            <a:gs pos="0">
+              <a:schemeClr val="phClr">
+                <a:tint val="40000"/>
+                <a:satMod val="350000"/>
+              </a:schemeClr>
+            </a:gs>
+            <a:gs pos="40000">
+              <a:schemeClr val="phClr">
+                <a:tint val="45000"/>
+                <a:shade val="99000"/>
+                <a:satMod val="350000"/>
+              </a:schemeClr>
+            </a:gs>
+            <a:gs pos="100000">
+              <a:schemeClr val="phClr">
+                <a:shade val="20000"/>
+                <a:satMod val="255000"/>
+              </a:schemeClr>
+            </a:gs>
+          </a:gsLst>
+          <a:path path="circle">
+            <a:fillToRect l="50000" t="-80000" r="50000" b="180000"/>
+          </a:path>
+        </a:gradFill>
+        <a:gradFill rotWithShape="1">
+          <a:gsLst>
+            <a:gs pos="0">
+              <a:schemeClr val="phClr">
+                <a:tint val="80000"/>
+                <a:satMod val="300000"/>
+              </a:schemeClr>
+            </a:gs>
+            <a:gs pos="100000">
+              <a:schemeClr val="phClr">
+                <a:shade val="30000"/>
+                <a:satMod val="200000"/>
+              </a:schemeClr>
+            </a:gs>
+          </a:gsLst>
+          <a:path path="circle">
+            <a:fillToRect l="50000" t="50000" r="50000" b="50000"/>
+          </a:path>
+        </a:gradFill>
+      </a:bgFillStyleLst>
+    </a:fmtScheme>
+  </a:themeElements>
+  <a:objectDefaults/>
+  <a:extraClrSchemeLst/>
+</a:theme>
 </file>